--- a/present_python.pptx
+++ b/present_python.pptx
@@ -3712,9 +3712,9 @@
           </p:nvPr>
         </p:nvSpPr>
         <p:spPr bwMode="auto">
-          <a:xfrm>
-            <a:off x="838198" y="1825624"/>
-            <a:ext cx="5181599" cy="4351338"/>
+          <a:xfrm flipH="0" flipV="0">
+            <a:off x="838198" y="2385700"/>
+            <a:ext cx="5181598" cy="3284789"/>
           </a:xfrm>
           <a:prstGeom prst="rect">
             <a:avLst/>
@@ -3735,29 +3735,177 @@
             <a:r>
               <a:rPr sz="1800" b="0" i="0" u="none">
                 <a:solidFill>
-                  <a:srgbClr val="0086B3"/>
+                  <a:srgbClr val="000000"/>
                 </a:solidFill>
                 <a:latin typeface="Consolas"/>
                 <a:ea typeface="Consolas"/>
                 <a:cs typeface="Consolas"/>
               </a:rPr>
-              <a:t>print</a:t>
+              <a:t>print(</a:t>
             </a:r>
             <a:r>
               <a:rPr sz="1800" b="0" i="0" u="none">
                 <a:solidFill>
-                  <a:srgbClr val="333333"/>
+                  <a:srgbClr val="A31515"/>
                 </a:solidFill>
                 <a:latin typeface="Consolas"/>
                 <a:ea typeface="Consolas"/>
                 <a:cs typeface="Consolas"/>
               </a:rPr>
-              <a:t>(</a:t>
+              <a:t>"Comment t’appelles-tu ?"</a:t>
             </a:r>
             <a:r>
               <a:rPr sz="1800" b="0" i="0" u="none">
                 <a:solidFill>
-                  <a:srgbClr val="DD1144"/>
+                  <a:srgbClr val="000000"/>
+                </a:solidFill>
+                <a:latin typeface="Consolas"/>
+                <a:ea typeface="Consolas"/>
+                <a:cs typeface="Consolas"/>
+              </a:rPr>
+              <a:t>)</a:t>
+            </a:r>
+            <a:endParaRPr sz="1800" b="0" i="0" u="none">
+              <a:solidFill>
+                <a:srgbClr val="000000"/>
+              </a:solidFill>
+              <a:latin typeface="Consolas"/>
+              <a:ea typeface="Consolas"/>
+              <a:cs typeface="Consolas"/>
+            </a:endParaRPr>
+          </a:p>
+          <a:p>
+            <a:pPr marL="0" indent="0">
+              <a:buFont typeface="Arial"/>
+              <a:buNone/>
+              <a:defRPr/>
+            </a:pPr>
+            <a:r>
+              <a:rPr sz="1800" b="0" i="0" u="none">
+                <a:solidFill>
+                  <a:srgbClr val="000000"/>
+                </a:solidFill>
+                <a:latin typeface="Consolas"/>
+                <a:ea typeface="Consolas"/>
+                <a:cs typeface="Consolas"/>
+              </a:rPr>
+              <a:t> </a:t>
+            </a:r>
+            <a:endParaRPr sz="1800" b="0" i="0" u="none">
+              <a:solidFill>
+                <a:srgbClr val="000000"/>
+              </a:solidFill>
+              <a:latin typeface="Consolas"/>
+              <a:ea typeface="Consolas"/>
+              <a:cs typeface="Consolas"/>
+            </a:endParaRPr>
+          </a:p>
+          <a:p>
+            <a:pPr marL="0" indent="0">
+              <a:buFont typeface="Arial"/>
+              <a:buNone/>
+              <a:defRPr/>
+            </a:pPr>
+            <a:r>
+              <a:rPr sz="1800" b="0" i="0" u="none">
+                <a:solidFill>
+                  <a:srgbClr val="000000"/>
+                </a:solidFill>
+                <a:latin typeface="Consolas"/>
+                <a:ea typeface="Consolas"/>
+                <a:cs typeface="Consolas"/>
+              </a:rPr>
+              <a:t>name = input()</a:t>
+            </a:r>
+            <a:endParaRPr sz="1800" b="0" i="0" u="none">
+              <a:solidFill>
+                <a:srgbClr val="000000"/>
+              </a:solidFill>
+              <a:latin typeface="Consolas"/>
+              <a:ea typeface="Consolas"/>
+              <a:cs typeface="Consolas"/>
+            </a:endParaRPr>
+          </a:p>
+          <a:p>
+            <a:pPr marL="0" indent="0">
+              <a:buFont typeface="Arial"/>
+              <a:buNone/>
+              <a:defRPr/>
+            </a:pPr>
+            <a:r>
+              <a:rPr sz="1800" b="0" i="0" u="none">
+                <a:solidFill>
+                  <a:srgbClr val="000000"/>
+                </a:solidFill>
+                <a:latin typeface="Consolas"/>
+                <a:ea typeface="Consolas"/>
+                <a:cs typeface="Consolas"/>
+              </a:rPr>
+              <a:t> </a:t>
+            </a:r>
+            <a:endParaRPr sz="1800" b="0" i="0" u="none">
+              <a:solidFill>
+                <a:srgbClr val="000000"/>
+              </a:solidFill>
+              <a:latin typeface="Consolas"/>
+              <a:ea typeface="Consolas"/>
+              <a:cs typeface="Consolas"/>
+            </a:endParaRPr>
+          </a:p>
+          <a:p>
+            <a:pPr marL="0" indent="0">
+              <a:buFont typeface="Arial"/>
+              <a:buNone/>
+              <a:defRPr/>
+            </a:pPr>
+            <a:r>
+              <a:rPr sz="1800" b="0" i="0" u="none">
+                <a:solidFill>
+                  <a:srgbClr val="000000"/>
+                </a:solidFill>
+                <a:latin typeface="Consolas"/>
+                <a:ea typeface="Consolas"/>
+                <a:cs typeface="Consolas"/>
+              </a:rPr>
+              <a:t>print("</a:t>
+            </a:r>
+            <a:r>
+              <a:rPr sz="1800" b="0" i="0" u="none">
+                <a:solidFill>
+                  <a:srgbClr val="A31515"/>
+                </a:solidFill>
+                <a:latin typeface="Consolas"/>
+                <a:ea typeface="Consolas"/>
+                <a:cs typeface="Consolas"/>
+              </a:rPr>
+              <a:t>Salut, "</a:t>
+            </a:r>
+            <a:r>
+              <a:rPr sz="1800" b="0" i="0" u="none">
+                <a:solidFill>
+                  <a:srgbClr val="000000"/>
+                </a:solidFill>
+                <a:latin typeface="Consolas"/>
+                <a:ea typeface="Consolas"/>
+                <a:cs typeface="Consolas"/>
+              </a:rPr>
+              <a:t> + name + </a:t>
+            </a:r>
+            <a:r>
+              <a:rPr sz="1800" b="0" i="0" u="none">
+                <a:solidFill>
+                  <a:srgbClr val="A31515"/>
+                </a:solidFill>
+                <a:latin typeface="Consolas"/>
+                <a:ea typeface="Consolas"/>
+                <a:cs typeface="Consolas"/>
+              </a:rPr>
+              <a:t>" !</a:t>
+            </a:r>
+            <a:r>
+              <a:rPr sz="1800" b="0" i="0" u="none">
+                <a:solidFill>
+                  <a:srgbClr val="A31515"/>
                 </a:solidFill>
                 <a:latin typeface="Consolas"/>
                 <a:ea typeface="Consolas"/>
@@ -3768,29 +3916,7 @@
             <a:r>
               <a:rPr sz="1800" b="0" i="0" u="none">
                 <a:solidFill>
-                  <a:srgbClr val="DD1144"/>
-                </a:solidFill>
-                <a:latin typeface="Consolas"/>
-                <a:ea typeface="Consolas"/>
-                <a:cs typeface="Consolas"/>
-              </a:rPr>
-              <a:t>Comme</a:t>
-            </a:r>
-            <a:r>
-              <a:rPr sz="1800" b="0" i="0" u="none">
-                <a:solidFill>
-                  <a:srgbClr val="DD1144"/>
-                </a:solidFill>
-                <a:latin typeface="Consolas"/>
-                <a:ea typeface="Consolas"/>
-                <a:cs typeface="Consolas"/>
-              </a:rPr>
-              <a:t>nt t’appelles-tu ?"</a:t>
-            </a:r>
-            <a:r>
-              <a:rPr sz="1800" b="0" i="0" u="none">
-                <a:solidFill>
-                  <a:srgbClr val="333333"/>
+                  <a:srgbClr val="000000"/>
                 </a:solidFill>
                 <a:latin typeface="Consolas"/>
                 <a:ea typeface="Consolas"/>
@@ -3800,172 +3926,13 @@
             </a:r>
             <a:endParaRPr sz="1800" b="0" i="0" u="none">
               <a:solidFill>
-                <a:srgbClr val="333333"/>
+                <a:srgbClr val="A31515"/>
               </a:solidFill>
               <a:latin typeface="Consolas"/>
               <a:ea typeface="Consolas"/>
               <a:cs typeface="Consolas"/>
             </a:endParaRPr>
           </a:p>
-          <a:p>
-            <a:pPr marL="0" indent="0">
-              <a:buFont typeface="Arial"/>
-              <a:buNone/>
-              <a:defRPr/>
-            </a:pPr>
-            <a:endParaRPr sz="1800" b="0" i="0" u="none">
-              <a:solidFill>
-                <a:srgbClr val="333333"/>
-              </a:solidFill>
-              <a:latin typeface="Consolas"/>
-              <a:ea typeface="Consolas"/>
-              <a:cs typeface="Consolas"/>
-            </a:endParaRPr>
-          </a:p>
-          <a:p>
-            <a:pPr marL="0" indent="0">
-              <a:buFont typeface="Arial"/>
-              <a:buNone/>
-              <a:defRPr/>
-            </a:pPr>
-            <a:r>
-              <a:rPr sz="1800" b="0" i="0" u="none">
-                <a:solidFill>
-                  <a:srgbClr val="333333"/>
-                </a:solidFill>
-                <a:latin typeface="Consolas"/>
-                <a:ea typeface="Consolas"/>
-                <a:cs typeface="Consolas"/>
-              </a:rPr>
-              <a:t>name = input()</a:t>
-            </a:r>
-            <a:endParaRPr sz="1800" b="0" i="0" u="none">
-              <a:solidFill>
-                <a:srgbClr val="333333"/>
-              </a:solidFill>
-              <a:latin typeface="Consolas"/>
-              <a:ea typeface="Consolas"/>
-              <a:cs typeface="Consolas"/>
-            </a:endParaRPr>
-          </a:p>
-          <a:p>
-            <a:pPr marL="0" indent="0">
-              <a:buFont typeface="Arial"/>
-              <a:buNone/>
-              <a:defRPr/>
-            </a:pPr>
-            <a:endParaRPr sz="1800" b="0" i="0" u="none">
-              <a:solidFill>
-                <a:srgbClr val="333333"/>
-              </a:solidFill>
-              <a:latin typeface="Consolas"/>
-              <a:ea typeface="Consolas"/>
-              <a:cs typeface="Consolas"/>
-            </a:endParaRPr>
-          </a:p>
-          <a:p>
-            <a:pPr marL="0" indent="0">
-              <a:buFont typeface="Arial"/>
-              <a:buNone/>
-              <a:defRPr/>
-            </a:pPr>
-            <a:r>
-              <a:rPr sz="1800" b="0" i="0" u="none">
-                <a:solidFill>
-                  <a:srgbClr val="0086B3"/>
-                </a:solidFill>
-                <a:latin typeface="Consolas"/>
-                <a:ea typeface="Consolas"/>
-                <a:cs typeface="Consolas"/>
-              </a:rPr>
-              <a:t>print</a:t>
-            </a:r>
-            <a:r>
-              <a:rPr sz="1800" b="0" i="0" u="none">
-                <a:solidFill>
-                  <a:srgbClr val="333333"/>
-                </a:solidFill>
-                <a:latin typeface="Consolas"/>
-                <a:ea typeface="Consolas"/>
-                <a:cs typeface="Consolas"/>
-              </a:rPr>
-              <a:t>(</a:t>
-            </a:r>
-            <a:r>
-              <a:rPr sz="1800" b="0" i="0" u="none">
-                <a:solidFill>
-                  <a:srgbClr val="DD1144"/>
-                </a:solidFill>
-                <a:latin typeface="Consolas"/>
-                <a:ea typeface="Consolas"/>
-                <a:cs typeface="Consolas"/>
-              </a:rPr>
-              <a:t>"</a:t>
-            </a:r>
-            <a:r>
-              <a:rPr sz="1800" b="0" i="0" u="none">
-                <a:solidFill>
-                  <a:srgbClr val="DD1144"/>
-                </a:solidFill>
-                <a:latin typeface="Consolas"/>
-                <a:ea typeface="Consolas"/>
-                <a:cs typeface="Consolas"/>
-              </a:rPr>
-              <a:t>Salu</a:t>
-            </a:r>
-            <a:r>
-              <a:rPr sz="1800" b="0" i="0" u="none">
-                <a:solidFill>
-                  <a:srgbClr val="DD1144"/>
-                </a:solidFill>
-                <a:latin typeface="Consolas"/>
-                <a:ea typeface="Consolas"/>
-                <a:cs typeface="Consolas"/>
-              </a:rPr>
-              <a:t>t, "</a:t>
-            </a:r>
-            <a:r>
-              <a:rPr sz="1800" b="0" i="0" u="none">
-                <a:solidFill>
-                  <a:srgbClr val="333333"/>
-                </a:solidFill>
-                <a:latin typeface="Consolas"/>
-                <a:ea typeface="Consolas"/>
-                <a:cs typeface="Consolas"/>
-              </a:rPr>
-              <a:t> + name + </a:t>
-            </a:r>
-            <a:r>
-              <a:rPr sz="1800" b="0" i="0" u="none">
-                <a:solidFill>
-                  <a:srgbClr val="DD1144"/>
-                </a:solidFill>
-                <a:latin typeface="Consolas"/>
-                <a:ea typeface="Consolas"/>
-                <a:cs typeface="Consolas"/>
-              </a:rPr>
-              <a:t>" !"</a:t>
-            </a:r>
-            <a:r>
-              <a:rPr sz="1800" b="0" i="0" u="none">
-                <a:solidFill>
-                  <a:srgbClr val="333333"/>
-                </a:solidFill>
-                <a:latin typeface="Consolas"/>
-                <a:ea typeface="Consolas"/>
-                <a:cs typeface="Consolas"/>
-              </a:rPr>
-              <a:t>)</a:t>
-            </a:r>
-            <a:endParaRPr sz="1800" b="0" i="0" u="none">
-              <a:solidFill>
-                <a:srgbClr val="333333"/>
-              </a:solidFill>
-              <a:latin typeface="Consolas"/>
-              <a:ea typeface="Consolas"/>
-              <a:cs typeface="Consolas"/>
-            </a:endParaRPr>
-          </a:p>
         </p:txBody>
       </p:sp>
       <p:sp>
@@ -3979,9 +3946,9 @@
           </p:nvPr>
         </p:nvSpPr>
         <p:spPr bwMode="auto">
-          <a:xfrm>
-            <a:off x="6172200" y="1825624"/>
-            <a:ext cx="5181599" cy="4351338"/>
+          <a:xfrm flipH="0" flipV="0">
+            <a:off x="6172200" y="2376798"/>
+            <a:ext cx="5181598" cy="3329298"/>
           </a:xfrm>
           <a:prstGeom prst="rect">
             <a:avLst/>
@@ -4356,26 +4323,510 @@
       </p:sp>
       <p:sp>
         <p:nvSpPr>
-          <p:cNvPr id="5" name="Content Placeholder 2" hidden="0"/>
-          <p:cNvSpPr>
-            <a:spLocks noGrp="1"/>
-          </p:cNvSpPr>
-          <p:nvPr isPhoto="0" userDrawn="0">
-            <p:ph idx="1" hasCustomPrompt="0"/>
-          </p:nvPr>
-        </p:nvSpPr>
-        <p:spPr bwMode="auto"/>
-        <p:txBody>
-          <a:bodyPr/>
-          <a:lstStyle/>
-          <a:p>
-            <a:pPr>
-              <a:defRPr/>
-            </a:pPr>
-            <a:endParaRPr/>
-          </a:p>
-        </p:txBody>
-      </p:sp>
+          <p:cNvPr id="5" name="" hidden="0"/>
+          <p:cNvSpPr/>
+          <p:nvPr isPhoto="0" userDrawn="0"/>
+        </p:nvSpPr>
+        <p:spPr bwMode="auto">
+          <a:xfrm flipH="0" flipV="0">
+            <a:off x="7568389" y="4292313"/>
+            <a:ext cx="109899" cy="740440"/>
+          </a:xfrm>
+        </p:spPr>
+        <p:txBody>
+          <a:bodyPr rot="0" spcFirstLastPara="0" vertOverflow="overflow" horzOverflow="clip" vert="horz" wrap="square" lIns="91440" tIns="45720" rIns="91440" bIns="45720" numCol="1" spcCol="0" rtlCol="0" fromWordArt="0" anchor="t" anchorCtr="0" forceAA="0" upright="0" compatLnSpc="1">
+            <a:prstTxWarp prst="textNoShape"/>
+            <a:noAutofit/>
+          </a:bodyPr>
+          <a:p>
+            <a:pPr>
+              <a:defRPr/>
+            </a:pPr>
+            <a:endParaRPr/>
+          </a:p>
+        </p:txBody>
+      </p:sp>
+      <p:pic>
+        <p:nvPicPr>
+          <p:cNvPr id="6" name="" hidden="0"/>
+          <p:cNvPicPr>
+            <a:picLocks noChangeAspect="1"/>
+          </p:cNvPicPr>
+          <p:nvPr isPhoto="0" userDrawn="0"/>
+        </p:nvPicPr>
+        <p:blipFill>
+          <a:blip r:embed="rId3"/>
+          <a:stretch/>
+        </p:blipFill>
+        <p:spPr bwMode="auto">
+          <a:xfrm flipH="0" flipV="0">
+            <a:off x="749053" y="2127819"/>
+            <a:ext cx="5087111" cy="4038079"/>
+          </a:xfrm>
+          <a:prstGeom prst="rect">
+            <a:avLst/>
+          </a:prstGeom>
+        </p:spPr>
+      </p:pic>
+      <p:sp>
+        <p:nvSpPr>
+          <p:cNvPr id="7" name="" hidden="0"/>
+          <p:cNvSpPr/>
+          <p:nvPr isPhoto="0" userDrawn="0"/>
+        </p:nvSpPr>
+        <p:spPr bwMode="auto">
+          <a:xfrm flipH="0" flipV="0">
+            <a:off x="6492742" y="4623786"/>
+            <a:ext cx="2109022" cy="365795"/>
+          </a:xfrm>
+          <a:prstGeom prst="rect">
+            <a:avLst/>
+          </a:prstGeom>
+          <a:noFill/>
+        </p:spPr>
+        <p:txBody>
+          <a:bodyPr vertOverflow="overflow" horzOverflow="clip" vert="horz" wrap="square" lIns="91440" tIns="45720" rIns="91440" bIns="45720" numCol="1" spcCol="0" rtlCol="0" fromWordArt="0" anchor="t" anchorCtr="0" forceAA="0" upright="0" compatLnSpc="0">
+            <a:spAutoFit/>
+          </a:bodyPr>
+          <a:p>
+            <a:pPr>
+              <a:defRPr/>
+            </a:pPr>
+            <a:r>
+              <a:rPr/>
+              <a:t>Le script Python</a:t>
+            </a:r>
+            <a:endParaRPr/>
+          </a:p>
+        </p:txBody>
+      </p:sp>
+      <p:sp>
+        <p:nvSpPr>
+          <p:cNvPr id="8" name="" hidden="0"/>
+          <p:cNvSpPr/>
+          <p:nvPr isPhoto="0" userDrawn="0"/>
+        </p:nvSpPr>
+        <p:spPr bwMode="auto">
+          <a:xfrm flipH="0" flipV="0">
+            <a:off x="6723931" y="3514077"/>
+            <a:ext cx="2626310" cy="640115"/>
+          </a:xfrm>
+          <a:prstGeom prst="rect">
+            <a:avLst/>
+          </a:prstGeom>
+          <a:noFill/>
+        </p:spPr>
+        <p:txBody>
+          <a:bodyPr vertOverflow="overflow" horzOverflow="clip" vert="horz" wrap="square" lIns="91440" tIns="45720" rIns="91440" bIns="45720" numCol="1" spcCol="0" rtlCol="0" fromWordArt="0" anchor="t" anchorCtr="0" forceAA="0" upright="0" compatLnSpc="0">
+            <a:noAutofit/>
+          </a:bodyPr>
+          <a:p>
+            <a:pPr>
+              <a:defRPr/>
+            </a:pPr>
+            <a:r>
+              <a:rPr/>
+              <a:t>Les fichiers JSON : pour stocker les calculs</a:t>
+            </a:r>
+            <a:endParaRPr/>
+          </a:p>
+        </p:txBody>
+      </p:sp>
+      <p:sp>
+        <p:nvSpPr>
+          <p:cNvPr id="9" name="" hidden="0"/>
+          <p:cNvSpPr/>
+          <p:nvPr isPhoto="0" userDrawn="0"/>
+        </p:nvSpPr>
+        <p:spPr bwMode="auto">
+          <a:xfrm flipH="0" flipV="0">
+            <a:off x="6797912" y="2182426"/>
+            <a:ext cx="3033203" cy="702815"/>
+          </a:xfrm>
+          <a:prstGeom prst="rect">
+            <a:avLst/>
+          </a:prstGeom>
+          <a:noFill/>
+        </p:spPr>
+        <p:txBody>
+          <a:bodyPr vertOverflow="overflow" horzOverflow="clip" vert="horz" wrap="square" lIns="91440" tIns="45720" rIns="91440" bIns="45720" numCol="1" spcCol="0" rtlCol="0" fromWordArt="0" anchor="t" anchorCtr="0" forceAA="0" upright="0" compatLnSpc="0">
+            <a:noAutofit/>
+          </a:bodyPr>
+          <a:p>
+            <a:pPr>
+              <a:defRPr/>
+            </a:pPr>
+            <a:r>
+              <a:rPr/>
+              <a:t>Le dossier .git pour le contrôle de version</a:t>
+            </a:r>
+            <a:endParaRPr/>
+          </a:p>
+        </p:txBody>
+      </p:sp>
+      <p:sp>
+        <p:nvSpPr>
+          <p:cNvPr id="10" name="" hidden="0"/>
+          <p:cNvSpPr/>
+          <p:nvPr isPhoto="0" userDrawn="0"/>
+        </p:nvSpPr>
+        <p:spPr bwMode="auto">
+          <a:xfrm flipH="0" flipV="0">
+            <a:off x="6603713" y="5206383"/>
+            <a:ext cx="3097936" cy="406892"/>
+          </a:xfrm>
+          <a:prstGeom prst="rect">
+            <a:avLst/>
+          </a:prstGeom>
+          <a:noFill/>
+        </p:spPr>
+        <p:txBody>
+          <a:bodyPr vertOverflow="overflow" horzOverflow="clip" vert="horz" wrap="square" lIns="91440" tIns="45720" rIns="91440" bIns="45720" numCol="1" spcCol="0" rtlCol="0" fromWordArt="0" anchor="t" anchorCtr="0" forceAA="0" upright="0" compatLnSpc="0">
+            <a:noAutofit/>
+          </a:bodyPr>
+          <a:p>
+            <a:pPr>
+              <a:defRPr/>
+            </a:pPr>
+            <a:r>
+              <a:rPr/>
+              <a:t>La présentation PowerPoint</a:t>
+            </a:r>
+            <a:endParaRPr/>
+          </a:p>
+        </p:txBody>
+      </p:sp>
+      <p:sp>
+        <p:nvSpPr>
+          <p:cNvPr id="11" name="" hidden="0"/>
+          <p:cNvSpPr/>
+          <p:nvPr isPhoto="0" userDrawn="0"/>
+        </p:nvSpPr>
+        <p:spPr bwMode="auto">
+          <a:xfrm flipH="0" flipV="0">
+            <a:off x="6566723" y="5927694"/>
+            <a:ext cx="2073112" cy="640115"/>
+          </a:xfrm>
+          <a:prstGeom prst="rect">
+            <a:avLst/>
+          </a:prstGeom>
+          <a:noFill/>
+        </p:spPr>
+        <p:txBody>
+          <a:bodyPr vertOverflow="overflow" horzOverflow="clip" vert="horz" wrap="square" lIns="91440" tIns="45720" rIns="91440" bIns="45720" numCol="1" spcCol="0" rtlCol="0" fromWordArt="0" anchor="t" anchorCtr="0" forceAA="0" upright="0" compatLnSpc="0">
+            <a:spAutoFit/>
+          </a:bodyPr>
+          <a:p>
+            <a:pPr>
+              <a:defRPr/>
+            </a:pPr>
+            <a:r>
+              <a:rPr/>
+              <a:t>README.md pour expliquer le projet</a:t>
+            </a:r>
+            <a:endParaRPr/>
+          </a:p>
+        </p:txBody>
+      </p:sp>
+      <p:cxnSp>
+        <p:nvCxnSpPr>
+          <p:cNvPr id="12" name="" hidden="0"/>
+          <p:cNvCxnSpPr>
+            <a:cxnSpLocks/>
+            <a:stCxn id="9" idx="1"/>
+          </p:cNvCxnSpPr>
+          <p:nvPr isPhoto="0" userDrawn="0"/>
+        </p:nvCxnSpPr>
+        <p:spPr bwMode="auto">
+          <a:xfrm rot="10799990" flipH="0" flipV="0">
+            <a:off x="2497791" y="2376626"/>
+            <a:ext cx="4300121" cy="157208"/>
+          </a:xfrm>
+          <a:prstGeom prst="line">
+            <a:avLst/>
+          </a:prstGeom>
+          <a:ln w="38099" cap="flat" cmpd="sng" algn="ctr">
+            <a:solidFill>
+              <a:srgbClr val="FF0000"/>
+            </a:solidFill>
+            <a:prstDash val="solid"/>
+            <a:miter/>
+            <a:tailEnd type="arrow" len="med"/>
+          </a:ln>
+        </p:spPr>
+        <p:style>
+          <a:lnRef idx="1">
+            <a:schemeClr val="accent1">
+              <a:shade val="50000"/>
+            </a:schemeClr>
+          </a:lnRef>
+          <a:fillRef idx="0">
+            <a:schemeClr val="accent1"/>
+          </a:fillRef>
+          <a:effectRef idx="0">
+            <a:schemeClr val="accent1"/>
+          </a:effectRef>
+          <a:fontRef idx="minor">
+            <a:schemeClr val="tx1"/>
+          </a:fontRef>
+        </p:style>
+      </p:cxnSp>
+      <p:cxnSp>
+        <p:nvCxnSpPr>
+          <p:cNvPr id="13" name="" hidden="0"/>
+          <p:cNvCxnSpPr>
+            <a:cxnSpLocks/>
+            <a:stCxn id="8" idx="1"/>
+          </p:cNvCxnSpPr>
+          <p:nvPr isPhoto="0" userDrawn="0"/>
+        </p:nvCxnSpPr>
+        <p:spPr bwMode="auto">
+          <a:xfrm rot="10799990" flipH="0" flipV="0">
+            <a:off x="4208591" y="3356868"/>
+            <a:ext cx="2515339" cy="477266"/>
+          </a:xfrm>
+          <a:prstGeom prst="line">
+            <a:avLst/>
+          </a:prstGeom>
+          <a:ln w="38099" cap="flat" cmpd="sng" algn="ctr">
+            <a:solidFill>
+              <a:srgbClr val="FFFF00"/>
+            </a:solidFill>
+            <a:prstDash val="solid"/>
+            <a:miter/>
+            <a:tailEnd type="arrow" len="med"/>
+          </a:ln>
+        </p:spPr>
+        <p:style>
+          <a:lnRef idx="1">
+            <a:schemeClr val="accent1">
+              <a:shade val="50000"/>
+            </a:schemeClr>
+          </a:lnRef>
+          <a:fillRef idx="0">
+            <a:schemeClr val="accent1"/>
+          </a:fillRef>
+          <a:effectRef idx="0">
+            <a:schemeClr val="accent1"/>
+          </a:effectRef>
+          <a:fontRef idx="minor">
+            <a:schemeClr val="tx1"/>
+          </a:fontRef>
+        </p:style>
+      </p:cxnSp>
+      <p:cxnSp>
+        <p:nvCxnSpPr>
+          <p:cNvPr id="14" name="" hidden="0"/>
+          <p:cNvCxnSpPr>
+            <a:cxnSpLocks/>
+          </p:cNvCxnSpPr>
+          <p:nvPr isPhoto="0" userDrawn="0"/>
+        </p:nvCxnSpPr>
+        <p:spPr bwMode="auto">
+          <a:xfrm rot="10799990" flipH="0" flipV="0">
+            <a:off x="4153106" y="3834133"/>
+            <a:ext cx="2570824" cy="0"/>
+          </a:xfrm>
+          <a:prstGeom prst="line">
+            <a:avLst/>
+          </a:prstGeom>
+          <a:ln w="38099" cap="flat" cmpd="sng" algn="ctr">
+            <a:solidFill>
+              <a:srgbClr val="FFFF00"/>
+            </a:solidFill>
+            <a:prstDash val="solid"/>
+            <a:miter/>
+            <a:tailEnd type="arrow" len="med"/>
+          </a:ln>
+        </p:spPr>
+        <p:style>
+          <a:lnRef idx="1">
+            <a:schemeClr val="accent1">
+              <a:shade val="50000"/>
+            </a:schemeClr>
+          </a:lnRef>
+          <a:fillRef idx="0">
+            <a:schemeClr val="accent1"/>
+          </a:fillRef>
+          <a:effectRef idx="0">
+            <a:schemeClr val="accent1"/>
+          </a:effectRef>
+          <a:fontRef idx="minor">
+            <a:schemeClr val="tx1"/>
+          </a:fontRef>
+        </p:style>
+      </p:cxnSp>
+      <p:cxnSp>
+        <p:nvCxnSpPr>
+          <p:cNvPr id="15" name="" hidden="0"/>
+          <p:cNvCxnSpPr>
+            <a:cxnSpLocks/>
+          </p:cNvCxnSpPr>
+          <p:nvPr isPhoto="0" userDrawn="0"/>
+        </p:nvCxnSpPr>
+        <p:spPr bwMode="auto">
+          <a:xfrm rot="10799990" flipH="0" flipV="1">
+            <a:off x="4134611" y="3834133"/>
+            <a:ext cx="2589319" cy="558462"/>
+          </a:xfrm>
+          <a:prstGeom prst="line">
+            <a:avLst/>
+          </a:prstGeom>
+          <a:ln w="38099" cap="flat" cmpd="sng" algn="ctr">
+            <a:solidFill>
+              <a:srgbClr val="FFFF00"/>
+            </a:solidFill>
+            <a:prstDash val="solid"/>
+            <a:miter/>
+            <a:tailEnd type="arrow" len="med"/>
+          </a:ln>
+        </p:spPr>
+        <p:style>
+          <a:lnRef idx="1">
+            <a:schemeClr val="accent1">
+              <a:shade val="50000"/>
+            </a:schemeClr>
+          </a:lnRef>
+          <a:fillRef idx="0">
+            <a:schemeClr val="accent1"/>
+          </a:fillRef>
+          <a:effectRef idx="0">
+            <a:schemeClr val="accent1"/>
+          </a:effectRef>
+          <a:fontRef idx="minor">
+            <a:schemeClr val="tx1"/>
+          </a:fontRef>
+        </p:style>
+      </p:cxnSp>
+      <p:cxnSp>
+        <p:nvCxnSpPr>
+          <p:cNvPr id="16" name="" hidden="0"/>
+          <p:cNvCxnSpPr>
+            <a:cxnSpLocks/>
+            <a:stCxn id="7" idx="1"/>
+          </p:cNvCxnSpPr>
+          <p:nvPr isPhoto="0" userDrawn="0"/>
+        </p:nvCxnSpPr>
+        <p:spPr bwMode="auto">
+          <a:xfrm rot="10799990" flipH="0" flipV="1">
+            <a:off x="3644490" y="4806684"/>
+            <a:ext cx="2848252" cy="29796"/>
+          </a:xfrm>
+          <a:prstGeom prst="line">
+            <a:avLst/>
+          </a:prstGeom>
+          <a:ln w="38099" cap="flat" cmpd="sng" algn="ctr">
+            <a:solidFill>
+              <a:srgbClr val="00B0F0"/>
+            </a:solidFill>
+            <a:prstDash val="solid"/>
+            <a:miter/>
+            <a:tailEnd type="arrow" len="med"/>
+          </a:ln>
+        </p:spPr>
+        <p:style>
+          <a:lnRef idx="1">
+            <a:schemeClr val="accent1">
+              <a:shade val="50000"/>
+            </a:schemeClr>
+          </a:lnRef>
+          <a:fillRef idx="0">
+            <a:schemeClr val="accent1"/>
+          </a:fillRef>
+          <a:effectRef idx="0">
+            <a:schemeClr val="accent1"/>
+          </a:effectRef>
+          <a:fontRef idx="minor">
+            <a:schemeClr val="tx1"/>
+          </a:fontRef>
+        </p:style>
+      </p:cxnSp>
+      <p:cxnSp>
+        <p:nvCxnSpPr>
+          <p:cNvPr id="17" name="" hidden="0"/>
+          <p:cNvCxnSpPr>
+            <a:cxnSpLocks/>
+            <a:stCxn id="10" idx="1"/>
+          </p:cNvCxnSpPr>
+          <p:nvPr isPhoto="0" userDrawn="0"/>
+        </p:nvCxnSpPr>
+        <p:spPr bwMode="auto">
+          <a:xfrm rot="10799990" flipH="0" flipV="0">
+            <a:off x="4541504" y="5363592"/>
+            <a:ext cx="2062208" cy="46237"/>
+          </a:xfrm>
+          <a:prstGeom prst="line">
+            <a:avLst/>
+          </a:prstGeom>
+          <a:ln w="38099" cap="flat" cmpd="sng" algn="ctr">
+            <a:solidFill>
+              <a:schemeClr val="accent4"/>
+            </a:solidFill>
+            <a:prstDash val="solid"/>
+            <a:miter/>
+            <a:tailEnd type="arrow" len="med"/>
+          </a:ln>
+        </p:spPr>
+        <p:style>
+          <a:lnRef idx="1">
+            <a:schemeClr val="accent1">
+              <a:shade val="50000"/>
+            </a:schemeClr>
+          </a:lnRef>
+          <a:fillRef idx="0">
+            <a:schemeClr val="accent1"/>
+          </a:fillRef>
+          <a:effectRef idx="0">
+            <a:schemeClr val="accent1"/>
+          </a:effectRef>
+          <a:fontRef idx="minor">
+            <a:schemeClr val="tx1"/>
+          </a:fontRef>
+        </p:style>
+      </p:cxnSp>
+      <p:cxnSp>
+        <p:nvCxnSpPr>
+          <p:cNvPr id="18" name="" hidden="0"/>
+          <p:cNvCxnSpPr>
+            <a:cxnSpLocks/>
+            <a:stCxn id="11" idx="1"/>
+          </p:cNvCxnSpPr>
+          <p:nvPr isPhoto="0" userDrawn="0"/>
+        </p:nvCxnSpPr>
+        <p:spPr bwMode="auto">
+          <a:xfrm rot="10799990" flipH="0" flipV="0">
+            <a:off x="3579757" y="5853713"/>
+            <a:ext cx="2986965" cy="394038"/>
+          </a:xfrm>
+          <a:prstGeom prst="line">
+            <a:avLst/>
+          </a:prstGeom>
+          <a:ln w="38099" cap="flat" cmpd="sng" algn="ctr">
+            <a:solidFill>
+              <a:srgbClr val="92D050"/>
+            </a:solidFill>
+            <a:prstDash val="solid"/>
+            <a:miter/>
+            <a:tailEnd type="arrow" len="med"/>
+          </a:ln>
+        </p:spPr>
+        <p:style>
+          <a:lnRef idx="1">
+            <a:schemeClr val="accent1">
+              <a:shade val="50000"/>
+            </a:schemeClr>
+          </a:lnRef>
+          <a:fillRef idx="0">
+            <a:schemeClr val="accent1"/>
+          </a:fillRef>
+          <a:effectRef idx="0">
+            <a:schemeClr val="accent1"/>
+          </a:effectRef>
+          <a:fontRef idx="minor">
+            <a:schemeClr val="tx1"/>
+          </a:fontRef>
+        </p:style>
+      </p:cxnSp>
     </p:spTree>
   </p:cSld>
   <p:clrMapOvr>
@@ -4437,7 +4888,7 @@
             </a:pPr>
             <a:r>
               <a:rPr/>
-              <a:t>        Début du fichier</a:t>
+              <a:t>        Explorons le code</a:t>
             </a:r>
             <a:endParaRPr/>
           </a:p>
@@ -4454,12 +4905,10 @@
           </p:nvPr>
         </p:nvSpPr>
         <p:spPr bwMode="auto">
-          <a:prstGeom prst="rect">
-            <a:avLst/>
-          </a:prstGeom>
-          <a:solidFill>
-            <a:schemeClr val="bg2"/>
-          </a:solidFill>
+          <a:xfrm flipH="0" flipV="0">
+            <a:off x="838199" y="1825624"/>
+            <a:ext cx="4313644" cy="514010"/>
+          </a:xfrm>
         </p:spPr>
         <p:txBody>
           <a:bodyPr/>
@@ -4471,434 +4920,10 @@
               <a:defRPr/>
             </a:pPr>
             <a:r>
-              <a:rPr sz="1800" b="0" i="0" u="none">
-                <a:solidFill>
-                  <a:srgbClr val="008000"/>
-                </a:solidFill>
-                <a:latin typeface="Consolas"/>
-                <a:ea typeface="Consolas"/>
-                <a:cs typeface="Consolas"/>
-              </a:rPr>
-              <a:t># ! usr/bin/env python3</a:t>
-            </a:r>
-            <a:endParaRPr sz="1800" b="0" i="0" u="none">
-              <a:solidFill>
-                <a:srgbClr val="008000"/>
-              </a:solidFill>
-              <a:latin typeface="Consolas"/>
-              <a:ea typeface="Consolas"/>
-              <a:cs typeface="Consolas"/>
-            </a:endParaRPr>
-          </a:p>
-          <a:p>
-            <a:pPr marL="0" indent="0">
-              <a:buFont typeface="Arial"/>
-              <a:buNone/>
-              <a:defRPr/>
-            </a:pPr>
-            <a:r>
-              <a:rPr sz="1800" b="0" i="0" u="none">
-                <a:solidFill>
-                  <a:srgbClr val="008000"/>
-                </a:solidFill>
-                <a:latin typeface="Consolas"/>
-                <a:ea typeface="Consolas"/>
-                <a:cs typeface="Consolas"/>
-              </a:rPr>
-              <a:t># coding : utf-8</a:t>
-            </a:r>
-            <a:endParaRPr sz="1800" b="0" i="0" u="none">
-              <a:solidFill>
-                <a:srgbClr val="008000"/>
-              </a:solidFill>
-              <a:latin typeface="Consolas"/>
-              <a:ea typeface="Consolas"/>
-              <a:cs typeface="Consolas"/>
-            </a:endParaRPr>
-          </a:p>
-          <a:p>
-            <a:pPr marL="0" indent="0">
-              <a:buFont typeface="Arial"/>
-              <a:buNone/>
-              <a:defRPr/>
-            </a:pPr>
-            <a:r>
-              <a:rPr sz="1800" b="0" i="0" u="none">
-                <a:solidFill>
-                  <a:srgbClr val="000000"/>
-                </a:solidFill>
-                <a:latin typeface="Consolas"/>
-                <a:ea typeface="Consolas"/>
-                <a:cs typeface="Consolas"/>
-              </a:rPr>
-              <a:t> </a:t>
-            </a:r>
-            <a:endParaRPr sz="1800" b="0" i="0" u="none">
-              <a:solidFill>
-                <a:srgbClr val="000000"/>
-              </a:solidFill>
-              <a:latin typeface="Consolas"/>
-              <a:ea typeface="Consolas"/>
-              <a:cs typeface="Consolas"/>
-            </a:endParaRPr>
-          </a:p>
-          <a:p>
-            <a:pPr marL="0" indent="0">
-              <a:buFont typeface="Arial"/>
-              <a:buNone/>
-              <a:defRPr/>
-            </a:pPr>
-            <a:r>
-              <a:rPr sz="1800" b="0" i="0" u="none">
-                <a:solidFill>
-                  <a:srgbClr val="0000FF"/>
-                </a:solidFill>
-                <a:latin typeface="Consolas"/>
-                <a:ea typeface="Consolas"/>
-                <a:cs typeface="Consolas"/>
-              </a:rPr>
-              <a:t>import</a:t>
-            </a:r>
-            <a:r>
-              <a:rPr sz="1800" b="0" i="0" u="none">
-                <a:solidFill>
-                  <a:srgbClr val="000000"/>
-                </a:solidFill>
-                <a:latin typeface="Consolas"/>
-                <a:ea typeface="Consolas"/>
-                <a:cs typeface="Consolas"/>
-              </a:rPr>
-              <a:t> json</a:t>
-            </a:r>
-            <a:endParaRPr sz="1800" b="0" i="0" u="none">
-              <a:solidFill>
-                <a:srgbClr val="000000"/>
-              </a:solidFill>
-              <a:latin typeface="Consolas"/>
-              <a:ea typeface="Consolas"/>
-              <a:cs typeface="Consolas"/>
-            </a:endParaRPr>
-          </a:p>
-          <a:p>
-            <a:pPr marL="0" indent="0">
-              <a:buFont typeface="Arial"/>
-              <a:buNone/>
-              <a:defRPr/>
-            </a:pPr>
-            <a:r>
-              <a:rPr sz="1800" b="0" i="0" u="none">
-                <a:solidFill>
-                  <a:srgbClr val="0000FF"/>
-                </a:solidFill>
-                <a:latin typeface="Consolas"/>
-                <a:ea typeface="Consolas"/>
-                <a:cs typeface="Consolas"/>
-              </a:rPr>
-              <a:t>import</a:t>
-            </a:r>
-            <a:r>
-              <a:rPr sz="1800" b="0" i="0" u="none">
-                <a:solidFill>
-                  <a:srgbClr val="000000"/>
-                </a:solidFill>
-                <a:latin typeface="Consolas"/>
-                <a:ea typeface="Consolas"/>
-                <a:cs typeface="Consolas"/>
-              </a:rPr>
-              <a:t> random</a:t>
-            </a:r>
-            <a:endParaRPr sz="1800" b="0" i="0" u="none">
-              <a:solidFill>
-                <a:srgbClr val="000000"/>
-              </a:solidFill>
-              <a:latin typeface="Consolas"/>
-              <a:ea typeface="Consolas"/>
-              <a:cs typeface="Consolas"/>
-            </a:endParaRPr>
-          </a:p>
-          <a:p>
-            <a:pPr marL="0" indent="0">
-              <a:buFont typeface="Arial"/>
-              <a:buNone/>
-              <a:defRPr/>
-            </a:pPr>
-            <a:r>
-              <a:rPr sz="1800" b="0" i="0" u="none">
-                <a:solidFill>
-                  <a:srgbClr val="000000"/>
-                </a:solidFill>
-                <a:latin typeface="Consolas"/>
-                <a:ea typeface="Consolas"/>
-                <a:cs typeface="Consolas"/>
-              </a:rPr>
-              <a:t> </a:t>
-            </a:r>
-            <a:endParaRPr sz="1800" b="0" i="0" u="none">
-              <a:solidFill>
-                <a:srgbClr val="000000"/>
-              </a:solidFill>
-              <a:latin typeface="Consolas"/>
-              <a:ea typeface="Consolas"/>
-              <a:cs typeface="Consolas"/>
-            </a:endParaRPr>
-          </a:p>
-          <a:p>
-            <a:pPr marL="0" indent="0">
-              <a:buFont typeface="Arial"/>
-              <a:buNone/>
-              <a:defRPr/>
-            </a:pPr>
-            <a:r>
-              <a:rPr sz="1800" b="0" i="0" u="none">
-                <a:solidFill>
-                  <a:srgbClr val="0000FF"/>
-                </a:solidFill>
-                <a:latin typeface="Consolas"/>
-                <a:ea typeface="Consolas"/>
-                <a:cs typeface="Consolas"/>
-              </a:rPr>
-              <a:t>def</a:t>
-            </a:r>
-            <a:r>
-              <a:rPr sz="1800" b="0" i="0" u="none">
-                <a:solidFill>
-                  <a:srgbClr val="000000"/>
-                </a:solidFill>
-                <a:latin typeface="Consolas"/>
-                <a:ea typeface="Consolas"/>
-                <a:cs typeface="Consolas"/>
-              </a:rPr>
-              <a:t> </a:t>
-            </a:r>
-            <a:r>
-              <a:rPr sz="1800" b="0" i="0" u="none">
-                <a:solidFill>
-                  <a:srgbClr val="A31515"/>
-                </a:solidFill>
-                <a:latin typeface="Consolas"/>
-                <a:ea typeface="Consolas"/>
-                <a:cs typeface="Consolas"/>
-              </a:rPr>
-              <a:t>read_json_file</a:t>
-            </a:r>
-            <a:r>
-              <a:rPr sz="1800" b="0" i="0" u="none">
-                <a:solidFill>
-                  <a:srgbClr val="000000"/>
-                </a:solidFill>
-                <a:latin typeface="Consolas"/>
-                <a:ea typeface="Consolas"/>
-                <a:cs typeface="Consolas"/>
-              </a:rPr>
-              <a:t>(difficulty_letter)</a:t>
-            </a:r>
-            <a:r>
-              <a:rPr sz="1800" b="0" i="0" u="none">
-                <a:solidFill>
-                  <a:srgbClr val="000000"/>
-                </a:solidFill>
-                <a:latin typeface="Consolas"/>
-                <a:ea typeface="Consolas"/>
-                <a:cs typeface="Consolas"/>
-              </a:rPr>
-              <a:t> :</a:t>
-            </a:r>
-            <a:endParaRPr sz="1800" b="0" i="0" u="none">
-              <a:solidFill>
-                <a:srgbClr val="000000"/>
-              </a:solidFill>
-              <a:latin typeface="Consolas"/>
-              <a:ea typeface="Consolas"/>
-              <a:cs typeface="Consolas"/>
-            </a:endParaRPr>
-          </a:p>
-          <a:p>
-            <a:pPr marL="0" indent="0">
-              <a:buFont typeface="Arial"/>
-              <a:buNone/>
-              <a:defRPr/>
-            </a:pPr>
-            <a:r>
-              <a:rPr sz="1800" b="0" i="0" u="none">
-                <a:solidFill>
-                  <a:srgbClr val="000000"/>
-                </a:solidFill>
-                <a:latin typeface="Consolas"/>
-                <a:ea typeface="Consolas"/>
-                <a:cs typeface="Consolas"/>
-              </a:rPr>
-              <a:t>    </a:t>
-            </a:r>
-            <a:r>
-              <a:rPr sz="1800" b="0" i="0" u="none">
-                <a:solidFill>
-                  <a:srgbClr val="0000FF"/>
-                </a:solidFill>
-                <a:latin typeface="Consolas"/>
-                <a:ea typeface="Consolas"/>
-                <a:cs typeface="Consolas"/>
-              </a:rPr>
-              <a:t>with</a:t>
-            </a:r>
-            <a:r>
-              <a:rPr sz="1800" b="0" i="0" u="none">
-                <a:solidFill>
-                  <a:srgbClr val="000000"/>
-                </a:solidFill>
-                <a:latin typeface="Consolas"/>
-                <a:ea typeface="Consolas"/>
-                <a:cs typeface="Consolas"/>
-              </a:rPr>
-              <a:t> open(</a:t>
-            </a:r>
-            <a:r>
-              <a:rPr sz="1800" b="0" i="0" u="none">
-                <a:solidFill>
-                  <a:srgbClr val="A31515"/>
-                </a:solidFill>
-                <a:latin typeface="Consolas"/>
-                <a:ea typeface="Consolas"/>
-                <a:cs typeface="Consolas"/>
-              </a:rPr>
-              <a:t>‘calculs/parcours_’</a:t>
-            </a:r>
-            <a:r>
-              <a:rPr sz="1800" b="0" i="0" u="none">
-                <a:solidFill>
-                  <a:srgbClr val="000000"/>
-                </a:solidFill>
-                <a:latin typeface="Consolas"/>
-                <a:ea typeface="Consolas"/>
-                <a:cs typeface="Consolas"/>
-              </a:rPr>
-              <a:t> + difficulty_letter + </a:t>
-            </a:r>
-            <a:r>
-              <a:rPr sz="1800" b="0" i="0" u="none">
-                <a:solidFill>
-                  <a:srgbClr val="A31515"/>
-                </a:solidFill>
-                <a:latin typeface="Consolas"/>
-                <a:ea typeface="Consolas"/>
-                <a:cs typeface="Consolas"/>
-              </a:rPr>
-              <a:t>‘.json’</a:t>
-            </a:r>
-            <a:r>
-              <a:rPr sz="1800" b="0" i="0" u="none">
-                <a:solidFill>
-                  <a:srgbClr val="000000"/>
-                </a:solidFill>
-                <a:latin typeface="Consolas"/>
-                <a:ea typeface="Consolas"/>
-                <a:cs typeface="Consolas"/>
-              </a:rPr>
-              <a:t>) </a:t>
-            </a:r>
-            <a:r>
-              <a:rPr sz="1800" b="0" i="0" u="none">
-                <a:solidFill>
-                  <a:srgbClr val="0000FF"/>
-                </a:solidFill>
-                <a:latin typeface="Consolas"/>
-                <a:ea typeface="Consolas"/>
-                <a:cs typeface="Consolas"/>
-              </a:rPr>
-              <a:t>as</a:t>
-            </a:r>
-            <a:r>
-              <a:rPr sz="1800" b="0" i="0" u="none">
-                <a:solidFill>
-                  <a:srgbClr val="000000"/>
-                </a:solidFill>
-                <a:latin typeface="Consolas"/>
-                <a:ea typeface="Consolas"/>
-                <a:cs typeface="Consolas"/>
-              </a:rPr>
-              <a:t> file :</a:t>
-            </a:r>
-            <a:endParaRPr sz="1800" b="0" i="0" u="none">
-              <a:solidFill>
-                <a:srgbClr val="000000"/>
-              </a:solidFill>
-              <a:latin typeface="Consolas"/>
-              <a:ea typeface="Consolas"/>
-              <a:cs typeface="Consolas"/>
-            </a:endParaRPr>
-          </a:p>
-          <a:p>
-            <a:pPr marL="0" indent="0">
-              <a:buFont typeface="Arial"/>
-              <a:buNone/>
-              <a:defRPr/>
-            </a:pPr>
-            <a:r>
-              <a:rPr sz="1800" b="0" i="0" u="none">
-                <a:solidFill>
-                  <a:srgbClr val="000000"/>
-                </a:solidFill>
-                <a:latin typeface="Consolas"/>
-                <a:ea typeface="Consolas"/>
-                <a:cs typeface="Consolas"/>
-              </a:rPr>
-              <a:t>        data = json.load(file)</a:t>
-            </a:r>
-            <a:endParaRPr sz="1800" b="0" i="0" u="none">
-              <a:solidFill>
-                <a:srgbClr val="000000"/>
-              </a:solidFill>
-              <a:latin typeface="Consolas"/>
-              <a:ea typeface="Consolas"/>
-              <a:cs typeface="Consolas"/>
-            </a:endParaRPr>
-          </a:p>
-          <a:p>
-            <a:pPr marL="0" indent="0">
-              <a:buFont typeface="Arial"/>
-              <a:buNone/>
-              <a:defRPr/>
-            </a:pPr>
-            <a:r>
-              <a:rPr sz="1800" b="0" i="0" u="none">
-                <a:solidFill>
-                  <a:srgbClr val="000000"/>
-                </a:solidFill>
-                <a:latin typeface="Consolas"/>
-                <a:ea typeface="Consolas"/>
-                <a:cs typeface="Consolas"/>
-              </a:rPr>
-              <a:t>    </a:t>
-            </a:r>
-            <a:r>
-              <a:rPr sz="1800" b="0" i="0" u="none">
-                <a:solidFill>
-                  <a:srgbClr val="0000FF"/>
-                </a:solidFill>
-                <a:latin typeface="Consolas"/>
-                <a:ea typeface="Consolas"/>
-                <a:cs typeface="Consolas"/>
-              </a:rPr>
-              <a:t>return</a:t>
-            </a:r>
-            <a:r>
-              <a:rPr sz="1800" b="0" i="0" u="none">
-                <a:solidFill>
-                  <a:srgbClr val="000000"/>
-                </a:solidFill>
-                <a:latin typeface="Consolas"/>
-                <a:ea typeface="Consolas"/>
-                <a:cs typeface="Consolas"/>
-              </a:rPr>
-              <a:t> data</a:t>
-            </a:r>
-            <a:endParaRPr sz="1800" b="0" i="0" u="none">
-              <a:solidFill>
-                <a:srgbClr val="000000"/>
-              </a:solidFill>
-              <a:latin typeface="Consolas"/>
-              <a:ea typeface="Consolas"/>
-              <a:cs typeface="Consolas"/>
-            </a:endParaRPr>
+              <a:rPr b="1"/>
+              <a:t>Avec un éditeur de code</a:t>
+            </a:r>
+            <a:endParaRPr b="1"/>
           </a:p>
         </p:txBody>
       </p:sp>

--- a/present_python.pptx
+++ b/present_python.pptx
@@ -4360,7 +4360,7 @@
         </p:blipFill>
         <p:spPr bwMode="auto">
           <a:xfrm flipH="0" flipV="0">
-            <a:off x="749053" y="2127819"/>
+            <a:off x="749052" y="2127819"/>
             <a:ext cx="5087111" cy="4038079"/>
           </a:xfrm>
           <a:prstGeom prst="rect">
@@ -4441,7 +4441,7 @@
         <p:spPr bwMode="auto">
           <a:xfrm flipH="0" flipV="0">
             <a:off x="6797912" y="2182426"/>
-            <a:ext cx="3033203" cy="702815"/>
+            <a:ext cx="3033202" cy="702815"/>
           </a:xfrm>
           <a:prstGeom prst="rect">
             <a:avLst/>
@@ -4538,7 +4538,7 @@
           <p:nvPr isPhoto="0" userDrawn="0"/>
         </p:nvCxnSpPr>
         <p:spPr bwMode="auto">
-          <a:xfrm rot="10799990" flipH="0" flipV="0">
+          <a:xfrm rot="10799989" flipH="0" flipV="0">
             <a:off x="2497791" y="2376626"/>
             <a:ext cx="4300121" cy="157208"/>
           </a:xfrm>
@@ -4581,7 +4581,7 @@
           <p:nvPr isPhoto="0" userDrawn="0"/>
         </p:nvCxnSpPr>
         <p:spPr bwMode="auto">
-          <a:xfrm rot="10799990" flipH="0" flipV="0">
+          <a:xfrm rot="10799989" flipH="0" flipV="0">
             <a:off x="4208591" y="3356868"/>
             <a:ext cx="2515339" cy="477266"/>
           </a:xfrm>
@@ -4623,7 +4623,7 @@
           <p:nvPr isPhoto="0" userDrawn="0"/>
         </p:nvCxnSpPr>
         <p:spPr bwMode="auto">
-          <a:xfrm rot="10799990" flipH="0" flipV="0">
+          <a:xfrm rot="10799989" flipH="0" flipV="0">
             <a:off x="4153106" y="3834133"/>
             <a:ext cx="2570824" cy="0"/>
           </a:xfrm>
@@ -4665,7 +4665,7 @@
           <p:nvPr isPhoto="0" userDrawn="0"/>
         </p:nvCxnSpPr>
         <p:spPr bwMode="auto">
-          <a:xfrm rot="10799990" flipH="0" flipV="1">
+          <a:xfrm rot="10799989" flipH="0" flipV="1">
             <a:off x="4134611" y="3834133"/>
             <a:ext cx="2589319" cy="558462"/>
           </a:xfrm>
@@ -4708,7 +4708,7 @@
           <p:nvPr isPhoto="0" userDrawn="0"/>
         </p:nvCxnSpPr>
         <p:spPr bwMode="auto">
-          <a:xfrm rot="10799990" flipH="0" flipV="1">
+          <a:xfrm rot="10799989" flipH="0" flipV="1">
             <a:off x="3644490" y="4806684"/>
             <a:ext cx="2848252" cy="29796"/>
           </a:xfrm>
@@ -4751,7 +4751,7 @@
           <p:nvPr isPhoto="0" userDrawn="0"/>
         </p:nvCxnSpPr>
         <p:spPr bwMode="auto">
-          <a:xfrm rot="10799990" flipH="0" flipV="0">
+          <a:xfrm rot="10799989" flipH="0" flipV="0">
             <a:off x="4541504" y="5363592"/>
             <a:ext cx="2062208" cy="46237"/>
           </a:xfrm>
@@ -4794,9 +4794,9 @@
           <p:nvPr isPhoto="0" userDrawn="0"/>
         </p:nvCxnSpPr>
         <p:spPr bwMode="auto">
-          <a:xfrm rot="10799990" flipH="0" flipV="0">
+          <a:xfrm rot="10799989" flipH="0" flipV="0">
             <a:off x="3579757" y="5853713"/>
-            <a:ext cx="2986965" cy="394038"/>
+            <a:ext cx="2986965" cy="394037"/>
           </a:xfrm>
           <a:prstGeom prst="line">
             <a:avLst/>
@@ -4906,7 +4906,7 @@
         </p:nvSpPr>
         <p:spPr bwMode="auto">
           <a:xfrm flipH="0" flipV="0">
-            <a:off x="838199" y="1825624"/>
+            <a:off x="838198" y="1825624"/>
             <a:ext cx="4313644" cy="514010"/>
           </a:xfrm>
         </p:spPr>
@@ -4924,6 +4924,149 @@
               <a:t>Avec un éditeur de code</a:t>
             </a:r>
             <a:endParaRPr b="1"/>
+          </a:p>
+        </p:txBody>
+      </p:sp>
+      <p:sp>
+        <p:nvSpPr>
+          <p:cNvPr id="6" name="" hidden="0"/>
+          <p:cNvSpPr/>
+          <p:nvPr isPhoto="0" userDrawn="0"/>
+        </p:nvSpPr>
+        <p:spPr bwMode="auto">
+          <a:xfrm flipH="0" flipV="0">
+            <a:off x="916455" y="4337111"/>
+            <a:ext cx="9857912" cy="619587"/>
+          </a:xfrm>
+          <a:prstGeom prst="rect">
+            <a:avLst/>
+          </a:prstGeom>
+          <a:noFill/>
+        </p:spPr>
+        <p:txBody>
+          <a:bodyPr vertOverflow="overflow" horzOverflow="clip" vert="horz" wrap="square" lIns="91440" tIns="45720" rIns="91440" bIns="45720" numCol="1" spcCol="0" rtlCol="0" fromWordArt="0" anchor="t" anchorCtr="0" forceAA="0" upright="0" compatLnSpc="0">
+            <a:noAutofit/>
+          </a:bodyPr>
+          <a:p>
+            <a:pPr>
+              <a:defRPr/>
+            </a:pPr>
+            <a:r>
+              <a:rPr sz="2800" b="1"/>
+              <a:t>Ou avec un IDE </a:t>
+            </a:r>
+            <a:r>
+              <a:rPr lang="en-US" sz="2800" b="0" i="1"/>
+              <a:t>(</a:t>
+            </a:r>
+            <a:r>
+              <a:rPr lang="en-US" sz="2800" b="1" i="1"/>
+              <a:t>I</a:t>
+            </a:r>
+            <a:r>
+              <a:rPr lang="en-US" sz="2800" b="0" i="1"/>
+              <a:t>ntegrated </a:t>
+            </a:r>
+            <a:r>
+              <a:rPr lang="en-US" sz="2800" b="1" i="1"/>
+              <a:t>D</a:t>
+            </a:r>
+            <a:r>
+              <a:rPr lang="en-US" sz="2800" b="0" i="1"/>
+              <a:t>evelopment</a:t>
+            </a:r>
+            <a:r>
+              <a:rPr lang="en-US" sz="2800" b="0" i="1"/>
+              <a:t> </a:t>
+            </a:r>
+            <a:r>
+              <a:rPr lang="en-US" sz="2800" b="1" i="1"/>
+              <a:t>E</a:t>
+            </a:r>
+            <a:r>
+              <a:rPr lang="en-US" sz="2800" b="0" i="1"/>
+              <a:t>nvironment)</a:t>
+            </a:r>
+            <a:endParaRPr lang="en-US"/>
+          </a:p>
+        </p:txBody>
+      </p:sp>
+      <p:sp>
+        <p:nvSpPr>
+          <p:cNvPr id="7" name="" hidden="0"/>
+          <p:cNvSpPr/>
+          <p:nvPr isPhoto="0" userDrawn="0"/>
+        </p:nvSpPr>
+        <p:spPr bwMode="auto">
+          <a:xfrm>
+            <a:off x="6525180" y="4145279"/>
+            <a:ext cx="254916" cy="365795"/>
+          </a:xfrm>
+        </p:spPr>
+        <p:txBody>
+          <a:bodyPr rot="0" spcFirstLastPara="0" vertOverflow="overflow" horzOverflow="clip" vert="horz" wrap="square" lIns="91440" tIns="45720" rIns="91440" bIns="45720" numCol="1" spcCol="0" rtlCol="0" fromWordArt="0" anchor="t" anchorCtr="0" forceAA="0" upright="0" compatLnSpc="1">
+            <a:prstTxWarp prst="textNoShape"/>
+            <a:spAutoFit/>
+          </a:bodyPr>
+          <a:p>
+            <a:pPr>
+              <a:defRPr/>
+            </a:pPr>
+            <a:endParaRPr/>
+          </a:p>
+        </p:txBody>
+      </p:sp>
+      <p:pic>
+        <p:nvPicPr>
+          <p:cNvPr id="8" name="" hidden="0"/>
+          <p:cNvPicPr>
+            <a:picLocks noChangeAspect="1"/>
+          </p:cNvPicPr>
+          <p:nvPr isPhoto="0" userDrawn="0"/>
+        </p:nvPicPr>
+        <p:blipFill>
+          <a:blip r:embed="rId3"/>
+          <a:stretch/>
+        </p:blipFill>
+        <p:spPr bwMode="auto">
+          <a:xfrm flipH="0" flipV="0">
+            <a:off x="1712567" y="2339633"/>
+            <a:ext cx="1451868" cy="1451868"/>
+          </a:xfrm>
+          <a:prstGeom prst="rect">
+            <a:avLst/>
+          </a:prstGeom>
+        </p:spPr>
+      </p:pic>
+      <p:sp>
+        <p:nvSpPr>
+          <p:cNvPr id="9" name="" hidden="0"/>
+          <p:cNvSpPr/>
+          <p:nvPr isPhoto="0" userDrawn="0"/>
+        </p:nvSpPr>
+        <p:spPr bwMode="auto">
+          <a:xfrm flipH="0" flipV="0">
+            <a:off x="1859708" y="3957960"/>
+            <a:ext cx="749053" cy="365795"/>
+          </a:xfrm>
+          <a:prstGeom prst="rect">
+            <a:avLst/>
+          </a:prstGeom>
+          <a:noFill/>
+        </p:spPr>
+        <p:txBody>
+          <a:bodyPr vertOverflow="overflow" horzOverflow="clip" vert="horz" wrap="square" lIns="91440" tIns="45720" rIns="91440" bIns="45720" numCol="1" spcCol="0" rtlCol="0" fromWordArt="0" anchor="t" anchorCtr="0" forceAA="0" upright="0" compatLnSpc="0">
+            <a:noAutofit/>
+          </a:bodyPr>
+          <a:p>
+            <a:pPr>
+              <a:defRPr/>
+            </a:pPr>
+            <a:r>
+              <a:rPr/>
+              <a:t>IDLE</a:t>
+            </a:r>
+            <a:endParaRPr/>
           </a:p>
         </p:txBody>
       </p:sp>

--- a/present_python.pptx
+++ b/present_python.pptx
@@ -11,6 +11,8 @@
     <p:sldId id="259" r:id="rId6"/>
     <p:sldId id="260" r:id="rId7"/>
     <p:sldId id="261" r:id="rId8"/>
+    <p:sldId id="262" r:id="rId9"/>
+    <p:sldId id="263" r:id="rId10"/>
   </p:sldIdLst>
   <p:sldSz cx="12192000" cy="6858000"/>
   <p:notesSz cx="6858000" cy="12192000"/>
@@ -3685,9 +3687,7 @@
         </p:nvSpPr>
         <p:spPr bwMode="auto"/>
         <p:txBody>
-          <a:bodyPr vertOverflow="overflow" horzOverflow="clip" vert="horz" wrap="square" lIns="91440" tIns="45720" rIns="91440" bIns="45720" numCol="1" spcCol="0" rtlCol="0" fromWordArt="0" anchor="ctr" anchorCtr="0" forceAA="0" upright="0" compatLnSpc="0">
-            <a:normAutofit/>
-          </a:bodyPr>
+          <a:bodyPr/>
           <a:lstStyle/>
           <a:p>
             <a:pPr>
@@ -3695,351 +3695,34 @@
             </a:pPr>
             <a:r>
               <a:rPr/>
-              <a:t>        Un code tout simple</a:t>
-            </a:r>
-            <a:endParaRPr/>
-          </a:p>
-        </p:txBody>
-      </p:sp>
-      <p:sp>
-        <p:nvSpPr>
-          <p:cNvPr id="5" name="Content Placeholder 2" hidden="0"/>
-          <p:cNvSpPr>
-            <a:spLocks noGrp="1"/>
-          </p:cNvSpPr>
-          <p:nvPr isPhoto="0" userDrawn="0">
-            <p:ph sz="half" idx="1" hasCustomPrompt="0"/>
-          </p:nvPr>
-        </p:nvSpPr>
+              <a:t>        Le fonctionnement de Python</a:t>
+            </a:r>
+            <a:endParaRPr/>
+          </a:p>
+        </p:txBody>
+      </p:sp>
+      <p:pic>
+        <p:nvPicPr>
+          <p:cNvPr id="5" name="" hidden="0"/>
+          <p:cNvPicPr>
+            <a:picLocks noChangeAspect="1"/>
+          </p:cNvPicPr>
+          <p:nvPr isPhoto="0" userDrawn="0"/>
+        </p:nvPicPr>
+        <p:blipFill>
+          <a:blip r:embed="rId3"/>
+          <a:stretch/>
+        </p:blipFill>
         <p:spPr bwMode="auto">
           <a:xfrm flipH="0" flipV="0">
-            <a:off x="838198" y="2385700"/>
-            <a:ext cx="5181598" cy="3284789"/>
+            <a:off x="1315374" y="1527744"/>
+            <a:ext cx="9172319" cy="5021420"/>
           </a:xfrm>
           <a:prstGeom prst="rect">
             <a:avLst/>
           </a:prstGeom>
-          <a:solidFill>
-            <a:schemeClr val="bg2"/>
-          </a:solidFill>
-        </p:spPr>
-        <p:txBody>
-          <a:bodyPr/>
-          <a:lstStyle/>
-          <a:p>
-            <a:pPr marL="0" indent="0">
-              <a:buFont typeface="Arial"/>
-              <a:buNone/>
-              <a:defRPr/>
-            </a:pPr>
-            <a:r>
-              <a:rPr sz="1800" b="0" i="0" u="none">
-                <a:solidFill>
-                  <a:srgbClr val="000000"/>
-                </a:solidFill>
-                <a:latin typeface="Consolas"/>
-                <a:ea typeface="Consolas"/>
-                <a:cs typeface="Consolas"/>
-              </a:rPr>
-              <a:t>print(</a:t>
-            </a:r>
-            <a:r>
-              <a:rPr sz="1800" b="0" i="0" u="none">
-                <a:solidFill>
-                  <a:srgbClr val="A31515"/>
-                </a:solidFill>
-                <a:latin typeface="Consolas"/>
-                <a:ea typeface="Consolas"/>
-                <a:cs typeface="Consolas"/>
-              </a:rPr>
-              <a:t>"Comment t’appelles-tu ?"</a:t>
-            </a:r>
-            <a:r>
-              <a:rPr sz="1800" b="0" i="0" u="none">
-                <a:solidFill>
-                  <a:srgbClr val="000000"/>
-                </a:solidFill>
-                <a:latin typeface="Consolas"/>
-                <a:ea typeface="Consolas"/>
-                <a:cs typeface="Consolas"/>
-              </a:rPr>
-              <a:t>)</a:t>
-            </a:r>
-            <a:endParaRPr sz="1800" b="0" i="0" u="none">
-              <a:solidFill>
-                <a:srgbClr val="000000"/>
-              </a:solidFill>
-              <a:latin typeface="Consolas"/>
-              <a:ea typeface="Consolas"/>
-              <a:cs typeface="Consolas"/>
-            </a:endParaRPr>
-          </a:p>
-          <a:p>
-            <a:pPr marL="0" indent="0">
-              <a:buFont typeface="Arial"/>
-              <a:buNone/>
-              <a:defRPr/>
-            </a:pPr>
-            <a:r>
-              <a:rPr sz="1800" b="0" i="0" u="none">
-                <a:solidFill>
-                  <a:srgbClr val="000000"/>
-                </a:solidFill>
-                <a:latin typeface="Consolas"/>
-                <a:ea typeface="Consolas"/>
-                <a:cs typeface="Consolas"/>
-              </a:rPr>
-              <a:t> </a:t>
-            </a:r>
-            <a:endParaRPr sz="1800" b="0" i="0" u="none">
-              <a:solidFill>
-                <a:srgbClr val="000000"/>
-              </a:solidFill>
-              <a:latin typeface="Consolas"/>
-              <a:ea typeface="Consolas"/>
-              <a:cs typeface="Consolas"/>
-            </a:endParaRPr>
-          </a:p>
-          <a:p>
-            <a:pPr marL="0" indent="0">
-              <a:buFont typeface="Arial"/>
-              <a:buNone/>
-              <a:defRPr/>
-            </a:pPr>
-            <a:r>
-              <a:rPr sz="1800" b="0" i="0" u="none">
-                <a:solidFill>
-                  <a:srgbClr val="000000"/>
-                </a:solidFill>
-                <a:latin typeface="Consolas"/>
-                <a:ea typeface="Consolas"/>
-                <a:cs typeface="Consolas"/>
-              </a:rPr>
-              <a:t>name = input()</a:t>
-            </a:r>
-            <a:endParaRPr sz="1800" b="0" i="0" u="none">
-              <a:solidFill>
-                <a:srgbClr val="000000"/>
-              </a:solidFill>
-              <a:latin typeface="Consolas"/>
-              <a:ea typeface="Consolas"/>
-              <a:cs typeface="Consolas"/>
-            </a:endParaRPr>
-          </a:p>
-          <a:p>
-            <a:pPr marL="0" indent="0">
-              <a:buFont typeface="Arial"/>
-              <a:buNone/>
-              <a:defRPr/>
-            </a:pPr>
-            <a:r>
-              <a:rPr sz="1800" b="0" i="0" u="none">
-                <a:solidFill>
-                  <a:srgbClr val="000000"/>
-                </a:solidFill>
-                <a:latin typeface="Consolas"/>
-                <a:ea typeface="Consolas"/>
-                <a:cs typeface="Consolas"/>
-              </a:rPr>
-              <a:t> </a:t>
-            </a:r>
-            <a:endParaRPr sz="1800" b="0" i="0" u="none">
-              <a:solidFill>
-                <a:srgbClr val="000000"/>
-              </a:solidFill>
-              <a:latin typeface="Consolas"/>
-              <a:ea typeface="Consolas"/>
-              <a:cs typeface="Consolas"/>
-            </a:endParaRPr>
-          </a:p>
-          <a:p>
-            <a:pPr marL="0" indent="0">
-              <a:buFont typeface="Arial"/>
-              <a:buNone/>
-              <a:defRPr/>
-            </a:pPr>
-            <a:r>
-              <a:rPr sz="1800" b="0" i="0" u="none">
-                <a:solidFill>
-                  <a:srgbClr val="000000"/>
-                </a:solidFill>
-                <a:latin typeface="Consolas"/>
-                <a:ea typeface="Consolas"/>
-                <a:cs typeface="Consolas"/>
-              </a:rPr>
-              <a:t>print("</a:t>
-            </a:r>
-            <a:r>
-              <a:rPr sz="1800" b="0" i="0" u="none">
-                <a:solidFill>
-                  <a:srgbClr val="A31515"/>
-                </a:solidFill>
-                <a:latin typeface="Consolas"/>
-                <a:ea typeface="Consolas"/>
-                <a:cs typeface="Consolas"/>
-              </a:rPr>
-              <a:t>Salut, "</a:t>
-            </a:r>
-            <a:r>
-              <a:rPr sz="1800" b="0" i="0" u="none">
-                <a:solidFill>
-                  <a:srgbClr val="000000"/>
-                </a:solidFill>
-                <a:latin typeface="Consolas"/>
-                <a:ea typeface="Consolas"/>
-                <a:cs typeface="Consolas"/>
-              </a:rPr>
-              <a:t> + name + </a:t>
-            </a:r>
-            <a:r>
-              <a:rPr sz="1800" b="0" i="0" u="none">
-                <a:solidFill>
-                  <a:srgbClr val="A31515"/>
-                </a:solidFill>
-                <a:latin typeface="Consolas"/>
-                <a:ea typeface="Consolas"/>
-                <a:cs typeface="Consolas"/>
-              </a:rPr>
-              <a:t>" !</a:t>
-            </a:r>
-            <a:r>
-              <a:rPr sz="1800" b="0" i="0" u="none">
-                <a:solidFill>
-                  <a:srgbClr val="A31515"/>
-                </a:solidFill>
-                <a:latin typeface="Consolas"/>
-                <a:ea typeface="Consolas"/>
-                <a:cs typeface="Consolas"/>
-              </a:rPr>
-              <a:t>"</a:t>
-            </a:r>
-            <a:r>
-              <a:rPr sz="1800" b="0" i="0" u="none">
-                <a:solidFill>
-                  <a:srgbClr val="000000"/>
-                </a:solidFill>
-                <a:latin typeface="Consolas"/>
-                <a:ea typeface="Consolas"/>
-                <a:cs typeface="Consolas"/>
-              </a:rPr>
-              <a:t>)</a:t>
-            </a:r>
-            <a:endParaRPr sz="1800" b="0" i="0" u="none">
-              <a:solidFill>
-                <a:srgbClr val="A31515"/>
-              </a:solidFill>
-              <a:latin typeface="Consolas"/>
-              <a:ea typeface="Consolas"/>
-              <a:cs typeface="Consolas"/>
-            </a:endParaRPr>
-          </a:p>
-        </p:txBody>
-      </p:sp>
-      <p:sp>
-        <p:nvSpPr>
-          <p:cNvPr id="6" name="Content Placeholder 3" hidden="0"/>
-          <p:cNvSpPr>
-            <a:spLocks noGrp="1"/>
-          </p:cNvSpPr>
-          <p:nvPr isPhoto="0" userDrawn="0">
-            <p:ph sz="half" idx="2" hasCustomPrompt="0"/>
-          </p:nvPr>
-        </p:nvSpPr>
-        <p:spPr bwMode="auto">
-          <a:xfrm flipH="0" flipV="0">
-            <a:off x="6172200" y="2376798"/>
-            <a:ext cx="5181598" cy="3329298"/>
-          </a:xfrm>
-          <a:prstGeom prst="rect">
-            <a:avLst/>
-          </a:prstGeom>
-          <a:solidFill>
-            <a:schemeClr val="tx1"/>
-          </a:solidFill>
-        </p:spPr>
-        <p:txBody>
-          <a:bodyPr/>
-          <a:lstStyle/>
-          <a:p>
-            <a:pPr marL="0" indent="0">
-              <a:buFont typeface="Arial"/>
-              <a:buNone/>
-              <a:defRPr/>
-            </a:pPr>
-            <a:r>
-              <a:rPr sz="1800">
-                <a:solidFill>
-                  <a:schemeClr val="bg1"/>
-                </a:solidFill>
-                <a:latin typeface="Consolas"/>
-                <a:ea typeface="Consolas"/>
-                <a:cs typeface="Consolas"/>
-              </a:rPr>
-              <a:t>Comment t’appelles-tu ?</a:t>
-            </a:r>
-            <a:endParaRPr sz="1800">
-              <a:solidFill>
-                <a:schemeClr val="bg1"/>
-              </a:solidFill>
-              <a:latin typeface="Consolas"/>
-              <a:ea typeface="Consolas"/>
-              <a:cs typeface="Consolas"/>
-            </a:endParaRPr>
-          </a:p>
-          <a:p>
-            <a:pPr marL="0" indent="0">
-              <a:buFont typeface="Arial"/>
-              <a:buNone/>
-              <a:defRPr/>
-            </a:pPr>
-            <a:r>
-              <a:rPr sz="1800">
-                <a:solidFill>
-                  <a:schemeClr val="bg1"/>
-                </a:solidFill>
-                <a:latin typeface="Consolas"/>
-                <a:ea typeface="Consolas"/>
-                <a:cs typeface="Consolas"/>
-              </a:rPr>
-              <a:t>Natan</a:t>
-            </a:r>
-            <a:endParaRPr sz="1800">
-              <a:solidFill>
-                <a:schemeClr val="bg1"/>
-              </a:solidFill>
-              <a:latin typeface="Consolas"/>
-              <a:ea typeface="Consolas"/>
-              <a:cs typeface="Consolas"/>
-            </a:endParaRPr>
-          </a:p>
-          <a:p>
-            <a:pPr marL="0" indent="0">
-              <a:buFont typeface="Arial"/>
-              <a:buNone/>
-              <a:defRPr/>
-            </a:pPr>
-            <a:r>
-              <a:rPr sz="1800">
-                <a:solidFill>
-                  <a:schemeClr val="bg1"/>
-                </a:solidFill>
-                <a:latin typeface="Consolas"/>
-                <a:ea typeface="Consolas"/>
-                <a:cs typeface="Consolas"/>
-              </a:rPr>
-              <a:t>Salut, Natan !</a:t>
-            </a:r>
-            <a:endParaRPr sz="1800">
-              <a:solidFill>
-                <a:schemeClr val="bg1"/>
-              </a:solidFill>
-              <a:latin typeface="Consolas"/>
-              <a:ea typeface="Consolas"/>
-              <a:cs typeface="Consolas"/>
-            </a:endParaRPr>
-          </a:p>
-        </p:txBody>
-      </p:sp>
+        </p:spPr>
+      </p:pic>
     </p:spTree>
   </p:cSld>
   <p:clrMapOvr>
@@ -4092,168 +3775,180 @@
           </p:nvPr>
         </p:nvSpPr>
         <p:spPr bwMode="auto">
-          <a:xfrm>
-            <a:off x="831849" y="1709737"/>
-            <a:ext cx="10515600" cy="2852736"/>
-          </a:xfrm>
-        </p:spPr>
-        <p:txBody>
-          <a:bodyPr anchor="b"/>
-          <a:lstStyle>
-            <a:lvl1pPr>
-              <a:defRPr sz="6000"/>
-            </a:lvl1pPr>
-          </a:lstStyle>
+          <a:xfrm flipH="0" flipV="0">
+            <a:off x="838199" y="365124"/>
+            <a:ext cx="11166095" cy="1325562"/>
+          </a:xfrm>
+        </p:spPr>
+        <p:txBody>
+          <a:bodyPr/>
+          <a:lstStyle/>
           <a:p>
             <a:pPr>
               <a:defRPr/>
             </a:pPr>
             <a:r>
               <a:rPr/>
-              <a:t>Décryptons </a:t>
-            </a:r>
-            <a:r>
-              <a:rPr>
-                <a:solidFill>
-                  <a:schemeClr val="tx1">
-                    <a:lumMod val="50000"/>
-                    <a:lumOff val="50000"/>
-                  </a:schemeClr>
-                </a:solidFill>
-                <a:latin typeface="Consolas"/>
-                <a:ea typeface="Consolas"/>
-                <a:cs typeface="Consolas"/>
-              </a:rPr>
-              <a:t>jeu_maths.py</a:t>
-            </a:r>
-            <a:endParaRPr/>
-          </a:p>
-        </p:txBody>
-      </p:sp>
-      <p:sp>
-        <p:nvSpPr>
-          <p:cNvPr id="5" name="Text Placeholder 2" hidden="0"/>
-          <p:cNvSpPr>
-            <a:spLocks noGrp="1"/>
-          </p:cNvSpPr>
-          <p:nvPr isPhoto="0" userDrawn="0">
-            <p:ph type="body" idx="1" hasCustomPrompt="0"/>
-          </p:nvPr>
-        </p:nvSpPr>
-        <p:spPr bwMode="auto">
-          <a:xfrm>
-            <a:off x="831849" y="4589462"/>
-            <a:ext cx="10515600" cy="1500186"/>
-          </a:xfrm>
-        </p:spPr>
-        <p:txBody>
-          <a:bodyPr/>
-          <a:lstStyle>
-            <a:lvl1pPr marL="0" indent="0">
-              <a:buNone/>
-              <a:defRPr sz="2400">
-                <a:solidFill>
-                  <a:schemeClr val="tx1">
-                    <a:tint val="75000"/>
-                  </a:schemeClr>
-                </a:solidFill>
-              </a:defRPr>
-            </a:lvl1pPr>
-            <a:lvl2pPr marL="457200" indent="0">
-              <a:buNone/>
-              <a:defRPr sz="2000">
-                <a:solidFill>
-                  <a:schemeClr val="tx1">
-                    <a:tint val="75000"/>
-                  </a:schemeClr>
-                </a:solidFill>
-              </a:defRPr>
-            </a:lvl2pPr>
-            <a:lvl3pPr marL="914400" indent="0">
-              <a:buNone/>
-              <a:defRPr sz="1800">
-                <a:solidFill>
-                  <a:schemeClr val="tx1">
-                    <a:tint val="75000"/>
-                  </a:schemeClr>
-                </a:solidFill>
-              </a:defRPr>
-            </a:lvl3pPr>
-            <a:lvl4pPr marL="1371600" indent="0">
-              <a:buNone/>
-              <a:defRPr sz="1600">
-                <a:solidFill>
-                  <a:schemeClr val="tx1">
-                    <a:tint val="75000"/>
-                  </a:schemeClr>
-                </a:solidFill>
-              </a:defRPr>
-            </a:lvl4pPr>
-            <a:lvl5pPr marL="1828800" indent="0">
-              <a:buNone/>
-              <a:defRPr sz="1600">
-                <a:solidFill>
-                  <a:schemeClr val="tx1">
-                    <a:tint val="75000"/>
-                  </a:schemeClr>
-                </a:solidFill>
-              </a:defRPr>
-            </a:lvl5pPr>
-            <a:lvl6pPr marL="2286000" indent="0">
-              <a:buNone/>
-              <a:defRPr sz="1600">
-                <a:solidFill>
-                  <a:schemeClr val="tx1">
-                    <a:tint val="75000"/>
-                  </a:schemeClr>
-                </a:solidFill>
-              </a:defRPr>
-            </a:lvl6pPr>
-            <a:lvl7pPr marL="2743200" indent="0">
-              <a:buNone/>
-              <a:defRPr sz="1600">
-                <a:solidFill>
-                  <a:schemeClr val="tx1">
-                    <a:tint val="75000"/>
-                  </a:schemeClr>
-                </a:solidFill>
-              </a:defRPr>
-            </a:lvl7pPr>
-            <a:lvl8pPr marL="3200400" indent="0">
-              <a:buNone/>
-              <a:defRPr sz="1600">
-                <a:solidFill>
-                  <a:schemeClr val="tx1">
-                    <a:tint val="75000"/>
-                  </a:schemeClr>
-                </a:solidFill>
-              </a:defRPr>
-            </a:lvl8pPr>
-            <a:lvl9pPr marL="3657600" indent="0">
-              <a:buNone/>
-              <a:defRPr sz="1600">
-                <a:solidFill>
-                  <a:schemeClr val="tx1">
-                    <a:tint val="75000"/>
-                  </a:schemeClr>
-                </a:solidFill>
-              </a:defRPr>
-            </a:lvl9pPr>
-          </a:lstStyle>
-          <a:p>
-            <a:pPr>
-              <a:defRPr/>
-            </a:pPr>
-            <a:endParaRPr/>
-          </a:p>
-          <a:p>
-            <a:pPr>
-              <a:defRPr/>
-            </a:pPr>
-            <a:endParaRPr/>
-          </a:p>
-        </p:txBody>
-      </p:sp>
+              <a:t>        D’autres langages de programmation</a:t>
+            </a:r>
+            <a:endParaRPr/>
+          </a:p>
+        </p:txBody>
+      </p:sp>
+      <p:pic>
+        <p:nvPicPr>
+          <p:cNvPr id="5" name="" hidden="0"/>
+          <p:cNvPicPr>
+            <a:picLocks noChangeAspect="1"/>
+          </p:cNvPicPr>
+          <p:nvPr isPhoto="0" userDrawn="0"/>
+        </p:nvPicPr>
+        <p:blipFill>
+          <a:blip r:embed="rId3"/>
+          <a:stretch/>
+        </p:blipFill>
+        <p:spPr bwMode="auto">
+          <a:xfrm flipH="0" flipV="0">
+            <a:off x="3783203" y="2089633"/>
+            <a:ext cx="1322402" cy="1470681"/>
+          </a:xfrm>
+          <a:prstGeom prst="rect">
+            <a:avLst/>
+          </a:prstGeom>
+        </p:spPr>
+      </p:pic>
+      <p:pic>
+        <p:nvPicPr>
+          <p:cNvPr id="6" name="" hidden="0"/>
+          <p:cNvPicPr>
+            <a:picLocks noChangeAspect="1"/>
+          </p:cNvPicPr>
+          <p:nvPr isPhoto="0" userDrawn="0"/>
+        </p:nvPicPr>
+        <p:blipFill>
+          <a:blip r:embed="rId4"/>
+          <a:stretch/>
+        </p:blipFill>
+        <p:spPr bwMode="auto">
+          <a:xfrm flipH="0" flipV="0">
+            <a:off x="892390" y="2089633"/>
+            <a:ext cx="1639882" cy="1498106"/>
+          </a:xfrm>
+          <a:prstGeom prst="rect">
+            <a:avLst/>
+          </a:prstGeom>
+        </p:spPr>
+      </p:pic>
+      <p:pic>
+        <p:nvPicPr>
+          <p:cNvPr id="7" name="" hidden="0"/>
+          <p:cNvPicPr>
+            <a:picLocks noChangeAspect="1"/>
+          </p:cNvPicPr>
+          <p:nvPr isPhoto="0" userDrawn="0"/>
+        </p:nvPicPr>
+        <p:blipFill>
+          <a:blip r:embed="rId5"/>
+          <a:stretch/>
+        </p:blipFill>
+        <p:spPr bwMode="auto">
+          <a:xfrm flipH="0" flipV="0">
+            <a:off x="6483494" y="1924974"/>
+            <a:ext cx="1821771" cy="1800000"/>
+          </a:xfrm>
+          <a:prstGeom prst="rect">
+            <a:avLst/>
+          </a:prstGeom>
+        </p:spPr>
+      </p:pic>
+      <p:pic>
+        <p:nvPicPr>
+          <p:cNvPr id="8" name="" hidden="0"/>
+          <p:cNvPicPr>
+            <a:picLocks noChangeAspect="1"/>
+          </p:cNvPicPr>
+          <p:nvPr isPhoto="0" userDrawn="0"/>
+        </p:nvPicPr>
+        <p:blipFill>
+          <a:blip r:embed="rId6"/>
+          <a:stretch/>
+        </p:blipFill>
+        <p:spPr bwMode="auto">
+          <a:xfrm flipH="0" flipV="0">
+            <a:off x="9274368" y="1876939"/>
+            <a:ext cx="2387766" cy="1830815"/>
+          </a:xfrm>
+          <a:prstGeom prst="rect">
+            <a:avLst/>
+          </a:prstGeom>
+        </p:spPr>
+      </p:pic>
+      <p:pic>
+        <p:nvPicPr>
+          <p:cNvPr id="9" name="" hidden="0"/>
+          <p:cNvPicPr>
+            <a:picLocks noChangeAspect="1"/>
+          </p:cNvPicPr>
+          <p:nvPr isPhoto="0" userDrawn="0"/>
+        </p:nvPicPr>
+        <p:blipFill>
+          <a:blip r:embed="rId7"/>
+          <a:stretch/>
+        </p:blipFill>
+        <p:spPr bwMode="auto">
+          <a:xfrm flipH="0" flipV="0">
+            <a:off x="316520" y="4794030"/>
+            <a:ext cx="2717629" cy="973178"/>
+          </a:xfrm>
+          <a:prstGeom prst="rect">
+            <a:avLst/>
+          </a:prstGeom>
+        </p:spPr>
+      </p:pic>
+      <p:pic>
+        <p:nvPicPr>
+          <p:cNvPr id="10" name="" hidden="0"/>
+          <p:cNvPicPr>
+            <a:picLocks noChangeAspect="1"/>
+          </p:cNvPicPr>
+          <p:nvPr isPhoto="0" userDrawn="0"/>
+        </p:nvPicPr>
+        <p:blipFill>
+          <a:blip r:embed="rId8"/>
+          <a:stretch/>
+        </p:blipFill>
+        <p:spPr bwMode="auto">
+          <a:xfrm flipH="0" flipV="0">
+            <a:off x="6927378" y="4494320"/>
+            <a:ext cx="1886504" cy="1800000"/>
+          </a:xfrm>
+          <a:prstGeom prst="rect">
+            <a:avLst/>
+          </a:prstGeom>
+        </p:spPr>
+      </p:pic>
+      <p:pic>
+        <p:nvPicPr>
+          <p:cNvPr id="11" name="" hidden="0"/>
+          <p:cNvPicPr>
+            <a:picLocks noChangeAspect="1"/>
+          </p:cNvPicPr>
+          <p:nvPr isPhoto="0" userDrawn="0"/>
+        </p:nvPicPr>
+        <p:blipFill>
+          <a:blip r:embed="rId9"/>
+          <a:stretch/>
+        </p:blipFill>
+        <p:spPr bwMode="auto">
+          <a:xfrm flipH="0" flipV="0">
+            <a:off x="3616747" y="4448082"/>
+            <a:ext cx="2197892" cy="1800000"/>
+          </a:xfrm>
+          <a:prstGeom prst="rect">
+            <a:avLst/>
+          </a:prstGeom>
+        </p:spPr>
+      </p:pic>
     </p:spTree>
   </p:cSld>
   <p:clrMapOvr>
@@ -4307,7 +4002,9 @@
         </p:nvSpPr>
         <p:spPr bwMode="auto"/>
         <p:txBody>
-          <a:bodyPr/>
+          <a:bodyPr vertOverflow="overflow" horzOverflow="clip" vert="horz" wrap="square" lIns="91440" tIns="45720" rIns="91440" bIns="45720" numCol="1" spcCol="0" rtlCol="0" fromWordArt="0" anchor="ctr" anchorCtr="0" forceAA="0" upright="0" compatLnSpc="0">
+            <a:normAutofit/>
+          </a:bodyPr>
           <a:lstStyle/>
           <a:p>
             <a:pPr>
@@ -4315,518 +4012,351 @@
             </a:pPr>
             <a:r>
               <a:rPr/>
-              <a:t>        Le contenu du projet</a:t>
-            </a:r>
-            <a:endParaRPr/>
-          </a:p>
-        </p:txBody>
-      </p:sp>
-      <p:sp>
-        <p:nvSpPr>
-          <p:cNvPr id="5" name="" hidden="0"/>
-          <p:cNvSpPr/>
-          <p:nvPr isPhoto="0" userDrawn="0"/>
+              <a:t>        Un code tout simple</a:t>
+            </a:r>
+            <a:endParaRPr/>
+          </a:p>
+        </p:txBody>
+      </p:sp>
+      <p:sp>
+        <p:nvSpPr>
+          <p:cNvPr id="5" name="Content Placeholder 2" hidden="0"/>
+          <p:cNvSpPr>
+            <a:spLocks noGrp="1"/>
+          </p:cNvSpPr>
+          <p:nvPr isPhoto="0" userDrawn="0">
+            <p:ph sz="half" idx="1" hasCustomPrompt="0"/>
+          </p:nvPr>
         </p:nvSpPr>
         <p:spPr bwMode="auto">
           <a:xfrm flipH="0" flipV="0">
-            <a:off x="7568389" y="4292313"/>
-            <a:ext cx="109899" cy="740440"/>
-          </a:xfrm>
-        </p:spPr>
-        <p:txBody>
-          <a:bodyPr rot="0" spcFirstLastPara="0" vertOverflow="overflow" horzOverflow="clip" vert="horz" wrap="square" lIns="91440" tIns="45720" rIns="91440" bIns="45720" numCol="1" spcCol="0" rtlCol="0" fromWordArt="0" anchor="t" anchorCtr="0" forceAA="0" upright="0" compatLnSpc="1">
-            <a:prstTxWarp prst="textNoShape"/>
-            <a:noAutofit/>
-          </a:bodyPr>
-          <a:p>
-            <a:pPr>
-              <a:defRPr/>
-            </a:pPr>
-            <a:endParaRPr/>
-          </a:p>
-        </p:txBody>
-      </p:sp>
-      <p:pic>
-        <p:nvPicPr>
-          <p:cNvPr id="6" name="" hidden="0"/>
-          <p:cNvPicPr>
-            <a:picLocks noChangeAspect="1"/>
-          </p:cNvPicPr>
-          <p:nvPr isPhoto="0" userDrawn="0"/>
-        </p:nvPicPr>
-        <p:blipFill>
-          <a:blip r:embed="rId3"/>
-          <a:stretch/>
-        </p:blipFill>
-        <p:spPr bwMode="auto">
-          <a:xfrm flipH="0" flipV="0">
-            <a:off x="749052" y="2127819"/>
-            <a:ext cx="5087111" cy="4038079"/>
+            <a:off x="838198" y="2385700"/>
+            <a:ext cx="5181598" cy="3284789"/>
           </a:xfrm>
           <a:prstGeom prst="rect">
             <a:avLst/>
           </a:prstGeom>
-        </p:spPr>
-      </p:pic>
-      <p:sp>
-        <p:nvSpPr>
-          <p:cNvPr id="7" name="" hidden="0"/>
-          <p:cNvSpPr/>
-          <p:nvPr isPhoto="0" userDrawn="0"/>
+          <a:solidFill>
+            <a:schemeClr val="bg2"/>
+          </a:solidFill>
+        </p:spPr>
+        <p:txBody>
+          <a:bodyPr/>
+          <a:lstStyle/>
+          <a:p>
+            <a:pPr marL="0" indent="0">
+              <a:buFont typeface="Arial"/>
+              <a:buNone/>
+              <a:defRPr/>
+            </a:pPr>
+            <a:r>
+              <a:rPr sz="1800" b="0" i="0" u="none">
+                <a:solidFill>
+                  <a:srgbClr val="000000"/>
+                </a:solidFill>
+                <a:latin typeface="Consolas"/>
+                <a:ea typeface="Consolas"/>
+                <a:cs typeface="Consolas"/>
+              </a:rPr>
+              <a:t>print(</a:t>
+            </a:r>
+            <a:r>
+              <a:rPr sz="1800" b="0" i="0" u="none">
+                <a:solidFill>
+                  <a:srgbClr val="A31515"/>
+                </a:solidFill>
+                <a:latin typeface="Consolas"/>
+                <a:ea typeface="Consolas"/>
+                <a:cs typeface="Consolas"/>
+              </a:rPr>
+              <a:t>"Comment t’appelles-tu ?"</a:t>
+            </a:r>
+            <a:r>
+              <a:rPr sz="1800" b="0" i="0" u="none">
+                <a:solidFill>
+                  <a:srgbClr val="000000"/>
+                </a:solidFill>
+                <a:latin typeface="Consolas"/>
+                <a:ea typeface="Consolas"/>
+                <a:cs typeface="Consolas"/>
+              </a:rPr>
+              <a:t>)</a:t>
+            </a:r>
+            <a:endParaRPr sz="1800" b="0" i="0" u="none">
+              <a:solidFill>
+                <a:srgbClr val="000000"/>
+              </a:solidFill>
+              <a:latin typeface="Consolas"/>
+              <a:ea typeface="Consolas"/>
+              <a:cs typeface="Consolas"/>
+            </a:endParaRPr>
+          </a:p>
+          <a:p>
+            <a:pPr marL="0" indent="0">
+              <a:buFont typeface="Arial"/>
+              <a:buNone/>
+              <a:defRPr/>
+            </a:pPr>
+            <a:r>
+              <a:rPr sz="1800" b="0" i="0" u="none">
+                <a:solidFill>
+                  <a:srgbClr val="000000"/>
+                </a:solidFill>
+                <a:latin typeface="Consolas"/>
+                <a:ea typeface="Consolas"/>
+                <a:cs typeface="Consolas"/>
+              </a:rPr>
+              <a:t> </a:t>
+            </a:r>
+            <a:endParaRPr sz="1800" b="0" i="0" u="none">
+              <a:solidFill>
+                <a:srgbClr val="000000"/>
+              </a:solidFill>
+              <a:latin typeface="Consolas"/>
+              <a:ea typeface="Consolas"/>
+              <a:cs typeface="Consolas"/>
+            </a:endParaRPr>
+          </a:p>
+          <a:p>
+            <a:pPr marL="0" indent="0">
+              <a:buFont typeface="Arial"/>
+              <a:buNone/>
+              <a:defRPr/>
+            </a:pPr>
+            <a:r>
+              <a:rPr sz="1800" b="0" i="0" u="none">
+                <a:solidFill>
+                  <a:srgbClr val="000000"/>
+                </a:solidFill>
+                <a:latin typeface="Consolas"/>
+                <a:ea typeface="Consolas"/>
+                <a:cs typeface="Consolas"/>
+              </a:rPr>
+              <a:t>name = input()</a:t>
+            </a:r>
+            <a:endParaRPr sz="1800" b="0" i="0" u="none">
+              <a:solidFill>
+                <a:srgbClr val="000000"/>
+              </a:solidFill>
+              <a:latin typeface="Consolas"/>
+              <a:ea typeface="Consolas"/>
+              <a:cs typeface="Consolas"/>
+            </a:endParaRPr>
+          </a:p>
+          <a:p>
+            <a:pPr marL="0" indent="0">
+              <a:buFont typeface="Arial"/>
+              <a:buNone/>
+              <a:defRPr/>
+            </a:pPr>
+            <a:r>
+              <a:rPr sz="1800" b="0" i="0" u="none">
+                <a:solidFill>
+                  <a:srgbClr val="000000"/>
+                </a:solidFill>
+                <a:latin typeface="Consolas"/>
+                <a:ea typeface="Consolas"/>
+                <a:cs typeface="Consolas"/>
+              </a:rPr>
+              <a:t> </a:t>
+            </a:r>
+            <a:endParaRPr sz="1800" b="0" i="0" u="none">
+              <a:solidFill>
+                <a:srgbClr val="000000"/>
+              </a:solidFill>
+              <a:latin typeface="Consolas"/>
+              <a:ea typeface="Consolas"/>
+              <a:cs typeface="Consolas"/>
+            </a:endParaRPr>
+          </a:p>
+          <a:p>
+            <a:pPr marL="0" indent="0">
+              <a:buFont typeface="Arial"/>
+              <a:buNone/>
+              <a:defRPr/>
+            </a:pPr>
+            <a:r>
+              <a:rPr sz="1800" b="0" i="0" u="none">
+                <a:solidFill>
+                  <a:srgbClr val="000000"/>
+                </a:solidFill>
+                <a:latin typeface="Consolas"/>
+                <a:ea typeface="Consolas"/>
+                <a:cs typeface="Consolas"/>
+              </a:rPr>
+              <a:t>print("</a:t>
+            </a:r>
+            <a:r>
+              <a:rPr sz="1800" b="0" i="0" u="none">
+                <a:solidFill>
+                  <a:srgbClr val="A31515"/>
+                </a:solidFill>
+                <a:latin typeface="Consolas"/>
+                <a:ea typeface="Consolas"/>
+                <a:cs typeface="Consolas"/>
+              </a:rPr>
+              <a:t>Salut, "</a:t>
+            </a:r>
+            <a:r>
+              <a:rPr sz="1800" b="0" i="0" u="none">
+                <a:solidFill>
+                  <a:srgbClr val="000000"/>
+                </a:solidFill>
+                <a:latin typeface="Consolas"/>
+                <a:ea typeface="Consolas"/>
+                <a:cs typeface="Consolas"/>
+              </a:rPr>
+              <a:t> + name + </a:t>
+            </a:r>
+            <a:r>
+              <a:rPr sz="1800" b="0" i="0" u="none">
+                <a:solidFill>
+                  <a:srgbClr val="A31515"/>
+                </a:solidFill>
+                <a:latin typeface="Consolas"/>
+                <a:ea typeface="Consolas"/>
+                <a:cs typeface="Consolas"/>
+              </a:rPr>
+              <a:t>" !</a:t>
+            </a:r>
+            <a:r>
+              <a:rPr sz="1800" b="0" i="0" u="none">
+                <a:solidFill>
+                  <a:srgbClr val="A31515"/>
+                </a:solidFill>
+                <a:latin typeface="Consolas"/>
+                <a:ea typeface="Consolas"/>
+                <a:cs typeface="Consolas"/>
+              </a:rPr>
+              <a:t>"</a:t>
+            </a:r>
+            <a:r>
+              <a:rPr sz="1800" b="0" i="0" u="none">
+                <a:solidFill>
+                  <a:srgbClr val="000000"/>
+                </a:solidFill>
+                <a:latin typeface="Consolas"/>
+                <a:ea typeface="Consolas"/>
+                <a:cs typeface="Consolas"/>
+              </a:rPr>
+              <a:t>)</a:t>
+            </a:r>
+            <a:endParaRPr sz="1800" b="0" i="0" u="none">
+              <a:solidFill>
+                <a:srgbClr val="A31515"/>
+              </a:solidFill>
+              <a:latin typeface="Consolas"/>
+              <a:ea typeface="Consolas"/>
+              <a:cs typeface="Consolas"/>
+            </a:endParaRPr>
+          </a:p>
+        </p:txBody>
+      </p:sp>
+      <p:sp>
+        <p:nvSpPr>
+          <p:cNvPr id="6" name="Content Placeholder 3" hidden="0"/>
+          <p:cNvSpPr>
+            <a:spLocks noGrp="1"/>
+          </p:cNvSpPr>
+          <p:nvPr isPhoto="0" userDrawn="0">
+            <p:ph sz="half" idx="2" hasCustomPrompt="0"/>
+          </p:nvPr>
         </p:nvSpPr>
         <p:spPr bwMode="auto">
           <a:xfrm flipH="0" flipV="0">
-            <a:off x="6492742" y="4623786"/>
-            <a:ext cx="2109022" cy="365795"/>
+            <a:off x="6172200" y="2376798"/>
+            <a:ext cx="5181598" cy="3329298"/>
           </a:xfrm>
           <a:prstGeom prst="rect">
             <a:avLst/>
           </a:prstGeom>
-          <a:noFill/>
-        </p:spPr>
-        <p:txBody>
-          <a:bodyPr vertOverflow="overflow" horzOverflow="clip" vert="horz" wrap="square" lIns="91440" tIns="45720" rIns="91440" bIns="45720" numCol="1" spcCol="0" rtlCol="0" fromWordArt="0" anchor="t" anchorCtr="0" forceAA="0" upright="0" compatLnSpc="0">
-            <a:spAutoFit/>
-          </a:bodyPr>
-          <a:p>
-            <a:pPr>
-              <a:defRPr/>
-            </a:pPr>
-            <a:r>
-              <a:rPr/>
-              <a:t>Le script Python</a:t>
-            </a:r>
-            <a:endParaRPr/>
-          </a:p>
-        </p:txBody>
-      </p:sp>
-      <p:sp>
-        <p:nvSpPr>
-          <p:cNvPr id="8" name="" hidden="0"/>
-          <p:cNvSpPr/>
-          <p:nvPr isPhoto="0" userDrawn="0"/>
-        </p:nvSpPr>
-        <p:spPr bwMode="auto">
-          <a:xfrm flipH="0" flipV="0">
-            <a:off x="6723931" y="3514077"/>
-            <a:ext cx="2626310" cy="640115"/>
-          </a:xfrm>
-          <a:prstGeom prst="rect">
-            <a:avLst/>
-          </a:prstGeom>
-          <a:noFill/>
-        </p:spPr>
-        <p:txBody>
-          <a:bodyPr vertOverflow="overflow" horzOverflow="clip" vert="horz" wrap="square" lIns="91440" tIns="45720" rIns="91440" bIns="45720" numCol="1" spcCol="0" rtlCol="0" fromWordArt="0" anchor="t" anchorCtr="0" forceAA="0" upright="0" compatLnSpc="0">
-            <a:noAutofit/>
-          </a:bodyPr>
-          <a:p>
-            <a:pPr>
-              <a:defRPr/>
-            </a:pPr>
-            <a:r>
-              <a:rPr/>
-              <a:t>Les fichiers JSON : pour stocker les calculs</a:t>
-            </a:r>
-            <a:endParaRPr/>
-          </a:p>
-        </p:txBody>
-      </p:sp>
-      <p:sp>
-        <p:nvSpPr>
-          <p:cNvPr id="9" name="" hidden="0"/>
-          <p:cNvSpPr/>
-          <p:nvPr isPhoto="0" userDrawn="0"/>
-        </p:nvSpPr>
-        <p:spPr bwMode="auto">
-          <a:xfrm flipH="0" flipV="0">
-            <a:off x="6797912" y="2182426"/>
-            <a:ext cx="3033202" cy="702815"/>
-          </a:xfrm>
-          <a:prstGeom prst="rect">
-            <a:avLst/>
-          </a:prstGeom>
-          <a:noFill/>
-        </p:spPr>
-        <p:txBody>
-          <a:bodyPr vertOverflow="overflow" horzOverflow="clip" vert="horz" wrap="square" lIns="91440" tIns="45720" rIns="91440" bIns="45720" numCol="1" spcCol="0" rtlCol="0" fromWordArt="0" anchor="t" anchorCtr="0" forceAA="0" upright="0" compatLnSpc="0">
-            <a:noAutofit/>
-          </a:bodyPr>
-          <a:p>
-            <a:pPr>
-              <a:defRPr/>
-            </a:pPr>
-            <a:r>
-              <a:rPr/>
-              <a:t>Le dossier .git pour le contrôle de version</a:t>
-            </a:r>
-            <a:endParaRPr/>
-          </a:p>
-        </p:txBody>
-      </p:sp>
-      <p:sp>
-        <p:nvSpPr>
-          <p:cNvPr id="10" name="" hidden="0"/>
-          <p:cNvSpPr/>
-          <p:nvPr isPhoto="0" userDrawn="0"/>
-        </p:nvSpPr>
-        <p:spPr bwMode="auto">
-          <a:xfrm flipH="0" flipV="0">
-            <a:off x="6603713" y="5206383"/>
-            <a:ext cx="3097936" cy="406892"/>
-          </a:xfrm>
-          <a:prstGeom prst="rect">
-            <a:avLst/>
-          </a:prstGeom>
-          <a:noFill/>
-        </p:spPr>
-        <p:txBody>
-          <a:bodyPr vertOverflow="overflow" horzOverflow="clip" vert="horz" wrap="square" lIns="91440" tIns="45720" rIns="91440" bIns="45720" numCol="1" spcCol="0" rtlCol="0" fromWordArt="0" anchor="t" anchorCtr="0" forceAA="0" upright="0" compatLnSpc="0">
-            <a:noAutofit/>
-          </a:bodyPr>
-          <a:p>
-            <a:pPr>
-              <a:defRPr/>
-            </a:pPr>
-            <a:r>
-              <a:rPr/>
-              <a:t>La présentation PowerPoint</a:t>
-            </a:r>
-            <a:endParaRPr/>
-          </a:p>
-        </p:txBody>
-      </p:sp>
-      <p:sp>
-        <p:nvSpPr>
-          <p:cNvPr id="11" name="" hidden="0"/>
-          <p:cNvSpPr/>
-          <p:nvPr isPhoto="0" userDrawn="0"/>
-        </p:nvSpPr>
-        <p:spPr bwMode="auto">
-          <a:xfrm flipH="0" flipV="0">
-            <a:off x="6566723" y="5927694"/>
-            <a:ext cx="2073112" cy="640115"/>
-          </a:xfrm>
-          <a:prstGeom prst="rect">
-            <a:avLst/>
-          </a:prstGeom>
-          <a:noFill/>
-        </p:spPr>
-        <p:txBody>
-          <a:bodyPr vertOverflow="overflow" horzOverflow="clip" vert="horz" wrap="square" lIns="91440" tIns="45720" rIns="91440" bIns="45720" numCol="1" spcCol="0" rtlCol="0" fromWordArt="0" anchor="t" anchorCtr="0" forceAA="0" upright="0" compatLnSpc="0">
-            <a:spAutoFit/>
-          </a:bodyPr>
-          <a:p>
-            <a:pPr>
-              <a:defRPr/>
-            </a:pPr>
-            <a:r>
-              <a:rPr/>
-              <a:t>README.md pour expliquer le projet</a:t>
-            </a:r>
-            <a:endParaRPr/>
-          </a:p>
-        </p:txBody>
-      </p:sp>
-      <p:cxnSp>
-        <p:nvCxnSpPr>
-          <p:cNvPr id="12" name="" hidden="0"/>
-          <p:cNvCxnSpPr>
-            <a:cxnSpLocks/>
-            <a:stCxn id="9" idx="1"/>
-          </p:cNvCxnSpPr>
-          <p:nvPr isPhoto="0" userDrawn="0"/>
-        </p:nvCxnSpPr>
-        <p:spPr bwMode="auto">
-          <a:xfrm rot="10799989" flipH="0" flipV="0">
-            <a:off x="2497791" y="2376626"/>
-            <a:ext cx="4300121" cy="157208"/>
-          </a:xfrm>
-          <a:prstGeom prst="line">
-            <a:avLst/>
-          </a:prstGeom>
-          <a:ln w="38099" cap="flat" cmpd="sng" algn="ctr">
-            <a:solidFill>
-              <a:srgbClr val="FF0000"/>
-            </a:solidFill>
-            <a:prstDash val="solid"/>
-            <a:miter/>
-            <a:tailEnd type="arrow" len="med"/>
-          </a:ln>
-        </p:spPr>
-        <p:style>
-          <a:lnRef idx="1">
-            <a:schemeClr val="accent1">
-              <a:shade val="50000"/>
-            </a:schemeClr>
-          </a:lnRef>
-          <a:fillRef idx="0">
-            <a:schemeClr val="accent1"/>
-          </a:fillRef>
-          <a:effectRef idx="0">
-            <a:schemeClr val="accent1"/>
-          </a:effectRef>
-          <a:fontRef idx="minor">
+          <a:solidFill>
             <a:schemeClr val="tx1"/>
-          </a:fontRef>
-        </p:style>
-      </p:cxnSp>
-      <p:cxnSp>
-        <p:nvCxnSpPr>
-          <p:cNvPr id="13" name="" hidden="0"/>
-          <p:cNvCxnSpPr>
-            <a:cxnSpLocks/>
-            <a:stCxn id="8" idx="1"/>
-          </p:cNvCxnSpPr>
-          <p:nvPr isPhoto="0" userDrawn="0"/>
-        </p:nvCxnSpPr>
-        <p:spPr bwMode="auto">
-          <a:xfrm rot="10799989" flipH="0" flipV="0">
-            <a:off x="4208591" y="3356868"/>
-            <a:ext cx="2515339" cy="477266"/>
-          </a:xfrm>
-          <a:prstGeom prst="line">
-            <a:avLst/>
-          </a:prstGeom>
-          <a:ln w="38099" cap="flat" cmpd="sng" algn="ctr">
-            <a:solidFill>
-              <a:srgbClr val="FFFF00"/>
-            </a:solidFill>
-            <a:prstDash val="solid"/>
-            <a:miter/>
-            <a:tailEnd type="arrow" len="med"/>
-          </a:ln>
-        </p:spPr>
-        <p:style>
-          <a:lnRef idx="1">
-            <a:schemeClr val="accent1">
-              <a:shade val="50000"/>
-            </a:schemeClr>
-          </a:lnRef>
-          <a:fillRef idx="0">
-            <a:schemeClr val="accent1"/>
-          </a:fillRef>
-          <a:effectRef idx="0">
-            <a:schemeClr val="accent1"/>
-          </a:effectRef>
-          <a:fontRef idx="minor">
-            <a:schemeClr val="tx1"/>
-          </a:fontRef>
-        </p:style>
-      </p:cxnSp>
-      <p:cxnSp>
-        <p:nvCxnSpPr>
-          <p:cNvPr id="14" name="" hidden="0"/>
-          <p:cNvCxnSpPr>
-            <a:cxnSpLocks/>
-          </p:cNvCxnSpPr>
-          <p:nvPr isPhoto="0" userDrawn="0"/>
-        </p:nvCxnSpPr>
-        <p:spPr bwMode="auto">
-          <a:xfrm rot="10799989" flipH="0" flipV="0">
-            <a:off x="4153106" y="3834133"/>
-            <a:ext cx="2570824" cy="0"/>
-          </a:xfrm>
-          <a:prstGeom prst="line">
-            <a:avLst/>
-          </a:prstGeom>
-          <a:ln w="38099" cap="flat" cmpd="sng" algn="ctr">
-            <a:solidFill>
-              <a:srgbClr val="FFFF00"/>
-            </a:solidFill>
-            <a:prstDash val="solid"/>
-            <a:miter/>
-            <a:tailEnd type="arrow" len="med"/>
-          </a:ln>
-        </p:spPr>
-        <p:style>
-          <a:lnRef idx="1">
-            <a:schemeClr val="accent1">
-              <a:shade val="50000"/>
-            </a:schemeClr>
-          </a:lnRef>
-          <a:fillRef idx="0">
-            <a:schemeClr val="accent1"/>
-          </a:fillRef>
-          <a:effectRef idx="0">
-            <a:schemeClr val="accent1"/>
-          </a:effectRef>
-          <a:fontRef idx="minor">
-            <a:schemeClr val="tx1"/>
-          </a:fontRef>
-        </p:style>
-      </p:cxnSp>
-      <p:cxnSp>
-        <p:nvCxnSpPr>
-          <p:cNvPr id="15" name="" hidden="0"/>
-          <p:cNvCxnSpPr>
-            <a:cxnSpLocks/>
-          </p:cNvCxnSpPr>
-          <p:nvPr isPhoto="0" userDrawn="0"/>
-        </p:nvCxnSpPr>
-        <p:spPr bwMode="auto">
-          <a:xfrm rot="10799989" flipH="0" flipV="1">
-            <a:off x="4134611" y="3834133"/>
-            <a:ext cx="2589319" cy="558462"/>
-          </a:xfrm>
-          <a:prstGeom prst="line">
-            <a:avLst/>
-          </a:prstGeom>
-          <a:ln w="38099" cap="flat" cmpd="sng" algn="ctr">
-            <a:solidFill>
-              <a:srgbClr val="FFFF00"/>
-            </a:solidFill>
-            <a:prstDash val="solid"/>
-            <a:miter/>
-            <a:tailEnd type="arrow" len="med"/>
-          </a:ln>
-        </p:spPr>
-        <p:style>
-          <a:lnRef idx="1">
-            <a:schemeClr val="accent1">
-              <a:shade val="50000"/>
-            </a:schemeClr>
-          </a:lnRef>
-          <a:fillRef idx="0">
-            <a:schemeClr val="accent1"/>
-          </a:fillRef>
-          <a:effectRef idx="0">
-            <a:schemeClr val="accent1"/>
-          </a:effectRef>
-          <a:fontRef idx="minor">
-            <a:schemeClr val="tx1"/>
-          </a:fontRef>
-        </p:style>
-      </p:cxnSp>
-      <p:cxnSp>
-        <p:nvCxnSpPr>
-          <p:cNvPr id="16" name="" hidden="0"/>
-          <p:cNvCxnSpPr>
-            <a:cxnSpLocks/>
-            <a:stCxn id="7" idx="1"/>
-          </p:cNvCxnSpPr>
-          <p:nvPr isPhoto="0" userDrawn="0"/>
-        </p:nvCxnSpPr>
-        <p:spPr bwMode="auto">
-          <a:xfrm rot="10799989" flipH="0" flipV="1">
-            <a:off x="3644490" y="4806684"/>
-            <a:ext cx="2848252" cy="29796"/>
-          </a:xfrm>
-          <a:prstGeom prst="line">
-            <a:avLst/>
-          </a:prstGeom>
-          <a:ln w="38099" cap="flat" cmpd="sng" algn="ctr">
-            <a:solidFill>
-              <a:srgbClr val="00B0F0"/>
-            </a:solidFill>
-            <a:prstDash val="solid"/>
-            <a:miter/>
-            <a:tailEnd type="arrow" len="med"/>
-          </a:ln>
-        </p:spPr>
-        <p:style>
-          <a:lnRef idx="1">
-            <a:schemeClr val="accent1">
-              <a:shade val="50000"/>
-            </a:schemeClr>
-          </a:lnRef>
-          <a:fillRef idx="0">
-            <a:schemeClr val="accent1"/>
-          </a:fillRef>
-          <a:effectRef idx="0">
-            <a:schemeClr val="accent1"/>
-          </a:effectRef>
-          <a:fontRef idx="minor">
-            <a:schemeClr val="tx1"/>
-          </a:fontRef>
-        </p:style>
-      </p:cxnSp>
-      <p:cxnSp>
-        <p:nvCxnSpPr>
-          <p:cNvPr id="17" name="" hidden="0"/>
-          <p:cNvCxnSpPr>
-            <a:cxnSpLocks/>
-            <a:stCxn id="10" idx="1"/>
-          </p:cNvCxnSpPr>
-          <p:nvPr isPhoto="0" userDrawn="0"/>
-        </p:nvCxnSpPr>
-        <p:spPr bwMode="auto">
-          <a:xfrm rot="10799989" flipH="0" flipV="0">
-            <a:off x="4541504" y="5363592"/>
-            <a:ext cx="2062208" cy="46237"/>
-          </a:xfrm>
-          <a:prstGeom prst="line">
-            <a:avLst/>
-          </a:prstGeom>
-          <a:ln w="38099" cap="flat" cmpd="sng" algn="ctr">
-            <a:solidFill>
-              <a:schemeClr val="accent4"/>
-            </a:solidFill>
-            <a:prstDash val="solid"/>
-            <a:miter/>
-            <a:tailEnd type="arrow" len="med"/>
-          </a:ln>
-        </p:spPr>
-        <p:style>
-          <a:lnRef idx="1">
-            <a:schemeClr val="accent1">
-              <a:shade val="50000"/>
-            </a:schemeClr>
-          </a:lnRef>
-          <a:fillRef idx="0">
-            <a:schemeClr val="accent1"/>
-          </a:fillRef>
-          <a:effectRef idx="0">
-            <a:schemeClr val="accent1"/>
-          </a:effectRef>
-          <a:fontRef idx="minor">
-            <a:schemeClr val="tx1"/>
-          </a:fontRef>
-        </p:style>
-      </p:cxnSp>
-      <p:cxnSp>
-        <p:nvCxnSpPr>
-          <p:cNvPr id="18" name="" hidden="0"/>
-          <p:cNvCxnSpPr>
-            <a:cxnSpLocks/>
-            <a:stCxn id="11" idx="1"/>
-          </p:cNvCxnSpPr>
-          <p:nvPr isPhoto="0" userDrawn="0"/>
-        </p:nvCxnSpPr>
-        <p:spPr bwMode="auto">
-          <a:xfrm rot="10799989" flipH="0" flipV="0">
-            <a:off x="3579757" y="5853713"/>
-            <a:ext cx="2986965" cy="394037"/>
-          </a:xfrm>
-          <a:prstGeom prst="line">
-            <a:avLst/>
-          </a:prstGeom>
-          <a:ln w="38099" cap="flat" cmpd="sng" algn="ctr">
-            <a:solidFill>
-              <a:srgbClr val="92D050"/>
-            </a:solidFill>
-            <a:prstDash val="solid"/>
-            <a:miter/>
-            <a:tailEnd type="arrow" len="med"/>
-          </a:ln>
-        </p:spPr>
-        <p:style>
-          <a:lnRef idx="1">
-            <a:schemeClr val="accent1">
-              <a:shade val="50000"/>
-            </a:schemeClr>
-          </a:lnRef>
-          <a:fillRef idx="0">
-            <a:schemeClr val="accent1"/>
-          </a:fillRef>
-          <a:effectRef idx="0">
-            <a:schemeClr val="accent1"/>
-          </a:effectRef>
-          <a:fontRef idx="minor">
-            <a:schemeClr val="tx1"/>
-          </a:fontRef>
-        </p:style>
-      </p:cxnSp>
+          </a:solidFill>
+        </p:spPr>
+        <p:txBody>
+          <a:bodyPr/>
+          <a:lstStyle/>
+          <a:p>
+            <a:pPr marL="0" indent="0">
+              <a:buFont typeface="Arial"/>
+              <a:buNone/>
+              <a:defRPr/>
+            </a:pPr>
+            <a:r>
+              <a:rPr sz="1800">
+                <a:solidFill>
+                  <a:schemeClr val="bg1"/>
+                </a:solidFill>
+                <a:latin typeface="Consolas"/>
+                <a:ea typeface="Consolas"/>
+                <a:cs typeface="Consolas"/>
+              </a:rPr>
+              <a:t>Comment t’appelles-tu ?</a:t>
+            </a:r>
+            <a:endParaRPr sz="1800">
+              <a:solidFill>
+                <a:schemeClr val="bg1"/>
+              </a:solidFill>
+              <a:latin typeface="Consolas"/>
+              <a:ea typeface="Consolas"/>
+              <a:cs typeface="Consolas"/>
+            </a:endParaRPr>
+          </a:p>
+          <a:p>
+            <a:pPr marL="0" indent="0">
+              <a:buFont typeface="Arial"/>
+              <a:buNone/>
+              <a:defRPr/>
+            </a:pPr>
+            <a:r>
+              <a:rPr sz="1800">
+                <a:solidFill>
+                  <a:schemeClr val="bg1"/>
+                </a:solidFill>
+                <a:latin typeface="Consolas"/>
+                <a:ea typeface="Consolas"/>
+                <a:cs typeface="Consolas"/>
+              </a:rPr>
+              <a:t>Natan</a:t>
+            </a:r>
+            <a:endParaRPr sz="1800">
+              <a:solidFill>
+                <a:schemeClr val="bg1"/>
+              </a:solidFill>
+              <a:latin typeface="Consolas"/>
+              <a:ea typeface="Consolas"/>
+              <a:cs typeface="Consolas"/>
+            </a:endParaRPr>
+          </a:p>
+          <a:p>
+            <a:pPr marL="0" indent="0">
+              <a:buFont typeface="Arial"/>
+              <a:buNone/>
+              <a:defRPr/>
+            </a:pPr>
+            <a:r>
+              <a:rPr sz="1800">
+                <a:solidFill>
+                  <a:schemeClr val="bg1"/>
+                </a:solidFill>
+                <a:latin typeface="Consolas"/>
+                <a:ea typeface="Consolas"/>
+                <a:cs typeface="Consolas"/>
+              </a:rPr>
+              <a:t>Salut, Natan !</a:t>
+            </a:r>
+            <a:endParaRPr sz="1800">
+              <a:solidFill>
+                <a:schemeClr val="bg1"/>
+              </a:solidFill>
+              <a:latin typeface="Consolas"/>
+              <a:ea typeface="Consolas"/>
+              <a:cs typeface="Consolas"/>
+            </a:endParaRPr>
+          </a:p>
+        </p:txBody>
+      </p:sp>
     </p:spTree>
   </p:cSld>
   <p:clrMapOvr>
@@ -4878,6 +4408,220 @@
             <p:ph type="title" hasCustomPrompt="0"/>
           </p:nvPr>
         </p:nvSpPr>
+        <p:spPr bwMode="auto">
+          <a:xfrm>
+            <a:off x="831849" y="1709737"/>
+            <a:ext cx="10515600" cy="2852736"/>
+          </a:xfrm>
+        </p:spPr>
+        <p:txBody>
+          <a:bodyPr anchor="b"/>
+          <a:lstStyle>
+            <a:lvl1pPr>
+              <a:defRPr sz="6000"/>
+            </a:lvl1pPr>
+          </a:lstStyle>
+          <a:p>
+            <a:pPr>
+              <a:defRPr/>
+            </a:pPr>
+            <a:r>
+              <a:rPr/>
+              <a:t>Décryptons </a:t>
+            </a:r>
+            <a:r>
+              <a:rPr>
+                <a:solidFill>
+                  <a:schemeClr val="tx1">
+                    <a:lumMod val="50000"/>
+                    <a:lumOff val="50000"/>
+                  </a:schemeClr>
+                </a:solidFill>
+                <a:latin typeface="Consolas"/>
+                <a:ea typeface="Consolas"/>
+                <a:cs typeface="Consolas"/>
+              </a:rPr>
+              <a:t>jeu_maths.py</a:t>
+            </a:r>
+            <a:endParaRPr/>
+          </a:p>
+        </p:txBody>
+      </p:sp>
+      <p:sp>
+        <p:nvSpPr>
+          <p:cNvPr id="5" name="Text Placeholder 2" hidden="0"/>
+          <p:cNvSpPr>
+            <a:spLocks noGrp="1"/>
+          </p:cNvSpPr>
+          <p:nvPr isPhoto="0" userDrawn="0">
+            <p:ph type="body" idx="1" hasCustomPrompt="0"/>
+          </p:nvPr>
+        </p:nvSpPr>
+        <p:spPr bwMode="auto">
+          <a:xfrm>
+            <a:off x="831849" y="4589462"/>
+            <a:ext cx="10515600" cy="1500186"/>
+          </a:xfrm>
+        </p:spPr>
+        <p:txBody>
+          <a:bodyPr/>
+          <a:lstStyle>
+            <a:lvl1pPr marL="0" indent="0">
+              <a:buNone/>
+              <a:defRPr sz="2400">
+                <a:solidFill>
+                  <a:schemeClr val="tx1">
+                    <a:tint val="75000"/>
+                  </a:schemeClr>
+                </a:solidFill>
+              </a:defRPr>
+            </a:lvl1pPr>
+            <a:lvl2pPr marL="457200" indent="0">
+              <a:buNone/>
+              <a:defRPr sz="2000">
+                <a:solidFill>
+                  <a:schemeClr val="tx1">
+                    <a:tint val="75000"/>
+                  </a:schemeClr>
+                </a:solidFill>
+              </a:defRPr>
+            </a:lvl2pPr>
+            <a:lvl3pPr marL="914400" indent="0">
+              <a:buNone/>
+              <a:defRPr sz="1800">
+                <a:solidFill>
+                  <a:schemeClr val="tx1">
+                    <a:tint val="75000"/>
+                  </a:schemeClr>
+                </a:solidFill>
+              </a:defRPr>
+            </a:lvl3pPr>
+            <a:lvl4pPr marL="1371600" indent="0">
+              <a:buNone/>
+              <a:defRPr sz="1600">
+                <a:solidFill>
+                  <a:schemeClr val="tx1">
+                    <a:tint val="75000"/>
+                  </a:schemeClr>
+                </a:solidFill>
+              </a:defRPr>
+            </a:lvl4pPr>
+            <a:lvl5pPr marL="1828800" indent="0">
+              <a:buNone/>
+              <a:defRPr sz="1600">
+                <a:solidFill>
+                  <a:schemeClr val="tx1">
+                    <a:tint val="75000"/>
+                  </a:schemeClr>
+                </a:solidFill>
+              </a:defRPr>
+            </a:lvl5pPr>
+            <a:lvl6pPr marL="2286000" indent="0">
+              <a:buNone/>
+              <a:defRPr sz="1600">
+                <a:solidFill>
+                  <a:schemeClr val="tx1">
+                    <a:tint val="75000"/>
+                  </a:schemeClr>
+                </a:solidFill>
+              </a:defRPr>
+            </a:lvl6pPr>
+            <a:lvl7pPr marL="2743200" indent="0">
+              <a:buNone/>
+              <a:defRPr sz="1600">
+                <a:solidFill>
+                  <a:schemeClr val="tx1">
+                    <a:tint val="75000"/>
+                  </a:schemeClr>
+                </a:solidFill>
+              </a:defRPr>
+            </a:lvl7pPr>
+            <a:lvl8pPr marL="3200400" indent="0">
+              <a:buNone/>
+              <a:defRPr sz="1600">
+                <a:solidFill>
+                  <a:schemeClr val="tx1">
+                    <a:tint val="75000"/>
+                  </a:schemeClr>
+                </a:solidFill>
+              </a:defRPr>
+            </a:lvl8pPr>
+            <a:lvl9pPr marL="3657600" indent="0">
+              <a:buNone/>
+              <a:defRPr sz="1600">
+                <a:solidFill>
+                  <a:schemeClr val="tx1">
+                    <a:tint val="75000"/>
+                  </a:schemeClr>
+                </a:solidFill>
+              </a:defRPr>
+            </a:lvl9pPr>
+          </a:lstStyle>
+          <a:p>
+            <a:pPr>
+              <a:defRPr/>
+            </a:pPr>
+            <a:endParaRPr/>
+          </a:p>
+          <a:p>
+            <a:pPr>
+              <a:defRPr/>
+            </a:pPr>
+            <a:endParaRPr/>
+          </a:p>
+        </p:txBody>
+      </p:sp>
+    </p:spTree>
+  </p:cSld>
+  <p:clrMapOvr>
+    <a:masterClrMapping/>
+  </p:clrMapOvr>
+  <mc:AlternateContent xmlns:mc="http://schemas.openxmlformats.org/markup-compatibility/2006">
+    <mc:Choice xmlns:p14="http://schemas.microsoft.com/office/powerpoint/2010/main" Requires="p14">
+      <p:transition p14:dur="2000" advClick="1"/>
+    </mc:Choice>
+    <mc:Fallback>
+      <p:transition advClick="1"/>
+    </mc:Fallback>
+  </mc:AlternateContent>
+</p:sld>
+</file>
+
+<file path=ppt/slides/slide7.xml><?xml version="1.0" encoding="utf-8"?>
+<p:sld xmlns:a="http://schemas.openxmlformats.org/drawingml/2006/main" xmlns:r="http://schemas.openxmlformats.org/officeDocument/2006/relationships" xmlns:p="http://schemas.openxmlformats.org/presentationml/2006/main" xmlns:m="http://schemas.openxmlformats.org/officeDocument/2006/math" xmlns:w="http://schemas.openxmlformats.org/wordprocessingml/2006/main" showMasterPhAnim="0" show="1">
+  <p:cSld name="">
+    <p:bg>
+      <p:bgPr shadeToTitle="0">
+        <a:blipFill>
+          <a:blip r:embed="rId2"/>
+          <a:stretch/>
+        </a:blipFill>
+      </p:bgPr>
+    </p:bg>
+    <p:spTree>
+      <p:nvGrpSpPr>
+        <p:cNvPr id="1" name="" hidden="0"/>
+        <p:cNvGrpSpPr/>
+        <p:nvPr isPhoto="0" userDrawn="0"/>
+      </p:nvGrpSpPr>
+      <p:grpSpPr bwMode="auto">
+        <a:xfrm>
+          <a:off x="0" y="0"/>
+          <a:ext cx="0" cy="0"/>
+          <a:chOff x="0" y="0"/>
+          <a:chExt cx="0" cy="0"/>
+        </a:xfrm>
+      </p:grpSpPr>
+      <p:sp>
+        <p:nvSpPr>
+          <p:cNvPr id="4" name="Title 1" hidden="0"/>
+          <p:cNvSpPr>
+            <a:spLocks noGrp="1"/>
+          </p:cNvSpPr>
+          <p:nvPr isPhoto="0" userDrawn="0">
+            <p:ph type="title" hasCustomPrompt="0"/>
+          </p:nvPr>
+        </p:nvSpPr>
         <p:spPr bwMode="auto"/>
         <p:txBody>
           <a:bodyPr/>
@@ -4888,137 +4632,40 @@
             </a:pPr>
             <a:r>
               <a:rPr/>
-              <a:t>        Explorons le code</a:t>
-            </a:r>
-            <a:endParaRPr/>
-          </a:p>
-        </p:txBody>
-      </p:sp>
-      <p:sp>
-        <p:nvSpPr>
-          <p:cNvPr id="5" name="Content Placeholder 2" hidden="0"/>
-          <p:cNvSpPr>
-            <a:spLocks noGrp="1"/>
-          </p:cNvSpPr>
-          <p:nvPr isPhoto="0" userDrawn="0">
-            <p:ph idx="1" hasCustomPrompt="0"/>
-          </p:nvPr>
-        </p:nvSpPr>
-        <p:spPr bwMode="auto">
-          <a:xfrm flipH="0" flipV="0">
-            <a:off x="838198" y="1825624"/>
-            <a:ext cx="4313644" cy="514010"/>
-          </a:xfrm>
-        </p:spPr>
-        <p:txBody>
-          <a:bodyPr/>
-          <a:lstStyle/>
-          <a:p>
-            <a:pPr marL="0" indent="0">
-              <a:buFont typeface="Arial"/>
-              <a:buNone/>
-              <a:defRPr/>
-            </a:pPr>
-            <a:r>
-              <a:rPr b="1"/>
-              <a:t>Avec un éditeur de code</a:t>
-            </a:r>
-            <a:endParaRPr b="1"/>
-          </a:p>
-        </p:txBody>
-      </p:sp>
-      <p:sp>
-        <p:nvSpPr>
-          <p:cNvPr id="6" name="" hidden="0"/>
+              <a:t>        Le contenu du projet</a:t>
+            </a:r>
+            <a:endParaRPr/>
+          </a:p>
+        </p:txBody>
+      </p:sp>
+      <p:sp>
+        <p:nvSpPr>
+          <p:cNvPr id="5" name="" hidden="0"/>
           <p:cNvSpPr/>
           <p:nvPr isPhoto="0" userDrawn="0"/>
         </p:nvSpPr>
         <p:spPr bwMode="auto">
           <a:xfrm flipH="0" flipV="0">
-            <a:off x="916455" y="4337111"/>
-            <a:ext cx="9857912" cy="619587"/>
-          </a:xfrm>
-          <a:prstGeom prst="rect">
-            <a:avLst/>
-          </a:prstGeom>
-          <a:noFill/>
-        </p:spPr>
-        <p:txBody>
-          <a:bodyPr vertOverflow="overflow" horzOverflow="clip" vert="horz" wrap="square" lIns="91440" tIns="45720" rIns="91440" bIns="45720" numCol="1" spcCol="0" rtlCol="0" fromWordArt="0" anchor="t" anchorCtr="0" forceAA="0" upright="0" compatLnSpc="0">
+            <a:off x="7568389" y="4292313"/>
+            <a:ext cx="109899" cy="740440"/>
+          </a:xfrm>
+        </p:spPr>
+        <p:txBody>
+          <a:bodyPr rot="0" spcFirstLastPara="0" vertOverflow="overflow" horzOverflow="clip" vert="horz" wrap="square" lIns="91440" tIns="45720" rIns="91440" bIns="45720" numCol="1" spcCol="0" rtlCol="0" fromWordArt="0" anchor="t" anchorCtr="0" forceAA="0" upright="0" compatLnSpc="1">
+            <a:prstTxWarp prst="textNoShape"/>
             <a:noAutofit/>
           </a:bodyPr>
           <a:p>
             <a:pPr>
               <a:defRPr/>
             </a:pPr>
-            <a:r>
-              <a:rPr sz="2800" b="1"/>
-              <a:t>Ou avec un IDE </a:t>
-            </a:r>
-            <a:r>
-              <a:rPr lang="en-US" sz="2800" b="0" i="1"/>
-              <a:t>(</a:t>
-            </a:r>
-            <a:r>
-              <a:rPr lang="en-US" sz="2800" b="1" i="1"/>
-              <a:t>I</a:t>
-            </a:r>
-            <a:r>
-              <a:rPr lang="en-US" sz="2800" b="0" i="1"/>
-              <a:t>ntegrated </a:t>
-            </a:r>
-            <a:r>
-              <a:rPr lang="en-US" sz="2800" b="1" i="1"/>
-              <a:t>D</a:t>
-            </a:r>
-            <a:r>
-              <a:rPr lang="en-US" sz="2800" b="0" i="1"/>
-              <a:t>evelopment</a:t>
-            </a:r>
-            <a:r>
-              <a:rPr lang="en-US" sz="2800" b="0" i="1"/>
-              <a:t> </a:t>
-            </a:r>
-            <a:r>
-              <a:rPr lang="en-US" sz="2800" b="1" i="1"/>
-              <a:t>E</a:t>
-            </a:r>
-            <a:r>
-              <a:rPr lang="en-US" sz="2800" b="0" i="1"/>
-              <a:t>nvironment)</a:t>
-            </a:r>
-            <a:endParaRPr lang="en-US"/>
-          </a:p>
-        </p:txBody>
-      </p:sp>
-      <p:sp>
-        <p:nvSpPr>
-          <p:cNvPr id="7" name="" hidden="0"/>
-          <p:cNvSpPr/>
-          <p:nvPr isPhoto="0" userDrawn="0"/>
-        </p:nvSpPr>
-        <p:spPr bwMode="auto">
-          <a:xfrm>
-            <a:off x="6525180" y="4145279"/>
-            <a:ext cx="254916" cy="365795"/>
-          </a:xfrm>
-        </p:spPr>
-        <p:txBody>
-          <a:bodyPr rot="0" spcFirstLastPara="0" vertOverflow="overflow" horzOverflow="clip" vert="horz" wrap="square" lIns="91440" tIns="45720" rIns="91440" bIns="45720" numCol="1" spcCol="0" rtlCol="0" fromWordArt="0" anchor="t" anchorCtr="0" forceAA="0" upright="0" compatLnSpc="1">
-            <a:prstTxWarp prst="textNoShape"/>
-            <a:spAutoFit/>
-          </a:bodyPr>
-          <a:p>
-            <a:pPr>
-              <a:defRPr/>
-            </a:pPr>
             <a:endParaRPr/>
           </a:p>
         </p:txBody>
       </p:sp>
       <p:pic>
         <p:nvPicPr>
-          <p:cNvPr id="8" name="" hidden="0"/>
+          <p:cNvPr id="6" name="" hidden="0"/>
           <p:cNvPicPr>
             <a:picLocks noChangeAspect="1"/>
           </p:cNvPicPr>
@@ -5030,8 +4677,8 @@
         </p:blipFill>
         <p:spPr bwMode="auto">
           <a:xfrm flipH="0" flipV="0">
-            <a:off x="1712567" y="2339633"/>
-            <a:ext cx="1451868" cy="1451868"/>
+            <a:off x="749052" y="2127819"/>
+            <a:ext cx="5087111" cy="4038079"/>
           </a:xfrm>
           <a:prstGeom prst="rect">
             <a:avLst/>
@@ -5040,14 +4687,14 @@
       </p:pic>
       <p:sp>
         <p:nvSpPr>
-          <p:cNvPr id="9" name="" hidden="0"/>
+          <p:cNvPr id="7" name="" hidden="0"/>
           <p:cNvSpPr/>
           <p:nvPr isPhoto="0" userDrawn="0"/>
         </p:nvSpPr>
         <p:spPr bwMode="auto">
           <a:xfrm flipH="0" flipV="0">
-            <a:off x="1859708" y="3957960"/>
-            <a:ext cx="749053" cy="365795"/>
+            <a:off x="6492742" y="4623786"/>
+            <a:ext cx="2109022" cy="365795"/>
           </a:xfrm>
           <a:prstGeom prst="rect">
             <a:avLst/>
@@ -5056,6 +4703,38 @@
         </p:spPr>
         <p:txBody>
           <a:bodyPr vertOverflow="overflow" horzOverflow="clip" vert="horz" wrap="square" lIns="91440" tIns="45720" rIns="91440" bIns="45720" numCol="1" spcCol="0" rtlCol="0" fromWordArt="0" anchor="t" anchorCtr="0" forceAA="0" upright="0" compatLnSpc="0">
+            <a:spAutoFit/>
+          </a:bodyPr>
+          <a:p>
+            <a:pPr>
+              <a:defRPr/>
+            </a:pPr>
+            <a:r>
+              <a:rPr/>
+              <a:t>Le script Python</a:t>
+            </a:r>
+            <a:endParaRPr/>
+          </a:p>
+        </p:txBody>
+      </p:sp>
+      <p:sp>
+        <p:nvSpPr>
+          <p:cNvPr id="8" name="" hidden="0"/>
+          <p:cNvSpPr/>
+          <p:nvPr isPhoto="0" userDrawn="0"/>
+        </p:nvSpPr>
+        <p:spPr bwMode="auto">
+          <a:xfrm flipH="0" flipV="0">
+            <a:off x="6723931" y="3514077"/>
+            <a:ext cx="2626310" cy="640115"/>
+          </a:xfrm>
+          <a:prstGeom prst="rect">
+            <a:avLst/>
+          </a:prstGeom>
+          <a:noFill/>
+        </p:spPr>
+        <p:txBody>
+          <a:bodyPr vertOverflow="overflow" horzOverflow="clip" vert="horz" wrap="square" lIns="91440" tIns="45720" rIns="91440" bIns="45720" numCol="1" spcCol="0" rtlCol="0" fromWordArt="0" anchor="t" anchorCtr="0" forceAA="0" upright="0" compatLnSpc="0">
             <a:noAutofit/>
           </a:bodyPr>
           <a:p>
@@ -5064,7 +4743,890 @@
             </a:pPr>
             <a:r>
               <a:rPr/>
+              <a:t>Les fichiers JSON : pour stocker les calculs</a:t>
+            </a:r>
+            <a:endParaRPr/>
+          </a:p>
+        </p:txBody>
+      </p:sp>
+      <p:sp>
+        <p:nvSpPr>
+          <p:cNvPr id="9" name="" hidden="0"/>
+          <p:cNvSpPr/>
+          <p:nvPr isPhoto="0" userDrawn="0"/>
+        </p:nvSpPr>
+        <p:spPr bwMode="auto">
+          <a:xfrm flipH="0" flipV="0">
+            <a:off x="6797912" y="2182426"/>
+            <a:ext cx="3033202" cy="702815"/>
+          </a:xfrm>
+          <a:prstGeom prst="rect">
+            <a:avLst/>
+          </a:prstGeom>
+          <a:noFill/>
+        </p:spPr>
+        <p:txBody>
+          <a:bodyPr vertOverflow="overflow" horzOverflow="clip" vert="horz" wrap="square" lIns="91440" tIns="45720" rIns="91440" bIns="45720" numCol="1" spcCol="0" rtlCol="0" fromWordArt="0" anchor="t" anchorCtr="0" forceAA="0" upright="0" compatLnSpc="0">
+            <a:noAutofit/>
+          </a:bodyPr>
+          <a:p>
+            <a:pPr>
+              <a:defRPr/>
+            </a:pPr>
+            <a:r>
+              <a:rPr/>
+              <a:t>Le dossier .git pour le contrôle de version</a:t>
+            </a:r>
+            <a:endParaRPr/>
+          </a:p>
+        </p:txBody>
+      </p:sp>
+      <p:sp>
+        <p:nvSpPr>
+          <p:cNvPr id="10" name="" hidden="0"/>
+          <p:cNvSpPr/>
+          <p:nvPr isPhoto="0" userDrawn="0"/>
+        </p:nvSpPr>
+        <p:spPr bwMode="auto">
+          <a:xfrm flipH="0" flipV="0">
+            <a:off x="6603713" y="5206383"/>
+            <a:ext cx="3097936" cy="406892"/>
+          </a:xfrm>
+          <a:prstGeom prst="rect">
+            <a:avLst/>
+          </a:prstGeom>
+          <a:noFill/>
+        </p:spPr>
+        <p:txBody>
+          <a:bodyPr vertOverflow="overflow" horzOverflow="clip" vert="horz" wrap="square" lIns="91440" tIns="45720" rIns="91440" bIns="45720" numCol="1" spcCol="0" rtlCol="0" fromWordArt="0" anchor="t" anchorCtr="0" forceAA="0" upright="0" compatLnSpc="0">
+            <a:noAutofit/>
+          </a:bodyPr>
+          <a:p>
+            <a:pPr>
+              <a:defRPr/>
+            </a:pPr>
+            <a:r>
+              <a:rPr/>
+              <a:t>La présentation PowerPoint</a:t>
+            </a:r>
+            <a:endParaRPr/>
+          </a:p>
+        </p:txBody>
+      </p:sp>
+      <p:sp>
+        <p:nvSpPr>
+          <p:cNvPr id="11" name="" hidden="0"/>
+          <p:cNvSpPr/>
+          <p:nvPr isPhoto="0" userDrawn="0"/>
+        </p:nvSpPr>
+        <p:spPr bwMode="auto">
+          <a:xfrm flipH="0" flipV="0">
+            <a:off x="6566723" y="5927694"/>
+            <a:ext cx="2073112" cy="640115"/>
+          </a:xfrm>
+          <a:prstGeom prst="rect">
+            <a:avLst/>
+          </a:prstGeom>
+          <a:noFill/>
+        </p:spPr>
+        <p:txBody>
+          <a:bodyPr vertOverflow="overflow" horzOverflow="clip" vert="horz" wrap="square" lIns="91440" tIns="45720" rIns="91440" bIns="45720" numCol="1" spcCol="0" rtlCol="0" fromWordArt="0" anchor="t" anchorCtr="0" forceAA="0" upright="0" compatLnSpc="0">
+            <a:spAutoFit/>
+          </a:bodyPr>
+          <a:p>
+            <a:pPr>
+              <a:defRPr/>
+            </a:pPr>
+            <a:r>
+              <a:rPr/>
+              <a:t>README.md pour expliquer le projet</a:t>
+            </a:r>
+            <a:endParaRPr/>
+          </a:p>
+        </p:txBody>
+      </p:sp>
+      <p:cxnSp>
+        <p:nvCxnSpPr>
+          <p:cNvPr id="12" name="" hidden="0"/>
+          <p:cNvCxnSpPr>
+            <a:cxnSpLocks/>
+            <a:stCxn id="9" idx="1"/>
+          </p:cNvCxnSpPr>
+          <p:nvPr isPhoto="0" userDrawn="0"/>
+        </p:nvCxnSpPr>
+        <p:spPr bwMode="auto">
+          <a:xfrm rot="10799989" flipH="0" flipV="0">
+            <a:off x="2497791" y="2376626"/>
+            <a:ext cx="4300121" cy="157208"/>
+          </a:xfrm>
+          <a:prstGeom prst="line">
+            <a:avLst/>
+          </a:prstGeom>
+          <a:ln w="38099" cap="flat" cmpd="sng" algn="ctr">
+            <a:solidFill>
+              <a:srgbClr val="FF0000"/>
+            </a:solidFill>
+            <a:prstDash val="solid"/>
+            <a:miter/>
+            <a:tailEnd type="arrow" len="med"/>
+          </a:ln>
+        </p:spPr>
+        <p:style>
+          <a:lnRef idx="1">
+            <a:schemeClr val="accent1">
+              <a:shade val="50000"/>
+            </a:schemeClr>
+          </a:lnRef>
+          <a:fillRef idx="0">
+            <a:schemeClr val="accent1"/>
+          </a:fillRef>
+          <a:effectRef idx="0">
+            <a:schemeClr val="accent1"/>
+          </a:effectRef>
+          <a:fontRef idx="minor">
+            <a:schemeClr val="tx1"/>
+          </a:fontRef>
+        </p:style>
+      </p:cxnSp>
+      <p:cxnSp>
+        <p:nvCxnSpPr>
+          <p:cNvPr id="13" name="" hidden="0"/>
+          <p:cNvCxnSpPr>
+            <a:cxnSpLocks/>
+            <a:stCxn id="8" idx="1"/>
+          </p:cNvCxnSpPr>
+          <p:nvPr isPhoto="0" userDrawn="0"/>
+        </p:nvCxnSpPr>
+        <p:spPr bwMode="auto">
+          <a:xfrm rot="10799989" flipH="0" flipV="0">
+            <a:off x="4208591" y="3356868"/>
+            <a:ext cx="2515339" cy="477266"/>
+          </a:xfrm>
+          <a:prstGeom prst="line">
+            <a:avLst/>
+          </a:prstGeom>
+          <a:ln w="38099" cap="flat" cmpd="sng" algn="ctr">
+            <a:solidFill>
+              <a:srgbClr val="FFFF00"/>
+            </a:solidFill>
+            <a:prstDash val="solid"/>
+            <a:miter/>
+            <a:tailEnd type="arrow" len="med"/>
+          </a:ln>
+        </p:spPr>
+        <p:style>
+          <a:lnRef idx="1">
+            <a:schemeClr val="accent1">
+              <a:shade val="50000"/>
+            </a:schemeClr>
+          </a:lnRef>
+          <a:fillRef idx="0">
+            <a:schemeClr val="accent1"/>
+          </a:fillRef>
+          <a:effectRef idx="0">
+            <a:schemeClr val="accent1"/>
+          </a:effectRef>
+          <a:fontRef idx="minor">
+            <a:schemeClr val="tx1"/>
+          </a:fontRef>
+        </p:style>
+      </p:cxnSp>
+      <p:cxnSp>
+        <p:nvCxnSpPr>
+          <p:cNvPr id="14" name="" hidden="0"/>
+          <p:cNvCxnSpPr>
+            <a:cxnSpLocks/>
+          </p:cNvCxnSpPr>
+          <p:nvPr isPhoto="0" userDrawn="0"/>
+        </p:nvCxnSpPr>
+        <p:spPr bwMode="auto">
+          <a:xfrm rot="10799989" flipH="0" flipV="0">
+            <a:off x="4153106" y="3834133"/>
+            <a:ext cx="2570824" cy="0"/>
+          </a:xfrm>
+          <a:prstGeom prst="line">
+            <a:avLst/>
+          </a:prstGeom>
+          <a:ln w="38099" cap="flat" cmpd="sng" algn="ctr">
+            <a:solidFill>
+              <a:srgbClr val="FFFF00"/>
+            </a:solidFill>
+            <a:prstDash val="solid"/>
+            <a:miter/>
+            <a:tailEnd type="arrow" len="med"/>
+          </a:ln>
+        </p:spPr>
+        <p:style>
+          <a:lnRef idx="1">
+            <a:schemeClr val="accent1">
+              <a:shade val="50000"/>
+            </a:schemeClr>
+          </a:lnRef>
+          <a:fillRef idx="0">
+            <a:schemeClr val="accent1"/>
+          </a:fillRef>
+          <a:effectRef idx="0">
+            <a:schemeClr val="accent1"/>
+          </a:effectRef>
+          <a:fontRef idx="minor">
+            <a:schemeClr val="tx1"/>
+          </a:fontRef>
+        </p:style>
+      </p:cxnSp>
+      <p:cxnSp>
+        <p:nvCxnSpPr>
+          <p:cNvPr id="15" name="" hidden="0"/>
+          <p:cNvCxnSpPr>
+            <a:cxnSpLocks/>
+          </p:cNvCxnSpPr>
+          <p:nvPr isPhoto="0" userDrawn="0"/>
+        </p:nvCxnSpPr>
+        <p:spPr bwMode="auto">
+          <a:xfrm rot="10799989" flipH="0" flipV="1">
+            <a:off x="4134611" y="3834133"/>
+            <a:ext cx="2589319" cy="558462"/>
+          </a:xfrm>
+          <a:prstGeom prst="line">
+            <a:avLst/>
+          </a:prstGeom>
+          <a:ln w="38099" cap="flat" cmpd="sng" algn="ctr">
+            <a:solidFill>
+              <a:srgbClr val="FFFF00"/>
+            </a:solidFill>
+            <a:prstDash val="solid"/>
+            <a:miter/>
+            <a:tailEnd type="arrow" len="med"/>
+          </a:ln>
+        </p:spPr>
+        <p:style>
+          <a:lnRef idx="1">
+            <a:schemeClr val="accent1">
+              <a:shade val="50000"/>
+            </a:schemeClr>
+          </a:lnRef>
+          <a:fillRef idx="0">
+            <a:schemeClr val="accent1"/>
+          </a:fillRef>
+          <a:effectRef idx="0">
+            <a:schemeClr val="accent1"/>
+          </a:effectRef>
+          <a:fontRef idx="minor">
+            <a:schemeClr val="tx1"/>
+          </a:fontRef>
+        </p:style>
+      </p:cxnSp>
+      <p:cxnSp>
+        <p:nvCxnSpPr>
+          <p:cNvPr id="16" name="" hidden="0"/>
+          <p:cNvCxnSpPr>
+            <a:cxnSpLocks/>
+            <a:stCxn id="7" idx="1"/>
+          </p:cNvCxnSpPr>
+          <p:nvPr isPhoto="0" userDrawn="0"/>
+        </p:nvCxnSpPr>
+        <p:spPr bwMode="auto">
+          <a:xfrm rot="10799989" flipH="0" flipV="1">
+            <a:off x="3644490" y="4806684"/>
+            <a:ext cx="2848252" cy="29796"/>
+          </a:xfrm>
+          <a:prstGeom prst="line">
+            <a:avLst/>
+          </a:prstGeom>
+          <a:ln w="38099" cap="flat" cmpd="sng" algn="ctr">
+            <a:solidFill>
+              <a:srgbClr val="00B0F0"/>
+            </a:solidFill>
+            <a:prstDash val="solid"/>
+            <a:miter/>
+            <a:tailEnd type="arrow" len="med"/>
+          </a:ln>
+        </p:spPr>
+        <p:style>
+          <a:lnRef idx="1">
+            <a:schemeClr val="accent1">
+              <a:shade val="50000"/>
+            </a:schemeClr>
+          </a:lnRef>
+          <a:fillRef idx="0">
+            <a:schemeClr val="accent1"/>
+          </a:fillRef>
+          <a:effectRef idx="0">
+            <a:schemeClr val="accent1"/>
+          </a:effectRef>
+          <a:fontRef idx="minor">
+            <a:schemeClr val="tx1"/>
+          </a:fontRef>
+        </p:style>
+      </p:cxnSp>
+      <p:cxnSp>
+        <p:nvCxnSpPr>
+          <p:cNvPr id="17" name="" hidden="0"/>
+          <p:cNvCxnSpPr>
+            <a:cxnSpLocks/>
+            <a:stCxn id="10" idx="1"/>
+          </p:cNvCxnSpPr>
+          <p:nvPr isPhoto="0" userDrawn="0"/>
+        </p:nvCxnSpPr>
+        <p:spPr bwMode="auto">
+          <a:xfrm rot="10799989" flipH="0" flipV="0">
+            <a:off x="4541504" y="5363592"/>
+            <a:ext cx="2062208" cy="46237"/>
+          </a:xfrm>
+          <a:prstGeom prst="line">
+            <a:avLst/>
+          </a:prstGeom>
+          <a:ln w="38099" cap="flat" cmpd="sng" algn="ctr">
+            <a:solidFill>
+              <a:schemeClr val="accent4"/>
+            </a:solidFill>
+            <a:prstDash val="solid"/>
+            <a:miter/>
+            <a:tailEnd type="arrow" len="med"/>
+          </a:ln>
+        </p:spPr>
+        <p:style>
+          <a:lnRef idx="1">
+            <a:schemeClr val="accent1">
+              <a:shade val="50000"/>
+            </a:schemeClr>
+          </a:lnRef>
+          <a:fillRef idx="0">
+            <a:schemeClr val="accent1"/>
+          </a:fillRef>
+          <a:effectRef idx="0">
+            <a:schemeClr val="accent1"/>
+          </a:effectRef>
+          <a:fontRef idx="minor">
+            <a:schemeClr val="tx1"/>
+          </a:fontRef>
+        </p:style>
+      </p:cxnSp>
+      <p:cxnSp>
+        <p:nvCxnSpPr>
+          <p:cNvPr id="18" name="" hidden="0"/>
+          <p:cNvCxnSpPr>
+            <a:cxnSpLocks/>
+            <a:stCxn id="11" idx="1"/>
+          </p:cNvCxnSpPr>
+          <p:nvPr isPhoto="0" userDrawn="0"/>
+        </p:nvCxnSpPr>
+        <p:spPr bwMode="auto">
+          <a:xfrm rot="10799989" flipH="0" flipV="0">
+            <a:off x="3579757" y="5853713"/>
+            <a:ext cx="2986965" cy="394037"/>
+          </a:xfrm>
+          <a:prstGeom prst="line">
+            <a:avLst/>
+          </a:prstGeom>
+          <a:ln w="38099" cap="flat" cmpd="sng" algn="ctr">
+            <a:solidFill>
+              <a:srgbClr val="92D050"/>
+            </a:solidFill>
+            <a:prstDash val="solid"/>
+            <a:miter/>
+            <a:tailEnd type="arrow" len="med"/>
+          </a:ln>
+        </p:spPr>
+        <p:style>
+          <a:lnRef idx="1">
+            <a:schemeClr val="accent1">
+              <a:shade val="50000"/>
+            </a:schemeClr>
+          </a:lnRef>
+          <a:fillRef idx="0">
+            <a:schemeClr val="accent1"/>
+          </a:fillRef>
+          <a:effectRef idx="0">
+            <a:schemeClr val="accent1"/>
+          </a:effectRef>
+          <a:fontRef idx="minor">
+            <a:schemeClr val="tx1"/>
+          </a:fontRef>
+        </p:style>
+      </p:cxnSp>
+    </p:spTree>
+  </p:cSld>
+  <p:clrMapOvr>
+    <a:masterClrMapping/>
+  </p:clrMapOvr>
+  <mc:AlternateContent xmlns:mc="http://schemas.openxmlformats.org/markup-compatibility/2006">
+    <mc:Choice xmlns:p14="http://schemas.microsoft.com/office/powerpoint/2010/main" Requires="p14">
+      <p:transition p14:dur="2000" advClick="1"/>
+    </mc:Choice>
+    <mc:Fallback>
+      <p:transition advClick="1"/>
+    </mc:Fallback>
+  </mc:AlternateContent>
+</p:sld>
+</file>
+
+<file path=ppt/slides/slide8.xml><?xml version="1.0" encoding="utf-8"?>
+<p:sld xmlns:a="http://schemas.openxmlformats.org/drawingml/2006/main" xmlns:r="http://schemas.openxmlformats.org/officeDocument/2006/relationships" xmlns:p="http://schemas.openxmlformats.org/presentationml/2006/main" xmlns:m="http://schemas.openxmlformats.org/officeDocument/2006/math" xmlns:w="http://schemas.openxmlformats.org/wordprocessingml/2006/main" showMasterPhAnim="0" show="1">
+  <p:cSld name="">
+    <p:bg>
+      <p:bgPr shadeToTitle="0">
+        <a:blipFill>
+          <a:blip r:embed="rId2"/>
+          <a:stretch/>
+        </a:blipFill>
+      </p:bgPr>
+    </p:bg>
+    <p:spTree>
+      <p:nvGrpSpPr>
+        <p:cNvPr id="1" name="" hidden="0"/>
+        <p:cNvGrpSpPr/>
+        <p:nvPr isPhoto="0" userDrawn="0"/>
+      </p:nvGrpSpPr>
+      <p:grpSpPr bwMode="auto">
+        <a:xfrm>
+          <a:off x="0" y="0"/>
+          <a:ext cx="0" cy="0"/>
+          <a:chOff x="0" y="0"/>
+          <a:chExt cx="0" cy="0"/>
+        </a:xfrm>
+      </p:grpSpPr>
+      <p:sp>
+        <p:nvSpPr>
+          <p:cNvPr id="4" name="Title 1" hidden="0"/>
+          <p:cNvSpPr>
+            <a:spLocks noGrp="1"/>
+          </p:cNvSpPr>
+          <p:nvPr isPhoto="0" userDrawn="0">
+            <p:ph type="title" hasCustomPrompt="0"/>
+          </p:nvPr>
+        </p:nvSpPr>
+        <p:spPr bwMode="auto"/>
+        <p:txBody>
+          <a:bodyPr/>
+          <a:lstStyle/>
+          <a:p>
+            <a:pPr>
+              <a:defRPr/>
+            </a:pPr>
+            <a:r>
+              <a:rPr/>
+              <a:t>        Explorons le code</a:t>
+            </a:r>
+            <a:endParaRPr/>
+          </a:p>
+        </p:txBody>
+      </p:sp>
+      <p:sp>
+        <p:nvSpPr>
+          <p:cNvPr id="5" name="Content Placeholder 2" hidden="0"/>
+          <p:cNvSpPr>
+            <a:spLocks noGrp="1"/>
+          </p:cNvSpPr>
+          <p:nvPr isPhoto="0" userDrawn="0">
+            <p:ph idx="1" hasCustomPrompt="0"/>
+          </p:nvPr>
+        </p:nvSpPr>
+        <p:spPr bwMode="auto">
+          <a:xfrm flipH="0" flipV="0">
+            <a:off x="838198" y="1825624"/>
+            <a:ext cx="4313644" cy="514010"/>
+          </a:xfrm>
+        </p:spPr>
+        <p:txBody>
+          <a:bodyPr/>
+          <a:lstStyle/>
+          <a:p>
+            <a:pPr marL="0" indent="0">
+              <a:buFont typeface="Arial"/>
+              <a:buNone/>
+              <a:defRPr/>
+            </a:pPr>
+            <a:r>
+              <a:rPr b="1"/>
+              <a:t>Avec un éditeur de code</a:t>
+            </a:r>
+            <a:endParaRPr b="1"/>
+          </a:p>
+        </p:txBody>
+      </p:sp>
+      <p:sp>
+        <p:nvSpPr>
+          <p:cNvPr id="6" name="" hidden="0"/>
+          <p:cNvSpPr/>
+          <p:nvPr isPhoto="0" userDrawn="0"/>
+        </p:nvSpPr>
+        <p:spPr bwMode="auto">
+          <a:xfrm flipH="0" flipV="0">
+            <a:off x="916455" y="4337111"/>
+            <a:ext cx="9857912" cy="619587"/>
+          </a:xfrm>
+          <a:prstGeom prst="rect">
+            <a:avLst/>
+          </a:prstGeom>
+          <a:noFill/>
+        </p:spPr>
+        <p:txBody>
+          <a:bodyPr vertOverflow="overflow" horzOverflow="clip" vert="horz" wrap="square" lIns="91440" tIns="45720" rIns="91440" bIns="45720" numCol="1" spcCol="0" rtlCol="0" fromWordArt="0" anchor="t" anchorCtr="0" forceAA="0" upright="0" compatLnSpc="0">
+            <a:noAutofit/>
+          </a:bodyPr>
+          <a:p>
+            <a:pPr>
+              <a:defRPr/>
+            </a:pPr>
+            <a:r>
+              <a:rPr sz="2800" b="1"/>
+              <a:t>Ou avec un IDE </a:t>
+            </a:r>
+            <a:r>
+              <a:rPr lang="en-US" sz="2800" b="0" i="1"/>
+              <a:t>(</a:t>
+            </a:r>
+            <a:r>
+              <a:rPr lang="en-US" sz="2800" b="1" i="1"/>
+              <a:t>I</a:t>
+            </a:r>
+            <a:r>
+              <a:rPr lang="en-US" sz="2800" b="0" i="1"/>
+              <a:t>ntegrated </a:t>
+            </a:r>
+            <a:r>
+              <a:rPr lang="en-US" sz="2800" b="1" i="1"/>
+              <a:t>D</a:t>
+            </a:r>
+            <a:r>
+              <a:rPr lang="en-US" sz="2800" b="0" i="1"/>
+              <a:t>evelopment</a:t>
+            </a:r>
+            <a:r>
+              <a:rPr lang="en-US" sz="2800" b="0" i="1"/>
+              <a:t> </a:t>
+            </a:r>
+            <a:r>
+              <a:rPr lang="en-US" sz="2800" b="1" i="1"/>
+              <a:t>E</a:t>
+            </a:r>
+            <a:r>
+              <a:rPr lang="en-US" sz="2800" b="0" i="1"/>
+              <a:t>nvironment)</a:t>
+            </a:r>
+            <a:endParaRPr lang="en-US"/>
+          </a:p>
+        </p:txBody>
+      </p:sp>
+      <p:pic>
+        <p:nvPicPr>
+          <p:cNvPr id="7" name="" hidden="0"/>
+          <p:cNvPicPr>
+            <a:picLocks noChangeAspect="1"/>
+          </p:cNvPicPr>
+          <p:nvPr isPhoto="0" userDrawn="0"/>
+        </p:nvPicPr>
+        <p:blipFill>
+          <a:blip r:embed="rId3"/>
+          <a:stretch/>
+        </p:blipFill>
+        <p:spPr bwMode="auto">
+          <a:xfrm flipH="0" flipV="0">
+            <a:off x="1250188" y="2352987"/>
+            <a:ext cx="1451868" cy="1451868"/>
+          </a:xfrm>
+          <a:prstGeom prst="rect">
+            <a:avLst/>
+          </a:prstGeom>
+        </p:spPr>
+      </p:pic>
+      <p:sp>
+        <p:nvSpPr>
+          <p:cNvPr id="8" name="" hidden="0"/>
+          <p:cNvSpPr/>
+          <p:nvPr isPhoto="0" userDrawn="0"/>
+        </p:nvSpPr>
+        <p:spPr bwMode="auto">
+          <a:xfrm flipH="0" flipV="0">
+            <a:off x="1471309" y="3917011"/>
+            <a:ext cx="749052" cy="365795"/>
+          </a:xfrm>
+          <a:prstGeom prst="rect">
+            <a:avLst/>
+          </a:prstGeom>
+          <a:noFill/>
+        </p:spPr>
+        <p:txBody>
+          <a:bodyPr vertOverflow="overflow" horzOverflow="clip" vert="horz" wrap="square" lIns="91440" tIns="45720" rIns="91440" bIns="45720" numCol="1" spcCol="0" rtlCol="0" fromWordArt="0" anchor="t" anchorCtr="0" forceAA="0" upright="0" compatLnSpc="0">
+            <a:noAutofit/>
+          </a:bodyPr>
+          <a:p>
+            <a:pPr>
+              <a:defRPr/>
+            </a:pPr>
+            <a:r>
+              <a:rPr/>
               <a:t>IDLE</a:t>
+            </a:r>
+            <a:endParaRPr/>
+          </a:p>
+        </p:txBody>
+      </p:sp>
+      <p:pic>
+        <p:nvPicPr>
+          <p:cNvPr id="9" name="" hidden="0"/>
+          <p:cNvPicPr>
+            <a:picLocks noChangeAspect="1"/>
+          </p:cNvPicPr>
+          <p:nvPr isPhoto="0" userDrawn="0"/>
+        </p:nvPicPr>
+        <p:blipFill>
+          <a:blip r:embed="rId4"/>
+          <a:stretch/>
+        </p:blipFill>
+        <p:spPr bwMode="auto">
+          <a:xfrm flipH="0" flipV="0">
+            <a:off x="3856703" y="2330601"/>
+            <a:ext cx="1499061" cy="1444624"/>
+          </a:xfrm>
+          <a:prstGeom prst="rect">
+            <a:avLst/>
+          </a:prstGeom>
+        </p:spPr>
+      </p:pic>
+      <p:pic>
+        <p:nvPicPr>
+          <p:cNvPr id="10" name="" hidden="0"/>
+          <p:cNvPicPr>
+            <a:picLocks noChangeAspect="1"/>
+          </p:cNvPicPr>
+          <p:nvPr isPhoto="0" userDrawn="0"/>
+        </p:nvPicPr>
+        <p:blipFill>
+          <a:blip r:embed="rId5"/>
+          <a:stretch/>
+        </p:blipFill>
+        <p:spPr bwMode="auto">
+          <a:xfrm flipH="0" flipV="0">
+            <a:off x="6464999" y="2312541"/>
+            <a:ext cx="1507354" cy="1462684"/>
+          </a:xfrm>
+          <a:prstGeom prst="rect">
+            <a:avLst/>
+          </a:prstGeom>
+        </p:spPr>
+      </p:pic>
+      <p:pic>
+        <p:nvPicPr>
+          <p:cNvPr id="11" name="" hidden="0"/>
+          <p:cNvPicPr>
+            <a:picLocks noChangeAspect="1"/>
+          </p:cNvPicPr>
+          <p:nvPr isPhoto="0" userDrawn="0"/>
+        </p:nvPicPr>
+        <p:blipFill>
+          <a:blip r:embed="rId6"/>
+          <a:stretch/>
+        </p:blipFill>
+        <p:spPr bwMode="auto">
+          <a:xfrm flipH="0" flipV="0">
+            <a:off x="9063567" y="2311893"/>
+            <a:ext cx="1854648" cy="1659422"/>
+          </a:xfrm>
+          <a:prstGeom prst="rect">
+            <a:avLst/>
+          </a:prstGeom>
+        </p:spPr>
+      </p:pic>
+      <p:sp>
+        <p:nvSpPr>
+          <p:cNvPr id="12" name="" hidden="0"/>
+          <p:cNvSpPr/>
+          <p:nvPr isPhoto="0" userDrawn="0"/>
+        </p:nvSpPr>
+        <p:spPr bwMode="auto">
+          <a:xfrm flipH="0" flipV="0">
+            <a:off x="3533519" y="3917011"/>
+            <a:ext cx="2219417" cy="388397"/>
+          </a:xfrm>
+          <a:prstGeom prst="rect">
+            <a:avLst/>
+          </a:prstGeom>
+          <a:noFill/>
+        </p:spPr>
+        <p:txBody>
+          <a:bodyPr vertOverflow="overflow" horzOverflow="clip" vert="horz" wrap="square" lIns="91440" tIns="45720" rIns="91440" bIns="45720" numCol="1" spcCol="0" rtlCol="0" fromWordArt="0" anchor="t" anchorCtr="0" forceAA="0" upright="0" compatLnSpc="0">
+            <a:noAutofit/>
+          </a:bodyPr>
+          <a:p>
+            <a:pPr>
+              <a:defRPr/>
+            </a:pPr>
+            <a:r>
+              <a:rPr/>
+              <a:t>Visual Studio Code</a:t>
+            </a:r>
+            <a:endParaRPr/>
+          </a:p>
+        </p:txBody>
+      </p:sp>
+      <p:sp>
+        <p:nvSpPr>
+          <p:cNvPr id="13" name="" hidden="0"/>
+          <p:cNvSpPr/>
+          <p:nvPr isPhoto="0" userDrawn="0"/>
+        </p:nvSpPr>
+        <p:spPr bwMode="auto">
+          <a:xfrm flipH="0" flipV="0">
+            <a:off x="6797912" y="3917011"/>
+            <a:ext cx="749197" cy="365795"/>
+          </a:xfrm>
+          <a:prstGeom prst="rect">
+            <a:avLst/>
+          </a:prstGeom>
+          <a:noFill/>
+        </p:spPr>
+        <p:txBody>
+          <a:bodyPr vertOverflow="overflow" horzOverflow="clip" vert="horz" wrap="square" lIns="91440" tIns="45720" rIns="91440" bIns="45720" numCol="1" spcCol="0" rtlCol="0" fromWordArt="0" anchor="t" anchorCtr="0" forceAA="0" upright="0" compatLnSpc="0">
+            <a:spAutoFit/>
+          </a:bodyPr>
+          <a:p>
+            <a:pPr>
+              <a:defRPr/>
+            </a:pPr>
+            <a:r>
+              <a:rPr/>
+              <a:t>Atom</a:t>
+            </a:r>
+            <a:endParaRPr/>
+          </a:p>
+        </p:txBody>
+      </p:sp>
+      <p:sp>
+        <p:nvSpPr>
+          <p:cNvPr id="14" name="" hidden="0"/>
+          <p:cNvSpPr/>
+          <p:nvPr isPhoto="0" userDrawn="0"/>
+        </p:nvSpPr>
+        <p:spPr bwMode="auto">
+          <a:xfrm flipH="0" flipV="0">
+            <a:off x="9234147" y="3917011"/>
+            <a:ext cx="1544776" cy="365795"/>
+          </a:xfrm>
+          <a:prstGeom prst="rect">
+            <a:avLst/>
+          </a:prstGeom>
+          <a:noFill/>
+        </p:spPr>
+        <p:txBody>
+          <a:bodyPr vertOverflow="overflow" horzOverflow="clip" vert="horz" wrap="square" lIns="91440" tIns="45720" rIns="91440" bIns="45720" numCol="1" spcCol="0" rtlCol="0" fromWordArt="0" anchor="t" anchorCtr="0" forceAA="0" upright="0" compatLnSpc="0">
+            <a:spAutoFit/>
+          </a:bodyPr>
+          <a:p>
+            <a:pPr>
+              <a:defRPr/>
+            </a:pPr>
+            <a:r>
+              <a:rPr/>
+              <a:t>Sublime Text</a:t>
+            </a:r>
+            <a:endParaRPr/>
+          </a:p>
+        </p:txBody>
+      </p:sp>
+      <p:pic>
+        <p:nvPicPr>
+          <p:cNvPr id="15" name="" hidden="0"/>
+          <p:cNvPicPr>
+            <a:picLocks noChangeAspect="1"/>
+          </p:cNvPicPr>
+          <p:nvPr isPhoto="0" userDrawn="0"/>
+        </p:nvPicPr>
+        <p:blipFill>
+          <a:blip r:embed="rId7"/>
+          <a:stretch/>
+        </p:blipFill>
+        <p:spPr bwMode="auto">
+          <a:xfrm flipH="0" flipV="0">
+            <a:off x="1794974" y="5012184"/>
+            <a:ext cx="1649417" cy="1507354"/>
+          </a:xfrm>
+          <a:prstGeom prst="rect">
+            <a:avLst/>
+          </a:prstGeom>
+        </p:spPr>
+      </p:pic>
+      <p:pic>
+        <p:nvPicPr>
+          <p:cNvPr id="16" name="" hidden="0"/>
+          <p:cNvPicPr>
+            <a:picLocks noChangeAspect="1"/>
+          </p:cNvPicPr>
+          <p:nvPr isPhoto="0" userDrawn="0"/>
+        </p:nvPicPr>
+        <p:blipFill>
+          <a:blip r:embed="rId8"/>
+          <a:stretch/>
+        </p:blipFill>
+        <p:spPr bwMode="auto">
+          <a:xfrm flipH="0" flipV="0">
+            <a:off x="5468992" y="5012184"/>
+            <a:ext cx="1525084" cy="1439593"/>
+          </a:xfrm>
+          <a:prstGeom prst="rect">
+            <a:avLst/>
+          </a:prstGeom>
+        </p:spPr>
+      </p:pic>
+      <p:sp>
+        <p:nvSpPr>
+          <p:cNvPr id="17" name="" hidden="0"/>
+          <p:cNvSpPr/>
+          <p:nvPr isPhoto="0" userDrawn="0"/>
+        </p:nvSpPr>
+        <p:spPr bwMode="auto">
+          <a:xfrm flipH="0" flipV="0">
+            <a:off x="3422008" y="5411923"/>
+            <a:ext cx="1221219" cy="640115"/>
+          </a:xfrm>
+          <a:prstGeom prst="rect">
+            <a:avLst/>
+          </a:prstGeom>
+          <a:noFill/>
+        </p:spPr>
+        <p:txBody>
+          <a:bodyPr vertOverflow="overflow" horzOverflow="clip" vert="horz" wrap="square" lIns="91440" tIns="45720" rIns="91440" bIns="45720" numCol="1" spcCol="0" rtlCol="0" fromWordArt="0" anchor="t" anchorCtr="0" forceAA="0" upright="0" compatLnSpc="0">
+            <a:spAutoFit/>
+          </a:bodyPr>
+          <a:p>
+            <a:pPr>
+              <a:defRPr/>
+            </a:pPr>
+            <a:r>
+              <a:rPr/>
+              <a:t>Visual Studio</a:t>
+            </a:r>
+            <a:endParaRPr/>
+          </a:p>
+        </p:txBody>
+      </p:sp>
+      <p:sp>
+        <p:nvSpPr>
+          <p:cNvPr id="18" name="" hidden="0"/>
+          <p:cNvSpPr/>
+          <p:nvPr isPhoto="0" userDrawn="0"/>
+        </p:nvSpPr>
+        <p:spPr bwMode="auto">
+          <a:xfrm flipH="0" flipV="0">
+            <a:off x="7112329" y="5549083"/>
+            <a:ext cx="1267169" cy="365795"/>
+          </a:xfrm>
+          <a:prstGeom prst="rect">
+            <a:avLst/>
+          </a:prstGeom>
+          <a:noFill/>
+        </p:spPr>
+        <p:txBody>
+          <a:bodyPr vertOverflow="overflow" horzOverflow="clip" vert="horz" wrap="square" lIns="91440" tIns="45720" rIns="91440" bIns="45720" numCol="1" spcCol="0" rtlCol="0" fromWordArt="0" anchor="t" anchorCtr="0" forceAA="0" upright="0" compatLnSpc="0">
+            <a:spAutoFit/>
+          </a:bodyPr>
+          <a:p>
+            <a:pPr>
+              <a:defRPr/>
+            </a:pPr>
+            <a:r>
+              <a:rPr/>
+              <a:t>PyCharm</a:t>
             </a:r>
             <a:endParaRPr/>
           </a:p>

--- a/present_python.pptx
+++ b/present_python.pptx
@@ -4,15 +4,19 @@
   <p:sldMasterIdLst>
     <p:sldMasterId id="2147483648" r:id="rId1"/>
   </p:sldMasterIdLst>
+  <p:notesMasterIdLst>
+    <p:notesMasterId r:id="rId13"/>
+  </p:notesMasterIdLst>
   <p:sldIdLst>
-    <p:sldId id="256" r:id="rId3"/>
-    <p:sldId id="257" r:id="rId4"/>
-    <p:sldId id="258" r:id="rId5"/>
-    <p:sldId id="259" r:id="rId6"/>
-    <p:sldId id="260" r:id="rId7"/>
-    <p:sldId id="261" r:id="rId8"/>
-    <p:sldId id="262" r:id="rId9"/>
-    <p:sldId id="263" r:id="rId10"/>
+    <p:sldId id="256" r:id="rId4"/>
+    <p:sldId id="257" r:id="rId5"/>
+    <p:sldId id="258" r:id="rId6"/>
+    <p:sldId id="259" r:id="rId7"/>
+    <p:sldId id="260" r:id="rId8"/>
+    <p:sldId id="261" r:id="rId9"/>
+    <p:sldId id="262" r:id="rId10"/>
+    <p:sldId id="263" r:id="rId11"/>
+    <p:sldId id="264" r:id="rId12"/>
   </p:sldIdLst>
   <p:sldSz cx="12192000" cy="6858000"/>
   <p:notesSz cx="6858000" cy="12192000"/>
@@ -112,6 +116,1874 @@
     </a:lvl9pPr>
   </p:defaultTextStyle>
 </p:presentation>
+</file>
+
+<file path=ppt/notesMasters/notesMaster1.xml><?xml version="1.0" encoding="utf-8"?>
+<p:notesMaster xmlns:a="http://schemas.openxmlformats.org/drawingml/2006/main" xmlns:r="http://schemas.openxmlformats.org/officeDocument/2006/relationships" xmlns:p="http://schemas.openxmlformats.org/presentationml/2006/main">
+  <p:cSld name="">
+    <p:bg>
+      <p:bgRef idx="1001">
+        <a:schemeClr val="bg1"/>
+      </p:bgRef>
+    </p:bg>
+    <p:spTree>
+      <p:nvGrpSpPr>
+        <p:cNvPr id="1" name="" hidden="0"/>
+        <p:cNvGrpSpPr/>
+        <p:nvPr isPhoto="0" userDrawn="0"/>
+      </p:nvGrpSpPr>
+      <p:grpSpPr bwMode="auto">
+        <a:xfrm>
+          <a:off x="0" y="0"/>
+          <a:ext cx="0" cy="0"/>
+          <a:chOff x="0" y="0"/>
+          <a:chExt cx="0" cy="0"/>
+        </a:xfrm>
+      </p:grpSpPr>
+      <p:sp>
+        <p:nvSpPr>
+          <p:cNvPr id="4" name="Header Placeholder 1" hidden="0"/>
+          <p:cNvSpPr>
+            <a:spLocks noGrp="1"/>
+          </p:cNvSpPr>
+          <p:nvPr isPhoto="0" userDrawn="0">
+            <p:ph type="hdr" sz="quarter" hasCustomPrompt="0"/>
+          </p:nvPr>
+        </p:nvSpPr>
+        <p:spPr bwMode="auto">
+          <a:xfrm>
+            <a:off x="0" y="0"/>
+            <a:ext cx="2971800" cy="458788"/>
+          </a:xfrm>
+          <a:prstGeom prst="rect">
+            <a:avLst/>
+          </a:prstGeom>
+        </p:spPr>
+        <p:txBody>
+          <a:bodyPr vert="horz" lIns="91440" tIns="45720" rIns="91440" bIns="45720" rtlCol="0" anchor="ctr"/>
+          <a:lstStyle>
+            <a:lvl1pPr algn="l">
+              <a:defRPr sz="1200"/>
+            </a:lvl1pPr>
+          </a:lstStyle>
+          <a:p>
+            <a:pPr>
+              <a:defRPr/>
+            </a:pPr>
+            <a:endParaRPr/>
+          </a:p>
+        </p:txBody>
+      </p:sp>
+      <p:sp>
+        <p:nvSpPr>
+          <p:cNvPr id="5" name="Date Placeholder 2" hidden="0"/>
+          <p:cNvSpPr>
+            <a:spLocks noGrp="1"/>
+          </p:cNvSpPr>
+          <p:nvPr isPhoto="0" userDrawn="0">
+            <p:ph type="dt" idx="2" hasCustomPrompt="0"/>
+          </p:nvPr>
+        </p:nvSpPr>
+        <p:spPr bwMode="auto">
+          <a:xfrm>
+            <a:off x="3884613" y="0"/>
+            <a:ext cx="2971800" cy="458788"/>
+          </a:xfrm>
+          <a:prstGeom prst="rect">
+            <a:avLst/>
+          </a:prstGeom>
+        </p:spPr>
+        <p:txBody>
+          <a:bodyPr vert="horz" lIns="91440" tIns="45720" rIns="91440" bIns="45720" rtlCol="0" anchor="ctr"/>
+          <a:lstStyle>
+            <a:lvl1pPr algn="r">
+              <a:defRPr sz="1200"/>
+            </a:lvl1pPr>
+          </a:lstStyle>
+          <a:p>
+            <a:pPr>
+              <a:defRPr/>
+            </a:pPr>
+            <a:endParaRPr/>
+          </a:p>
+        </p:txBody>
+      </p:sp>
+      <p:sp>
+        <p:nvSpPr>
+          <p:cNvPr id="6" name="Date Placeholder 2" hidden="0"/>
+          <p:cNvSpPr>
+            <a:spLocks noGrp="1"/>
+          </p:cNvSpPr>
+          <p:nvPr isPhoto="0" userDrawn="0">
+            <p:ph type="dt" idx="3" hasCustomPrompt="0"/>
+          </p:nvPr>
+        </p:nvSpPr>
+        <p:spPr bwMode="auto">
+          <a:xfrm>
+            <a:off x="3884613" y="0"/>
+            <a:ext cx="2971800" cy="458788"/>
+          </a:xfrm>
+          <a:prstGeom prst="rect">
+            <a:avLst/>
+          </a:prstGeom>
+        </p:spPr>
+        <p:txBody>
+          <a:bodyPr vert="horz" lIns="91440" tIns="45720" rIns="91440" bIns="45720" rtlCol="0" anchor="ctr"/>
+          <a:lstStyle>
+            <a:lvl1pPr algn="r">
+              <a:defRPr sz="1200"/>
+            </a:lvl1pPr>
+          </a:lstStyle>
+          <a:p>
+            <a:pPr>
+              <a:defRPr/>
+            </a:pPr>
+            <a:endParaRPr/>
+          </a:p>
+        </p:txBody>
+      </p:sp>
+      <p:sp>
+        <p:nvSpPr>
+          <p:cNvPr id="7" name="Notes Placeholder 4" hidden="0"/>
+          <p:cNvSpPr>
+            <a:spLocks noGrp="1"/>
+          </p:cNvSpPr>
+          <p:nvPr isPhoto="0" userDrawn="0">
+            <p:ph type="body" sz="quarter" idx="1" hasCustomPrompt="0"/>
+          </p:nvPr>
+        </p:nvSpPr>
+        <p:spPr bwMode="auto">
+          <a:xfrm>
+            <a:off x="685800" y="4400550"/>
+            <a:ext cx="5486400" cy="3600450"/>
+          </a:xfrm>
+          <a:prstGeom prst="rect">
+            <a:avLst/>
+          </a:prstGeom>
+        </p:spPr>
+        <p:txBody>
+          <a:bodyPr vert="horz" lIns="91440" tIns="45720" rIns="91440" bIns="45720" rtlCol="0" anchor="ctr"/>
+          <a:lstStyle/>
+          <a:p>
+            <a:pPr>
+              <a:defRPr/>
+            </a:pPr>
+            <a:endParaRPr/>
+          </a:p>
+        </p:txBody>
+      </p:sp>
+      <p:sp>
+        <p:nvSpPr>
+          <p:cNvPr id="8" name="Footer Placeholder 5" hidden="0"/>
+          <p:cNvSpPr>
+            <a:spLocks noGrp="1"/>
+          </p:cNvSpPr>
+          <p:nvPr isPhoto="0" userDrawn="0">
+            <p:ph type="ftr" sz="quarter" idx="4" hasCustomPrompt="0"/>
+          </p:nvPr>
+        </p:nvSpPr>
+        <p:spPr bwMode="auto">
+          <a:xfrm>
+            <a:off x="0" y="8685213"/>
+            <a:ext cx="2971800" cy="458787"/>
+          </a:xfrm>
+          <a:prstGeom prst="rect">
+            <a:avLst/>
+          </a:prstGeom>
+        </p:spPr>
+        <p:txBody>
+          <a:bodyPr vert="horz" lIns="91440" tIns="45720" rIns="91440" bIns="45720" rtlCol="0" anchor="b"/>
+          <a:lstStyle>
+            <a:lvl1pPr algn="l">
+              <a:defRPr sz="1200"/>
+            </a:lvl1pPr>
+          </a:lstStyle>
+          <a:p>
+            <a:pPr>
+              <a:defRPr/>
+            </a:pPr>
+            <a:endParaRPr/>
+          </a:p>
+        </p:txBody>
+      </p:sp>
+      <p:sp>
+        <p:nvSpPr>
+          <p:cNvPr id="9" name="Slide Number Placeholder 6" hidden="0"/>
+          <p:cNvSpPr>
+            <a:spLocks noGrp="1"/>
+          </p:cNvSpPr>
+          <p:nvPr isPhoto="0" userDrawn="0">
+            <p:ph type="sldNum" sz="quarter" idx="10" hasCustomPrompt="0"/>
+          </p:nvPr>
+        </p:nvSpPr>
+        <p:spPr bwMode="auto">
+          <a:xfrm>
+            <a:off x="3884613" y="8685213"/>
+            <a:ext cx="2971800" cy="458787"/>
+          </a:xfrm>
+          <a:prstGeom prst="rect">
+            <a:avLst/>
+          </a:prstGeom>
+        </p:spPr>
+        <p:txBody>
+          <a:bodyPr vert="horz" lIns="91440" tIns="45720" rIns="91440" bIns="45720" rtlCol="0" anchor="b"/>
+          <a:lstStyle>
+            <a:lvl1pPr algn="r">
+              <a:defRPr sz="1200"/>
+            </a:lvl1pPr>
+          </a:lstStyle>
+          <a:p>
+            <a:pPr>
+              <a:defRPr/>
+            </a:pPr>
+            <a:endParaRPr/>
+          </a:p>
+        </p:txBody>
+      </p:sp>
+    </p:spTree>
+  </p:cSld>
+  <p:clrMap accent1="accent1" accent2="accent2" accent3="accent3" accent4="accent4" accent5="accent5" accent6="accent6" bg1="lt1" bg2="lt2" folHlink="folHlink" hlink="hlink" tx1="dk1" tx2="dk2"/>
+  <p:notesStyle>
+    <a:lvl1pPr marL="0" algn="l" defTabSz="914400">
+      <a:defRPr sz="1200">
+        <a:solidFill>
+          <a:schemeClr val="tx1"/>
+        </a:solidFill>
+        <a:latin typeface="+mn-lt"/>
+        <a:ea typeface="+mn-ea"/>
+        <a:cs typeface="+mn-cs"/>
+      </a:defRPr>
+    </a:lvl1pPr>
+    <a:lvl2pPr marL="457200" algn="l" defTabSz="914400">
+      <a:defRPr sz="1200">
+        <a:solidFill>
+          <a:schemeClr val="tx1"/>
+        </a:solidFill>
+        <a:latin typeface="+mn-lt"/>
+        <a:ea typeface="+mn-ea"/>
+        <a:cs typeface="+mn-cs"/>
+      </a:defRPr>
+    </a:lvl2pPr>
+    <a:lvl3pPr marL="914400" algn="l" defTabSz="914400">
+      <a:defRPr sz="1200">
+        <a:solidFill>
+          <a:schemeClr val="tx1"/>
+        </a:solidFill>
+        <a:latin typeface="+mn-lt"/>
+        <a:ea typeface="+mn-ea"/>
+        <a:cs typeface="+mn-cs"/>
+      </a:defRPr>
+    </a:lvl3pPr>
+    <a:lvl4pPr marL="1371600" algn="l" defTabSz="914400">
+      <a:defRPr sz="1200">
+        <a:solidFill>
+          <a:schemeClr val="tx1"/>
+        </a:solidFill>
+        <a:latin typeface="+mn-lt"/>
+        <a:ea typeface="+mn-ea"/>
+        <a:cs typeface="+mn-cs"/>
+      </a:defRPr>
+    </a:lvl4pPr>
+    <a:lvl5pPr marL="1828800" algn="l" defTabSz="914400">
+      <a:defRPr sz="1200">
+        <a:solidFill>
+          <a:schemeClr val="tx1"/>
+        </a:solidFill>
+        <a:latin typeface="+mn-lt"/>
+        <a:ea typeface="+mn-ea"/>
+        <a:cs typeface="+mn-cs"/>
+      </a:defRPr>
+    </a:lvl5pPr>
+    <a:lvl6pPr marL="2286000" algn="l" defTabSz="914400">
+      <a:defRPr sz="1200">
+        <a:solidFill>
+          <a:schemeClr val="tx1"/>
+        </a:solidFill>
+        <a:latin typeface="+mn-lt"/>
+        <a:ea typeface="+mn-ea"/>
+        <a:cs typeface="+mn-cs"/>
+      </a:defRPr>
+    </a:lvl6pPr>
+    <a:lvl7pPr marL="2743200" algn="l" defTabSz="914400">
+      <a:defRPr sz="1200">
+        <a:solidFill>
+          <a:schemeClr val="tx1"/>
+        </a:solidFill>
+        <a:latin typeface="+mn-lt"/>
+        <a:ea typeface="+mn-ea"/>
+        <a:cs typeface="+mn-cs"/>
+      </a:defRPr>
+    </a:lvl7pPr>
+    <a:lvl8pPr marL="3200400" algn="l" defTabSz="914400">
+      <a:defRPr sz="1200">
+        <a:solidFill>
+          <a:schemeClr val="tx1"/>
+        </a:solidFill>
+        <a:latin typeface="+mn-lt"/>
+        <a:ea typeface="+mn-ea"/>
+        <a:cs typeface="+mn-cs"/>
+      </a:defRPr>
+    </a:lvl8pPr>
+    <a:lvl9pPr marL="3657600" algn="l" defTabSz="914400">
+      <a:defRPr sz="1200">
+        <a:solidFill>
+          <a:schemeClr val="tx1"/>
+        </a:solidFill>
+        <a:latin typeface="+mn-lt"/>
+        <a:ea typeface="+mn-ea"/>
+        <a:cs typeface="+mn-cs"/>
+      </a:defRPr>
+    </a:lvl9pPr>
+  </p:notesStyle>
+</p:notesMaster>
+</file>
+
+<file path=ppt/notesSlides/notesSlide1.xml><?xml version="1.0" encoding="utf-8"?>
+<p:notes xmlns:a="http://schemas.openxmlformats.org/drawingml/2006/main" xmlns:r="http://schemas.openxmlformats.org/officeDocument/2006/relationships" xmlns:p="http://schemas.openxmlformats.org/presentationml/2006/main" xmlns:m="http://schemas.openxmlformats.org/officeDocument/2006/math" xmlns:w="http://schemas.openxmlformats.org/wordprocessingml/2006/main">
+  <p:cSld name="">
+    <p:spTree>
+      <p:nvGrpSpPr>
+        <p:cNvPr id="1" name="" hidden="0"/>
+        <p:cNvGrpSpPr/>
+        <p:nvPr isPhoto="0" userDrawn="0"/>
+      </p:nvGrpSpPr>
+      <p:grpSpPr bwMode="auto">
+        <a:xfrm>
+          <a:off x="0" y="0"/>
+          <a:ext cx="0" cy="0"/>
+          <a:chOff x="0" y="0"/>
+          <a:chExt cx="0" cy="0"/>
+        </a:xfrm>
+      </p:grpSpPr>
+      <p:sp>
+        <p:nvSpPr>
+          <p:cNvPr id="4" name="Slide Image Placeholder 1" hidden="0"/>
+          <p:cNvSpPr>
+            <a:spLocks noChangeAspect="1" noGrp="1" noRot="1"/>
+          </p:cNvSpPr>
+          <p:nvPr isPhoto="0" userDrawn="0">
+            <p:ph type="sldImg" hasCustomPrompt="0"/>
+          </p:nvPr>
+        </p:nvSpPr>
+        <p:spPr bwMode="auto"/>
+      </p:sp>
+      <p:sp>
+        <p:nvSpPr>
+          <p:cNvPr id="5" name="Notes Placeholder 2" hidden="0"/>
+          <p:cNvSpPr>
+            <a:spLocks noGrp="1"/>
+          </p:cNvSpPr>
+          <p:nvPr isPhoto="0" userDrawn="0">
+            <p:ph type="body" idx="1" hasCustomPrompt="0"/>
+          </p:nvPr>
+        </p:nvSpPr>
+        <p:spPr bwMode="auto"/>
+        <p:txBody>
+          <a:bodyPr/>
+          <a:lstStyle/>
+          <a:p>
+            <a:pPr>
+              <a:defRPr/>
+            </a:pPr>
+            <a:r>
+              <a:rPr/>
+              <a:t>Aujourd’hui, je vais vous présenter Python, un langage très simple.</a:t>
+            </a:r>
+            <a:endParaRPr/>
+          </a:p>
+        </p:txBody>
+      </p:sp>
+      <p:sp>
+        <p:nvSpPr>
+          <p:cNvPr id="6" name="Slide Number Placeholder 3" hidden="0"/>
+          <p:cNvSpPr>
+            <a:spLocks noGrp="1"/>
+          </p:cNvSpPr>
+          <p:nvPr isPhoto="0" userDrawn="0">
+            <p:ph type="sldNum" sz="quarter" idx="10" hasCustomPrompt="0"/>
+          </p:nvPr>
+        </p:nvSpPr>
+        <p:spPr bwMode="auto"/>
+        <p:txBody>
+          <a:bodyPr/>
+          <a:lstStyle/>
+          <a:p>
+            <a:pPr>
+              <a:defRPr/>
+            </a:pPr>
+            <a:endParaRPr/>
+          </a:p>
+        </p:txBody>
+      </p:sp>
+    </p:spTree>
+  </p:cSld>
+</p:notes>
+</file>
+
+<file path=ppt/notesSlides/notesSlide2.xml><?xml version="1.0" encoding="utf-8"?>
+<p:notes xmlns:a="http://schemas.openxmlformats.org/drawingml/2006/main" xmlns:r="http://schemas.openxmlformats.org/officeDocument/2006/relationships" xmlns:p="http://schemas.openxmlformats.org/presentationml/2006/main" xmlns:m="http://schemas.openxmlformats.org/officeDocument/2006/math" xmlns:w="http://schemas.openxmlformats.org/wordprocessingml/2006/main">
+  <p:cSld name="">
+    <p:spTree>
+      <p:nvGrpSpPr>
+        <p:cNvPr id="1" name="" hidden="0"/>
+        <p:cNvGrpSpPr/>
+        <p:nvPr isPhoto="0" userDrawn="0"/>
+      </p:nvGrpSpPr>
+      <p:grpSpPr bwMode="auto">
+        <a:xfrm>
+          <a:off x="0" y="0"/>
+          <a:ext cx="0" cy="0"/>
+          <a:chOff x="0" y="0"/>
+          <a:chExt cx="0" cy="0"/>
+        </a:xfrm>
+      </p:grpSpPr>
+      <p:sp>
+        <p:nvSpPr>
+          <p:cNvPr id="4" name="Slide Image Placeholder 1" hidden="0"/>
+          <p:cNvSpPr>
+            <a:spLocks noChangeAspect="1" noGrp="1" noRot="1"/>
+          </p:cNvSpPr>
+          <p:nvPr isPhoto="0" userDrawn="0">
+            <p:ph type="sldImg" hasCustomPrompt="0"/>
+          </p:nvPr>
+        </p:nvSpPr>
+        <p:spPr bwMode="auto"/>
+      </p:sp>
+      <p:sp>
+        <p:nvSpPr>
+          <p:cNvPr id="5" name="Notes Placeholder 2" hidden="0"/>
+          <p:cNvSpPr>
+            <a:spLocks noGrp="1"/>
+          </p:cNvSpPr>
+          <p:nvPr isPhoto="0" userDrawn="0">
+            <p:ph type="body" idx="1" hasCustomPrompt="0"/>
+          </p:nvPr>
+        </p:nvSpPr>
+        <p:spPr bwMode="auto"/>
+        <p:txBody>
+          <a:bodyPr/>
+          <a:lstStyle/>
+          <a:p>
+            <a:pPr>
+              <a:defRPr/>
+            </a:pPr>
+            <a:r>
+              <a:rPr sz="1400" b="0"/>
+              <a:t>Python est un langage de programmation, qui est utilisé pour faire :</a:t>
+            </a:r>
+            <a:endParaRPr sz="1400" b="0"/>
+          </a:p>
+          <a:p>
+            <a:pPr marL="217793" indent="-217793">
+              <a:buFont typeface="Arial"/>
+              <a:buChar char="–"/>
+              <a:defRPr/>
+            </a:pPr>
+            <a:r>
+              <a:rPr/>
+              <a:t>des </a:t>
+            </a:r>
+            <a:r>
+              <a:rPr b="1"/>
+              <a:t>applications console</a:t>
+            </a:r>
+            <a:r>
+              <a:rPr/>
+              <a:t> </a:t>
+            </a:r>
+            <a:r>
+              <a:rPr sz="1100"/>
+              <a:t>(une console est une « boite » noire où du texte s’affiche ligne par ligne, de haut en bas)</a:t>
+            </a:r>
+            <a:r>
+              <a:rPr/>
+              <a:t>,</a:t>
+            </a:r>
+            <a:endParaRPr/>
+          </a:p>
+          <a:p>
+            <a:pPr marL="217793" indent="-217793">
+              <a:buFont typeface="Arial"/>
+              <a:buChar char="–"/>
+              <a:defRPr/>
+            </a:pPr>
+            <a:r>
+              <a:rPr/>
+              <a:t>des </a:t>
+            </a:r>
+            <a:r>
+              <a:rPr b="1"/>
+              <a:t>applications graphiques</a:t>
+            </a:r>
+            <a:r>
+              <a:rPr/>
+              <a:t> </a:t>
+            </a:r>
+            <a:r>
+              <a:rPr sz="1100"/>
+              <a:t>(</a:t>
+            </a:r>
+            <a:r>
+              <a:rPr sz="1100"/>
+              <a:t>c’est une application avec des menus, des boutons, etc... On parle de </a:t>
+            </a:r>
+            <a:r>
+              <a:rPr lang="en-US" sz="1100" i="1"/>
+              <a:t>Graphic </a:t>
+            </a:r>
+            <a:r>
+              <a:rPr lang="en-US" sz="1100" i="1"/>
+              <a:t>User Interface</a:t>
+            </a:r>
+            <a:r>
+              <a:rPr lang="fr-FR" sz="1100"/>
+              <a:t>)</a:t>
+            </a:r>
+            <a:r>
+              <a:rPr lang="fr-FR"/>
+              <a:t>, on utilise alors une « bibliothèque de code » </a:t>
+            </a:r>
+            <a:r>
+              <a:rPr lang="fr-FR" sz="1100"/>
+              <a:t>(</a:t>
+            </a:r>
+            <a:r>
+              <a:rPr lang="fr-FR" sz="1100" i="1"/>
+              <a:t>framework</a:t>
+            </a:r>
+            <a:r>
+              <a:rPr lang="fr-FR" sz="1100"/>
+              <a:t>)</a:t>
+            </a:r>
+            <a:r>
+              <a:rPr lang="fr-FR"/>
+              <a:t> appelée </a:t>
+            </a:r>
+            <a:r>
+              <a:rPr lang="fr-FR">
+                <a:latin typeface="Consolas"/>
+                <a:ea typeface="Consolas"/>
+                <a:cs typeface="Consolas"/>
+              </a:rPr>
+              <a:t>Tkinter</a:t>
+            </a:r>
+            <a:r>
+              <a:rPr/>
+              <a:t>,</a:t>
+            </a:r>
+            <a:endParaRPr/>
+          </a:p>
+          <a:p>
+            <a:pPr marL="217793" indent="-217793">
+              <a:buFont typeface="Arial"/>
+              <a:buChar char="–"/>
+              <a:defRPr/>
+            </a:pPr>
+            <a:r>
+              <a:rPr/>
+              <a:t>des </a:t>
+            </a:r>
+            <a:r>
+              <a:rPr b="1"/>
+              <a:t>jeux vidéos</a:t>
+            </a:r>
+            <a:r>
+              <a:rPr/>
+              <a:t>, avec le framework </a:t>
+            </a:r>
+            <a:r>
+              <a:rPr>
+                <a:latin typeface="Consolas"/>
+                <a:ea typeface="Consolas"/>
+                <a:cs typeface="Consolas"/>
+              </a:rPr>
+              <a:t>PyGame</a:t>
+            </a:r>
+            <a:r>
+              <a:rPr/>
+              <a:t>,</a:t>
+            </a:r>
+            <a:endParaRPr/>
+          </a:p>
+          <a:p>
+            <a:pPr marL="217793" indent="-217793">
+              <a:buFont typeface="Arial"/>
+              <a:buChar char="–"/>
+              <a:defRPr/>
+            </a:pPr>
+            <a:r>
+              <a:rPr/>
+              <a:t>et des </a:t>
+            </a:r>
+            <a:r>
+              <a:rPr b="1"/>
+              <a:t>sites Internet</a:t>
+            </a:r>
+            <a:r>
+              <a:rPr/>
+              <a:t>. </a:t>
+            </a:r>
+            <a:r>
+              <a:rPr sz="1100"/>
+              <a:t>C’est un cas particulier, car Python ne sert que pour le </a:t>
+            </a:r>
+            <a:r>
+              <a:rPr lang="en-US" sz="1100" i="1"/>
+              <a:t>back-end</a:t>
+            </a:r>
+            <a:r>
+              <a:rPr sz="1100"/>
+              <a:t> (le fonctionnement du site). Pour le </a:t>
+            </a:r>
+            <a:r>
+              <a:rPr lang="en-US" sz="1100" i="1"/>
+              <a:t>front-end</a:t>
+            </a:r>
+            <a:r>
+              <a:rPr sz="1100"/>
+              <a:t> (l’apparence du site), on utilise du </a:t>
+            </a:r>
+            <a:r>
+              <a:rPr sz="1100" i="1"/>
+              <a:t>HTML</a:t>
+            </a:r>
+            <a:r>
+              <a:rPr sz="1100"/>
+              <a:t>, du </a:t>
+            </a:r>
+            <a:r>
+              <a:rPr sz="1100" i="1"/>
+              <a:t>CSS</a:t>
+            </a:r>
+            <a:r>
+              <a:rPr sz="1100"/>
+              <a:t>, et du </a:t>
+            </a:r>
+            <a:r>
+              <a:rPr sz="1100" i="1"/>
+              <a:t>JavaScript</a:t>
+            </a:r>
+            <a:r>
+              <a:rPr sz="1100"/>
+              <a:t>.</a:t>
+            </a:r>
+            <a:endParaRPr sz="1100"/>
+          </a:p>
+          <a:p>
+            <a:pPr>
+              <a:defRPr/>
+            </a:pPr>
+            <a:r>
+              <a:rPr/>
+              <a:t>Il est aussi très apprécié dans le monde du </a:t>
+            </a:r>
+            <a:r>
+              <a:rPr i="1"/>
+              <a:t>machine learning</a:t>
+            </a:r>
+            <a:r>
+              <a:rPr/>
+              <a:t> </a:t>
+            </a:r>
+            <a:r>
+              <a:rPr sz="1100"/>
+              <a:t>(c’est une partie de l’intelligence artificielle où l’ordinateur va générer ses propres instructions)</a:t>
+            </a:r>
+            <a:r>
+              <a:rPr/>
+              <a:t>, et de la robotique </a:t>
+            </a:r>
+            <a:r>
+              <a:rPr sz="1100"/>
+              <a:t>(avec les Lego Mindstorms, par exemple)</a:t>
+            </a:r>
+            <a:r>
+              <a:rPr/>
+              <a:t>.</a:t>
+            </a:r>
+            <a:endParaRPr/>
+          </a:p>
+        </p:txBody>
+      </p:sp>
+      <p:sp>
+        <p:nvSpPr>
+          <p:cNvPr id="6" name="Slide Number Placeholder 3" hidden="0"/>
+          <p:cNvSpPr>
+            <a:spLocks noGrp="1"/>
+          </p:cNvSpPr>
+          <p:nvPr isPhoto="0" userDrawn="0">
+            <p:ph type="sldNum" sz="quarter" idx="10" hasCustomPrompt="0"/>
+          </p:nvPr>
+        </p:nvSpPr>
+        <p:spPr bwMode="auto"/>
+        <p:txBody>
+          <a:bodyPr/>
+          <a:lstStyle/>
+          <a:p>
+            <a:pPr>
+              <a:defRPr/>
+            </a:pPr>
+            <a:endParaRPr/>
+          </a:p>
+        </p:txBody>
+      </p:sp>
+    </p:spTree>
+  </p:cSld>
+</p:notes>
+</file>
+
+<file path=ppt/notesSlides/notesSlide3.xml><?xml version="1.0" encoding="utf-8"?>
+<p:notes xmlns:a="http://schemas.openxmlformats.org/drawingml/2006/main" xmlns:r="http://schemas.openxmlformats.org/officeDocument/2006/relationships" xmlns:p="http://schemas.openxmlformats.org/presentationml/2006/main" xmlns:m="http://schemas.openxmlformats.org/officeDocument/2006/math" xmlns:w="http://schemas.openxmlformats.org/wordprocessingml/2006/main">
+  <p:cSld name="">
+    <p:spTree>
+      <p:nvGrpSpPr>
+        <p:cNvPr id="1" name="" hidden="0"/>
+        <p:cNvGrpSpPr/>
+        <p:nvPr isPhoto="0" userDrawn="0"/>
+      </p:nvGrpSpPr>
+      <p:grpSpPr bwMode="auto">
+        <a:xfrm>
+          <a:off x="0" y="0"/>
+          <a:ext cx="0" cy="0"/>
+          <a:chOff x="0" y="0"/>
+          <a:chExt cx="0" cy="0"/>
+        </a:xfrm>
+      </p:grpSpPr>
+      <p:sp>
+        <p:nvSpPr>
+          <p:cNvPr id="4" name="Slide Image Placeholder 1" hidden="0"/>
+          <p:cNvSpPr>
+            <a:spLocks noChangeAspect="1" noGrp="1" noRot="1"/>
+          </p:cNvSpPr>
+          <p:nvPr isPhoto="0" userDrawn="0">
+            <p:ph type="sldImg" hasCustomPrompt="0"/>
+          </p:nvPr>
+        </p:nvSpPr>
+        <p:spPr bwMode="auto"/>
+      </p:sp>
+      <p:sp>
+        <p:nvSpPr>
+          <p:cNvPr id="5" name="Notes Placeholder 2" hidden="0"/>
+          <p:cNvSpPr>
+            <a:spLocks noGrp="1"/>
+          </p:cNvSpPr>
+          <p:nvPr isPhoto="0" userDrawn="0">
+            <p:ph type="body" idx="1" hasCustomPrompt="0"/>
+          </p:nvPr>
+        </p:nvSpPr>
+        <p:spPr bwMode="auto"/>
+        <p:txBody>
+          <a:bodyPr/>
+          <a:lstStyle/>
+          <a:p>
+            <a:pPr>
+              <a:defRPr/>
+            </a:pPr>
+            <a:r>
+              <a:rPr sz="1400"/>
+              <a:t>Python est ce qu’on appelle un langage interprété. Je vous explique le fonctionnement d’un langage interprété :</a:t>
+            </a:r>
+            <a:endParaRPr sz="1400"/>
+          </a:p>
+          <a:p>
+            <a:pPr marL="217793" indent="-217793">
+              <a:buFont typeface="Arial"/>
+              <a:buChar char="–"/>
+              <a:defRPr/>
+            </a:pPr>
+            <a:r>
+              <a:rPr/>
+              <a:t>Quand on lance le script </a:t>
+            </a:r>
+            <a:r>
+              <a:rPr sz="1100"/>
+              <a:t>(le code Python)</a:t>
+            </a:r>
+            <a:r>
+              <a:rPr/>
+              <a:t>, aussi appelé </a:t>
+            </a:r>
+            <a:r>
+              <a:rPr b="1"/>
+              <a:t>code source</a:t>
+            </a:r>
+            <a:r>
+              <a:rPr/>
+              <a:t>, l’interpréteur de Python </a:t>
+            </a:r>
+            <a:r>
+              <a:rPr b="1"/>
+              <a:t>lit le code source</a:t>
+            </a:r>
+            <a:r>
+              <a:rPr/>
+              <a:t> qu’on veut lancer.</a:t>
+            </a:r>
+            <a:endParaRPr/>
+          </a:p>
+          <a:p>
+            <a:pPr marL="217793" indent="-217793">
+              <a:buFont typeface="Arial"/>
+              <a:buChar char="–"/>
+              <a:defRPr/>
+            </a:pPr>
+            <a:r>
+              <a:rPr/>
+              <a:t>Puis il va </a:t>
+            </a:r>
+            <a:r>
+              <a:rPr b="1"/>
+              <a:t>transformer</a:t>
+            </a:r>
+            <a:r>
+              <a:rPr/>
+              <a:t> le code source </a:t>
+            </a:r>
+            <a:r>
+              <a:rPr b="1"/>
+              <a:t>en langage binaire</a:t>
+            </a:r>
+            <a:r>
+              <a:rPr/>
+              <a:t> (celui avec les 0 et les 1), qui est le seul langage qu’un ordinateur peut comprendre.</a:t>
+            </a:r>
+            <a:endParaRPr/>
+          </a:p>
+          <a:p>
+            <a:pPr marL="217793" indent="-217793">
+              <a:buFont typeface="Arial"/>
+              <a:buChar char="–"/>
+              <a:defRPr/>
+            </a:pPr>
+            <a:r>
+              <a:rPr/>
+              <a:t>Enfin, il </a:t>
+            </a:r>
+            <a:r>
+              <a:rPr b="1"/>
+              <a:t>exécute</a:t>
+            </a:r>
+            <a:r>
+              <a:rPr b="1"/>
+              <a:t> ce code binaire</a:t>
+            </a:r>
+            <a:r>
+              <a:rPr/>
+              <a:t>.</a:t>
+            </a:r>
+            <a:endParaRPr/>
+          </a:p>
+          <a:p>
+            <a:pPr>
+              <a:defRPr/>
+            </a:pPr>
+            <a:r>
+              <a:rPr/>
+              <a:t>Ce processus est répété à chaque lancement du script, donc pour les très gros scripts la transformation en code binaire est très longue.</a:t>
+            </a:r>
+            <a:endParaRPr/>
+          </a:p>
+          <a:p>
+            <a:pPr>
+              <a:defRPr/>
+            </a:pPr>
+            <a:r>
+              <a:rPr/>
+              <a:t>C’est pour ça que d’autres langages sont </a:t>
+            </a:r>
+            <a:r>
+              <a:rPr b="1"/>
+              <a:t>compilés </a:t>
+            </a:r>
+            <a:r>
+              <a:rPr/>
+              <a:t>: la transformation en code binaire est effectuée une seule fois, donc au lieu de partager un code source on partage du code binaire.</a:t>
+            </a:r>
+            <a:endParaRPr/>
+          </a:p>
+        </p:txBody>
+      </p:sp>
+      <p:sp>
+        <p:nvSpPr>
+          <p:cNvPr id="6" name="Slide Number Placeholder 3" hidden="0"/>
+          <p:cNvSpPr>
+            <a:spLocks noGrp="1"/>
+          </p:cNvSpPr>
+          <p:nvPr isPhoto="0" userDrawn="0">
+            <p:ph type="sldNum" sz="quarter" idx="10" hasCustomPrompt="0"/>
+          </p:nvPr>
+        </p:nvSpPr>
+        <p:spPr bwMode="auto"/>
+        <p:txBody>
+          <a:bodyPr/>
+          <a:lstStyle/>
+          <a:p>
+            <a:pPr>
+              <a:defRPr/>
+            </a:pPr>
+            <a:endParaRPr/>
+          </a:p>
+        </p:txBody>
+      </p:sp>
+    </p:spTree>
+  </p:cSld>
+</p:notes>
+</file>
+
+<file path=ppt/notesSlides/notesSlide4.xml><?xml version="1.0" encoding="utf-8"?>
+<p:notes xmlns:a="http://schemas.openxmlformats.org/drawingml/2006/main" xmlns:r="http://schemas.openxmlformats.org/officeDocument/2006/relationships" xmlns:p="http://schemas.openxmlformats.org/presentationml/2006/main" xmlns:m="http://schemas.openxmlformats.org/officeDocument/2006/math" xmlns:w="http://schemas.openxmlformats.org/wordprocessingml/2006/main">
+  <p:cSld name="">
+    <p:spTree>
+      <p:nvGrpSpPr>
+        <p:cNvPr id="1" name="" hidden="0"/>
+        <p:cNvGrpSpPr/>
+        <p:nvPr isPhoto="0" userDrawn="0"/>
+      </p:nvGrpSpPr>
+      <p:grpSpPr bwMode="auto">
+        <a:xfrm>
+          <a:off x="0" y="0"/>
+          <a:ext cx="0" cy="0"/>
+          <a:chOff x="0" y="0"/>
+          <a:chExt cx="0" cy="0"/>
+        </a:xfrm>
+      </p:grpSpPr>
+      <p:sp>
+        <p:nvSpPr>
+          <p:cNvPr id="4" name="Slide Image Placeholder 1" hidden="0"/>
+          <p:cNvSpPr>
+            <a:spLocks noChangeAspect="1" noGrp="1" noRot="1"/>
+          </p:cNvSpPr>
+          <p:nvPr isPhoto="0" userDrawn="0">
+            <p:ph type="sldImg" hasCustomPrompt="0"/>
+          </p:nvPr>
+        </p:nvSpPr>
+        <p:spPr bwMode="auto"/>
+      </p:sp>
+      <p:sp>
+        <p:nvSpPr>
+          <p:cNvPr id="5" name="Notes Placeholder 2" hidden="0"/>
+          <p:cNvSpPr>
+            <a:spLocks noGrp="1"/>
+          </p:cNvSpPr>
+          <p:nvPr isPhoto="0" userDrawn="0">
+            <p:ph type="body" idx="1" hasCustomPrompt="0"/>
+          </p:nvPr>
+        </p:nvSpPr>
+        <p:spPr bwMode="auto"/>
+        <p:txBody>
+          <a:bodyPr/>
+          <a:lstStyle/>
+          <a:p>
+            <a:pPr>
+              <a:defRPr/>
+            </a:pPr>
+            <a:r>
+              <a:rPr sz="1400"/>
+              <a:t>Il existe bien sûr plein de langages de programmation. Voici les plus connus :</a:t>
+            </a:r>
+            <a:endParaRPr/>
+          </a:p>
+          <a:p>
+            <a:pPr marL="217793" indent="-217793">
+              <a:buFont typeface="Arial"/>
+              <a:buChar char="–"/>
+              <a:defRPr/>
+            </a:pPr>
+            <a:r>
+              <a:rPr i="1"/>
+              <a:t>HTML</a:t>
+            </a:r>
+            <a:r>
+              <a:rPr/>
+              <a:t>, pour décrire le contenu d’un site Internet,</a:t>
+            </a:r>
+            <a:endParaRPr/>
+          </a:p>
+          <a:p>
+            <a:pPr marL="217793" indent="-217793">
+              <a:buFont typeface="Arial"/>
+              <a:buChar char="–"/>
+              <a:defRPr/>
+            </a:pPr>
+            <a:r>
+              <a:rPr i="1"/>
+              <a:t>CSS</a:t>
+            </a:r>
+            <a:r>
+              <a:rPr/>
+              <a:t>, pour ajouter de la couleur, des bordures, etc... à la page faite en </a:t>
+            </a:r>
+            <a:r>
+              <a:rPr i="1"/>
+              <a:t>HTML</a:t>
+            </a:r>
+            <a:r>
+              <a:rPr/>
+              <a:t>,</a:t>
+            </a:r>
+            <a:endParaRPr/>
+          </a:p>
+          <a:p>
+            <a:pPr marL="217793" indent="-217793">
+              <a:buFont typeface="Arial"/>
+              <a:buChar char="–"/>
+              <a:defRPr/>
+            </a:pPr>
+            <a:r>
+              <a:rPr i="1"/>
+              <a:t>JavaScript</a:t>
+            </a:r>
+            <a:r>
+              <a:rPr/>
+              <a:t>, pour ajouter par exemple des animations à un site Internet,</a:t>
+            </a:r>
+            <a:endParaRPr/>
+          </a:p>
+          <a:p>
+            <a:pPr marL="217793" indent="-217793">
+              <a:buFont typeface="Arial"/>
+              <a:buChar char="–"/>
+              <a:defRPr/>
+            </a:pPr>
+            <a:r>
+              <a:rPr i="1"/>
+              <a:t>PHP</a:t>
+            </a:r>
+            <a:r>
+              <a:rPr/>
+              <a:t>, pour programmer le </a:t>
+            </a:r>
+            <a:r>
+              <a:rPr lang="en-US" i="1"/>
+              <a:t>back-end</a:t>
+            </a:r>
+            <a:r>
+              <a:rPr/>
+              <a:t> d’un site (le fonctionnement d’un site),</a:t>
+            </a:r>
+            <a:endParaRPr/>
+          </a:p>
+          <a:p>
+            <a:pPr marL="217793" indent="-217793">
+              <a:buFont typeface="Arial"/>
+              <a:buChar char="–"/>
+              <a:defRPr/>
+            </a:pPr>
+            <a:r>
+              <a:rPr i="1"/>
+              <a:t>C++</a:t>
+            </a:r>
+            <a:r>
+              <a:rPr/>
+              <a:t>, qui est un langage compilé, et qui sert à faire des applications console et graphiques et des jeux, pour ordinateur et téléphone,</a:t>
+            </a:r>
+            <a:endParaRPr/>
+          </a:p>
+          <a:p>
+            <a:pPr marL="217793" indent="-217793">
+              <a:buFont typeface="Arial"/>
+              <a:buChar char="–"/>
+              <a:defRPr/>
+            </a:pPr>
+            <a:r>
+              <a:rPr i="1"/>
+              <a:t>C#</a:t>
+            </a:r>
+            <a:r>
+              <a:rPr/>
+              <a:t>, qui permet de faire des sites Internet, des application pour </a:t>
+            </a:r>
+            <a:r>
+              <a:rPr i="1"/>
+              <a:t>Windows</a:t>
+            </a:r>
+            <a:r>
+              <a:rPr/>
+              <a:t>, et pour téléphone,</a:t>
+            </a:r>
+            <a:endParaRPr/>
+          </a:p>
+          <a:p>
+            <a:pPr marL="217793" indent="-217793">
+              <a:buFont typeface="Arial"/>
+              <a:buChar char="–"/>
+              <a:defRPr/>
+            </a:pPr>
+            <a:r>
+              <a:rPr/>
+              <a:t>Et </a:t>
+            </a:r>
+            <a:r>
+              <a:rPr i="1"/>
+              <a:t>Java</a:t>
+            </a:r>
+            <a:r>
+              <a:rPr/>
+              <a:t>, pour faire des applications pour ordinateur et </a:t>
+            </a:r>
+            <a:r>
+              <a:rPr i="1"/>
+              <a:t>Android</a:t>
+            </a:r>
+            <a:r>
+              <a:rPr/>
+              <a:t>.</a:t>
+            </a:r>
+            <a:endParaRPr/>
+          </a:p>
+        </p:txBody>
+      </p:sp>
+      <p:sp>
+        <p:nvSpPr>
+          <p:cNvPr id="6" name="Slide Number Placeholder 3" hidden="0"/>
+          <p:cNvSpPr>
+            <a:spLocks noGrp="1"/>
+          </p:cNvSpPr>
+          <p:nvPr isPhoto="0" userDrawn="0">
+            <p:ph type="sldNum" sz="quarter" idx="10" hasCustomPrompt="0"/>
+          </p:nvPr>
+        </p:nvSpPr>
+        <p:spPr bwMode="auto"/>
+        <p:txBody>
+          <a:bodyPr/>
+          <a:lstStyle/>
+          <a:p>
+            <a:pPr>
+              <a:defRPr/>
+            </a:pPr>
+            <a:endParaRPr/>
+          </a:p>
+        </p:txBody>
+      </p:sp>
+    </p:spTree>
+  </p:cSld>
+</p:notes>
+</file>
+
+<file path=ppt/notesSlides/notesSlide5.xml><?xml version="1.0" encoding="utf-8"?>
+<p:notes xmlns:a="http://schemas.openxmlformats.org/drawingml/2006/main" xmlns:r="http://schemas.openxmlformats.org/officeDocument/2006/relationships" xmlns:p="http://schemas.openxmlformats.org/presentationml/2006/main" xmlns:m="http://schemas.openxmlformats.org/officeDocument/2006/math" xmlns:w="http://schemas.openxmlformats.org/wordprocessingml/2006/main">
+  <p:cSld name="">
+    <p:spTree>
+      <p:nvGrpSpPr>
+        <p:cNvPr id="1" name="" hidden="0"/>
+        <p:cNvGrpSpPr/>
+        <p:nvPr isPhoto="0" userDrawn="0"/>
+      </p:nvGrpSpPr>
+      <p:grpSpPr bwMode="auto">
+        <a:xfrm>
+          <a:off x="0" y="0"/>
+          <a:ext cx="0" cy="0"/>
+          <a:chOff x="0" y="0"/>
+          <a:chExt cx="0" cy="0"/>
+        </a:xfrm>
+      </p:grpSpPr>
+      <p:sp>
+        <p:nvSpPr>
+          <p:cNvPr id="4" name="Slide Image Placeholder 1" hidden="0"/>
+          <p:cNvSpPr>
+            <a:spLocks noChangeAspect="1" noGrp="1" noRot="1"/>
+          </p:cNvSpPr>
+          <p:nvPr isPhoto="0" userDrawn="0">
+            <p:ph type="sldImg" hasCustomPrompt="0"/>
+          </p:nvPr>
+        </p:nvSpPr>
+        <p:spPr bwMode="auto"/>
+      </p:sp>
+      <p:sp>
+        <p:nvSpPr>
+          <p:cNvPr id="5" name="Notes Placeholder 2" hidden="0"/>
+          <p:cNvSpPr>
+            <a:spLocks noGrp="1"/>
+          </p:cNvSpPr>
+          <p:nvPr isPhoto="0" userDrawn="0">
+            <p:ph type="body" idx="1" hasCustomPrompt="0"/>
+          </p:nvPr>
+        </p:nvSpPr>
+        <p:spPr bwMode="auto"/>
+        <p:txBody>
+          <a:bodyPr/>
+          <a:lstStyle/>
+          <a:p>
+            <a:pPr>
+              <a:defRPr/>
+            </a:pPr>
+            <a:r>
+              <a:rPr sz="1400"/>
+              <a:t>Voici un code Python très simple :</a:t>
+            </a:r>
+            <a:endParaRPr sz="1400"/>
+          </a:p>
+          <a:p>
+            <a:pPr marL="217793" indent="-217793">
+              <a:buFont typeface="Arial"/>
+              <a:buChar char="–"/>
+              <a:defRPr/>
+            </a:pPr>
+            <a:r>
+              <a:rPr/>
+              <a:t>D’abord, on écrit dans la console « Comment t’appelles-tu ? ».</a:t>
+            </a:r>
+            <a:endParaRPr/>
+          </a:p>
+          <a:p>
+            <a:pPr marL="217793" indent="-217793">
+              <a:buFont typeface="Arial"/>
+              <a:buChar char="–"/>
+              <a:defRPr/>
+            </a:pPr>
+            <a:r>
+              <a:rPr/>
+              <a:t>Puis, on demande à l’utilisateur d’écrire son nom, et on stocke sa réponse dans une variable appelée « </a:t>
+            </a:r>
+            <a:r>
+              <a:rPr>
+                <a:latin typeface="Consolas"/>
+                <a:ea typeface="Consolas"/>
+                <a:cs typeface="Consolas"/>
+              </a:rPr>
+              <a:t>name </a:t>
+            </a:r>
+            <a:r>
+              <a:rPr/>
+              <a:t>». Une variable est un peu comme une boite, qui possède un nom, et une valeur, ou contenu.</a:t>
+            </a:r>
+            <a:endParaRPr/>
+          </a:p>
+          <a:p>
+            <a:pPr marL="217793" indent="-217793">
+              <a:buFont typeface="Arial"/>
+              <a:buChar char="–"/>
+              <a:defRPr/>
+            </a:pPr>
+            <a:r>
+              <a:rPr/>
+              <a:t>Enfin, on écrit dans la console « Salut ! », avec le contenu de la variable </a:t>
+            </a:r>
+            <a:r>
+              <a:rPr>
+                <a:latin typeface="Consolas"/>
+                <a:ea typeface="Consolas"/>
+                <a:cs typeface="Consolas"/>
+              </a:rPr>
+              <a:t>name</a:t>
+            </a:r>
+            <a:r>
+              <a:rPr/>
+              <a:t>.</a:t>
+            </a:r>
+            <a:endParaRPr/>
+          </a:p>
+        </p:txBody>
+      </p:sp>
+      <p:sp>
+        <p:nvSpPr>
+          <p:cNvPr id="6" name="Slide Number Placeholder 3" hidden="0"/>
+          <p:cNvSpPr>
+            <a:spLocks noGrp="1"/>
+          </p:cNvSpPr>
+          <p:nvPr isPhoto="0" userDrawn="0">
+            <p:ph type="sldNum" sz="quarter" idx="10" hasCustomPrompt="0"/>
+          </p:nvPr>
+        </p:nvSpPr>
+        <p:spPr bwMode="auto"/>
+        <p:txBody>
+          <a:bodyPr/>
+          <a:lstStyle/>
+          <a:p>
+            <a:pPr>
+              <a:defRPr/>
+            </a:pPr>
+            <a:endParaRPr/>
+          </a:p>
+        </p:txBody>
+      </p:sp>
+    </p:spTree>
+  </p:cSld>
+</p:notes>
+</file>
+
+<file path=ppt/notesSlides/notesSlide6.xml><?xml version="1.0" encoding="utf-8"?>
+<p:notes xmlns:a="http://schemas.openxmlformats.org/drawingml/2006/main" xmlns:r="http://schemas.openxmlformats.org/officeDocument/2006/relationships" xmlns:p="http://schemas.openxmlformats.org/presentationml/2006/main" xmlns:m="http://schemas.openxmlformats.org/officeDocument/2006/math" xmlns:w="http://schemas.openxmlformats.org/wordprocessingml/2006/main">
+  <p:cSld name="">
+    <p:spTree>
+      <p:nvGrpSpPr>
+        <p:cNvPr id="1" name="" hidden="0"/>
+        <p:cNvGrpSpPr/>
+        <p:nvPr isPhoto="0" userDrawn="0"/>
+      </p:nvGrpSpPr>
+      <p:grpSpPr bwMode="auto">
+        <a:xfrm>
+          <a:off x="0" y="0"/>
+          <a:ext cx="0" cy="0"/>
+          <a:chOff x="0" y="0"/>
+          <a:chExt cx="0" cy="0"/>
+        </a:xfrm>
+      </p:grpSpPr>
+      <p:sp>
+        <p:nvSpPr>
+          <p:cNvPr id="4" name="Slide Image Placeholder 1" hidden="0"/>
+          <p:cNvSpPr>
+            <a:spLocks noChangeAspect="1" noGrp="1" noRot="1"/>
+          </p:cNvSpPr>
+          <p:nvPr isPhoto="0" userDrawn="0">
+            <p:ph type="sldImg" hasCustomPrompt="0"/>
+          </p:nvPr>
+        </p:nvSpPr>
+        <p:spPr bwMode="auto"/>
+      </p:sp>
+      <p:sp>
+        <p:nvSpPr>
+          <p:cNvPr id="5" name="Notes Placeholder 2" hidden="0"/>
+          <p:cNvSpPr>
+            <a:spLocks noGrp="1"/>
+          </p:cNvSpPr>
+          <p:nvPr isPhoto="0" userDrawn="0">
+            <p:ph type="body" idx="1" hasCustomPrompt="0"/>
+          </p:nvPr>
+        </p:nvSpPr>
+        <p:spPr bwMode="auto"/>
+        <p:txBody>
+          <a:bodyPr/>
+          <a:lstStyle/>
+          <a:p>
+            <a:pPr>
+              <a:defRPr/>
+            </a:pPr>
+            <a:r>
+              <a:rPr sz="1400"/>
+              <a:t>Maintenant, je vais vous expliquer le script </a:t>
+            </a:r>
+            <a:r>
+              <a:rPr sz="1400">
+                <a:latin typeface="Consolas"/>
+                <a:ea typeface="Consolas"/>
+                <a:cs typeface="Consolas"/>
+              </a:rPr>
+              <a:t>jeu_maths.py</a:t>
+            </a:r>
+            <a:r>
+              <a:rPr sz="1400"/>
+              <a:t>.</a:t>
+            </a:r>
+            <a:endParaRPr sz="1400"/>
+          </a:p>
+        </p:txBody>
+      </p:sp>
+      <p:sp>
+        <p:nvSpPr>
+          <p:cNvPr id="6" name="Slide Number Placeholder 3" hidden="0"/>
+          <p:cNvSpPr>
+            <a:spLocks noGrp="1"/>
+          </p:cNvSpPr>
+          <p:nvPr isPhoto="0" userDrawn="0">
+            <p:ph type="sldNum" sz="quarter" idx="10" hasCustomPrompt="0"/>
+          </p:nvPr>
+        </p:nvSpPr>
+        <p:spPr bwMode="auto"/>
+        <p:txBody>
+          <a:bodyPr/>
+          <a:lstStyle/>
+          <a:p>
+            <a:pPr>
+              <a:defRPr/>
+            </a:pPr>
+            <a:endParaRPr/>
+          </a:p>
+        </p:txBody>
+      </p:sp>
+    </p:spTree>
+  </p:cSld>
+</p:notes>
+</file>
+
+<file path=ppt/notesSlides/notesSlide7.xml><?xml version="1.0" encoding="utf-8"?>
+<p:notes xmlns:a="http://schemas.openxmlformats.org/drawingml/2006/main" xmlns:r="http://schemas.openxmlformats.org/officeDocument/2006/relationships" xmlns:p="http://schemas.openxmlformats.org/presentationml/2006/main" xmlns:m="http://schemas.openxmlformats.org/officeDocument/2006/math" xmlns:w="http://schemas.openxmlformats.org/wordprocessingml/2006/main">
+  <p:cSld name="">
+    <p:spTree>
+      <p:nvGrpSpPr>
+        <p:cNvPr id="1" name="" hidden="0"/>
+        <p:cNvGrpSpPr/>
+        <p:nvPr isPhoto="0" userDrawn="0"/>
+      </p:nvGrpSpPr>
+      <p:grpSpPr bwMode="auto">
+        <a:xfrm>
+          <a:off x="0" y="0"/>
+          <a:ext cx="0" cy="0"/>
+          <a:chOff x="0" y="0"/>
+          <a:chExt cx="0" cy="0"/>
+        </a:xfrm>
+      </p:grpSpPr>
+      <p:sp>
+        <p:nvSpPr>
+          <p:cNvPr id="4" name="Slide Image Placeholder 1" hidden="0"/>
+          <p:cNvSpPr>
+            <a:spLocks noChangeAspect="1" noGrp="1" noRot="1"/>
+          </p:cNvSpPr>
+          <p:nvPr isPhoto="0" userDrawn="0">
+            <p:ph type="sldImg" hasCustomPrompt="0"/>
+          </p:nvPr>
+        </p:nvSpPr>
+        <p:spPr bwMode="auto"/>
+      </p:sp>
+      <p:sp>
+        <p:nvSpPr>
+          <p:cNvPr id="5" name="Notes Placeholder 2" hidden="0"/>
+          <p:cNvSpPr>
+            <a:spLocks noGrp="1"/>
+          </p:cNvSpPr>
+          <p:nvPr isPhoto="0" userDrawn="0">
+            <p:ph type="body" idx="1" hasCustomPrompt="0"/>
+          </p:nvPr>
+        </p:nvSpPr>
+        <p:spPr bwMode="auto"/>
+        <p:txBody>
+          <a:bodyPr/>
+          <a:lstStyle/>
+          <a:p>
+            <a:pPr>
+              <a:defRPr/>
+            </a:pPr>
+            <a:r>
+              <a:rPr sz="1400"/>
+              <a:t>Dans le dossier qui contient le projet, on trouve :</a:t>
+            </a:r>
+            <a:endParaRPr sz="1400"/>
+          </a:p>
+          <a:p>
+            <a:pPr marL="217793" indent="-217793">
+              <a:buFont typeface="Arial"/>
+              <a:buChar char="–"/>
+              <a:defRPr/>
+            </a:pPr>
+            <a:r>
+              <a:rPr/>
+              <a:t>Un dossier </a:t>
+            </a:r>
+            <a:r>
+              <a:rPr>
+                <a:latin typeface="Consolas"/>
+                <a:ea typeface="Consolas"/>
+                <a:cs typeface="Consolas"/>
+              </a:rPr>
+              <a:t>.git</a:t>
+            </a:r>
+            <a:r>
+              <a:rPr/>
+              <a:t>, qu’on utilise pour le contrôle de version. Cela permet de facilement retourner à un ancien code s’il y a un </a:t>
+            </a:r>
+            <a:r>
+              <a:rPr i="1"/>
+              <a:t>bug</a:t>
+            </a:r>
+            <a:r>
+              <a:rPr/>
+              <a:t>.</a:t>
+            </a:r>
+            <a:endParaRPr/>
+          </a:p>
+          <a:p>
+            <a:pPr marL="217793" indent="-217793">
+              <a:buFont typeface="Arial"/>
+              <a:buChar char="–"/>
+              <a:defRPr/>
+            </a:pPr>
+            <a:r>
+              <a:rPr/>
+              <a:t>3 fichier </a:t>
+            </a:r>
+            <a:r>
+              <a:rPr>
+                <a:latin typeface="Consolas"/>
+                <a:ea typeface="Consolas"/>
+                <a:cs typeface="Consolas"/>
+              </a:rPr>
+              <a:t>.json</a:t>
+            </a:r>
+            <a:r>
+              <a:rPr/>
+              <a:t>, dans un dossier </a:t>
+            </a:r>
+            <a:r>
+              <a:rPr>
+                <a:latin typeface="Consolas"/>
+                <a:ea typeface="Consolas"/>
+                <a:cs typeface="Consolas"/>
+              </a:rPr>
+              <a:t>calculs</a:t>
+            </a:r>
+            <a:r>
+              <a:rPr/>
+              <a:t>. Ils contiennent les calculs affichés dans la console. </a:t>
+            </a:r>
+            <a:r>
+              <a:rPr i="1"/>
+              <a:t>JSON </a:t>
+            </a:r>
+            <a:r>
+              <a:rPr/>
+              <a:t>est un format très simple à lire, très léger, et extrêmement pratique quand il s’agit de stocker des données statiques (qui ne changent pas).</a:t>
+            </a:r>
+            <a:endParaRPr/>
+          </a:p>
+          <a:p>
+            <a:pPr marL="217793" indent="-217793">
+              <a:buFont typeface="Arial"/>
+              <a:buChar char="–"/>
+              <a:defRPr/>
+            </a:pPr>
+            <a:r>
+              <a:rPr/>
+              <a:t>Un fichier </a:t>
+            </a:r>
+            <a:r>
+              <a:rPr>
+                <a:latin typeface="Consolas"/>
+                <a:ea typeface="Consolas"/>
+                <a:cs typeface="Consolas"/>
+              </a:rPr>
+              <a:t>jeu_maths.py</a:t>
+            </a:r>
+            <a:r>
+              <a:rPr/>
+              <a:t>,</a:t>
+            </a:r>
+            <a:r>
+              <a:rPr/>
+              <a:t> qui est le script Python.</a:t>
+            </a:r>
+            <a:endParaRPr/>
+          </a:p>
+          <a:p>
+            <a:pPr marL="217793" indent="-217793">
+              <a:buFont typeface="Arial"/>
+              <a:buChar char="–"/>
+              <a:defRPr/>
+            </a:pPr>
+            <a:r>
+              <a:rPr/>
+              <a:t>Une présentation </a:t>
+            </a:r>
+            <a:r>
+              <a:rPr>
+                <a:latin typeface="Consolas"/>
+                <a:ea typeface="Consolas"/>
+                <a:cs typeface="Consolas"/>
+              </a:rPr>
+              <a:t>present_python.pptx</a:t>
+            </a:r>
+            <a:r>
+              <a:rPr/>
+              <a:t>, qui est la présentation que je suis en train de vous montrer.</a:t>
+            </a:r>
+            <a:endParaRPr/>
+          </a:p>
+          <a:p>
+            <a:pPr marL="217793" indent="-217793">
+              <a:buFont typeface="Arial"/>
+              <a:buChar char="–"/>
+              <a:defRPr/>
+            </a:pPr>
+            <a:r>
+              <a:rPr/>
+              <a:t>Et un fichier </a:t>
+            </a:r>
+            <a:r>
+              <a:rPr>
+                <a:latin typeface="Consolas"/>
+                <a:ea typeface="Consolas"/>
+                <a:cs typeface="Consolas"/>
+              </a:rPr>
+              <a:t>README.md</a:t>
+            </a:r>
+            <a:r>
+              <a:rPr/>
+              <a:t>, qui contient une description du projet.</a:t>
+            </a:r>
+            <a:endParaRPr/>
+          </a:p>
+        </p:txBody>
+      </p:sp>
+      <p:sp>
+        <p:nvSpPr>
+          <p:cNvPr id="6" name="Slide Number Placeholder 3" hidden="0"/>
+          <p:cNvSpPr>
+            <a:spLocks noGrp="1"/>
+          </p:cNvSpPr>
+          <p:nvPr isPhoto="0" userDrawn="0">
+            <p:ph type="sldNum" sz="quarter" idx="10" hasCustomPrompt="0"/>
+          </p:nvPr>
+        </p:nvSpPr>
+        <p:spPr bwMode="auto"/>
+        <p:txBody>
+          <a:bodyPr/>
+          <a:lstStyle/>
+          <a:p>
+            <a:pPr>
+              <a:defRPr/>
+            </a:pPr>
+            <a:endParaRPr/>
+          </a:p>
+        </p:txBody>
+      </p:sp>
+    </p:spTree>
+  </p:cSld>
+</p:notes>
+</file>
+
+<file path=ppt/notesSlides/notesSlide8.xml><?xml version="1.0" encoding="utf-8"?>
+<p:notes xmlns:a="http://schemas.openxmlformats.org/drawingml/2006/main" xmlns:r="http://schemas.openxmlformats.org/officeDocument/2006/relationships" xmlns:p="http://schemas.openxmlformats.org/presentationml/2006/main" xmlns:m="http://schemas.openxmlformats.org/officeDocument/2006/math" xmlns:w="http://schemas.openxmlformats.org/wordprocessingml/2006/main">
+  <p:cSld name="">
+    <p:spTree>
+      <p:nvGrpSpPr>
+        <p:cNvPr id="1" name="" hidden="0"/>
+        <p:cNvGrpSpPr/>
+        <p:nvPr isPhoto="0" userDrawn="0"/>
+      </p:nvGrpSpPr>
+      <p:grpSpPr bwMode="auto">
+        <a:xfrm>
+          <a:off x="0" y="0"/>
+          <a:ext cx="0" cy="0"/>
+          <a:chOff x="0" y="0"/>
+          <a:chExt cx="0" cy="0"/>
+        </a:xfrm>
+      </p:grpSpPr>
+      <p:sp>
+        <p:nvSpPr>
+          <p:cNvPr id="4" name="Slide Image Placeholder 1" hidden="0"/>
+          <p:cNvSpPr>
+            <a:spLocks noChangeAspect="1" noGrp="1" noRot="1"/>
+          </p:cNvSpPr>
+          <p:nvPr isPhoto="0" userDrawn="0">
+            <p:ph type="sldImg" hasCustomPrompt="0"/>
+          </p:nvPr>
+        </p:nvSpPr>
+        <p:spPr bwMode="auto"/>
+      </p:sp>
+      <p:sp>
+        <p:nvSpPr>
+          <p:cNvPr id="5" name="Notes Placeholder 2" hidden="0"/>
+          <p:cNvSpPr>
+            <a:spLocks noGrp="1"/>
+          </p:cNvSpPr>
+          <p:nvPr isPhoto="0" userDrawn="0">
+            <p:ph type="body" idx="1" hasCustomPrompt="0"/>
+          </p:nvPr>
+        </p:nvSpPr>
+        <p:spPr bwMode="auto"/>
+        <p:txBody>
+          <a:bodyPr/>
+          <a:lstStyle/>
+          <a:p>
+            <a:pPr>
+              <a:defRPr/>
+            </a:pPr>
+            <a:r>
+              <a:rPr/>
+              <a:t>Pour coder, on n’utilise pas un logiciel comme Word, LibreOffice Writer, ou pire le bloc-notes de Windows !</a:t>
+            </a:r>
+            <a:endParaRPr/>
+          </a:p>
+          <a:p>
+            <a:pPr>
+              <a:defRPr/>
+            </a:pPr>
+            <a:r>
+              <a:rPr/>
+              <a:t>On utilise un éditeur de code, comme :</a:t>
+            </a:r>
+            <a:endParaRPr/>
+          </a:p>
+          <a:p>
+            <a:pPr marL="217793" indent="-217793">
+              <a:buFont typeface="Arial"/>
+              <a:buChar char="–"/>
+              <a:defRPr/>
+            </a:pPr>
+            <a:r>
+              <a:rPr/>
+              <a:t>IDLE, qui est installé avec l’interpréteur de Python,</a:t>
+            </a:r>
+            <a:endParaRPr/>
+          </a:p>
+          <a:p>
+            <a:pPr marL="217793" indent="-217793">
+              <a:buFont typeface="Arial"/>
+              <a:buChar char="–"/>
+              <a:defRPr/>
+            </a:pPr>
+            <a:r>
+              <a:rPr/>
+              <a:t>Visual Studio Code, ou VSCode, qui est l’éditeur de code le plus populaire,</a:t>
+            </a:r>
+            <a:endParaRPr/>
+          </a:p>
+          <a:p>
+            <a:pPr marL="217793" indent="-217793">
+              <a:buFont typeface="Arial"/>
+              <a:buChar char="–"/>
+              <a:defRPr/>
+            </a:pPr>
+            <a:r>
+              <a:rPr/>
+              <a:t>Atom, qui est open-source, ce qui veut dire que tout développeur peut éditer le code d’Atom, et l’améliorer,</a:t>
+            </a:r>
+            <a:endParaRPr/>
+          </a:p>
+          <a:p>
+            <a:pPr marL="217793" indent="-217793">
+              <a:buFont typeface="Arial"/>
+              <a:buChar char="–"/>
+              <a:defRPr/>
+            </a:pPr>
+            <a:r>
+              <a:rPr/>
+              <a:t>Sublime Text, qui est l’un des éditeurs de code les plus rapides, mais il est payant.</a:t>
+            </a:r>
+            <a:endParaRPr/>
+          </a:p>
+          <a:p>
+            <a:pPr>
+              <a:defRPr/>
+            </a:pPr>
+            <a:r>
+              <a:rPr/>
+              <a:t>Ou alors on peut utiliser un IDE (environnement de développement intégré en français). Avec Python, un éditeur de code peut suffire, les IDEs sont plutôt utilisés avec des langages compilés. Mais je vais quand même vous en citer 2, qui sont utilisables avec Python :</a:t>
+            </a:r>
+            <a:endParaRPr/>
+          </a:p>
+          <a:p>
+            <a:pPr marL="217793" indent="-217793">
+              <a:buFont typeface="Arial"/>
+              <a:buChar char="–"/>
+              <a:defRPr/>
+            </a:pPr>
+            <a:r>
+              <a:rPr/>
+              <a:t>Visual Studio, que l’on peut utiliser avec Python, C++, C# ou encore JavaScript,</a:t>
+            </a:r>
+            <a:endParaRPr/>
+          </a:p>
+          <a:p>
+            <a:pPr marL="217793" indent="-217793">
+              <a:buFont typeface="Arial"/>
+              <a:buChar char="–"/>
+              <a:defRPr/>
+            </a:pPr>
+            <a:r>
+              <a:rPr/>
+              <a:t>PyCharm, qui est payant, mais qui est l’IDE pour tout développeur Python expérimenté.</a:t>
+            </a:r>
+            <a:endParaRPr/>
+          </a:p>
+        </p:txBody>
+      </p:sp>
+      <p:sp>
+        <p:nvSpPr>
+          <p:cNvPr id="6" name="Slide Number Placeholder 3" hidden="0"/>
+          <p:cNvSpPr>
+            <a:spLocks noGrp="1"/>
+          </p:cNvSpPr>
+          <p:nvPr isPhoto="0" userDrawn="0">
+            <p:ph type="sldNum" sz="quarter" idx="10" hasCustomPrompt="0"/>
+          </p:nvPr>
+        </p:nvSpPr>
+        <p:spPr bwMode="auto"/>
+        <p:txBody>
+          <a:bodyPr/>
+          <a:lstStyle/>
+          <a:p>
+            <a:pPr>
+              <a:defRPr/>
+            </a:pPr>
+            <a:endParaRPr/>
+          </a:p>
+        </p:txBody>
+      </p:sp>
+    </p:spTree>
+  </p:cSld>
+</p:notes>
+</file>
+
+<file path=ppt/notesSlides/notesSlide9.xml><?xml version="1.0" encoding="utf-8"?>
+<p:notes xmlns:a="http://schemas.openxmlformats.org/drawingml/2006/main" xmlns:r="http://schemas.openxmlformats.org/officeDocument/2006/relationships" xmlns:p="http://schemas.openxmlformats.org/presentationml/2006/main" xmlns:m="http://schemas.openxmlformats.org/officeDocument/2006/math" xmlns:w="http://schemas.openxmlformats.org/wordprocessingml/2006/main">
+  <p:cSld name="">
+    <p:spTree>
+      <p:nvGrpSpPr>
+        <p:cNvPr id="1" name="" hidden="0"/>
+        <p:cNvGrpSpPr/>
+        <p:nvPr isPhoto="0" userDrawn="0"/>
+      </p:nvGrpSpPr>
+      <p:grpSpPr bwMode="auto">
+        <a:xfrm>
+          <a:off x="0" y="0"/>
+          <a:ext cx="0" cy="0"/>
+          <a:chOff x="0" y="0"/>
+          <a:chExt cx="0" cy="0"/>
+        </a:xfrm>
+      </p:grpSpPr>
+      <p:sp>
+        <p:nvSpPr>
+          <p:cNvPr id="4" name="Slide Image Placeholder 1" hidden="0"/>
+          <p:cNvSpPr>
+            <a:spLocks noChangeAspect="1" noGrp="1" noRot="1"/>
+          </p:cNvSpPr>
+          <p:nvPr isPhoto="0" userDrawn="0">
+            <p:ph type="sldImg" hasCustomPrompt="0"/>
+          </p:nvPr>
+        </p:nvSpPr>
+        <p:spPr bwMode="auto"/>
+      </p:sp>
+      <p:sp>
+        <p:nvSpPr>
+          <p:cNvPr id="5" name="Notes Placeholder 2" hidden="0"/>
+          <p:cNvSpPr>
+            <a:spLocks noGrp="1"/>
+          </p:cNvSpPr>
+          <p:nvPr isPhoto="0" userDrawn="0">
+            <p:ph type="body" idx="1" hasCustomPrompt="0"/>
+          </p:nvPr>
+        </p:nvSpPr>
+        <p:spPr bwMode="auto"/>
+        <p:txBody>
+          <a:bodyPr/>
+          <a:lstStyle/>
+          <a:p>
+            <a:pPr>
+              <a:defRPr/>
+            </a:pPr>
+            <a:r>
+              <a:rPr/>
+              <a:t>Merci de m’avoir écouté !</a:t>
+            </a:r>
+            <a:endParaRPr/>
+          </a:p>
+        </p:txBody>
+      </p:sp>
+      <p:sp>
+        <p:nvSpPr>
+          <p:cNvPr id="6" name="Slide Number Placeholder 3" hidden="0"/>
+          <p:cNvSpPr>
+            <a:spLocks noGrp="1"/>
+          </p:cNvSpPr>
+          <p:nvPr isPhoto="0" userDrawn="0">
+            <p:ph type="sldNum" sz="quarter" idx="10" hasCustomPrompt="0"/>
+          </p:nvPr>
+        </p:nvSpPr>
+        <p:spPr bwMode="auto"/>
+        <p:txBody>
+          <a:bodyPr/>
+          <a:lstStyle/>
+          <a:p>
+            <a:pPr>
+              <a:defRPr/>
+            </a:pPr>
+            <a:endParaRPr/>
+          </a:p>
+        </p:txBody>
+      </p:sp>
+    </p:spTree>
+  </p:cSld>
+</p:notes>
 </file>
 
 <file path=ppt/slideLayouts/slideLayout1.xml><?xml version="1.0" encoding="utf-8"?>
@@ -3192,7 +5064,7 @@
     <p:bg>
       <p:bgPr shadeToTitle="0">
         <a:blipFill>
-          <a:blip r:embed="rId2"/>
+          <a:blip r:embed="rId3"/>
           <a:stretch/>
         </a:blipFill>
       </p:bgPr>
@@ -3289,7 +5161,7 @@
             </a:r>
             <a:r>
               <a:rPr lang="fr-FR" u="sng">
-                <a:hlinkClick r:id="rId3" tooltip="Repo du projet"/>
+                <a:hlinkClick r:id="rId4" tooltip="Repo du projet"/>
               </a:rPr>
               <a:t>GitHub</a:t>
             </a:r>
@@ -3308,10 +5180,14 @@
   </p:clrMapOvr>
   <mc:AlternateContent xmlns:mc="http://schemas.openxmlformats.org/markup-compatibility/2006">
     <mc:Choice xmlns:p14="http://schemas.microsoft.com/office/powerpoint/2010/main" Requires="p14">
-      <p:transition p14:dur="2000" advClick="1"/>
+      <p:transition spd="med" p14:dur="1000" advClick="1">
+        <p14:warp dir="in"/>
+      </p:transition>
     </mc:Choice>
     <mc:Fallback>
-      <p:transition advClick="1"/>
+      <p:transition spd="med" advClick="1">
+        <p:fade/>
+      </p:transition>
     </mc:Fallback>
   </mc:AlternateContent>
 </p:sld>
@@ -3323,7 +5199,7 @@
     <p:bg>
       <p:bgPr shadeToTitle="0">
         <a:blipFill>
-          <a:blip r:embed="rId2"/>
+          <a:blip r:embed="rId3"/>
           <a:stretch/>
         </a:blipFill>
       </p:bgPr>
@@ -3574,7 +5450,7 @@
           <p:nvPr isPhoto="0" userDrawn="0"/>
         </p:nvPicPr>
         <p:blipFill>
-          <a:blip r:embed="rId3"/>
+          <a:blip r:embed="rId4"/>
           <a:stretch/>
         </p:blipFill>
         <p:spPr bwMode="auto">
@@ -3621,7 +5497,7 @@
           <p:nvPr isPhoto="0" userDrawn="0"/>
         </p:nvPicPr>
         <p:blipFill>
-          <a:blip r:embed="rId4"/>
+          <a:blip r:embed="rId5"/>
           <a:stretch/>
         </p:blipFill>
         <p:spPr bwMode="auto">
@@ -3641,10 +5517,14 @@
   </p:clrMapOvr>
   <mc:AlternateContent xmlns:mc="http://schemas.openxmlformats.org/markup-compatibility/2006">
     <mc:Choice xmlns:p14="http://schemas.microsoft.com/office/powerpoint/2010/main" Requires="p14">
-      <p:transition p14:dur="2000" advClick="1"/>
+      <p:transition spd="med" p14:dur="1000" advClick="1">
+        <p14:warp dir="in"/>
+      </p:transition>
     </mc:Choice>
     <mc:Fallback>
-      <p:transition advClick="1"/>
+      <p:transition spd="med" advClick="1">
+        <p:fade/>
+      </p:transition>
     </mc:Fallback>
   </mc:AlternateContent>
 </p:sld>
@@ -3656,7 +5536,7 @@
     <p:bg>
       <p:bgPr shadeToTitle="0">
         <a:blipFill>
-          <a:blip r:embed="rId2"/>
+          <a:blip r:embed="rId3"/>
           <a:stretch/>
         </a:blipFill>
       </p:bgPr>
@@ -3710,7 +5590,7 @@
           <p:nvPr isPhoto="0" userDrawn="0"/>
         </p:nvPicPr>
         <p:blipFill>
-          <a:blip r:embed="rId3"/>
+          <a:blip r:embed="rId4"/>
           <a:stretch/>
         </p:blipFill>
         <p:spPr bwMode="auto">
@@ -3730,10 +5610,14 @@
   </p:clrMapOvr>
   <mc:AlternateContent xmlns:mc="http://schemas.openxmlformats.org/markup-compatibility/2006">
     <mc:Choice xmlns:p14="http://schemas.microsoft.com/office/powerpoint/2010/main" Requires="p14">
-      <p:transition p14:dur="2000" advClick="1"/>
+      <p:transition spd="med" p14:dur="1000" advClick="1">
+        <p14:warp dir="in"/>
+      </p:transition>
     </mc:Choice>
     <mc:Fallback>
-      <p:transition advClick="1"/>
+      <p:transition spd="med" advClick="1">
+        <p:fade/>
+      </p:transition>
     </mc:Fallback>
   </mc:AlternateContent>
 </p:sld>
@@ -3745,7 +5629,7 @@
     <p:bg>
       <p:bgPr shadeToTitle="0">
         <a:blipFill>
-          <a:blip r:embed="rId2"/>
+          <a:blip r:embed="rId3"/>
           <a:stretch/>
         </a:blipFill>
       </p:bgPr>
@@ -3776,7 +5660,7 @@
         </p:nvSpPr>
         <p:spPr bwMode="auto">
           <a:xfrm flipH="0" flipV="0">
-            <a:off x="838199" y="365124"/>
+            <a:off x="838198" y="365124"/>
             <a:ext cx="11166095" cy="1325562"/>
           </a:xfrm>
         </p:spPr>
@@ -3804,12 +5688,12 @@
           <p:nvPr isPhoto="0" userDrawn="0"/>
         </p:nvPicPr>
         <p:blipFill>
-          <a:blip r:embed="rId3"/>
+          <a:blip r:embed="rId4"/>
           <a:stretch/>
         </p:blipFill>
         <p:spPr bwMode="auto">
           <a:xfrm flipH="0" flipV="0">
-            <a:off x="3783203" y="2089633"/>
+            <a:off x="3748646" y="4461186"/>
             <a:ext cx="1322402" cy="1470681"/>
           </a:xfrm>
           <a:prstGeom prst="rect">
@@ -3826,13 +5710,13 @@
           <p:nvPr isPhoto="0" userDrawn="0"/>
         </p:nvPicPr>
         <p:blipFill>
-          <a:blip r:embed="rId4"/>
+          <a:blip r:embed="rId5"/>
           <a:stretch/>
         </p:blipFill>
         <p:spPr bwMode="auto">
           <a:xfrm flipH="0" flipV="0">
-            <a:off x="892390" y="2089633"/>
-            <a:ext cx="1639882" cy="1498106"/>
+            <a:off x="6421246" y="2155114"/>
+            <a:ext cx="1639882" cy="1498105"/>
           </a:xfrm>
           <a:prstGeom prst="rect">
             <a:avLst/>
@@ -3848,12 +5732,12 @@
           <p:nvPr isPhoto="0" userDrawn="0"/>
         </p:nvPicPr>
         <p:blipFill>
-          <a:blip r:embed="rId5"/>
+          <a:blip r:embed="rId6"/>
           <a:stretch/>
         </p:blipFill>
         <p:spPr bwMode="auto">
           <a:xfrm flipH="0" flipV="0">
-            <a:off x="6483494" y="1924974"/>
+            <a:off x="759246" y="4296526"/>
             <a:ext cx="1821771" cy="1800000"/>
           </a:xfrm>
           <a:prstGeom prst="rect">
@@ -3870,12 +5754,12 @@
           <p:nvPr isPhoto="0" userDrawn="0"/>
         </p:nvPicPr>
         <p:blipFill>
-          <a:blip r:embed="rId6"/>
+          <a:blip r:embed="rId7"/>
           <a:stretch/>
         </p:blipFill>
         <p:spPr bwMode="auto">
           <a:xfrm flipH="0" flipV="0">
-            <a:off x="9274368" y="1876939"/>
+            <a:off x="6047304" y="4348390"/>
             <a:ext cx="2387766" cy="1830815"/>
           </a:xfrm>
           <a:prstGeom prst="rect">
@@ -3892,12 +5776,12 @@
           <p:nvPr isPhoto="0" userDrawn="0"/>
         </p:nvPicPr>
         <p:blipFill>
-          <a:blip r:embed="rId7"/>
+          <a:blip r:embed="rId8"/>
           <a:stretch/>
         </p:blipFill>
         <p:spPr bwMode="auto">
           <a:xfrm flipH="0" flipV="0">
-            <a:off x="316520" y="4794030"/>
+            <a:off x="8675960" y="2417578"/>
             <a:ext cx="2717629" cy="973178"/>
           </a:xfrm>
           <a:prstGeom prst="rect">
@@ -3914,12 +5798,12 @@
           <p:nvPr isPhoto="0" userDrawn="0"/>
         </p:nvPicPr>
         <p:blipFill>
-          <a:blip r:embed="rId8"/>
+          <a:blip r:embed="rId9"/>
           <a:stretch/>
         </p:blipFill>
         <p:spPr bwMode="auto">
           <a:xfrm flipH="0" flipV="0">
-            <a:off x="6927378" y="4494320"/>
+            <a:off x="3518430" y="2004167"/>
             <a:ext cx="1886504" cy="1800000"/>
           </a:xfrm>
           <a:prstGeom prst="rect">
@@ -3936,12 +5820,12 @@
           <p:nvPr isPhoto="0" userDrawn="0"/>
         </p:nvPicPr>
         <p:blipFill>
-          <a:blip r:embed="rId9"/>
+          <a:blip r:embed="rId10"/>
           <a:stretch/>
         </p:blipFill>
         <p:spPr bwMode="auto">
           <a:xfrm flipH="0" flipV="0">
-            <a:off x="3616747" y="4448082"/>
+            <a:off x="759246" y="2004167"/>
             <a:ext cx="2197892" cy="1800000"/>
           </a:xfrm>
           <a:prstGeom prst="rect">
@@ -3956,10 +5840,14 @@
   </p:clrMapOvr>
   <mc:AlternateContent xmlns:mc="http://schemas.openxmlformats.org/markup-compatibility/2006">
     <mc:Choice xmlns:p14="http://schemas.microsoft.com/office/powerpoint/2010/main" Requires="p14">
-      <p:transition p14:dur="2000" advClick="1"/>
+      <p:transition spd="med" p14:dur="1000" advClick="1">
+        <p14:warp dir="in"/>
+      </p:transition>
     </mc:Choice>
     <mc:Fallback>
-      <p:transition advClick="1"/>
+      <p:transition spd="med" advClick="1">
+        <p:fade/>
+      </p:transition>
     </mc:Fallback>
   </mc:AlternateContent>
 </p:sld>
@@ -3971,7 +5859,7 @@
     <p:bg>
       <p:bgPr shadeToTitle="0">
         <a:blipFill>
-          <a:blip r:embed="rId2"/>
+          <a:blip r:embed="rId3"/>
           <a:stretch/>
         </a:blipFill>
       </p:bgPr>
@@ -4364,10 +6252,14 @@
   </p:clrMapOvr>
   <mc:AlternateContent xmlns:mc="http://schemas.openxmlformats.org/markup-compatibility/2006">
     <mc:Choice xmlns:p14="http://schemas.microsoft.com/office/powerpoint/2010/main" Requires="p14">
-      <p:transition p14:dur="2000" advClick="1"/>
+      <p:transition spd="med" p14:dur="1000" advClick="1">
+        <p14:warp dir="in"/>
+      </p:transition>
     </mc:Choice>
     <mc:Fallback>
-      <p:transition advClick="1"/>
+      <p:transition spd="med" advClick="1">
+        <p:fade/>
+      </p:transition>
     </mc:Fallback>
   </mc:AlternateContent>
 </p:sld>
@@ -4379,7 +6271,7 @@
     <p:bg>
       <p:bgPr shadeToTitle="0">
         <a:blipFill>
-          <a:blip r:embed="rId2"/>
+          <a:blip r:embed="rId3"/>
           <a:stretch/>
         </a:blipFill>
       </p:bgPr>
@@ -4578,10 +6470,14 @@
   </p:clrMapOvr>
   <mc:AlternateContent xmlns:mc="http://schemas.openxmlformats.org/markup-compatibility/2006">
     <mc:Choice xmlns:p14="http://schemas.microsoft.com/office/powerpoint/2010/main" Requires="p14">
-      <p:transition p14:dur="2000" advClick="1"/>
+      <p:transition spd="med" p14:dur="1000" advClick="1">
+        <p14:warp dir="in"/>
+      </p:transition>
     </mc:Choice>
     <mc:Fallback>
-      <p:transition advClick="1"/>
+      <p:transition spd="med" advClick="1">
+        <p:fade/>
+      </p:transition>
     </mc:Fallback>
   </mc:AlternateContent>
 </p:sld>
@@ -4593,7 +6489,7 @@
     <p:bg>
       <p:bgPr shadeToTitle="0">
         <a:blipFill>
-          <a:blip r:embed="rId2"/>
+          <a:blip r:embed="rId3"/>
           <a:stretch/>
         </a:blipFill>
       </p:bgPr>
@@ -4672,7 +6568,7 @@
           <p:nvPr isPhoto="0" userDrawn="0"/>
         </p:nvPicPr>
         <p:blipFill>
-          <a:blip r:embed="rId3"/>
+          <a:blip r:embed="rId4"/>
           <a:stretch/>
         </p:blipFill>
         <p:spPr bwMode="auto">
@@ -5151,10 +7047,14 @@
   </p:clrMapOvr>
   <mc:AlternateContent xmlns:mc="http://schemas.openxmlformats.org/markup-compatibility/2006">
     <mc:Choice xmlns:p14="http://schemas.microsoft.com/office/powerpoint/2010/main" Requires="p14">
-      <p:transition p14:dur="2000" advClick="1"/>
+      <p:transition spd="med" p14:dur="1000" advClick="1">
+        <p14:warp dir="in"/>
+      </p:transition>
     </mc:Choice>
     <mc:Fallback>
-      <p:transition advClick="1"/>
+      <p:transition spd="med" advClick="1">
+        <p:fade/>
+      </p:transition>
     </mc:Fallback>
   </mc:AlternateContent>
 </p:sld>
@@ -5166,7 +7066,7 @@
     <p:bg>
       <p:bgPr shadeToTitle="0">
         <a:blipFill>
-          <a:blip r:embed="rId2"/>
+          <a:blip r:embed="rId3"/>
           <a:stretch/>
         </a:blipFill>
       </p:bgPr>
@@ -5317,7 +7217,7 @@
           <p:nvPr isPhoto="0" userDrawn="0"/>
         </p:nvPicPr>
         <p:blipFill>
-          <a:blip r:embed="rId3"/>
+          <a:blip r:embed="rId4"/>
           <a:stretch/>
         </p:blipFill>
         <p:spPr bwMode="auto">
@@ -5371,12 +7271,12 @@
           <p:nvPr isPhoto="0" userDrawn="0"/>
         </p:nvPicPr>
         <p:blipFill>
-          <a:blip r:embed="rId4"/>
+          <a:blip r:embed="rId5"/>
           <a:stretch/>
         </p:blipFill>
         <p:spPr bwMode="auto">
           <a:xfrm flipH="0" flipV="0">
-            <a:off x="3856703" y="2330601"/>
+            <a:off x="3856702" y="2330601"/>
             <a:ext cx="1499061" cy="1444624"/>
           </a:xfrm>
           <a:prstGeom prst="rect">
@@ -5393,7 +7293,7 @@
           <p:nvPr isPhoto="0" userDrawn="0"/>
         </p:nvPicPr>
         <p:blipFill>
-          <a:blip r:embed="rId5"/>
+          <a:blip r:embed="rId6"/>
           <a:stretch/>
         </p:blipFill>
         <p:spPr bwMode="auto">
@@ -5415,7 +7315,7 @@
           <p:nvPr isPhoto="0" userDrawn="0"/>
         </p:nvPicPr>
         <p:blipFill>
-          <a:blip r:embed="rId6"/>
+          <a:blip r:embed="rId7"/>
           <a:stretch/>
         </p:blipFill>
         <p:spPr bwMode="auto">
@@ -5533,12 +7433,12 @@
           <p:nvPr isPhoto="0" userDrawn="0"/>
         </p:nvPicPr>
         <p:blipFill>
-          <a:blip r:embed="rId7"/>
+          <a:blip r:embed="rId8"/>
           <a:stretch/>
         </p:blipFill>
         <p:spPr bwMode="auto">
           <a:xfrm flipH="0" flipV="0">
-            <a:off x="1794974" y="5012184"/>
+            <a:off x="1794974" y="5012183"/>
             <a:ext cx="1649417" cy="1507354"/>
           </a:xfrm>
           <a:prstGeom prst="rect">
@@ -5555,13 +7455,13 @@
           <p:nvPr isPhoto="0" userDrawn="0"/>
         </p:nvPicPr>
         <p:blipFill>
-          <a:blip r:embed="rId8"/>
+          <a:blip r:embed="rId9"/>
           <a:stretch/>
         </p:blipFill>
         <p:spPr bwMode="auto">
           <a:xfrm flipH="0" flipV="0">
-            <a:off x="5468992" y="5012184"/>
-            <a:ext cx="1525084" cy="1439593"/>
+            <a:off x="5468992" y="5012183"/>
+            <a:ext cx="1525084" cy="1439592"/>
           </a:xfrm>
           <a:prstGeom prst="rect">
             <a:avLst/>
@@ -5639,10 +7539,218 @@
   </p:clrMapOvr>
   <mc:AlternateContent xmlns:mc="http://schemas.openxmlformats.org/markup-compatibility/2006">
     <mc:Choice xmlns:p14="http://schemas.microsoft.com/office/powerpoint/2010/main" Requires="p14">
-      <p:transition p14:dur="2000" advClick="1"/>
+      <p:transition spd="med" p14:dur="1000" advClick="1">
+        <p14:warp dir="in"/>
+      </p:transition>
     </mc:Choice>
     <mc:Fallback>
-      <p:transition advClick="1"/>
+      <p:transition spd="med" advClick="1">
+        <p:fade/>
+      </p:transition>
+    </mc:Fallback>
+  </mc:AlternateContent>
+</p:sld>
+</file>
+
+<file path=ppt/slides/slide9.xml><?xml version="1.0" encoding="utf-8"?>
+<p:sld xmlns:a="http://schemas.openxmlformats.org/drawingml/2006/main" xmlns:r="http://schemas.openxmlformats.org/officeDocument/2006/relationships" xmlns:p="http://schemas.openxmlformats.org/presentationml/2006/main" xmlns:m="http://schemas.openxmlformats.org/officeDocument/2006/math" xmlns:w="http://schemas.openxmlformats.org/wordprocessingml/2006/main" showMasterPhAnim="0" show="1">
+  <p:cSld name="">
+    <p:bg>
+      <p:bgPr shadeToTitle="0">
+        <a:blipFill>
+          <a:blip r:embed="rId3"/>
+          <a:stretch/>
+        </a:blipFill>
+      </p:bgPr>
+    </p:bg>
+    <p:spTree>
+      <p:nvGrpSpPr>
+        <p:cNvPr id="1" name="" hidden="0"/>
+        <p:cNvGrpSpPr/>
+        <p:nvPr isPhoto="0" userDrawn="0"/>
+      </p:nvGrpSpPr>
+      <p:grpSpPr bwMode="auto">
+        <a:xfrm>
+          <a:off x="0" y="0"/>
+          <a:ext cx="0" cy="0"/>
+          <a:chOff x="0" y="0"/>
+          <a:chExt cx="0" cy="0"/>
+        </a:xfrm>
+      </p:grpSpPr>
+      <p:sp>
+        <p:nvSpPr>
+          <p:cNvPr id="4" name="Title 1" hidden="0"/>
+          <p:cNvSpPr>
+            <a:spLocks noGrp="1"/>
+          </p:cNvSpPr>
+          <p:nvPr isPhoto="0" userDrawn="0">
+            <p:ph type="title" hasCustomPrompt="0"/>
+          </p:nvPr>
+        </p:nvSpPr>
+        <p:spPr bwMode="auto">
+          <a:xfrm>
+            <a:off x="831849" y="1709737"/>
+            <a:ext cx="10515600" cy="2852736"/>
+          </a:xfrm>
+        </p:spPr>
+        <p:txBody>
+          <a:bodyPr anchor="b"/>
+          <a:lstStyle>
+            <a:lvl1pPr>
+              <a:defRPr sz="6000"/>
+            </a:lvl1pPr>
+          </a:lstStyle>
+          <a:p>
+            <a:pPr>
+              <a:defRPr/>
+            </a:pPr>
+            <a:r>
+              <a:rPr/>
+              <a:t>Merci de votre attention !</a:t>
+            </a:r>
+            <a:endParaRPr/>
+          </a:p>
+        </p:txBody>
+      </p:sp>
+      <p:sp>
+        <p:nvSpPr>
+          <p:cNvPr id="5" name="Text Placeholder 2" hidden="0"/>
+          <p:cNvSpPr>
+            <a:spLocks noGrp="1"/>
+          </p:cNvSpPr>
+          <p:nvPr isPhoto="0" userDrawn="0">
+            <p:ph type="body" idx="1" hasCustomPrompt="0"/>
+          </p:nvPr>
+        </p:nvSpPr>
+        <p:spPr bwMode="auto">
+          <a:xfrm>
+            <a:off x="831849" y="4589462"/>
+            <a:ext cx="10515600" cy="1500186"/>
+          </a:xfrm>
+        </p:spPr>
+        <p:txBody>
+          <a:bodyPr/>
+          <a:lstStyle>
+            <a:lvl1pPr marL="0" indent="0">
+              <a:buNone/>
+              <a:defRPr sz="2400">
+                <a:solidFill>
+                  <a:schemeClr val="tx1">
+                    <a:tint val="75000"/>
+                  </a:schemeClr>
+                </a:solidFill>
+              </a:defRPr>
+            </a:lvl1pPr>
+            <a:lvl2pPr marL="457200" indent="0">
+              <a:buNone/>
+              <a:defRPr sz="2000">
+                <a:solidFill>
+                  <a:schemeClr val="tx1">
+                    <a:tint val="75000"/>
+                  </a:schemeClr>
+                </a:solidFill>
+              </a:defRPr>
+            </a:lvl2pPr>
+            <a:lvl3pPr marL="914400" indent="0">
+              <a:buNone/>
+              <a:defRPr sz="1800">
+                <a:solidFill>
+                  <a:schemeClr val="tx1">
+                    <a:tint val="75000"/>
+                  </a:schemeClr>
+                </a:solidFill>
+              </a:defRPr>
+            </a:lvl3pPr>
+            <a:lvl4pPr marL="1371600" indent="0">
+              <a:buNone/>
+              <a:defRPr sz="1600">
+                <a:solidFill>
+                  <a:schemeClr val="tx1">
+                    <a:tint val="75000"/>
+                  </a:schemeClr>
+                </a:solidFill>
+              </a:defRPr>
+            </a:lvl4pPr>
+            <a:lvl5pPr marL="1828800" indent="0">
+              <a:buNone/>
+              <a:defRPr sz="1600">
+                <a:solidFill>
+                  <a:schemeClr val="tx1">
+                    <a:tint val="75000"/>
+                  </a:schemeClr>
+                </a:solidFill>
+              </a:defRPr>
+            </a:lvl5pPr>
+            <a:lvl6pPr marL="2286000" indent="0">
+              <a:buNone/>
+              <a:defRPr sz="1600">
+                <a:solidFill>
+                  <a:schemeClr val="tx1">
+                    <a:tint val="75000"/>
+                  </a:schemeClr>
+                </a:solidFill>
+              </a:defRPr>
+            </a:lvl6pPr>
+            <a:lvl7pPr marL="2743200" indent="0">
+              <a:buNone/>
+              <a:defRPr sz="1600">
+                <a:solidFill>
+                  <a:schemeClr val="tx1">
+                    <a:tint val="75000"/>
+                  </a:schemeClr>
+                </a:solidFill>
+              </a:defRPr>
+            </a:lvl7pPr>
+            <a:lvl8pPr marL="3200400" indent="0">
+              <a:buNone/>
+              <a:defRPr sz="1600">
+                <a:solidFill>
+                  <a:schemeClr val="tx1">
+                    <a:tint val="75000"/>
+                  </a:schemeClr>
+                </a:solidFill>
+              </a:defRPr>
+            </a:lvl8pPr>
+            <a:lvl9pPr marL="3657600" indent="0">
+              <a:buNone/>
+              <a:defRPr sz="1600">
+                <a:solidFill>
+                  <a:schemeClr val="tx1">
+                    <a:tint val="75000"/>
+                  </a:schemeClr>
+                </a:solidFill>
+              </a:defRPr>
+            </a:lvl9pPr>
+          </a:lstStyle>
+          <a:p>
+            <a:pPr>
+              <a:defRPr/>
+            </a:pPr>
+            <a:endParaRPr/>
+          </a:p>
+          <a:p>
+            <a:pPr>
+              <a:defRPr/>
+            </a:pPr>
+            <a:endParaRPr/>
+          </a:p>
+        </p:txBody>
+      </p:sp>
+    </p:spTree>
+  </p:cSld>
+  <p:clrMapOvr>
+    <a:masterClrMapping/>
+  </p:clrMapOvr>
+  <mc:AlternateContent xmlns:mc="http://schemas.openxmlformats.org/markup-compatibility/2006">
+    <mc:Choice xmlns:p14="http://schemas.microsoft.com/office/powerpoint/2010/main" Requires="p14">
+      <p:transition spd="med" p14:dur="1000" advClick="1">
+        <p14:warp dir="in"/>
+      </p:transition>
+    </mc:Choice>
+    <mc:Fallback>
+      <p:transition spd="med" advClick="1">
+        <p:fade/>
+      </p:transition>
     </mc:Fallback>
   </mc:AlternateContent>
 </p:sld>
@@ -5853,4 +7961,211 @@
   </a:themeElements>
   <a:objectDefaults/>
 </a:theme>
+</file>
+
+<file path=ppt/theme/theme2.xml><?xml version="1.0" encoding="utf-8"?>
+<a:theme xmlns:a="http://schemas.openxmlformats.org/drawingml/2006/main" xmlns:r="http://schemas.openxmlformats.org/officeDocument/2006/relationships" xmlns:p="http://schemas.openxmlformats.org/presentationml/2006/main" name="Office Theme">
+  <a:themeElements>
+    <a:clrScheme name="Office Theme">
+      <a:dk1>
+        <a:sysClr val="windowText" lastClr="000000"/>
+      </a:dk1>
+      <a:lt1>
+        <a:sysClr val="window" lastClr="FFFFFF"/>
+      </a:lt1>
+      <a:dk2>
+        <a:srgbClr val="44546A"/>
+      </a:dk2>
+      <a:lt2>
+        <a:srgbClr val="E7E6E6"/>
+      </a:lt2>
+      <a:accent1>
+        <a:srgbClr val="5B9BD5"/>
+      </a:accent1>
+      <a:accent2>
+        <a:srgbClr val="ED7D31"/>
+      </a:accent2>
+      <a:accent3>
+        <a:srgbClr val="A5A5A5"/>
+      </a:accent3>
+      <a:accent4>
+        <a:srgbClr val="FFC000"/>
+      </a:accent4>
+      <a:accent5>
+        <a:srgbClr val="4472C4"/>
+      </a:accent5>
+      <a:accent6>
+        <a:srgbClr val="70AD47"/>
+      </a:accent6>
+      <a:hlink>
+        <a:srgbClr val="0563C1"/>
+      </a:hlink>
+      <a:folHlink>
+        <a:srgbClr val="954F72"/>
+      </a:folHlink>
+    </a:clrScheme>
+    <a:fontScheme name="">
+      <a:majorFont>
+        <a:latin typeface="Arial"/>
+        <a:ea typeface="Arial"/>
+        <a:cs typeface="Arial"/>
+      </a:majorFont>
+      <a:minorFont>
+        <a:latin typeface="Arial"/>
+        <a:ea typeface="Arial"/>
+        <a:cs typeface="Arial"/>
+      </a:minorFont>
+    </a:fontScheme>
+    <a:fmtScheme name="Office Theme">
+      <a:fillStyleLst>
+        <a:solidFill>
+          <a:schemeClr val="phClr"/>
+        </a:solidFill>
+        <a:gradFill>
+          <a:gsLst>
+            <a:gs pos="0">
+              <a:schemeClr val="phClr">
+                <a:lumMod val="110000"/>
+                <a:satMod val="105000"/>
+                <a:tint val="67000"/>
+              </a:schemeClr>
+            </a:gs>
+            <a:gs pos="50000">
+              <a:schemeClr val="phClr">
+                <a:lumMod val="105000"/>
+                <a:satMod val="103000"/>
+                <a:tint val="73000"/>
+              </a:schemeClr>
+            </a:gs>
+            <a:gs pos="100000">
+              <a:schemeClr val="phClr">
+                <a:lumMod val="105000"/>
+                <a:satMod val="109000"/>
+                <a:tint val="81000"/>
+              </a:schemeClr>
+            </a:gs>
+          </a:gsLst>
+          <a:lin ang="5400000" scaled="0"/>
+        </a:gradFill>
+        <a:gradFill>
+          <a:gsLst>
+            <a:gs pos="0">
+              <a:schemeClr val="phClr">
+                <a:satMod val="103000"/>
+                <a:lumMod val="102000"/>
+                <a:tint val="94000"/>
+              </a:schemeClr>
+            </a:gs>
+            <a:gs pos="50000">
+              <a:schemeClr val="phClr">
+                <a:satMod val="110000"/>
+                <a:lumMod val="100000"/>
+                <a:shade val="100000"/>
+              </a:schemeClr>
+            </a:gs>
+            <a:gs pos="100000">
+              <a:schemeClr val="phClr">
+                <a:lumMod val="99000"/>
+                <a:satMod val="120000"/>
+                <a:shade val="78000"/>
+              </a:schemeClr>
+            </a:gs>
+          </a:gsLst>
+          <a:lin ang="5400000" scaled="0"/>
+        </a:gradFill>
+      </a:fillStyleLst>
+      <a:lnStyleLst>
+        <a:ln w="6350" cap="flat" cmpd="sng" algn="ctr">
+          <a:solidFill>
+            <a:schemeClr val="phClr"/>
+          </a:solidFill>
+          <a:prstDash val="solid"/>
+          <a:miter lim="800000"/>
+        </a:ln>
+        <a:ln w="12700" cap="flat" cmpd="sng" algn="ctr">
+          <a:solidFill>
+            <a:schemeClr val="phClr"/>
+          </a:solidFill>
+          <a:prstDash val="solid"/>
+          <a:miter lim="800000"/>
+        </a:ln>
+        <a:ln w="19050" cap="flat" cmpd="sng" algn="ctr">
+          <a:solidFill>
+            <a:schemeClr val="phClr"/>
+          </a:solidFill>
+          <a:prstDash val="solid"/>
+          <a:miter lim="800000"/>
+        </a:ln>
+      </a:lnStyleLst>
+      <a:effectStyleLst>
+        <a:effectStyle>
+          <a:effectLst>
+            <a:outerShdw blurRad="40000" dist="20000" dir="5400000" rotWithShape="0">
+              <a:srgbClr val="000000">
+                <a:alpha val="38000"/>
+              </a:srgbClr>
+            </a:outerShdw>
+          </a:effectLst>
+        </a:effectStyle>
+        <a:effectStyle>
+          <a:effectLst>
+            <a:outerShdw blurRad="40000" dist="23000" dir="5400000" rotWithShape="0">
+              <a:srgbClr val="000000">
+                <a:alpha val="35000"/>
+              </a:srgbClr>
+            </a:outerShdw>
+          </a:effectLst>
+        </a:effectStyle>
+        <a:effectStyle>
+          <a:effectLst>
+            <a:outerShdw blurRad="40000" dist="23000" dir="5400000" rotWithShape="0">
+              <a:srgbClr val="000000">
+                <a:alpha val="35000"/>
+              </a:srgbClr>
+            </a:outerShdw>
+          </a:effectLst>
+        </a:effectStyle>
+      </a:effectStyleLst>
+      <a:bgFillStyleLst>
+        <a:solidFill>
+          <a:schemeClr val="phClr"/>
+        </a:solidFill>
+        <a:solidFill>
+          <a:schemeClr val="phClr">
+            <a:tint val="95000"/>
+            <a:satMod val="170000"/>
+          </a:schemeClr>
+        </a:solidFill>
+        <a:gradFill>
+          <a:gsLst>
+            <a:gs pos="0">
+              <a:schemeClr val="phClr">
+                <a:tint val="93000"/>
+                <a:satMod val="150000"/>
+                <a:shade val="98000"/>
+                <a:lumMod val="102000"/>
+              </a:schemeClr>
+            </a:gs>
+            <a:gs pos="50000">
+              <a:schemeClr val="phClr">
+                <a:tint val="98000"/>
+                <a:satMod val="130000"/>
+                <a:shade val="90000"/>
+                <a:lumMod val="103000"/>
+              </a:schemeClr>
+            </a:gs>
+            <a:gs pos="100000">
+              <a:schemeClr val="phClr">
+                <a:shade val="63000"/>
+                <a:satMod val="120000"/>
+              </a:schemeClr>
+            </a:gs>
+          </a:gsLst>
+          <a:lin ang="5400000" scaled="0"/>
+        </a:gradFill>
+      </a:bgFillStyleLst>
+    </a:fmtScheme>
+  </a:themeElements>
+  <a:objectDefaults/>
+</a:theme>
 </file>
--- a/present_python.pptx
+++ b/present_python.pptx
@@ -5737,7 +5737,7 @@
         </p:blipFill>
         <p:spPr bwMode="auto">
           <a:xfrm flipH="0" flipV="0">
-            <a:off x="759246" y="4296526"/>
+            <a:off x="759245" y="4296526"/>
             <a:ext cx="1821771" cy="1800000"/>
           </a:xfrm>
           <a:prstGeom prst="rect">
@@ -5825,7 +5825,7 @@
         </p:blipFill>
         <p:spPr bwMode="auto">
           <a:xfrm flipH="0" flipV="0">
-            <a:off x="759246" y="2004167"/>
+            <a:off x="759245" y="2004167"/>
             <a:ext cx="2197892" cy="1800000"/>
           </a:xfrm>
           <a:prstGeom prst="rect">
@@ -6508,60 +6508,9 @@
           <a:chExt cx="0" cy="0"/>
         </a:xfrm>
       </p:grpSpPr>
-      <p:sp>
-        <p:nvSpPr>
-          <p:cNvPr id="4" name="Title 1" hidden="0"/>
-          <p:cNvSpPr>
-            <a:spLocks noGrp="1"/>
-          </p:cNvSpPr>
-          <p:nvPr isPhoto="0" userDrawn="0">
-            <p:ph type="title" hasCustomPrompt="0"/>
-          </p:nvPr>
-        </p:nvSpPr>
-        <p:spPr bwMode="auto"/>
-        <p:txBody>
-          <a:bodyPr/>
-          <a:lstStyle/>
-          <a:p>
-            <a:pPr>
-              <a:defRPr/>
-            </a:pPr>
-            <a:r>
-              <a:rPr/>
-              <a:t>        Le contenu du projet</a:t>
-            </a:r>
-            <a:endParaRPr/>
-          </a:p>
-        </p:txBody>
-      </p:sp>
-      <p:sp>
-        <p:nvSpPr>
-          <p:cNvPr id="5" name="" hidden="0"/>
-          <p:cNvSpPr/>
-          <p:nvPr isPhoto="0" userDrawn="0"/>
-        </p:nvSpPr>
-        <p:spPr bwMode="auto">
-          <a:xfrm flipH="0" flipV="0">
-            <a:off x="7568389" y="4292313"/>
-            <a:ext cx="109899" cy="740440"/>
-          </a:xfrm>
-        </p:spPr>
-        <p:txBody>
-          <a:bodyPr rot="0" spcFirstLastPara="0" vertOverflow="overflow" horzOverflow="clip" vert="horz" wrap="square" lIns="91440" tIns="45720" rIns="91440" bIns="45720" numCol="1" spcCol="0" rtlCol="0" fromWordArt="0" anchor="t" anchorCtr="0" forceAA="0" upright="0" compatLnSpc="1">
-            <a:prstTxWarp prst="textNoShape"/>
-            <a:noAutofit/>
-          </a:bodyPr>
-          <a:p>
-            <a:pPr>
-              <a:defRPr/>
-            </a:pPr>
-            <a:endParaRPr/>
-          </a:p>
-        </p:txBody>
-      </p:sp>
       <p:pic>
         <p:nvPicPr>
-          <p:cNvPr id="6" name="" hidden="0"/>
+          <p:cNvPr id="4" name="" hidden="0"/>
           <p:cNvPicPr>
             <a:picLocks noChangeAspect="1"/>
           </p:cNvPicPr>
@@ -6573,8 +6522,8 @@
         </p:blipFill>
         <p:spPr bwMode="auto">
           <a:xfrm flipH="0" flipV="0">
-            <a:off x="749052" y="2127819"/>
-            <a:ext cx="5087111" cy="4038079"/>
+            <a:off x="240436" y="2034128"/>
+            <a:ext cx="4911407" cy="4593817"/>
           </a:xfrm>
           <a:prstGeom prst="rect">
             <a:avLst/>
@@ -6583,13 +6532,64 @@
       </p:pic>
       <p:sp>
         <p:nvSpPr>
+          <p:cNvPr id="5" name="Title 1" hidden="0"/>
+          <p:cNvSpPr>
+            <a:spLocks noGrp="1"/>
+          </p:cNvSpPr>
+          <p:nvPr isPhoto="0" userDrawn="0">
+            <p:ph type="title" hasCustomPrompt="0"/>
+          </p:nvPr>
+        </p:nvSpPr>
+        <p:spPr bwMode="auto"/>
+        <p:txBody>
+          <a:bodyPr/>
+          <a:lstStyle/>
+          <a:p>
+            <a:pPr>
+              <a:defRPr/>
+            </a:pPr>
+            <a:r>
+              <a:rPr/>
+              <a:t>        Le contenu du projet</a:t>
+            </a:r>
+            <a:endParaRPr/>
+          </a:p>
+        </p:txBody>
+      </p:sp>
+      <p:sp>
+        <p:nvSpPr>
+          <p:cNvPr id="6" name="" hidden="0"/>
+          <p:cNvSpPr/>
+          <p:nvPr isPhoto="0" userDrawn="0"/>
+        </p:nvSpPr>
+        <p:spPr bwMode="auto">
+          <a:xfrm flipH="0" flipV="0">
+            <a:off x="7568389" y="4292313"/>
+            <a:ext cx="109899" cy="740440"/>
+          </a:xfrm>
+        </p:spPr>
+        <p:txBody>
+          <a:bodyPr rot="0" spcFirstLastPara="0" vertOverflow="overflow" horzOverflow="clip" vert="horz" wrap="square" lIns="91440" tIns="45720" rIns="91440" bIns="45720" numCol="1" spcCol="0" rtlCol="0" fromWordArt="0" anchor="t" anchorCtr="0" forceAA="0" upright="0" compatLnSpc="1">
+            <a:prstTxWarp prst="textNoShape"/>
+            <a:noAutofit/>
+          </a:bodyPr>
+          <a:p>
+            <a:pPr>
+              <a:defRPr/>
+            </a:pPr>
+            <a:endParaRPr/>
+          </a:p>
+        </p:txBody>
+      </p:sp>
+      <p:sp>
+        <p:nvSpPr>
           <p:cNvPr id="7" name="" hidden="0"/>
           <p:cNvSpPr/>
           <p:nvPr isPhoto="0" userDrawn="0"/>
         </p:nvSpPr>
         <p:spPr bwMode="auto">
           <a:xfrm flipH="0" flipV="0">
-            <a:off x="6492742" y="4623786"/>
+            <a:off x="6513877" y="4806683"/>
             <a:ext cx="2109022" cy="365795"/>
           </a:xfrm>
           <a:prstGeom prst="rect">
@@ -6685,7 +6685,7 @@
         </p:nvSpPr>
         <p:spPr bwMode="auto">
           <a:xfrm flipH="0" flipV="0">
-            <a:off x="6603713" y="5206383"/>
+            <a:off x="6603712" y="5631772"/>
             <a:ext cx="3097936" cy="406892"/>
           </a:xfrm>
           <a:prstGeom prst="rect">
@@ -6717,7 +6717,7 @@
         </p:nvSpPr>
         <p:spPr bwMode="auto">
           <a:xfrm flipH="0" flipV="0">
-            <a:off x="6566723" y="5927694"/>
+            <a:off x="6566722" y="6140387"/>
             <a:ext cx="2073112" cy="640115"/>
           </a:xfrm>
           <a:prstGeom prst="rect">
@@ -6751,9 +6751,9 @@
           <p:nvPr isPhoto="0" userDrawn="0"/>
         </p:nvCxnSpPr>
         <p:spPr bwMode="auto">
-          <a:xfrm rot="10799989" flipH="0" flipV="0">
-            <a:off x="2497791" y="2376626"/>
-            <a:ext cx="4300121" cy="157208"/>
+          <a:xfrm rot="10799990" flipH="0" flipV="0">
+            <a:off x="1831965" y="2237912"/>
+            <a:ext cx="4965945" cy="295920"/>
           </a:xfrm>
           <a:prstGeom prst="line">
             <a:avLst/>
@@ -6794,9 +6794,9 @@
           <p:nvPr isPhoto="0" userDrawn="0"/>
         </p:nvCxnSpPr>
         <p:spPr bwMode="auto">
-          <a:xfrm rot="10799989" flipH="0" flipV="0">
-            <a:off x="4208591" y="3356868"/>
-            <a:ext cx="2515339" cy="477266"/>
+          <a:xfrm rot="10799990" flipH="0" flipV="0">
+            <a:off x="3515024" y="3162669"/>
+            <a:ext cx="3208906" cy="671464"/>
           </a:xfrm>
           <a:prstGeom prst="line">
             <a:avLst/>
@@ -6837,8 +6837,8 @@
         </p:nvCxnSpPr>
         <p:spPr bwMode="auto">
           <a:xfrm rot="10799989" flipH="0" flipV="0">
-            <a:off x="4153106" y="3834133"/>
-            <a:ext cx="2570824" cy="0"/>
+            <a:off x="3468786" y="3597300"/>
+            <a:ext cx="3255142" cy="236833"/>
           </a:xfrm>
           <a:prstGeom prst="line">
             <a:avLst/>
@@ -6879,8 +6879,8 @@
         </p:nvCxnSpPr>
         <p:spPr bwMode="auto">
           <a:xfrm rot="10799989" flipH="0" flipV="1">
-            <a:off x="4134611" y="3834133"/>
-            <a:ext cx="2589319" cy="558462"/>
+            <a:off x="3357815" y="3834133"/>
+            <a:ext cx="3366114" cy="225544"/>
           </a:xfrm>
           <a:prstGeom prst="line">
             <a:avLst/>
@@ -6921,9 +6921,9 @@
           <p:nvPr isPhoto="0" userDrawn="0"/>
         </p:nvCxnSpPr>
         <p:spPr bwMode="auto">
-          <a:xfrm rot="10799989" flipH="0" flipV="1">
-            <a:off x="3644490" y="4806684"/>
-            <a:ext cx="2848252" cy="29796"/>
+          <a:xfrm rot="10799990" flipH="0" flipV="0">
+            <a:off x="2997159" y="4938203"/>
+            <a:ext cx="3516717" cy="51377"/>
           </a:xfrm>
           <a:prstGeom prst="line">
             <a:avLst/>
@@ -6964,9 +6964,9 @@
           <p:nvPr isPhoto="0" userDrawn="0"/>
         </p:nvCxnSpPr>
         <p:spPr bwMode="auto">
-          <a:xfrm rot="10799989" flipH="0" flipV="0">
-            <a:off x="4541504" y="5363592"/>
-            <a:ext cx="2062208" cy="46237"/>
+          <a:xfrm rot="10799990" flipH="0" flipV="0">
+            <a:off x="3820194" y="5816723"/>
+            <a:ext cx="2783518" cy="18495"/>
           </a:xfrm>
           <a:prstGeom prst="line">
             <a:avLst/>
@@ -7007,9 +7007,9 @@
           <p:nvPr isPhoto="0" userDrawn="0"/>
         </p:nvCxnSpPr>
         <p:spPr bwMode="auto">
-          <a:xfrm rot="10799989" flipH="0" flipV="0">
-            <a:off x="3579757" y="5853713"/>
-            <a:ext cx="2986965" cy="394037"/>
+          <a:xfrm rot="10799990" flipH="0" flipV="0">
+            <a:off x="2904684" y="6297596"/>
+            <a:ext cx="3662038" cy="162848"/>
           </a:xfrm>
           <a:prstGeom prst="line">
             <a:avLst/>
@@ -7017,6 +7017,156 @@
           <a:ln w="38099" cap="flat" cmpd="sng" algn="ctr">
             <a:solidFill>
               <a:srgbClr val="92D050"/>
+            </a:solidFill>
+            <a:prstDash val="solid"/>
+            <a:miter/>
+            <a:tailEnd type="arrow" len="med"/>
+          </a:ln>
+        </p:spPr>
+        <p:style>
+          <a:lnRef idx="1">
+            <a:schemeClr val="accent1">
+              <a:shade val="50000"/>
+            </a:schemeClr>
+          </a:lnRef>
+          <a:fillRef idx="0">
+            <a:schemeClr val="accent1"/>
+          </a:fillRef>
+          <a:effectRef idx="0">
+            <a:schemeClr val="accent1"/>
+          </a:effectRef>
+          <a:fontRef idx="minor">
+            <a:schemeClr val="tx1"/>
+          </a:fontRef>
+        </p:style>
+      </p:cxnSp>
+      <p:sp>
+        <p:nvSpPr>
+          <p:cNvPr id="19" name="" hidden="0"/>
+          <p:cNvSpPr/>
+          <p:nvPr isPhoto="0" userDrawn="0"/>
+        </p:nvSpPr>
+        <p:spPr bwMode="auto">
+          <a:xfrm flipH="0" flipV="0">
+            <a:off x="6437256" y="5257761"/>
+            <a:ext cx="3523325" cy="374011"/>
+          </a:xfrm>
+          <a:prstGeom prst="rect">
+            <a:avLst/>
+          </a:prstGeom>
+          <a:noFill/>
+        </p:spPr>
+        <p:txBody>
+          <a:bodyPr vertOverflow="overflow" horzOverflow="clip" vert="horz" wrap="square" lIns="91440" tIns="45720" rIns="91440" bIns="45720" numCol="1" spcCol="0" rtlCol="0" fromWordArt="0" anchor="t" anchorCtr="0" forceAA="0" upright="0" compatLnSpc="0">
+            <a:noAutofit/>
+          </a:bodyPr>
+          <a:p>
+            <a:pPr>
+              <a:defRPr/>
+            </a:pPr>
+            <a:r>
+              <a:rPr/>
+              <a:t>La présentation au format PDF</a:t>
+            </a:r>
+            <a:endParaRPr/>
+          </a:p>
+        </p:txBody>
+      </p:sp>
+      <p:cxnSp>
+        <p:nvCxnSpPr>
+          <p:cNvPr id="20" name="" hidden="0"/>
+          <p:cNvCxnSpPr>
+            <a:cxnSpLocks/>
+            <a:stCxn id="19" idx="1"/>
+          </p:cNvCxnSpPr>
+          <p:nvPr isPhoto="0" userDrawn="0"/>
+        </p:nvCxnSpPr>
+        <p:spPr bwMode="auto">
+          <a:xfrm rot="10799990" flipH="0" flipV="0">
+            <a:off x="3727718" y="5382087"/>
+            <a:ext cx="2709538" cy="62679"/>
+          </a:xfrm>
+          <a:prstGeom prst="line">
+            <a:avLst/>
+          </a:prstGeom>
+          <a:ln w="38099" cap="flat" cmpd="sng" algn="ctr">
+            <a:solidFill>
+              <a:srgbClr val="FF0000"/>
+            </a:solidFill>
+            <a:prstDash val="solid"/>
+            <a:miter/>
+            <a:tailEnd type="arrow" len="med"/>
+          </a:ln>
+        </p:spPr>
+        <p:style>
+          <a:lnRef idx="1">
+            <a:schemeClr val="accent1">
+              <a:shade val="50000"/>
+            </a:schemeClr>
+          </a:lnRef>
+          <a:fillRef idx="0">
+            <a:schemeClr val="accent1"/>
+          </a:fillRef>
+          <a:effectRef idx="0">
+            <a:schemeClr val="accent1"/>
+          </a:effectRef>
+          <a:fontRef idx="minor">
+            <a:schemeClr val="tx1"/>
+          </a:fontRef>
+        </p:style>
+      </p:cxnSp>
+      <p:sp>
+        <p:nvSpPr>
+          <p:cNvPr id="21" name="" hidden="0"/>
+          <p:cNvSpPr/>
+          <p:nvPr isPhoto="0" userDrawn="0"/>
+        </p:nvSpPr>
+        <p:spPr bwMode="auto">
+          <a:xfrm flipH="0" flipV="0">
+            <a:off x="6910203" y="4296736"/>
+            <a:ext cx="5149577" cy="419524"/>
+          </a:xfrm>
+          <a:prstGeom prst="rect">
+            <a:avLst/>
+          </a:prstGeom>
+          <a:noFill/>
+        </p:spPr>
+        <p:txBody>
+          <a:bodyPr vertOverflow="overflow" horzOverflow="clip" vert="horz" wrap="square" lIns="91440" tIns="45720" rIns="91440" bIns="45720" numCol="1" spcCol="0" rtlCol="0" fromWordArt="0" anchor="t" anchorCtr="0" forceAA="0" upright="0" compatLnSpc="0">
+            <a:noAutofit/>
+          </a:bodyPr>
+          <a:p>
+            <a:pPr>
+              <a:defRPr/>
+            </a:pPr>
+            <a:r>
+              <a:rPr/>
+              <a:t>Le script de la diapo « Un code tout simple »</a:t>
+            </a:r>
+            <a:endParaRPr/>
+          </a:p>
+        </p:txBody>
+      </p:sp>
+      <p:cxnSp>
+        <p:nvCxnSpPr>
+          <p:cNvPr id="22" name="" hidden="0"/>
+          <p:cNvCxnSpPr>
+            <a:cxnSpLocks/>
+            <a:stCxn id="21" idx="1"/>
+          </p:cNvCxnSpPr>
+          <p:nvPr isPhoto="0" userDrawn="0"/>
+        </p:nvCxnSpPr>
+        <p:spPr bwMode="auto">
+          <a:xfrm rot="10799990" flipH="0" flipV="1">
+            <a:off x="3810946" y="4506499"/>
+            <a:ext cx="3099257" cy="24810"/>
+          </a:xfrm>
+          <a:prstGeom prst="line">
+            <a:avLst/>
+          </a:prstGeom>
+          <a:ln w="38099" cap="flat" cmpd="sng" algn="ctr">
+            <a:solidFill>
+              <a:srgbClr val="00B0F0"/>
             </a:solidFill>
             <a:prstDash val="solid"/>
             <a:miter/>

--- a/present_python.pptx
+++ b/present_python.pptx
@@ -1626,6 +1626,30 @@
             <a:endParaRPr/>
           </a:p>
           <a:p>
+            <a:pPr marL="217792" indent="-217792">
+              <a:buFont typeface="Arial"/>
+              <a:buChar char="–"/>
+              <a:defRPr/>
+            </a:pPr>
+            <a:r>
+              <a:rPr/>
+              <a:t>Un fichier </a:t>
+            </a:r>
+            <a:r>
+              <a:rPr>
+                <a:latin typeface="Consolas"/>
+                <a:ea typeface="Consolas"/>
+                <a:cs typeface="Consolas"/>
+              </a:rPr>
+              <a:t>code_tout_simple.py</a:t>
+            </a:r>
+            <a:r>
+              <a:rPr/>
+              <a:t>, qui contient le code de la diapo « Un code tout simple ».</a:t>
+            </a:r>
+            <a:endParaRPr/>
+          </a:p>
+          <a:p>
             <a:pPr marL="217793" indent="-217793">
               <a:buFont typeface="Arial"/>
               <a:buChar char="–"/>
@@ -1674,6 +1698,30 @@
             <a:r>
               <a:rPr/>
               <a:t>, qui est la présentation que je suis en train de vous montrer.</a:t>
+            </a:r>
+            <a:endParaRPr/>
+          </a:p>
+          <a:p>
+            <a:pPr marL="217792" indent="-217792">
+              <a:buFont typeface="Arial"/>
+              <a:buChar char="–"/>
+              <a:defRPr/>
+            </a:pPr>
+            <a:r>
+              <a:rPr/>
+              <a:t>Un fichier </a:t>
+            </a:r>
+            <a:r>
+              <a:rPr>
+                <a:latin typeface="Consolas"/>
+                <a:ea typeface="Consolas"/>
+                <a:cs typeface="Consolas"/>
+              </a:rPr>
+              <a:t>present_python.pdf</a:t>
+            </a:r>
+            <a:r>
+              <a:rPr/>
+              <a:t>, qui est la présentation au format PDF.</a:t>
             </a:r>
             <a:endParaRPr/>
           </a:p>

--- a/present_python.pptx
+++ b/present_python.pptx
@@ -5228,7 +5228,7 @@
   </p:clrMapOvr>
   <mc:AlternateContent xmlns:mc="http://schemas.openxmlformats.org/markup-compatibility/2006">
     <mc:Choice xmlns:p14="http://schemas.microsoft.com/office/powerpoint/2010/main" Requires="p14">
-      <p:transition spd="med" p14:dur="1000" advClick="1">
+      <p:transition spd="med" p14:dur="800" advClick="1">
         <p14:warp dir="in"/>
       </p:transition>
     </mc:Choice>
@@ -5565,7 +5565,7 @@
   </p:clrMapOvr>
   <mc:AlternateContent xmlns:mc="http://schemas.openxmlformats.org/markup-compatibility/2006">
     <mc:Choice xmlns:p14="http://schemas.microsoft.com/office/powerpoint/2010/main" Requires="p14">
-      <p:transition spd="med" p14:dur="1000" advClick="1">
+      <p:transition spd="med" p14:dur="800" advClick="1">
         <p14:warp dir="in"/>
       </p:transition>
     </mc:Choice>
@@ -5658,7 +5658,7 @@
   </p:clrMapOvr>
   <mc:AlternateContent xmlns:mc="http://schemas.openxmlformats.org/markup-compatibility/2006">
     <mc:Choice xmlns:p14="http://schemas.microsoft.com/office/powerpoint/2010/main" Requires="p14">
-      <p:transition spd="med" p14:dur="1000" advClick="1">
+      <p:transition spd="med" p14:dur="800" advClick="1">
         <p14:warp dir="in"/>
       </p:transition>
     </mc:Choice>
@@ -5888,7 +5888,7 @@
   </p:clrMapOvr>
   <mc:AlternateContent xmlns:mc="http://schemas.openxmlformats.org/markup-compatibility/2006">
     <mc:Choice xmlns:p14="http://schemas.microsoft.com/office/powerpoint/2010/main" Requires="p14">
-      <p:transition spd="med" p14:dur="1000" advClick="1">
+      <p:transition spd="med" p14:dur="800" advClick="1">
         <p14:warp dir="in"/>
       </p:transition>
     </mc:Choice>
@@ -6300,7 +6300,7 @@
   </p:clrMapOvr>
   <mc:AlternateContent xmlns:mc="http://schemas.openxmlformats.org/markup-compatibility/2006">
     <mc:Choice xmlns:p14="http://schemas.microsoft.com/office/powerpoint/2010/main" Requires="p14">
-      <p:transition spd="med" p14:dur="1000" advClick="1">
+      <p:transition spd="med" p14:dur="800" advClick="1">
         <p14:warp dir="in"/>
       </p:transition>
     </mc:Choice>
@@ -6518,7 +6518,7 @@
   </p:clrMapOvr>
   <mc:AlternateContent xmlns:mc="http://schemas.openxmlformats.org/markup-compatibility/2006">
     <mc:Choice xmlns:p14="http://schemas.microsoft.com/office/powerpoint/2010/main" Requires="p14">
-      <p:transition spd="med" p14:dur="1000" advClick="1">
+      <p:transition spd="med" p14:dur="800" advClick="1">
         <p14:warp dir="in"/>
       </p:transition>
     </mc:Choice>
@@ -6799,7 +6799,7 @@
           <p:nvPr isPhoto="0" userDrawn="0"/>
         </p:nvCxnSpPr>
         <p:spPr bwMode="auto">
-          <a:xfrm rot="10799990" flipH="0" flipV="0">
+          <a:xfrm rot="10799989" flipH="0" flipV="0">
             <a:off x="1831965" y="2237912"/>
             <a:ext cx="4965945" cy="295920"/>
           </a:xfrm>
@@ -6842,7 +6842,7 @@
           <p:nvPr isPhoto="0" userDrawn="0"/>
         </p:nvCxnSpPr>
         <p:spPr bwMode="auto">
-          <a:xfrm rot="10799990" flipH="0" flipV="0">
+          <a:xfrm rot="10799989" flipH="0" flipV="0">
             <a:off x="3515024" y="3162669"/>
             <a:ext cx="3208906" cy="671464"/>
           </a:xfrm>
@@ -6969,7 +6969,7 @@
           <p:nvPr isPhoto="0" userDrawn="0"/>
         </p:nvCxnSpPr>
         <p:spPr bwMode="auto">
-          <a:xfrm rot="10799990" flipH="0" flipV="0">
+          <a:xfrm rot="10799989" flipH="0" flipV="0">
             <a:off x="2997159" y="4938203"/>
             <a:ext cx="3516717" cy="51377"/>
           </a:xfrm>
@@ -7012,8 +7012,8 @@
           <p:nvPr isPhoto="0" userDrawn="0"/>
         </p:nvCxnSpPr>
         <p:spPr bwMode="auto">
-          <a:xfrm rot="10799990" flipH="0" flipV="0">
-            <a:off x="3820194" y="5816723"/>
+          <a:xfrm rot="10799989" flipH="0" flipV="0">
+            <a:off x="3820194" y="5816722"/>
             <a:ext cx="2783518" cy="18495"/>
           </a:xfrm>
           <a:prstGeom prst="line">
@@ -7055,7 +7055,7 @@
           <p:nvPr isPhoto="0" userDrawn="0"/>
         </p:nvCxnSpPr>
         <p:spPr bwMode="auto">
-          <a:xfrm rot="10799990" flipH="0" flipV="0">
+          <a:xfrm rot="10799989" flipH="0" flipV="0">
             <a:off x="2904684" y="6297596"/>
             <a:ext cx="3662038" cy="162848"/>
           </a:xfrm>
@@ -7130,7 +7130,7 @@
           <p:nvPr isPhoto="0" userDrawn="0"/>
         </p:nvCxnSpPr>
         <p:spPr bwMode="auto">
-          <a:xfrm rot="10799990" flipH="0" flipV="0">
+          <a:xfrm rot="10799989" flipH="0" flipV="0">
             <a:off x="3727718" y="5382087"/>
             <a:ext cx="2709538" cy="62679"/>
           </a:xfrm>
@@ -7205,7 +7205,7 @@
           <p:nvPr isPhoto="0" userDrawn="0"/>
         </p:nvCxnSpPr>
         <p:spPr bwMode="auto">
-          <a:xfrm rot="10799990" flipH="0" flipV="1">
+          <a:xfrm rot="10799989" flipH="0" flipV="1">
             <a:off x="3810946" y="4506499"/>
             <a:ext cx="3099257" cy="24810"/>
           </a:xfrm>
@@ -7245,7 +7245,7 @@
   </p:clrMapOvr>
   <mc:AlternateContent xmlns:mc="http://schemas.openxmlformats.org/markup-compatibility/2006">
     <mc:Choice xmlns:p14="http://schemas.microsoft.com/office/powerpoint/2010/main" Requires="p14">
-      <p:transition spd="med" p14:dur="1000" advClick="1">
+      <p:transition spd="med" p14:dur="800" advClick="1">
         <p14:warp dir="in"/>
       </p:transition>
     </mc:Choice>
@@ -7737,7 +7737,7 @@
   </p:clrMapOvr>
   <mc:AlternateContent xmlns:mc="http://schemas.openxmlformats.org/markup-compatibility/2006">
     <mc:Choice xmlns:p14="http://schemas.microsoft.com/office/powerpoint/2010/main" Requires="p14">
-      <p:transition spd="med" p14:dur="1000" advClick="1">
+      <p:transition spd="med" p14:dur="800" advClick="1">
         <p14:warp dir="in"/>
       </p:transition>
     </mc:Choice>
@@ -7941,7 +7941,7 @@
   </p:clrMapOvr>
   <mc:AlternateContent xmlns:mc="http://schemas.openxmlformats.org/markup-compatibility/2006">
     <mc:Choice xmlns:p14="http://schemas.microsoft.com/office/powerpoint/2010/main" Requires="p14">
-      <p:transition spd="med" p14:dur="1000" advClick="1">
+      <p:transition spd="med" p14:dur="800" advClick="1">
         <p14:warp dir="in"/>
       </p:transition>
     </mc:Choice>

--- a/present_python.pptx
+++ b/present_python.pptx
@@ -5,7 +5,7 @@
     <p:sldMasterId id="2147483648" r:id="rId1"/>
   </p:sldMasterIdLst>
   <p:notesMasterIdLst>
-    <p:notesMasterId r:id="rId13"/>
+    <p:notesMasterId r:id="rId19"/>
   </p:notesMasterIdLst>
   <p:sldIdLst>
     <p:sldId id="256" r:id="rId4"/>
@@ -17,6 +17,12 @@
     <p:sldId id="262" r:id="rId10"/>
     <p:sldId id="263" r:id="rId11"/>
     <p:sldId id="264" r:id="rId12"/>
+    <p:sldId id="265" r:id="rId13"/>
+    <p:sldId id="266" r:id="rId14"/>
+    <p:sldId id="267" r:id="rId15"/>
+    <p:sldId id="268" r:id="rId16"/>
+    <p:sldId id="269" r:id="rId17"/>
+    <p:sldId id="270" r:id="rId18"/>
   </p:sldIdLst>
   <p:sldSz cx="12192000" cy="6858000"/>
   <p:notesSz cx="6858000" cy="12192000"/>
@@ -5241,6 +5247,685 @@
 </p:sld>
 </file>
 
+<file path=ppt/slides/slide10.xml><?xml version="1.0" encoding="utf-8"?>
+<p:sld xmlns:a="http://schemas.openxmlformats.org/drawingml/2006/main" xmlns:r="http://schemas.openxmlformats.org/officeDocument/2006/relationships" xmlns:p="http://schemas.openxmlformats.org/presentationml/2006/main" xmlns:m="http://schemas.openxmlformats.org/officeDocument/2006/math" xmlns:w="http://schemas.openxmlformats.org/wordprocessingml/2006/main" showMasterPhAnim="0" show="1">
+  <p:cSld name="">
+    <p:bg>
+      <p:bgPr shadeToTitle="0">
+        <a:blipFill>
+          <a:blip r:embed="rId2"/>
+          <a:stretch/>
+        </a:blipFill>
+      </p:bgPr>
+    </p:bg>
+    <p:spTree>
+      <p:nvGrpSpPr>
+        <p:cNvPr id="1" name="" hidden="0"/>
+        <p:cNvGrpSpPr/>
+        <p:nvPr isPhoto="0" userDrawn="0"/>
+      </p:nvGrpSpPr>
+      <p:grpSpPr bwMode="auto">
+        <a:xfrm>
+          <a:off x="0" y="0"/>
+          <a:ext cx="0" cy="0"/>
+          <a:chOff x="0" y="0"/>
+          <a:chExt cx="0" cy="0"/>
+        </a:xfrm>
+      </p:grpSpPr>
+      <p:sp>
+        <p:nvSpPr>
+          <p:cNvPr id="4" name="Title 1" hidden="0"/>
+          <p:cNvSpPr>
+            <a:spLocks noGrp="1"/>
+          </p:cNvSpPr>
+          <p:nvPr isPhoto="0" userDrawn="0">
+            <p:ph type="title" hasCustomPrompt="0"/>
+          </p:nvPr>
+        </p:nvSpPr>
+        <p:spPr bwMode="auto"/>
+        <p:txBody>
+          <a:bodyPr/>
+          <a:lstStyle/>
+          <a:p>
+            <a:pPr>
+              <a:defRPr/>
+            </a:pPr>
+            <a:r>
+              <a:rPr/>
+              <a:t>        Choix de la difficulté</a:t>
+            </a:r>
+            <a:endParaRPr/>
+          </a:p>
+        </p:txBody>
+      </p:sp>
+      <p:pic>
+        <p:nvPicPr>
+          <p:cNvPr id="5" name="" hidden="0"/>
+          <p:cNvPicPr>
+            <a:picLocks noChangeAspect="1"/>
+          </p:cNvPicPr>
+          <p:nvPr isPhoto="0" userDrawn="0">
+            <p:ph idx="1" hasCustomPrompt="0"/>
+          </p:nvPr>
+        </p:nvPicPr>
+        <p:blipFill>
+          <a:blip r:embed="rId3"/>
+          <a:stretch/>
+        </p:blipFill>
+        <p:spPr bwMode="auto">
+          <a:xfrm rot="0" flipH="0" flipV="0">
+            <a:off x="1541052" y="1387135"/>
+            <a:ext cx="9062340" cy="5400582"/>
+          </a:xfrm>
+          <a:prstGeom prst="rect">
+            <a:avLst/>
+          </a:prstGeom>
+        </p:spPr>
+      </p:pic>
+    </p:spTree>
+  </p:cSld>
+  <p:clrMapOvr>
+    <a:masterClrMapping/>
+  </p:clrMapOvr>
+  <mc:AlternateContent xmlns:mc="http://schemas.openxmlformats.org/markup-compatibility/2006">
+    <mc:Choice xmlns:p14="http://schemas.microsoft.com/office/powerpoint/2010/main" Requires="p14">
+      <p:transition spd="med" p14:dur="800" advClick="1">
+        <p14:warp dir="in"/>
+      </p:transition>
+    </mc:Choice>
+    <mc:Fallback>
+      <p:transition spd="med" advClick="1">
+        <p:fade/>
+      </p:transition>
+    </mc:Fallback>
+  </mc:AlternateContent>
+</p:sld>
+</file>
+
+<file path=ppt/slides/slide11.xml><?xml version="1.0" encoding="utf-8"?>
+<p:sld xmlns:a="http://schemas.openxmlformats.org/drawingml/2006/main" xmlns:r="http://schemas.openxmlformats.org/officeDocument/2006/relationships" xmlns:p="http://schemas.openxmlformats.org/presentationml/2006/main" xmlns:m="http://schemas.openxmlformats.org/officeDocument/2006/math" xmlns:w="http://schemas.openxmlformats.org/wordprocessingml/2006/main" showMasterPhAnim="0" show="1">
+  <p:cSld name="">
+    <p:bg>
+      <p:bgPr shadeToTitle="0">
+        <a:blipFill>
+          <a:blip r:embed="rId2"/>
+          <a:stretch/>
+        </a:blipFill>
+      </p:bgPr>
+    </p:bg>
+    <p:spTree>
+      <p:nvGrpSpPr>
+        <p:cNvPr id="1" name="" hidden="0"/>
+        <p:cNvGrpSpPr/>
+        <p:nvPr isPhoto="0" userDrawn="0"/>
+      </p:nvGrpSpPr>
+      <p:grpSpPr bwMode="auto">
+        <a:xfrm>
+          <a:off x="0" y="0"/>
+          <a:ext cx="0" cy="0"/>
+          <a:chOff x="0" y="0"/>
+          <a:chExt cx="0" cy="0"/>
+        </a:xfrm>
+      </p:grpSpPr>
+      <p:sp>
+        <p:nvSpPr>
+          <p:cNvPr id="4" name="Title 1" hidden="0"/>
+          <p:cNvSpPr>
+            <a:spLocks noGrp="1"/>
+          </p:cNvSpPr>
+          <p:nvPr isPhoto="0" userDrawn="0">
+            <p:ph type="title" hasCustomPrompt="0"/>
+          </p:nvPr>
+        </p:nvSpPr>
+        <p:spPr bwMode="auto"/>
+        <p:txBody>
+          <a:bodyPr/>
+          <a:lstStyle/>
+          <a:p>
+            <a:pPr>
+              <a:defRPr/>
+            </a:pPr>
+            <a:r>
+              <a:rPr/>
+              <a:t>        Quelques commentaires</a:t>
+            </a:r>
+            <a:endParaRPr/>
+          </a:p>
+        </p:txBody>
+      </p:sp>
+      <p:pic>
+        <p:nvPicPr>
+          <p:cNvPr id="5" name="" hidden="0"/>
+          <p:cNvPicPr>
+            <a:picLocks noChangeAspect="1"/>
+          </p:cNvPicPr>
+          <p:nvPr isPhoto="0" userDrawn="0">
+            <p:ph idx="1" hasCustomPrompt="0"/>
+          </p:nvPr>
+        </p:nvPicPr>
+        <p:blipFill>
+          <a:blip r:embed="rId3"/>
+          <a:stretch/>
+        </p:blipFill>
+        <p:spPr bwMode="auto">
+          <a:xfrm rot="0" flipH="0" flipV="0">
+            <a:off x="130332" y="3116431"/>
+            <a:ext cx="11954600" cy="1766286"/>
+          </a:xfrm>
+          <a:prstGeom prst="rect">
+            <a:avLst/>
+          </a:prstGeom>
+        </p:spPr>
+      </p:pic>
+    </p:spTree>
+  </p:cSld>
+  <p:clrMapOvr>
+    <a:masterClrMapping/>
+  </p:clrMapOvr>
+  <mc:AlternateContent xmlns:mc="http://schemas.openxmlformats.org/markup-compatibility/2006">
+    <mc:Choice xmlns:p14="http://schemas.microsoft.com/office/powerpoint/2010/main" Requires="p14">
+      <p:transition spd="med" p14:dur="800" advClick="1">
+        <p14:warp dir="in"/>
+      </p:transition>
+    </mc:Choice>
+    <mc:Fallback>
+      <p:transition spd="med" advClick="1">
+        <p:fade/>
+      </p:transition>
+    </mc:Fallback>
+  </mc:AlternateContent>
+</p:sld>
+</file>
+
+<file path=ppt/slides/slide12.xml><?xml version="1.0" encoding="utf-8"?>
+<p:sld xmlns:a="http://schemas.openxmlformats.org/drawingml/2006/main" xmlns:r="http://schemas.openxmlformats.org/officeDocument/2006/relationships" xmlns:p="http://schemas.openxmlformats.org/presentationml/2006/main" xmlns:m="http://schemas.openxmlformats.org/officeDocument/2006/math" xmlns:w="http://schemas.openxmlformats.org/wordprocessingml/2006/main" showMasterPhAnim="0" show="1">
+  <p:cSld name="">
+    <p:bg>
+      <p:bgPr shadeToTitle="0">
+        <a:blipFill>
+          <a:blip r:embed="rId2"/>
+          <a:stretch/>
+        </a:blipFill>
+      </p:bgPr>
+    </p:bg>
+    <p:spTree>
+      <p:nvGrpSpPr>
+        <p:cNvPr id="1" name="" hidden="0"/>
+        <p:cNvGrpSpPr/>
+        <p:nvPr isPhoto="0" userDrawn="0"/>
+      </p:nvGrpSpPr>
+      <p:grpSpPr bwMode="auto">
+        <a:xfrm>
+          <a:off x="0" y="0"/>
+          <a:ext cx="0" cy="0"/>
+          <a:chOff x="0" y="0"/>
+          <a:chExt cx="0" cy="0"/>
+        </a:xfrm>
+      </p:grpSpPr>
+      <p:sp>
+        <p:nvSpPr>
+          <p:cNvPr id="4" name="Title 1" hidden="0"/>
+          <p:cNvSpPr>
+            <a:spLocks noGrp="1"/>
+          </p:cNvSpPr>
+          <p:nvPr isPhoto="0" userDrawn="0">
+            <p:ph type="title" hasCustomPrompt="0"/>
+          </p:nvPr>
+        </p:nvSpPr>
+        <p:spPr bwMode="auto"/>
+        <p:txBody>
+          <a:bodyPr/>
+          <a:lstStyle/>
+          <a:p>
+            <a:pPr>
+              <a:defRPr/>
+            </a:pPr>
+            <a:r>
+              <a:rPr/>
+              <a:t>        Affichage des calculs</a:t>
+            </a:r>
+            <a:endParaRPr/>
+          </a:p>
+        </p:txBody>
+      </p:sp>
+      <p:pic>
+        <p:nvPicPr>
+          <p:cNvPr id="5" name="" hidden="0"/>
+          <p:cNvPicPr>
+            <a:picLocks noChangeAspect="1"/>
+          </p:cNvPicPr>
+          <p:nvPr isPhoto="0" userDrawn="0">
+            <p:ph idx="1" hasCustomPrompt="0"/>
+          </p:nvPr>
+        </p:nvPicPr>
+        <p:blipFill>
+          <a:blip r:embed="rId3"/>
+          <a:stretch/>
+        </p:blipFill>
+        <p:spPr bwMode="auto">
+          <a:xfrm rot="0" flipH="0" flipV="0">
+            <a:off x="563366" y="1405630"/>
+            <a:ext cx="11053333" cy="5382087"/>
+          </a:xfrm>
+          <a:prstGeom prst="rect">
+            <a:avLst/>
+          </a:prstGeom>
+        </p:spPr>
+      </p:pic>
+    </p:spTree>
+  </p:cSld>
+  <p:clrMapOvr>
+    <a:masterClrMapping/>
+  </p:clrMapOvr>
+  <mc:AlternateContent xmlns:mc="http://schemas.openxmlformats.org/markup-compatibility/2006">
+    <mc:Choice xmlns:p14="http://schemas.microsoft.com/office/powerpoint/2010/main" Requires="p14">
+      <p:transition spd="med" p14:dur="800" advClick="1">
+        <p14:warp dir="in"/>
+      </p:transition>
+    </mc:Choice>
+    <mc:Fallback>
+      <p:transition spd="med" advClick="1">
+        <p:fade/>
+      </p:transition>
+    </mc:Fallback>
+  </mc:AlternateContent>
+</p:sld>
+</file>
+
+<file path=ppt/slides/slide13.xml><?xml version="1.0" encoding="utf-8"?>
+<p:sld xmlns:a="http://schemas.openxmlformats.org/drawingml/2006/main" xmlns:r="http://schemas.openxmlformats.org/officeDocument/2006/relationships" xmlns:p="http://schemas.openxmlformats.org/presentationml/2006/main" xmlns:m="http://schemas.openxmlformats.org/officeDocument/2006/math" xmlns:w="http://schemas.openxmlformats.org/wordprocessingml/2006/main" showMasterPhAnim="0" show="1">
+  <p:cSld name="">
+    <p:bg>
+      <p:bgPr shadeToTitle="0">
+        <a:blipFill>
+          <a:blip r:embed="rId2"/>
+          <a:stretch/>
+        </a:blipFill>
+      </p:bgPr>
+    </p:bg>
+    <p:spTree>
+      <p:nvGrpSpPr>
+        <p:cNvPr id="1" name="" hidden="0"/>
+        <p:cNvGrpSpPr/>
+        <p:nvPr isPhoto="0" userDrawn="0"/>
+      </p:nvGrpSpPr>
+      <p:grpSpPr bwMode="auto">
+        <a:xfrm>
+          <a:off x="0" y="0"/>
+          <a:ext cx="0" cy="0"/>
+          <a:chOff x="0" y="0"/>
+          <a:chExt cx="0" cy="0"/>
+        </a:xfrm>
+      </p:grpSpPr>
+      <p:sp>
+        <p:nvSpPr>
+          <p:cNvPr id="4" name="Title 1" hidden="0"/>
+          <p:cNvSpPr>
+            <a:spLocks noGrp="1"/>
+          </p:cNvSpPr>
+          <p:nvPr isPhoto="0" userDrawn="0">
+            <p:ph type="title" hasCustomPrompt="0"/>
+          </p:nvPr>
+        </p:nvSpPr>
+        <p:spPr bwMode="auto"/>
+        <p:txBody>
+          <a:bodyPr/>
+          <a:lstStyle/>
+          <a:p>
+            <a:pPr>
+              <a:defRPr/>
+            </a:pPr>
+            <a:r>
+              <a:rPr/>
+              <a:t>        Affichage de la note</a:t>
+            </a:r>
+            <a:endParaRPr/>
+          </a:p>
+        </p:txBody>
+      </p:sp>
+      <p:pic>
+        <p:nvPicPr>
+          <p:cNvPr id="5" name="" hidden="0"/>
+          <p:cNvPicPr>
+            <a:picLocks noChangeAspect="1"/>
+          </p:cNvPicPr>
+          <p:nvPr isPhoto="0" userDrawn="0">
+            <p:ph idx="1" hasCustomPrompt="0"/>
+          </p:nvPr>
+        </p:nvPicPr>
+        <p:blipFill>
+          <a:blip r:embed="rId3"/>
+          <a:stretch/>
+        </p:blipFill>
+        <p:spPr bwMode="auto">
+          <a:xfrm rot="0" flipH="0" flipV="0">
+            <a:off x="1097402" y="2154684"/>
+            <a:ext cx="10414074" cy="3551067"/>
+          </a:xfrm>
+          <a:prstGeom prst="rect">
+            <a:avLst/>
+          </a:prstGeom>
+        </p:spPr>
+      </p:pic>
+    </p:spTree>
+  </p:cSld>
+  <p:clrMapOvr>
+    <a:masterClrMapping/>
+  </p:clrMapOvr>
+  <mc:AlternateContent xmlns:mc="http://schemas.openxmlformats.org/markup-compatibility/2006">
+    <mc:Choice xmlns:p14="http://schemas.microsoft.com/office/powerpoint/2010/main" Requires="p14">
+      <p:transition spd="med" p14:dur="800" advClick="1">
+        <p14:warp dir="in"/>
+      </p:transition>
+    </mc:Choice>
+    <mc:Fallback>
+      <p:transition spd="med" advClick="1">
+        <p:fade/>
+      </p:transition>
+    </mc:Fallback>
+  </mc:AlternateContent>
+</p:sld>
+</file>
+
+<file path=ppt/slides/slide14.xml><?xml version="1.0" encoding="utf-8"?>
+<p:sld xmlns:a="http://schemas.openxmlformats.org/drawingml/2006/main" xmlns:r="http://schemas.openxmlformats.org/officeDocument/2006/relationships" xmlns:p="http://schemas.openxmlformats.org/presentationml/2006/main" xmlns:m="http://schemas.openxmlformats.org/officeDocument/2006/math" xmlns:w="http://schemas.openxmlformats.org/wordprocessingml/2006/main" showMasterPhAnim="0" show="1">
+  <p:cSld name="">
+    <p:bg>
+      <p:bgPr shadeToTitle="0">
+        <a:blipFill>
+          <a:blip r:embed="rId2"/>
+          <a:stretch/>
+        </a:blipFill>
+      </p:bgPr>
+    </p:bg>
+    <p:spTree>
+      <p:nvGrpSpPr>
+        <p:cNvPr id="1" name="" hidden="0"/>
+        <p:cNvGrpSpPr/>
+        <p:nvPr isPhoto="0" userDrawn="0"/>
+      </p:nvGrpSpPr>
+      <p:grpSpPr bwMode="auto">
+        <a:xfrm>
+          <a:off x="0" y="0"/>
+          <a:ext cx="0" cy="0"/>
+          <a:chOff x="0" y="0"/>
+          <a:chExt cx="0" cy="0"/>
+        </a:xfrm>
+      </p:grpSpPr>
+      <p:sp>
+        <p:nvSpPr>
+          <p:cNvPr id="4" name="Title 1" hidden="0"/>
+          <p:cNvSpPr>
+            <a:spLocks noGrp="1"/>
+          </p:cNvSpPr>
+          <p:nvPr isPhoto="0" userDrawn="0">
+            <p:ph type="title" hasCustomPrompt="0"/>
+          </p:nvPr>
+        </p:nvSpPr>
+        <p:spPr bwMode="auto"/>
+        <p:txBody>
+          <a:bodyPr/>
+          <a:lstStyle/>
+          <a:p>
+            <a:pPr>
+              <a:defRPr/>
+            </a:pPr>
+            <a:r>
+              <a:rPr/>
+              <a:t>        Exécution du programme</a:t>
+            </a:r>
+            <a:endParaRPr/>
+          </a:p>
+        </p:txBody>
+      </p:sp>
+      <p:pic>
+        <p:nvPicPr>
+          <p:cNvPr id="5" name="" hidden="0"/>
+          <p:cNvPicPr>
+            <a:picLocks noChangeAspect="1"/>
+          </p:cNvPicPr>
+          <p:nvPr isPhoto="0" userDrawn="0">
+            <p:ph idx="1" hasCustomPrompt="0"/>
+          </p:nvPr>
+        </p:nvPicPr>
+        <p:blipFill>
+          <a:blip r:embed="rId3"/>
+          <a:stretch/>
+        </p:blipFill>
+        <p:spPr bwMode="auto">
+          <a:xfrm rot="0" flipH="0" flipV="0">
+            <a:off x="3439036" y="3329125"/>
+            <a:ext cx="5858925" cy="1229927"/>
+          </a:xfrm>
+          <a:prstGeom prst="rect">
+            <a:avLst/>
+          </a:prstGeom>
+        </p:spPr>
+      </p:pic>
+    </p:spTree>
+  </p:cSld>
+  <p:clrMapOvr>
+    <a:masterClrMapping/>
+  </p:clrMapOvr>
+  <mc:AlternateContent xmlns:mc="http://schemas.openxmlformats.org/markup-compatibility/2006">
+    <mc:Choice xmlns:p14="http://schemas.microsoft.com/office/powerpoint/2010/main" Requires="p14">
+      <p:transition spd="med" p14:dur="800" advClick="1">
+        <p14:warp dir="in"/>
+      </p:transition>
+    </mc:Choice>
+    <mc:Fallback>
+      <p:transition spd="med" advClick="1">
+        <p:fade/>
+      </p:transition>
+    </mc:Fallback>
+  </mc:AlternateContent>
+</p:sld>
+</file>
+
+<file path=ppt/slides/slide15.xml><?xml version="1.0" encoding="utf-8"?>
+<p:sld xmlns:a="http://schemas.openxmlformats.org/drawingml/2006/main" xmlns:r="http://schemas.openxmlformats.org/officeDocument/2006/relationships" xmlns:p="http://schemas.openxmlformats.org/presentationml/2006/main" xmlns:m="http://schemas.openxmlformats.org/officeDocument/2006/math" xmlns:w="http://schemas.openxmlformats.org/wordprocessingml/2006/main" showMasterPhAnim="0" show="1">
+  <p:cSld name="">
+    <p:bg>
+      <p:bgPr shadeToTitle="0">
+        <a:blipFill>
+          <a:blip r:embed="rId3"/>
+          <a:stretch/>
+        </a:blipFill>
+      </p:bgPr>
+    </p:bg>
+    <p:spTree>
+      <p:nvGrpSpPr>
+        <p:cNvPr id="1" name="" hidden="0"/>
+        <p:cNvGrpSpPr/>
+        <p:nvPr isPhoto="0" userDrawn="0"/>
+      </p:nvGrpSpPr>
+      <p:grpSpPr bwMode="auto">
+        <a:xfrm>
+          <a:off x="0" y="0"/>
+          <a:ext cx="0" cy="0"/>
+          <a:chOff x="0" y="0"/>
+          <a:chExt cx="0" cy="0"/>
+        </a:xfrm>
+      </p:grpSpPr>
+      <p:sp>
+        <p:nvSpPr>
+          <p:cNvPr id="4" name="Title 1" hidden="0"/>
+          <p:cNvSpPr>
+            <a:spLocks noGrp="1"/>
+          </p:cNvSpPr>
+          <p:nvPr isPhoto="0" userDrawn="0">
+            <p:ph type="title" hasCustomPrompt="0"/>
+          </p:nvPr>
+        </p:nvSpPr>
+        <p:spPr bwMode="auto">
+          <a:xfrm>
+            <a:off x="831849" y="1709737"/>
+            <a:ext cx="10515600" cy="2852736"/>
+          </a:xfrm>
+        </p:spPr>
+        <p:txBody>
+          <a:bodyPr anchor="b"/>
+          <a:lstStyle>
+            <a:lvl1pPr>
+              <a:defRPr sz="6000"/>
+            </a:lvl1pPr>
+          </a:lstStyle>
+          <a:p>
+            <a:pPr>
+              <a:defRPr/>
+            </a:pPr>
+            <a:r>
+              <a:rPr/>
+              <a:t>Merci de votre attention !</a:t>
+            </a:r>
+            <a:endParaRPr/>
+          </a:p>
+        </p:txBody>
+      </p:sp>
+      <p:sp>
+        <p:nvSpPr>
+          <p:cNvPr id="5" name="Text Placeholder 2" hidden="0"/>
+          <p:cNvSpPr>
+            <a:spLocks noGrp="1"/>
+          </p:cNvSpPr>
+          <p:nvPr isPhoto="0" userDrawn="0">
+            <p:ph type="body" idx="1" hasCustomPrompt="0"/>
+          </p:nvPr>
+        </p:nvSpPr>
+        <p:spPr bwMode="auto">
+          <a:xfrm>
+            <a:off x="831849" y="4589462"/>
+            <a:ext cx="10515600" cy="1500186"/>
+          </a:xfrm>
+        </p:spPr>
+        <p:txBody>
+          <a:bodyPr/>
+          <a:lstStyle>
+            <a:lvl1pPr marL="0" indent="0">
+              <a:buNone/>
+              <a:defRPr sz="2400">
+                <a:solidFill>
+                  <a:schemeClr val="tx1">
+                    <a:tint val="75000"/>
+                  </a:schemeClr>
+                </a:solidFill>
+              </a:defRPr>
+            </a:lvl1pPr>
+            <a:lvl2pPr marL="457200" indent="0">
+              <a:buNone/>
+              <a:defRPr sz="2000">
+                <a:solidFill>
+                  <a:schemeClr val="tx1">
+                    <a:tint val="75000"/>
+                  </a:schemeClr>
+                </a:solidFill>
+              </a:defRPr>
+            </a:lvl2pPr>
+            <a:lvl3pPr marL="914400" indent="0">
+              <a:buNone/>
+              <a:defRPr sz="1800">
+                <a:solidFill>
+                  <a:schemeClr val="tx1">
+                    <a:tint val="75000"/>
+                  </a:schemeClr>
+                </a:solidFill>
+              </a:defRPr>
+            </a:lvl3pPr>
+            <a:lvl4pPr marL="1371600" indent="0">
+              <a:buNone/>
+              <a:defRPr sz="1600">
+                <a:solidFill>
+                  <a:schemeClr val="tx1">
+                    <a:tint val="75000"/>
+                  </a:schemeClr>
+                </a:solidFill>
+              </a:defRPr>
+            </a:lvl4pPr>
+            <a:lvl5pPr marL="1828800" indent="0">
+              <a:buNone/>
+              <a:defRPr sz="1600">
+                <a:solidFill>
+                  <a:schemeClr val="tx1">
+                    <a:tint val="75000"/>
+                  </a:schemeClr>
+                </a:solidFill>
+              </a:defRPr>
+            </a:lvl5pPr>
+            <a:lvl6pPr marL="2286000" indent="0">
+              <a:buNone/>
+              <a:defRPr sz="1600">
+                <a:solidFill>
+                  <a:schemeClr val="tx1">
+                    <a:tint val="75000"/>
+                  </a:schemeClr>
+                </a:solidFill>
+              </a:defRPr>
+            </a:lvl6pPr>
+            <a:lvl7pPr marL="2743200" indent="0">
+              <a:buNone/>
+              <a:defRPr sz="1600">
+                <a:solidFill>
+                  <a:schemeClr val="tx1">
+                    <a:tint val="75000"/>
+                  </a:schemeClr>
+                </a:solidFill>
+              </a:defRPr>
+            </a:lvl7pPr>
+            <a:lvl8pPr marL="3200400" indent="0">
+              <a:buNone/>
+              <a:defRPr sz="1600">
+                <a:solidFill>
+                  <a:schemeClr val="tx1">
+                    <a:tint val="75000"/>
+                  </a:schemeClr>
+                </a:solidFill>
+              </a:defRPr>
+            </a:lvl8pPr>
+            <a:lvl9pPr marL="3657600" indent="0">
+              <a:buNone/>
+              <a:defRPr sz="1600">
+                <a:solidFill>
+                  <a:schemeClr val="tx1">
+                    <a:tint val="75000"/>
+                  </a:schemeClr>
+                </a:solidFill>
+              </a:defRPr>
+            </a:lvl9pPr>
+          </a:lstStyle>
+          <a:p>
+            <a:pPr>
+              <a:defRPr/>
+            </a:pPr>
+            <a:endParaRPr/>
+          </a:p>
+          <a:p>
+            <a:pPr>
+              <a:defRPr/>
+            </a:pPr>
+            <a:endParaRPr/>
+          </a:p>
+        </p:txBody>
+      </p:sp>
+    </p:spTree>
+  </p:cSld>
+  <p:clrMapOvr>
+    <a:masterClrMapping/>
+  </p:clrMapOvr>
+  <mc:AlternateContent xmlns:mc="http://schemas.openxmlformats.org/markup-compatibility/2006">
+    <mc:Choice xmlns:p14="http://schemas.microsoft.com/office/powerpoint/2010/main" Requires="p14">
+      <p:transition spd="med" p14:dur="800" advClick="1">
+        <p14:warp dir="in"/>
+      </p:transition>
+    </mc:Choice>
+    <mc:Fallback>
+      <p:transition spd="med" advClick="1">
+        <p:fade/>
+      </p:transition>
+    </mc:Fallback>
+  </mc:AlternateContent>
+</p:sld>
+</file>
+
 <file path=ppt/slides/slide2.xml><?xml version="1.0" encoding="utf-8"?>
 <p:sld xmlns:a="http://schemas.openxmlformats.org/drawingml/2006/main" xmlns:r="http://schemas.openxmlformats.org/officeDocument/2006/relationships" xmlns:p="http://schemas.openxmlformats.org/presentationml/2006/main" xmlns:m="http://schemas.openxmlformats.org/officeDocument/2006/math" xmlns:w="http://schemas.openxmlformats.org/wordprocessingml/2006/main" showMasterPhAnim="0" show="1">
   <p:cSld name="">
@@ -7756,7 +8441,7 @@
     <p:bg>
       <p:bgPr shadeToTitle="0">
         <a:blipFill>
-          <a:blip r:embed="rId3"/>
+          <a:blip r:embed="rId2"/>
           <a:stretch/>
         </a:blipFill>
       </p:bgPr>
@@ -7785,155 +8470,46 @@
             <p:ph type="title" hasCustomPrompt="0"/>
           </p:nvPr>
         </p:nvSpPr>
+        <p:spPr bwMode="auto"/>
+        <p:txBody>
+          <a:bodyPr/>
+          <a:lstStyle/>
+          <a:p>
+            <a:pPr>
+              <a:defRPr/>
+            </a:pPr>
+            <a:r>
+              <a:rPr/>
+              <a:t>        Début du fichier</a:t>
+            </a:r>
+            <a:endParaRPr/>
+          </a:p>
+        </p:txBody>
+      </p:sp>
+      <p:pic>
+        <p:nvPicPr>
+          <p:cNvPr id="5" name="" hidden="0"/>
+          <p:cNvPicPr>
+            <a:picLocks noChangeAspect="1"/>
+          </p:cNvPicPr>
+          <p:nvPr isPhoto="0" userDrawn="0">
+            <p:ph idx="1" hasCustomPrompt="0"/>
+          </p:nvPr>
+        </p:nvPicPr>
+        <p:blipFill>
+          <a:blip r:embed="rId3"/>
+          <a:stretch/>
+        </p:blipFill>
         <p:spPr bwMode="auto">
-          <a:xfrm>
-            <a:off x="831849" y="1709737"/>
-            <a:ext cx="10515600" cy="2852736"/>
+          <a:xfrm rot="0" flipH="0" flipV="0">
+            <a:off x="869856" y="2237912"/>
+            <a:ext cx="10354702" cy="3560315"/>
           </a:xfrm>
+          <a:prstGeom prst="rect">
+            <a:avLst/>
+          </a:prstGeom>
         </p:spPr>
-        <p:txBody>
-          <a:bodyPr anchor="b"/>
-          <a:lstStyle>
-            <a:lvl1pPr>
-              <a:defRPr sz="6000"/>
-            </a:lvl1pPr>
-          </a:lstStyle>
-          <a:p>
-            <a:pPr>
-              <a:defRPr/>
-            </a:pPr>
-            <a:r>
-              <a:rPr/>
-              <a:t>Merci de votre attention !</a:t>
-            </a:r>
-            <a:endParaRPr/>
-          </a:p>
-        </p:txBody>
-      </p:sp>
-      <p:sp>
-        <p:nvSpPr>
-          <p:cNvPr id="5" name="Text Placeholder 2" hidden="0"/>
-          <p:cNvSpPr>
-            <a:spLocks noGrp="1"/>
-          </p:cNvSpPr>
-          <p:nvPr isPhoto="0" userDrawn="0">
-            <p:ph type="body" idx="1" hasCustomPrompt="0"/>
-          </p:nvPr>
-        </p:nvSpPr>
-        <p:spPr bwMode="auto">
-          <a:xfrm>
-            <a:off x="831849" y="4589462"/>
-            <a:ext cx="10515600" cy="1500186"/>
-          </a:xfrm>
-        </p:spPr>
-        <p:txBody>
-          <a:bodyPr/>
-          <a:lstStyle>
-            <a:lvl1pPr marL="0" indent="0">
-              <a:buNone/>
-              <a:defRPr sz="2400">
-                <a:solidFill>
-                  <a:schemeClr val="tx1">
-                    <a:tint val="75000"/>
-                  </a:schemeClr>
-                </a:solidFill>
-              </a:defRPr>
-            </a:lvl1pPr>
-            <a:lvl2pPr marL="457200" indent="0">
-              <a:buNone/>
-              <a:defRPr sz="2000">
-                <a:solidFill>
-                  <a:schemeClr val="tx1">
-                    <a:tint val="75000"/>
-                  </a:schemeClr>
-                </a:solidFill>
-              </a:defRPr>
-            </a:lvl2pPr>
-            <a:lvl3pPr marL="914400" indent="0">
-              <a:buNone/>
-              <a:defRPr sz="1800">
-                <a:solidFill>
-                  <a:schemeClr val="tx1">
-                    <a:tint val="75000"/>
-                  </a:schemeClr>
-                </a:solidFill>
-              </a:defRPr>
-            </a:lvl3pPr>
-            <a:lvl4pPr marL="1371600" indent="0">
-              <a:buNone/>
-              <a:defRPr sz="1600">
-                <a:solidFill>
-                  <a:schemeClr val="tx1">
-                    <a:tint val="75000"/>
-                  </a:schemeClr>
-                </a:solidFill>
-              </a:defRPr>
-            </a:lvl4pPr>
-            <a:lvl5pPr marL="1828800" indent="0">
-              <a:buNone/>
-              <a:defRPr sz="1600">
-                <a:solidFill>
-                  <a:schemeClr val="tx1">
-                    <a:tint val="75000"/>
-                  </a:schemeClr>
-                </a:solidFill>
-              </a:defRPr>
-            </a:lvl5pPr>
-            <a:lvl6pPr marL="2286000" indent="0">
-              <a:buNone/>
-              <a:defRPr sz="1600">
-                <a:solidFill>
-                  <a:schemeClr val="tx1">
-                    <a:tint val="75000"/>
-                  </a:schemeClr>
-                </a:solidFill>
-              </a:defRPr>
-            </a:lvl6pPr>
-            <a:lvl7pPr marL="2743200" indent="0">
-              <a:buNone/>
-              <a:defRPr sz="1600">
-                <a:solidFill>
-                  <a:schemeClr val="tx1">
-                    <a:tint val="75000"/>
-                  </a:schemeClr>
-                </a:solidFill>
-              </a:defRPr>
-            </a:lvl7pPr>
-            <a:lvl8pPr marL="3200400" indent="0">
-              <a:buNone/>
-              <a:defRPr sz="1600">
-                <a:solidFill>
-                  <a:schemeClr val="tx1">
-                    <a:tint val="75000"/>
-                  </a:schemeClr>
-                </a:solidFill>
-              </a:defRPr>
-            </a:lvl8pPr>
-            <a:lvl9pPr marL="3657600" indent="0">
-              <a:buNone/>
-              <a:defRPr sz="1600">
-                <a:solidFill>
-                  <a:schemeClr val="tx1">
-                    <a:tint val="75000"/>
-                  </a:schemeClr>
-                </a:solidFill>
-              </a:defRPr>
-            </a:lvl9pPr>
-          </a:lstStyle>
-          <a:p>
-            <a:pPr>
-              <a:defRPr/>
-            </a:pPr>
-            <a:endParaRPr/>
-          </a:p>
-          <a:p>
-            <a:pPr>
-              <a:defRPr/>
-            </a:pPr>
-            <a:endParaRPr/>
-          </a:p>
-        </p:txBody>
-      </p:sp>
+      </p:pic>
     </p:spTree>
   </p:cSld>
   <p:clrMapOvr>

--- a/present_python.pptx
+++ b/present_python.pptx
@@ -5,7 +5,7 @@
     <p:sldMasterId id="2147483648" r:id="rId1"/>
   </p:sldMasterIdLst>
   <p:notesMasterIdLst>
-    <p:notesMasterId r:id="rId19"/>
+    <p:notesMasterId r:id="rId20"/>
   </p:notesMasterIdLst>
   <p:sldIdLst>
     <p:sldId id="256" r:id="rId4"/>
@@ -23,6 +23,7 @@
     <p:sldId id="268" r:id="rId16"/>
     <p:sldId id="269" r:id="rId17"/>
     <p:sldId id="270" r:id="rId18"/>
+    <p:sldId id="271" r:id="rId19"/>
   </p:sldIdLst>
   <p:sldSz cx="12192000" cy="6858000"/>
   <p:notesSz cx="6858000" cy="12192000"/>
@@ -5292,7 +5293,7 @@
             </a:pPr>
             <a:r>
               <a:rPr/>
-              <a:t>        Choix de la difficulté</a:t>
+              <a:t>        Début du fichier</a:t>
             </a:r>
             <a:endParaRPr/>
           </a:p>
@@ -5314,8 +5315,8 @@
         </p:blipFill>
         <p:spPr bwMode="auto">
           <a:xfrm rot="0" flipH="0" flipV="0">
-            <a:off x="1541052" y="1387135"/>
-            <a:ext cx="9062340" cy="5400582"/>
+            <a:off x="869856" y="2237912"/>
+            <a:ext cx="10354702" cy="3560315"/>
           </a:xfrm>
           <a:prstGeom prst="rect">
             <a:avLst/>
@@ -5387,7 +5388,7 @@
             </a:pPr>
             <a:r>
               <a:rPr/>
-              <a:t>        Quelques commentaires</a:t>
+              <a:t>        Choix de la difficulté</a:t>
             </a:r>
             <a:endParaRPr/>
           </a:p>
@@ -5409,8 +5410,8 @@
         </p:blipFill>
         <p:spPr bwMode="auto">
           <a:xfrm rot="0" flipH="0" flipV="0">
-            <a:off x="130332" y="3116431"/>
-            <a:ext cx="11954600" cy="1766286"/>
+            <a:off x="1541052" y="1387135"/>
+            <a:ext cx="9062340" cy="5400582"/>
           </a:xfrm>
           <a:prstGeom prst="rect">
             <a:avLst/>
@@ -5482,7 +5483,7 @@
             </a:pPr>
             <a:r>
               <a:rPr/>
-              <a:t>        Affichage des calculs</a:t>
+              <a:t>        Quelques commentaires</a:t>
             </a:r>
             <a:endParaRPr/>
           </a:p>
@@ -5504,8 +5505,8 @@
         </p:blipFill>
         <p:spPr bwMode="auto">
           <a:xfrm rot="0" flipH="0" flipV="0">
-            <a:off x="563366" y="1405630"/>
-            <a:ext cx="11053333" cy="5382087"/>
+            <a:off x="130332" y="3116431"/>
+            <a:ext cx="11954599" cy="1766286"/>
           </a:xfrm>
           <a:prstGeom prst="rect">
             <a:avLst/>
@@ -5577,7 +5578,7 @@
             </a:pPr>
             <a:r>
               <a:rPr/>
-              <a:t>        Affichage de la note</a:t>
+              <a:t>        Affichage des calculs</a:t>
             </a:r>
             <a:endParaRPr/>
           </a:p>
@@ -5599,8 +5600,8 @@
         </p:blipFill>
         <p:spPr bwMode="auto">
           <a:xfrm rot="0" flipH="0" flipV="0">
-            <a:off x="1097402" y="2154684"/>
-            <a:ext cx="10414074" cy="3551067"/>
+            <a:off x="563366" y="1405630"/>
+            <a:ext cx="11053333" cy="5382087"/>
           </a:xfrm>
           <a:prstGeom prst="rect">
             <a:avLst/>
@@ -5672,6 +5673,101 @@
             </a:pPr>
             <a:r>
               <a:rPr/>
+              <a:t>        Affichage de la note</a:t>
+            </a:r>
+            <a:endParaRPr/>
+          </a:p>
+        </p:txBody>
+      </p:sp>
+      <p:pic>
+        <p:nvPicPr>
+          <p:cNvPr id="5" name="" hidden="0"/>
+          <p:cNvPicPr>
+            <a:picLocks noChangeAspect="1"/>
+          </p:cNvPicPr>
+          <p:nvPr isPhoto="0" userDrawn="0">
+            <p:ph idx="1" hasCustomPrompt="0"/>
+          </p:nvPr>
+        </p:nvPicPr>
+        <p:blipFill>
+          <a:blip r:embed="rId3"/>
+          <a:stretch/>
+        </p:blipFill>
+        <p:spPr bwMode="auto">
+          <a:xfrm rot="0" flipH="0" flipV="0">
+            <a:off x="1097402" y="2154684"/>
+            <a:ext cx="10414074" cy="3551067"/>
+          </a:xfrm>
+          <a:prstGeom prst="rect">
+            <a:avLst/>
+          </a:prstGeom>
+        </p:spPr>
+      </p:pic>
+    </p:spTree>
+  </p:cSld>
+  <p:clrMapOvr>
+    <a:masterClrMapping/>
+  </p:clrMapOvr>
+  <mc:AlternateContent xmlns:mc="http://schemas.openxmlformats.org/markup-compatibility/2006">
+    <mc:Choice xmlns:p14="http://schemas.microsoft.com/office/powerpoint/2010/main" Requires="p14">
+      <p:transition spd="med" p14:dur="800" advClick="1">
+        <p14:warp dir="in"/>
+      </p:transition>
+    </mc:Choice>
+    <mc:Fallback>
+      <p:transition spd="med" advClick="1">
+        <p:fade/>
+      </p:transition>
+    </mc:Fallback>
+  </mc:AlternateContent>
+</p:sld>
+</file>
+
+<file path=ppt/slides/slide15.xml><?xml version="1.0" encoding="utf-8"?>
+<p:sld xmlns:a="http://schemas.openxmlformats.org/drawingml/2006/main" xmlns:r="http://schemas.openxmlformats.org/officeDocument/2006/relationships" xmlns:p="http://schemas.openxmlformats.org/presentationml/2006/main" xmlns:m="http://schemas.openxmlformats.org/officeDocument/2006/math" xmlns:w="http://schemas.openxmlformats.org/wordprocessingml/2006/main" showMasterPhAnim="0" show="1">
+  <p:cSld name="">
+    <p:bg>
+      <p:bgPr shadeToTitle="0">
+        <a:blipFill>
+          <a:blip r:embed="rId2"/>
+          <a:stretch/>
+        </a:blipFill>
+      </p:bgPr>
+    </p:bg>
+    <p:spTree>
+      <p:nvGrpSpPr>
+        <p:cNvPr id="1" name="" hidden="0"/>
+        <p:cNvGrpSpPr/>
+        <p:nvPr isPhoto="0" userDrawn="0"/>
+      </p:nvGrpSpPr>
+      <p:grpSpPr bwMode="auto">
+        <a:xfrm>
+          <a:off x="0" y="0"/>
+          <a:ext cx="0" cy="0"/>
+          <a:chOff x="0" y="0"/>
+          <a:chExt cx="0" cy="0"/>
+        </a:xfrm>
+      </p:grpSpPr>
+      <p:sp>
+        <p:nvSpPr>
+          <p:cNvPr id="4" name="Title 1" hidden="0"/>
+          <p:cNvSpPr>
+            <a:spLocks noGrp="1"/>
+          </p:cNvSpPr>
+          <p:nvPr isPhoto="0" userDrawn="0">
+            <p:ph type="title" hasCustomPrompt="0"/>
+          </p:nvPr>
+        </p:nvSpPr>
+        <p:spPr bwMode="auto"/>
+        <p:txBody>
+          <a:bodyPr/>
+          <a:lstStyle/>
+          <a:p>
+            <a:pPr>
+              <a:defRPr/>
+            </a:pPr>
+            <a:r>
+              <a:rPr/>
               <a:t>        Exécution du programme</a:t>
             </a:r>
             <a:endParaRPr/>
@@ -5722,7 +5818,7 @@
 </p:sld>
 </file>
 
-<file path=ppt/slides/slide15.xml><?xml version="1.0" encoding="utf-8"?>
+<file path=ppt/slides/slide16.xml><?xml version="1.0" encoding="utf-8"?>
 <p:sld xmlns:a="http://schemas.openxmlformats.org/drawingml/2006/main" xmlns:r="http://schemas.openxmlformats.org/officeDocument/2006/relationships" xmlns:p="http://schemas.openxmlformats.org/presentationml/2006/main" xmlns:m="http://schemas.openxmlformats.org/officeDocument/2006/math" xmlns:w="http://schemas.openxmlformats.org/wordprocessingml/2006/main" showMasterPhAnim="0" show="1">
   <p:cSld name="">
     <p:bg>
@@ -7004,7 +7100,7 @@
     <p:bg>
       <p:bgPr shadeToTitle="0">
         <a:blipFill>
-          <a:blip r:embed="rId3"/>
+          <a:blip r:embed="rId2"/>
           <a:stretch/>
         </a:blipFill>
       </p:bgPr>
@@ -7034,165 +7130,1101 @@
           </p:nvPr>
         </p:nvSpPr>
         <p:spPr bwMode="auto">
-          <a:xfrm>
-            <a:off x="831849" y="1709737"/>
-            <a:ext cx="10515600" cy="2852736"/>
+          <a:xfrm flipH="0" flipV="0">
+            <a:off x="838199" y="365124"/>
+            <a:ext cx="11166095" cy="1325562"/>
           </a:xfrm>
         </p:spPr>
         <p:txBody>
-          <a:bodyPr anchor="b"/>
-          <a:lstStyle>
-            <a:lvl1pPr>
-              <a:defRPr sz="6000"/>
-            </a:lvl1pPr>
-          </a:lstStyle>
+          <a:bodyPr/>
+          <a:lstStyle/>
           <a:p>
             <a:pPr>
               <a:defRPr/>
             </a:pPr>
             <a:r>
               <a:rPr/>
-              <a:t>Décryptons </a:t>
-            </a:r>
-            <a:r>
-              <a:rPr>
-                <a:solidFill>
-                  <a:schemeClr val="tx1">
-                    <a:lumMod val="50000"/>
-                    <a:lumOff val="50000"/>
-                  </a:schemeClr>
+              <a:t>        Simplicité du langage : Python VS C#</a:t>
+            </a:r>
+            <a:endParaRPr/>
+          </a:p>
+        </p:txBody>
+      </p:sp>
+      <p:sp>
+        <p:nvSpPr>
+          <p:cNvPr id="5" name="" hidden="0"/>
+          <p:cNvSpPr/>
+          <p:nvPr isPhoto="0" userDrawn="0"/>
+        </p:nvSpPr>
+        <p:spPr bwMode="auto">
+          <a:xfrm flipH="0" flipV="0">
+            <a:off x="186509" y="1868009"/>
+            <a:ext cx="4901825" cy="457235"/>
+          </a:xfrm>
+          <a:prstGeom prst="rect">
+            <a:avLst/>
+          </a:prstGeom>
+          <a:noFill/>
+        </p:spPr>
+        <p:txBody>
+          <a:bodyPr vertOverflow="overflow" horzOverflow="clip" vert="horz" wrap="square" lIns="91440" tIns="45720" rIns="91440" bIns="45720" numCol="1" spcCol="0" rtlCol="0" fromWordArt="0" anchor="t" anchorCtr="0" forceAA="0" upright="0" compatLnSpc="0">
+            <a:spAutoFit/>
+          </a:bodyPr>
+          <a:p>
+            <a:pPr>
+              <a:defRPr/>
+            </a:pPr>
+            <a:r>
+              <a:rPr sz="2400" b="1"/>
+              <a:t>Code Python :</a:t>
+            </a:r>
+            <a:endParaRPr sz="2400" b="1"/>
+          </a:p>
+        </p:txBody>
+      </p:sp>
+      <p:sp>
+        <p:nvSpPr>
+          <p:cNvPr id="6" name="" hidden="0"/>
+          <p:cNvSpPr/>
+          <p:nvPr isPhoto="0" userDrawn="0"/>
+        </p:nvSpPr>
+        <p:spPr bwMode="auto">
+          <a:xfrm flipH="0" flipV="0">
+            <a:off x="5550102" y="1881362"/>
+            <a:ext cx="4466577" cy="443883"/>
+          </a:xfrm>
+          <a:prstGeom prst="rect">
+            <a:avLst/>
+          </a:prstGeom>
+          <a:noFill/>
+        </p:spPr>
+        <p:txBody>
+          <a:bodyPr vertOverflow="overflow" horzOverflow="clip" vert="horz" wrap="square" lIns="91440" tIns="45720" rIns="91440" bIns="45720" numCol="1" spcCol="0" rtlCol="0" fromWordArt="0" anchor="t" anchorCtr="0" forceAA="0" upright="0" compatLnSpc="0">
+            <a:noAutofit/>
+          </a:bodyPr>
+          <a:p>
+            <a:pPr>
+              <a:defRPr/>
+            </a:pPr>
+            <a:r>
+              <a:rPr sz="2400" b="1"/>
+              <a:t>Code C# :</a:t>
+            </a:r>
+            <a:endParaRPr sz="2400" b="1"/>
+          </a:p>
+        </p:txBody>
+      </p:sp>
+      <p:sp>
+        <p:nvSpPr>
+          <p:cNvPr id="7" name="" hidden="0"/>
+          <p:cNvSpPr/>
+          <p:nvPr isPhoto="0" userDrawn="0"/>
+        </p:nvSpPr>
+        <p:spPr bwMode="auto">
+          <a:xfrm flipH="0" flipV="0">
+            <a:off x="168014" y="2506092"/>
+            <a:ext cx="5234126" cy="1463075"/>
+          </a:xfrm>
+          <a:prstGeom prst="rect">
+            <a:avLst/>
+          </a:prstGeom>
+          <a:solidFill>
+            <a:schemeClr val="bg1">
+              <a:lumMod val="85000"/>
+            </a:schemeClr>
+          </a:solidFill>
+        </p:spPr>
+        <p:txBody>
+          <a:bodyPr vertOverflow="overflow" horzOverflow="clip" vert="horz" wrap="square" lIns="91440" tIns="45720" rIns="91440" bIns="45720" numCol="1" spcCol="0" rtlCol="0" fromWordArt="0" anchor="t" anchorCtr="0" forceAA="0" upright="0" compatLnSpc="0">
+            <a:noAutofit/>
+          </a:bodyPr>
+          <a:p>
+            <a:pPr>
+              <a:defRPr/>
+            </a:pPr>
+            <a:r>
+              <a:rPr lang="fr-FR" sz="1800" b="0" i="0" u="none" strike="noStrike" cap="none" spc="0">
+                <a:solidFill>
+                  <a:srgbClr val="000000"/>
                 </a:solidFill>
                 <a:latin typeface="Consolas"/>
                 <a:ea typeface="Consolas"/>
                 <a:cs typeface="Consolas"/>
               </a:rPr>
-              <a:t>jeu_maths.py</a:t>
-            </a:r>
-            <a:endParaRPr/>
-          </a:p>
-        </p:txBody>
-      </p:sp>
-      <p:sp>
-        <p:nvSpPr>
-          <p:cNvPr id="5" name="Text Placeholder 2" hidden="0"/>
-          <p:cNvSpPr>
-            <a:spLocks noGrp="1"/>
-          </p:cNvSpPr>
-          <p:nvPr isPhoto="0" userDrawn="0">
-            <p:ph type="body" idx="1" hasCustomPrompt="0"/>
-          </p:nvPr>
+              <a:t>print(</a:t>
+            </a:r>
+            <a:r>
+              <a:rPr lang="fr-FR" sz="1800" b="0" i="0" u="none" strike="noStrike" cap="none" spc="0">
+                <a:solidFill>
+                  <a:srgbClr val="A31515"/>
+                </a:solidFill>
+                <a:latin typeface="Consolas"/>
+                <a:ea typeface="Consolas"/>
+                <a:cs typeface="Consolas"/>
+              </a:rPr>
+              <a:t>"</a:t>
+            </a:r>
+            <a:r>
+              <a:rPr lang="fr-FR" sz="1800" b="0" i="0" u="none" strike="noStrike" cap="none" spc="0">
+                <a:solidFill>
+                  <a:srgbClr val="A31515"/>
+                </a:solidFill>
+                <a:latin typeface="Consolas"/>
+                <a:ea typeface="Consolas"/>
+                <a:cs typeface="Consolas"/>
+              </a:rPr>
+              <a:t>Co</a:t>
+            </a:r>
+            <a:r>
+              <a:rPr lang="fr-FR" sz="1800" b="0" i="0" u="none" strike="noStrike" cap="none" spc="0">
+                <a:solidFill>
+                  <a:srgbClr val="A31515"/>
+                </a:solidFill>
+                <a:latin typeface="Consolas"/>
+                <a:ea typeface="Consolas"/>
+                <a:cs typeface="Consolas"/>
+              </a:rPr>
+              <a:t>mment </a:t>
+            </a:r>
+            <a:r>
+              <a:rPr lang="fr-FR" sz="1800" b="0" i="0" u="none" strike="noStrike" cap="none" spc="0">
+                <a:solidFill>
+                  <a:srgbClr val="A31515"/>
+                </a:solidFill>
+                <a:latin typeface="Consolas"/>
+                <a:ea typeface="Consolas"/>
+                <a:cs typeface="Consolas"/>
+              </a:rPr>
+              <a:t>t’appelles-tu ?"</a:t>
+            </a:r>
+            <a:r>
+              <a:rPr lang="fr-FR" sz="1800" b="0" i="0" u="none" strike="noStrike" cap="none" spc="0">
+                <a:solidFill>
+                  <a:srgbClr val="000000"/>
+                </a:solidFill>
+                <a:latin typeface="Consolas"/>
+                <a:ea typeface="Consolas"/>
+                <a:cs typeface="Consolas"/>
+              </a:rPr>
+              <a:t>)</a:t>
+            </a:r>
+            <a:endParaRPr sz="1800" b="0" i="0" u="none">
+              <a:solidFill>
+                <a:srgbClr val="000000"/>
+              </a:solidFill>
+              <a:latin typeface="Consolas"/>
+              <a:ea typeface="Consolas"/>
+              <a:cs typeface="Consolas"/>
+            </a:endParaRPr>
+          </a:p>
+          <a:p>
+            <a:pPr>
+              <a:defRPr/>
+            </a:pPr>
+            <a:r>
+              <a:rPr lang="fr-FR" sz="1800" b="0" i="0" u="none" strike="noStrike" cap="none" spc="0">
+                <a:solidFill>
+                  <a:srgbClr val="000000"/>
+                </a:solidFill>
+                <a:latin typeface="Consolas"/>
+                <a:ea typeface="Consolas"/>
+                <a:cs typeface="Consolas"/>
+              </a:rPr>
+              <a:t> </a:t>
+            </a:r>
+            <a:endParaRPr sz="1800" b="0" i="0" u="none">
+              <a:solidFill>
+                <a:srgbClr val="000000"/>
+              </a:solidFill>
+              <a:latin typeface="Consolas"/>
+              <a:ea typeface="Consolas"/>
+              <a:cs typeface="Consolas"/>
+            </a:endParaRPr>
+          </a:p>
+          <a:p>
+            <a:pPr>
+              <a:defRPr/>
+            </a:pPr>
+            <a:r>
+              <a:rPr lang="fr-FR" sz="1800" b="0" i="0" u="none" strike="noStrike" cap="none" spc="0">
+                <a:solidFill>
+                  <a:srgbClr val="000000"/>
+                </a:solidFill>
+                <a:latin typeface="Consolas"/>
+                <a:ea typeface="Consolas"/>
+                <a:cs typeface="Consolas"/>
+              </a:rPr>
+              <a:t>name = input()</a:t>
+            </a:r>
+            <a:endParaRPr sz="1800" b="0" i="0" u="none">
+              <a:solidFill>
+                <a:srgbClr val="000000"/>
+              </a:solidFill>
+              <a:latin typeface="Consolas"/>
+              <a:ea typeface="Consolas"/>
+              <a:cs typeface="Consolas"/>
+            </a:endParaRPr>
+          </a:p>
+          <a:p>
+            <a:pPr>
+              <a:defRPr/>
+            </a:pPr>
+            <a:r>
+              <a:rPr lang="fr-FR" sz="1800" b="0" i="0" u="none" strike="noStrike" cap="none" spc="0">
+                <a:solidFill>
+                  <a:srgbClr val="000000"/>
+                </a:solidFill>
+                <a:latin typeface="Consolas"/>
+                <a:ea typeface="Consolas"/>
+                <a:cs typeface="Consolas"/>
+              </a:rPr>
+              <a:t> </a:t>
+            </a:r>
+            <a:endParaRPr sz="1800" b="0" i="0" u="none">
+              <a:solidFill>
+                <a:srgbClr val="000000"/>
+              </a:solidFill>
+              <a:latin typeface="Consolas"/>
+              <a:ea typeface="Consolas"/>
+              <a:cs typeface="Consolas"/>
+            </a:endParaRPr>
+          </a:p>
+          <a:p>
+            <a:pPr>
+              <a:defRPr/>
+            </a:pPr>
+            <a:r>
+              <a:rPr lang="fr-FR" sz="1800" b="0" i="0" u="none" strike="noStrike" cap="none" spc="0">
+                <a:solidFill>
+                  <a:srgbClr val="000000"/>
+                </a:solidFill>
+                <a:latin typeface="Consolas"/>
+                <a:ea typeface="Consolas"/>
+                <a:cs typeface="Consolas"/>
+              </a:rPr>
+              <a:t>print(</a:t>
+            </a:r>
+            <a:r>
+              <a:rPr lang="fr-FR" sz="1800" b="0" i="0" u="none" strike="noStrike" cap="none" spc="0">
+                <a:solidFill>
+                  <a:srgbClr val="A31515"/>
+                </a:solidFill>
+                <a:latin typeface="Consolas"/>
+                <a:ea typeface="Consolas"/>
+                <a:cs typeface="Consolas"/>
+              </a:rPr>
+              <a:t>"Salut, "</a:t>
+            </a:r>
+            <a:r>
+              <a:rPr lang="fr-FR" sz="1800" b="0" i="0" u="none" strike="noStrike" cap="none" spc="0">
+                <a:solidFill>
+                  <a:srgbClr val="000000"/>
+                </a:solidFill>
+                <a:latin typeface="Consolas"/>
+                <a:ea typeface="Consolas"/>
+                <a:cs typeface="Consolas"/>
+              </a:rPr>
+              <a:t> + name + </a:t>
+            </a:r>
+            <a:r>
+              <a:rPr lang="fr-FR" sz="1800" b="0" i="0" u="none" strike="noStrike" cap="none" spc="0">
+                <a:solidFill>
+                  <a:srgbClr val="A31515"/>
+                </a:solidFill>
+                <a:latin typeface="Consolas"/>
+                <a:ea typeface="Consolas"/>
+                <a:cs typeface="Consolas"/>
+              </a:rPr>
+              <a:t>" !"</a:t>
+            </a:r>
+            <a:r>
+              <a:rPr lang="fr-FR" sz="1800" b="0" i="0" u="none" strike="noStrike" cap="none" spc="0">
+                <a:solidFill>
+                  <a:srgbClr val="000000"/>
+                </a:solidFill>
+                <a:latin typeface="Consolas"/>
+                <a:ea typeface="Consolas"/>
+                <a:cs typeface="Consolas"/>
+              </a:rPr>
+              <a:t>)</a:t>
+            </a:r>
+            <a:endParaRPr sz="1800" b="0" i="0" u="none">
+              <a:solidFill>
+                <a:srgbClr val="000000"/>
+              </a:solidFill>
+              <a:latin typeface="Consolas"/>
+              <a:ea typeface="Consolas"/>
+              <a:cs typeface="Consolas"/>
+            </a:endParaRPr>
+          </a:p>
+        </p:txBody>
+      </p:sp>
+      <p:sp>
+        <p:nvSpPr>
+          <p:cNvPr id="8" name="" hidden="0"/>
+          <p:cNvSpPr/>
+          <p:nvPr isPhoto="0" userDrawn="0"/>
         </p:nvSpPr>
         <p:spPr bwMode="auto">
-          <a:xfrm>
-            <a:off x="831849" y="4589462"/>
-            <a:ext cx="10515600" cy="1500186"/>
+          <a:xfrm flipH="0" flipV="0">
+            <a:off x="5550102" y="2506092"/>
+            <a:ext cx="6241499" cy="3726771"/>
           </a:xfrm>
+          <a:prstGeom prst="rect">
+            <a:avLst/>
+          </a:prstGeom>
+          <a:solidFill>
+            <a:schemeClr val="bg1">
+              <a:lumMod val="85000"/>
+            </a:schemeClr>
+          </a:solidFill>
         </p:spPr>
         <p:txBody>
-          <a:bodyPr/>
-          <a:lstStyle>
-            <a:lvl1pPr marL="0" indent="0">
-              <a:buNone/>
-              <a:defRPr sz="2400">
-                <a:solidFill>
-                  <a:schemeClr val="tx1">
-                    <a:tint val="75000"/>
-                  </a:schemeClr>
-                </a:solidFill>
-              </a:defRPr>
-            </a:lvl1pPr>
-            <a:lvl2pPr marL="457200" indent="0">
-              <a:buNone/>
-              <a:defRPr sz="2000">
-                <a:solidFill>
-                  <a:schemeClr val="tx1">
-                    <a:tint val="75000"/>
-                  </a:schemeClr>
-                </a:solidFill>
-              </a:defRPr>
-            </a:lvl2pPr>
-            <a:lvl3pPr marL="914400" indent="0">
-              <a:buNone/>
-              <a:defRPr sz="1800">
-                <a:solidFill>
-                  <a:schemeClr val="tx1">
-                    <a:tint val="75000"/>
-                  </a:schemeClr>
-                </a:solidFill>
-              </a:defRPr>
-            </a:lvl3pPr>
-            <a:lvl4pPr marL="1371600" indent="0">
-              <a:buNone/>
-              <a:defRPr sz="1600">
-                <a:solidFill>
-                  <a:schemeClr val="tx1">
-                    <a:tint val="75000"/>
-                  </a:schemeClr>
-                </a:solidFill>
-              </a:defRPr>
-            </a:lvl4pPr>
-            <a:lvl5pPr marL="1828800" indent="0">
-              <a:buNone/>
-              <a:defRPr sz="1600">
-                <a:solidFill>
-                  <a:schemeClr val="tx1">
-                    <a:tint val="75000"/>
-                  </a:schemeClr>
-                </a:solidFill>
-              </a:defRPr>
-            </a:lvl5pPr>
-            <a:lvl6pPr marL="2286000" indent="0">
-              <a:buNone/>
-              <a:defRPr sz="1600">
-                <a:solidFill>
-                  <a:schemeClr val="tx1">
-                    <a:tint val="75000"/>
-                  </a:schemeClr>
-                </a:solidFill>
-              </a:defRPr>
-            </a:lvl6pPr>
-            <a:lvl7pPr marL="2743200" indent="0">
-              <a:buNone/>
-              <a:defRPr sz="1600">
-                <a:solidFill>
-                  <a:schemeClr val="tx1">
-                    <a:tint val="75000"/>
-                  </a:schemeClr>
-                </a:solidFill>
-              </a:defRPr>
-            </a:lvl7pPr>
-            <a:lvl8pPr marL="3200400" indent="0">
-              <a:buNone/>
-              <a:defRPr sz="1600">
-                <a:solidFill>
-                  <a:schemeClr val="tx1">
-                    <a:tint val="75000"/>
-                  </a:schemeClr>
-                </a:solidFill>
-              </a:defRPr>
-            </a:lvl8pPr>
-            <a:lvl9pPr marL="3657600" indent="0">
-              <a:buNone/>
-              <a:defRPr sz="1600">
-                <a:solidFill>
-                  <a:schemeClr val="tx1">
-                    <a:tint val="75000"/>
-                  </a:schemeClr>
-                </a:solidFill>
-              </a:defRPr>
-            </a:lvl9pPr>
-          </a:lstStyle>
-          <a:p>
-            <a:pPr>
-              <a:defRPr/>
-            </a:pPr>
-            <a:endParaRPr/>
-          </a:p>
-          <a:p>
-            <a:pPr>
-              <a:defRPr/>
-            </a:pPr>
-            <a:endParaRPr/>
+          <a:bodyPr vertOverflow="overflow" horzOverflow="clip" vert="horz" wrap="square" lIns="91440" tIns="45720" rIns="91440" bIns="45720" numCol="1" spcCol="0" rtlCol="0" fromWordArt="0" anchor="t" anchorCtr="0" forceAA="0" upright="0" compatLnSpc="0">
+            <a:noAutofit/>
+          </a:bodyPr>
+          <a:p>
+            <a:pPr>
+              <a:defRPr/>
+            </a:pPr>
+            <a:r>
+              <a:rPr sz="1500" b="0" i="0" u="none">
+                <a:solidFill>
+                  <a:srgbClr val="0000FF"/>
+                </a:solidFill>
+                <a:latin typeface="Consolas"/>
+                <a:ea typeface="Consolas"/>
+                <a:cs typeface="Consolas"/>
+              </a:rPr>
+              <a:t>using</a:t>
+            </a:r>
+            <a:r>
+              <a:rPr sz="1500" b="0" i="0" u="none">
+                <a:solidFill>
+                  <a:srgbClr val="000000"/>
+                </a:solidFill>
+                <a:latin typeface="Consolas"/>
+                <a:ea typeface="Consolas"/>
+                <a:cs typeface="Consolas"/>
+              </a:rPr>
+              <a:t> System ;</a:t>
+            </a:r>
+            <a:endParaRPr sz="1500" b="0" i="0" u="none">
+              <a:solidFill>
+                <a:srgbClr val="000000"/>
+              </a:solidFill>
+              <a:latin typeface="Consolas"/>
+              <a:ea typeface="Consolas"/>
+              <a:cs typeface="Consolas"/>
+            </a:endParaRPr>
+          </a:p>
+          <a:p>
+            <a:pPr>
+              <a:defRPr/>
+            </a:pPr>
+            <a:r>
+              <a:rPr sz="1500" b="0" i="0" u="none">
+                <a:solidFill>
+                  <a:srgbClr val="000000"/>
+                </a:solidFill>
+                <a:latin typeface="Consolas"/>
+                <a:ea typeface="Consolas"/>
+                <a:cs typeface="Consolas"/>
+              </a:rPr>
+              <a:t> </a:t>
+            </a:r>
+            <a:endParaRPr sz="1500" b="0" i="0" u="none">
+              <a:solidFill>
+                <a:srgbClr val="000000"/>
+              </a:solidFill>
+              <a:latin typeface="Consolas"/>
+              <a:ea typeface="Consolas"/>
+              <a:cs typeface="Consolas"/>
+            </a:endParaRPr>
+          </a:p>
+          <a:p>
+            <a:pPr>
+              <a:defRPr/>
+            </a:pPr>
+            <a:r>
+              <a:rPr sz="1500" b="0" i="0" u="none">
+                <a:solidFill>
+                  <a:srgbClr val="0000FF"/>
+                </a:solidFill>
+                <a:latin typeface="Consolas"/>
+                <a:ea typeface="Consolas"/>
+                <a:cs typeface="Consolas"/>
+              </a:rPr>
+              <a:t>namespace</a:t>
+            </a:r>
+            <a:r>
+              <a:rPr sz="1500" b="0" i="0" u="none">
+                <a:solidFill>
+                  <a:srgbClr val="000000"/>
+                </a:solidFill>
+                <a:latin typeface="Consolas"/>
+                <a:ea typeface="Consolas"/>
+                <a:cs typeface="Consolas"/>
+              </a:rPr>
+              <a:t> </a:t>
+            </a:r>
+            <a:r>
+              <a:rPr sz="1500" b="0" i="0" u="none">
+                <a:solidFill>
+                  <a:srgbClr val="A31515"/>
+                </a:solidFill>
+                <a:latin typeface="Consolas"/>
+                <a:ea typeface="Consolas"/>
+                <a:cs typeface="Consolas"/>
+              </a:rPr>
+              <a:t>QuelEstTonNom</a:t>
+            </a:r>
+            <a:endParaRPr sz="1500" b="0" i="0" u="none">
+              <a:solidFill>
+                <a:srgbClr val="A31515"/>
+              </a:solidFill>
+              <a:latin typeface="Consolas"/>
+              <a:ea typeface="Consolas"/>
+              <a:cs typeface="Consolas"/>
+            </a:endParaRPr>
+          </a:p>
+          <a:p>
+            <a:pPr>
+              <a:defRPr/>
+            </a:pPr>
+            <a:r>
+              <a:rPr sz="1500" b="0" i="0" u="none">
+                <a:solidFill>
+                  <a:srgbClr val="000000"/>
+                </a:solidFill>
+                <a:latin typeface="Consolas"/>
+                <a:ea typeface="Consolas"/>
+                <a:cs typeface="Consolas"/>
+              </a:rPr>
+              <a:t>{</a:t>
+            </a:r>
+            <a:endParaRPr sz="1500" b="0" i="0" u="none">
+              <a:solidFill>
+                <a:srgbClr val="000000"/>
+              </a:solidFill>
+              <a:latin typeface="Consolas"/>
+              <a:ea typeface="Consolas"/>
+              <a:cs typeface="Consolas"/>
+            </a:endParaRPr>
+          </a:p>
+          <a:p>
+            <a:pPr>
+              <a:defRPr/>
+            </a:pPr>
+            <a:r>
+              <a:rPr sz="1500" b="0" i="0" u="none">
+                <a:solidFill>
+                  <a:srgbClr val="0000FF"/>
+                </a:solidFill>
+                <a:latin typeface="Consolas"/>
+                <a:ea typeface="Consolas"/>
+                <a:cs typeface="Consolas"/>
+              </a:rPr>
+              <a:t>    class</a:t>
+            </a:r>
+            <a:r>
+              <a:rPr sz="1500" b="0" i="0" u="none">
+                <a:solidFill>
+                  <a:srgbClr val="000000"/>
+                </a:solidFill>
+                <a:latin typeface="Consolas"/>
+                <a:ea typeface="Consolas"/>
+                <a:cs typeface="Consolas"/>
+              </a:rPr>
+              <a:t> </a:t>
+            </a:r>
+            <a:r>
+              <a:rPr sz="1500" b="0" i="0" u="none">
+                <a:solidFill>
+                  <a:srgbClr val="A31515"/>
+                </a:solidFill>
+                <a:latin typeface="Consolas"/>
+                <a:ea typeface="Consolas"/>
+                <a:cs typeface="Consolas"/>
+              </a:rPr>
+              <a:t>Programm</a:t>
+            </a:r>
+            <a:endParaRPr sz="1500" b="0" i="0" u="none">
+              <a:solidFill>
+                <a:srgbClr val="000000"/>
+              </a:solidFill>
+              <a:latin typeface="Consolas"/>
+              <a:ea typeface="Consolas"/>
+              <a:cs typeface="Consolas"/>
+            </a:endParaRPr>
+          </a:p>
+          <a:p>
+            <a:pPr>
+              <a:defRPr/>
+            </a:pPr>
+            <a:r>
+              <a:rPr sz="1500" b="0" i="0" u="none">
+                <a:solidFill>
+                  <a:srgbClr val="000000"/>
+                </a:solidFill>
+                <a:latin typeface="Consolas"/>
+                <a:ea typeface="Consolas"/>
+                <a:cs typeface="Consolas"/>
+              </a:rPr>
+              <a:t>    {</a:t>
+            </a:r>
+            <a:endParaRPr sz="1500" b="0" i="0" u="none">
+              <a:solidFill>
+                <a:srgbClr val="000000"/>
+              </a:solidFill>
+              <a:latin typeface="Consolas"/>
+              <a:ea typeface="Consolas"/>
+              <a:cs typeface="Consolas"/>
+            </a:endParaRPr>
+          </a:p>
+          <a:p>
+            <a:pPr>
+              <a:defRPr/>
+            </a:pPr>
+            <a:r>
+              <a:rPr sz="1500" b="0" i="0" u="none">
+                <a:solidFill>
+                  <a:srgbClr val="0000FF"/>
+                </a:solidFill>
+                <a:latin typeface="Consolas"/>
+                <a:ea typeface="Consolas"/>
+                <a:cs typeface="Consolas"/>
+              </a:rPr>
+              <a:t>        static</a:t>
+            </a:r>
+            <a:r>
+              <a:rPr sz="1500" b="0" i="0" u="none">
+                <a:solidFill>
+                  <a:srgbClr val="000000"/>
+                </a:solidFill>
+                <a:latin typeface="Consolas"/>
+                <a:ea typeface="Consolas"/>
+                <a:cs typeface="Consolas"/>
+              </a:rPr>
+              <a:t> </a:t>
+            </a:r>
+            <a:r>
+              <a:rPr sz="1500" b="0" i="0" u="none">
+                <a:solidFill>
+                  <a:srgbClr val="0000FF"/>
+                </a:solidFill>
+                <a:latin typeface="Consolas"/>
+                <a:ea typeface="Consolas"/>
+                <a:cs typeface="Consolas"/>
+              </a:rPr>
+              <a:t>void</a:t>
+            </a:r>
+            <a:r>
+              <a:rPr sz="1500" b="0" i="0" u="none">
+                <a:solidFill>
+                  <a:srgbClr val="000000"/>
+                </a:solidFill>
+                <a:latin typeface="Consolas"/>
+                <a:ea typeface="Consolas"/>
+                <a:cs typeface="Consolas"/>
+              </a:rPr>
+              <a:t> </a:t>
+            </a:r>
+            <a:r>
+              <a:rPr sz="1500" b="0" i="0" u="none">
+                <a:solidFill>
+                  <a:srgbClr val="A31515"/>
+                </a:solidFill>
+                <a:latin typeface="Consolas"/>
+                <a:ea typeface="Consolas"/>
+                <a:cs typeface="Consolas"/>
+              </a:rPr>
+              <a:t>Main</a:t>
+            </a:r>
+            <a:r>
+              <a:rPr sz="1500" b="0" i="0" u="none">
+                <a:solidFill>
+                  <a:srgbClr val="000000"/>
+                </a:solidFill>
+                <a:latin typeface="Consolas"/>
+                <a:ea typeface="Consolas"/>
+                <a:cs typeface="Consolas"/>
+              </a:rPr>
+              <a:t>(</a:t>
+            </a:r>
+            <a:r>
+              <a:rPr sz="1500" b="0" i="0" u="none">
+                <a:solidFill>
+                  <a:srgbClr val="0000FF"/>
+                </a:solidFill>
+                <a:latin typeface="Consolas"/>
+                <a:ea typeface="Consolas"/>
+                <a:cs typeface="Consolas"/>
+              </a:rPr>
+              <a:t>string</a:t>
+            </a:r>
+            <a:r>
+              <a:rPr sz="1500" b="0" i="0" u="none">
+                <a:solidFill>
+                  <a:srgbClr val="000000"/>
+                </a:solidFill>
+                <a:latin typeface="Consolas"/>
+                <a:ea typeface="Consolas"/>
+                <a:cs typeface="Consolas"/>
+              </a:rPr>
+              <a:t>[] args</a:t>
+            </a:r>
+            <a:r>
+              <a:rPr sz="1500" b="0" i="0" u="none">
+                <a:solidFill>
+                  <a:srgbClr val="000000"/>
+                </a:solidFill>
+                <a:latin typeface="Consolas"/>
+                <a:ea typeface="Consolas"/>
+                <a:cs typeface="Consolas"/>
+              </a:rPr>
+              <a:t>)</a:t>
+            </a:r>
+            <a:endParaRPr sz="1500" b="0" i="0" u="none">
+              <a:solidFill>
+                <a:srgbClr val="000000"/>
+              </a:solidFill>
+              <a:latin typeface="Consolas"/>
+              <a:ea typeface="Consolas"/>
+              <a:cs typeface="Consolas"/>
+            </a:endParaRPr>
+          </a:p>
+          <a:p>
+            <a:pPr>
+              <a:defRPr/>
+            </a:pPr>
+            <a:r>
+              <a:rPr sz="1500" b="0" i="0" u="none">
+                <a:solidFill>
+                  <a:srgbClr val="000000"/>
+                </a:solidFill>
+                <a:latin typeface="Consolas"/>
+                <a:ea typeface="Consolas"/>
+                <a:cs typeface="Consolas"/>
+              </a:rPr>
+              <a:t>        {</a:t>
+            </a:r>
+            <a:endParaRPr sz="1500" b="0" i="0" u="none">
+              <a:solidFill>
+                <a:srgbClr val="000000"/>
+              </a:solidFill>
+              <a:latin typeface="Consolas"/>
+              <a:ea typeface="Consolas"/>
+              <a:cs typeface="Consolas"/>
+            </a:endParaRPr>
+          </a:p>
+          <a:p>
+            <a:pPr>
+              <a:defRPr/>
+            </a:pPr>
+            <a:r>
+              <a:rPr sz="1500" b="0" i="0" u="none">
+                <a:solidFill>
+                  <a:srgbClr val="000000"/>
+                </a:solidFill>
+                <a:latin typeface="Consolas"/>
+                <a:ea typeface="Consolas"/>
+                <a:cs typeface="Consolas"/>
+              </a:rPr>
+              <a:t>            Console.WriteLine(</a:t>
+            </a:r>
+            <a:r>
+              <a:rPr sz="1500" b="0" i="0" u="none">
+                <a:solidFill>
+                  <a:srgbClr val="A31515"/>
+                </a:solidFill>
+                <a:latin typeface="Consolas"/>
+                <a:ea typeface="Consolas"/>
+                <a:cs typeface="Consolas"/>
+              </a:rPr>
+              <a:t>"</a:t>
+            </a:r>
+            <a:r>
+              <a:rPr sz="1500" b="0" i="0" u="none">
+                <a:solidFill>
+                  <a:srgbClr val="A31515"/>
+                </a:solidFill>
+                <a:latin typeface="Consolas"/>
+                <a:ea typeface="Consolas"/>
+                <a:cs typeface="Consolas"/>
+              </a:rPr>
+              <a:t>Comment t’appelles-tu ?"</a:t>
+            </a:r>
+            <a:r>
+              <a:rPr sz="1500" b="0" i="0" u="none">
+                <a:solidFill>
+                  <a:srgbClr val="000000"/>
+                </a:solidFill>
+                <a:latin typeface="Consolas"/>
+                <a:ea typeface="Consolas"/>
+                <a:cs typeface="Consolas"/>
+              </a:rPr>
+              <a:t>);</a:t>
+            </a:r>
+            <a:endParaRPr sz="1500" b="0" i="0" u="none">
+              <a:solidFill>
+                <a:srgbClr val="000000"/>
+              </a:solidFill>
+              <a:latin typeface="Consolas"/>
+              <a:ea typeface="Consolas"/>
+              <a:cs typeface="Consolas"/>
+            </a:endParaRPr>
+          </a:p>
+          <a:p>
+            <a:pPr>
+              <a:defRPr/>
+            </a:pPr>
+            <a:r>
+              <a:rPr sz="1500" b="0" i="0" u="none">
+                <a:solidFill>
+                  <a:srgbClr val="000000"/>
+                </a:solidFill>
+                <a:latin typeface="Consolas"/>
+                <a:ea typeface="Consolas"/>
+                <a:cs typeface="Consolas"/>
+              </a:rPr>
+              <a:t>            </a:t>
+            </a:r>
+            <a:endParaRPr sz="1500" b="0" i="0" u="none">
+              <a:solidFill>
+                <a:srgbClr val="0000FF"/>
+              </a:solidFill>
+              <a:latin typeface="Consolas"/>
+              <a:ea typeface="Consolas"/>
+              <a:cs typeface="Consolas"/>
+            </a:endParaRPr>
+          </a:p>
+          <a:p>
+            <a:pPr>
+              <a:defRPr/>
+            </a:pPr>
+            <a:r>
+              <a:rPr sz="1500" b="0" i="0" u="none">
+                <a:solidFill>
+                  <a:srgbClr val="0000FF"/>
+                </a:solidFill>
+                <a:latin typeface="Consolas"/>
+                <a:ea typeface="Consolas"/>
+                <a:cs typeface="Consolas"/>
+              </a:rPr>
+              <a:t>            string</a:t>
+            </a:r>
+            <a:r>
+              <a:rPr sz="1500" b="0" i="0" u="none">
+                <a:solidFill>
+                  <a:srgbClr val="000000"/>
+                </a:solidFill>
+                <a:latin typeface="Consolas"/>
+                <a:ea typeface="Consolas"/>
+                <a:cs typeface="Consolas"/>
+              </a:rPr>
+              <a:t> name = Console.ReadLine();</a:t>
+            </a:r>
+            <a:endParaRPr sz="1500" b="0" i="0" u="none">
+              <a:solidFill>
+                <a:srgbClr val="000000"/>
+              </a:solidFill>
+              <a:latin typeface="Consolas"/>
+              <a:ea typeface="Consolas"/>
+              <a:cs typeface="Consolas"/>
+            </a:endParaRPr>
+          </a:p>
+          <a:p>
+            <a:pPr>
+              <a:defRPr/>
+            </a:pPr>
+            <a:r>
+              <a:rPr sz="1500" b="0" i="0" u="none">
+                <a:solidFill>
+                  <a:srgbClr val="000000"/>
+                </a:solidFill>
+                <a:latin typeface="Consolas"/>
+                <a:ea typeface="Consolas"/>
+                <a:cs typeface="Consolas"/>
+              </a:rPr>
+              <a:t>            </a:t>
+            </a:r>
+            <a:endParaRPr sz="1500" b="0" i="0" u="none">
+              <a:solidFill>
+                <a:srgbClr val="000000"/>
+              </a:solidFill>
+              <a:latin typeface="Consolas"/>
+              <a:ea typeface="Consolas"/>
+              <a:cs typeface="Consolas"/>
+            </a:endParaRPr>
+          </a:p>
+          <a:p>
+            <a:pPr>
+              <a:defRPr/>
+            </a:pPr>
+            <a:r>
+              <a:rPr sz="1500" b="0" i="0" u="none">
+                <a:solidFill>
+                  <a:srgbClr val="000000"/>
+                </a:solidFill>
+                <a:latin typeface="Consolas"/>
+                <a:ea typeface="Consolas"/>
+                <a:cs typeface="Consolas"/>
+              </a:rPr>
+              <a:t>            Console.WriteLine(</a:t>
+            </a:r>
+            <a:r>
+              <a:rPr sz="1500" b="0" i="0" u="none">
+                <a:solidFill>
+                  <a:srgbClr val="A31515"/>
+                </a:solidFill>
+                <a:latin typeface="Consolas"/>
+                <a:ea typeface="Consolas"/>
+                <a:cs typeface="Consolas"/>
+              </a:rPr>
+              <a:t>"Salut, "</a:t>
+            </a:r>
+            <a:r>
+              <a:rPr sz="1500" b="0" i="0" u="none">
+                <a:solidFill>
+                  <a:srgbClr val="000000"/>
+                </a:solidFill>
+                <a:latin typeface="Consolas"/>
+                <a:ea typeface="Consolas"/>
+                <a:cs typeface="Consolas"/>
+              </a:rPr>
+              <a:t> + name + </a:t>
+            </a:r>
+            <a:r>
+              <a:rPr sz="1500" b="0" i="0" u="none">
+                <a:solidFill>
+                  <a:srgbClr val="A31515"/>
+                </a:solidFill>
+                <a:latin typeface="Consolas"/>
+                <a:ea typeface="Consolas"/>
+                <a:cs typeface="Consolas"/>
+              </a:rPr>
+              <a:t>" !"</a:t>
+            </a:r>
+            <a:r>
+              <a:rPr sz="1500" b="0" i="0" u="none">
+                <a:solidFill>
+                  <a:srgbClr val="000000"/>
+                </a:solidFill>
+                <a:latin typeface="Consolas"/>
+                <a:ea typeface="Consolas"/>
+                <a:cs typeface="Consolas"/>
+              </a:rPr>
+              <a:t>);</a:t>
+            </a:r>
+            <a:endParaRPr sz="1500" b="0" i="0" u="none">
+              <a:solidFill>
+                <a:srgbClr val="000000"/>
+              </a:solidFill>
+              <a:latin typeface="Consolas"/>
+              <a:ea typeface="Consolas"/>
+              <a:cs typeface="Consolas"/>
+            </a:endParaRPr>
+          </a:p>
+          <a:p>
+            <a:pPr>
+              <a:defRPr/>
+            </a:pPr>
+            <a:r>
+              <a:rPr sz="1500" b="0" i="0" u="none">
+                <a:solidFill>
+                  <a:srgbClr val="000000"/>
+                </a:solidFill>
+                <a:latin typeface="Consolas"/>
+                <a:ea typeface="Consolas"/>
+                <a:cs typeface="Consolas"/>
+              </a:rPr>
+              <a:t>        }</a:t>
+            </a:r>
+            <a:endParaRPr sz="1500" b="0" i="0" u="none">
+              <a:solidFill>
+                <a:srgbClr val="000000"/>
+              </a:solidFill>
+              <a:latin typeface="Consolas"/>
+              <a:ea typeface="Consolas"/>
+              <a:cs typeface="Consolas"/>
+            </a:endParaRPr>
+          </a:p>
+          <a:p>
+            <a:pPr>
+              <a:defRPr/>
+            </a:pPr>
+            <a:r>
+              <a:rPr sz="1500" b="0" i="0" u="none">
+                <a:solidFill>
+                  <a:srgbClr val="000000"/>
+                </a:solidFill>
+                <a:latin typeface="Consolas"/>
+                <a:ea typeface="Consolas"/>
+                <a:cs typeface="Consolas"/>
+              </a:rPr>
+              <a:t>    }</a:t>
+            </a:r>
+            <a:endParaRPr sz="1500" b="0" i="0" u="none">
+              <a:solidFill>
+                <a:srgbClr val="000000"/>
+              </a:solidFill>
+              <a:latin typeface="Consolas"/>
+              <a:ea typeface="Consolas"/>
+              <a:cs typeface="Consolas"/>
+            </a:endParaRPr>
+          </a:p>
+          <a:p>
+            <a:pPr>
+              <a:defRPr/>
+            </a:pPr>
+            <a:r>
+              <a:rPr sz="1500" b="0" i="0" u="none">
+                <a:solidFill>
+                  <a:srgbClr val="000000"/>
+                </a:solidFill>
+                <a:latin typeface="Consolas"/>
+                <a:ea typeface="Consolas"/>
+                <a:cs typeface="Consolas"/>
+              </a:rPr>
+              <a:t>}</a:t>
+            </a:r>
+            <a:endParaRPr sz="1500" b="0" i="0" u="none">
+              <a:solidFill>
+                <a:srgbClr val="000000"/>
+              </a:solidFill>
+              <a:latin typeface="Consolas"/>
+              <a:ea typeface="Consolas"/>
+              <a:cs typeface="Consolas"/>
+            </a:endParaRPr>
+          </a:p>
+        </p:txBody>
+      </p:sp>
+      <p:sp>
+        <p:nvSpPr>
+          <p:cNvPr id="9" name="" hidden="0"/>
+          <p:cNvSpPr/>
+          <p:nvPr isPhoto="0" userDrawn="0"/>
+        </p:nvSpPr>
+        <p:spPr bwMode="auto">
+          <a:xfrm flipH="0" flipV="0">
+            <a:off x="250630" y="4189150"/>
+            <a:ext cx="4947955" cy="457235"/>
+          </a:xfrm>
+          <a:prstGeom prst="rect">
+            <a:avLst/>
+          </a:prstGeom>
+          <a:noFill/>
+        </p:spPr>
+        <p:txBody>
+          <a:bodyPr vertOverflow="overflow" horzOverflow="clip" vert="horz" wrap="square" lIns="91440" tIns="45720" rIns="91440" bIns="45720" numCol="1" spcCol="0" rtlCol="0" fromWordArt="0" anchor="t" anchorCtr="0" forceAA="0" upright="0" compatLnSpc="0">
+            <a:spAutoFit/>
+          </a:bodyPr>
+          <a:p>
+            <a:pPr>
+              <a:defRPr/>
+            </a:pPr>
+            <a:r>
+              <a:rPr sz="2400" b="1"/>
+              <a:t>Résultat :</a:t>
+            </a:r>
+            <a:endParaRPr sz="2400" b="1"/>
+          </a:p>
+        </p:txBody>
+      </p:sp>
+      <p:sp>
+        <p:nvSpPr>
+          <p:cNvPr id="10" name="" hidden="0"/>
+          <p:cNvSpPr/>
+          <p:nvPr isPhoto="0" userDrawn="0"/>
+        </p:nvSpPr>
+        <p:spPr bwMode="auto">
+          <a:xfrm flipH="0" flipV="0">
+            <a:off x="213640" y="4762499"/>
+            <a:ext cx="5187888" cy="1821771"/>
+          </a:xfrm>
+          <a:prstGeom prst="rect">
+            <a:avLst/>
+          </a:prstGeom>
+          <a:solidFill>
+            <a:schemeClr val="tx1"/>
+          </a:solidFill>
+        </p:spPr>
+        <p:txBody>
+          <a:bodyPr vertOverflow="overflow" horzOverflow="clip" vert="horz" wrap="square" lIns="91440" tIns="45720" rIns="91440" bIns="45720" numCol="1" spcCol="0" rtlCol="0" fromWordArt="0" anchor="t" anchorCtr="0" forceAA="0" upright="0" compatLnSpc="0">
+            <a:noAutofit/>
+          </a:bodyPr>
+          <a:p>
+            <a:pPr>
+              <a:defRPr/>
+            </a:pPr>
+            <a:r>
+              <a:rPr>
+                <a:solidFill>
+                  <a:schemeClr val="bg1"/>
+                </a:solidFill>
+                <a:latin typeface="Consolas"/>
+                <a:ea typeface="Consolas"/>
+                <a:cs typeface="Consolas"/>
+              </a:rPr>
+              <a:t>Comment t’appelles-tu ?</a:t>
+            </a:r>
+            <a:endParaRPr>
+              <a:solidFill>
+                <a:schemeClr val="bg1"/>
+              </a:solidFill>
+              <a:latin typeface="Consolas"/>
+              <a:ea typeface="Consolas"/>
+              <a:cs typeface="Consolas"/>
+            </a:endParaRPr>
+          </a:p>
+          <a:p>
+            <a:pPr>
+              <a:defRPr/>
+            </a:pPr>
+            <a:r>
+              <a:rPr>
+                <a:solidFill>
+                  <a:schemeClr val="bg1"/>
+                </a:solidFill>
+                <a:latin typeface="Consolas"/>
+                <a:ea typeface="Consolas"/>
+                <a:cs typeface="Consolas"/>
+              </a:rPr>
+              <a:t>Natan</a:t>
+            </a:r>
+            <a:endParaRPr>
+              <a:solidFill>
+                <a:schemeClr val="bg1"/>
+              </a:solidFill>
+              <a:latin typeface="Consolas"/>
+              <a:ea typeface="Consolas"/>
+              <a:cs typeface="Consolas"/>
+            </a:endParaRPr>
+          </a:p>
+          <a:p>
+            <a:pPr>
+              <a:defRPr/>
+            </a:pPr>
+            <a:r>
+              <a:rPr>
+                <a:solidFill>
+                  <a:schemeClr val="bg1"/>
+                </a:solidFill>
+                <a:latin typeface="Consolas"/>
+                <a:ea typeface="Consolas"/>
+                <a:cs typeface="Consolas"/>
+              </a:rPr>
+              <a:t>Salut, Natan !</a:t>
+            </a:r>
+            <a:endParaRPr>
+              <a:solidFill>
+                <a:schemeClr val="bg1"/>
+              </a:solidFill>
+              <a:latin typeface="Consolas"/>
+              <a:ea typeface="Consolas"/>
+              <a:cs typeface="Consolas"/>
+            </a:endParaRPr>
           </a:p>
         </p:txBody>
       </p:sp>
@@ -7217,6 +8249,224 @@
 </file>
 
 <file path=ppt/slides/slide7.xml><?xml version="1.0" encoding="utf-8"?>
+<p:sld xmlns:a="http://schemas.openxmlformats.org/drawingml/2006/main" xmlns:r="http://schemas.openxmlformats.org/officeDocument/2006/relationships" xmlns:p="http://schemas.openxmlformats.org/presentationml/2006/main" xmlns:m="http://schemas.openxmlformats.org/officeDocument/2006/math" xmlns:w="http://schemas.openxmlformats.org/wordprocessingml/2006/main" showMasterPhAnim="0" show="1">
+  <p:cSld name="">
+    <p:bg>
+      <p:bgPr shadeToTitle="0">
+        <a:blipFill>
+          <a:blip r:embed="rId3"/>
+          <a:stretch/>
+        </a:blipFill>
+      </p:bgPr>
+    </p:bg>
+    <p:spTree>
+      <p:nvGrpSpPr>
+        <p:cNvPr id="1" name="" hidden="0"/>
+        <p:cNvGrpSpPr/>
+        <p:nvPr isPhoto="0" userDrawn="0"/>
+      </p:nvGrpSpPr>
+      <p:grpSpPr bwMode="auto">
+        <a:xfrm>
+          <a:off x="0" y="0"/>
+          <a:ext cx="0" cy="0"/>
+          <a:chOff x="0" y="0"/>
+          <a:chExt cx="0" cy="0"/>
+        </a:xfrm>
+      </p:grpSpPr>
+      <p:sp>
+        <p:nvSpPr>
+          <p:cNvPr id="4" name="Title 1" hidden="0"/>
+          <p:cNvSpPr>
+            <a:spLocks noGrp="1"/>
+          </p:cNvSpPr>
+          <p:nvPr isPhoto="0" userDrawn="0">
+            <p:ph type="title" hasCustomPrompt="0"/>
+          </p:nvPr>
+        </p:nvSpPr>
+        <p:spPr bwMode="auto">
+          <a:xfrm>
+            <a:off x="831849" y="1709737"/>
+            <a:ext cx="10515600" cy="2852736"/>
+          </a:xfrm>
+        </p:spPr>
+        <p:txBody>
+          <a:bodyPr anchor="b"/>
+          <a:lstStyle>
+            <a:lvl1pPr>
+              <a:defRPr sz="6000"/>
+            </a:lvl1pPr>
+          </a:lstStyle>
+          <a:p>
+            <a:pPr>
+              <a:defRPr/>
+            </a:pPr>
+            <a:r>
+              <a:rPr/>
+              <a:t>Décryptons </a:t>
+            </a:r>
+            <a:r>
+              <a:rPr>
+                <a:solidFill>
+                  <a:schemeClr val="tx1">
+                    <a:lumMod val="50000"/>
+                    <a:lumOff val="50000"/>
+                  </a:schemeClr>
+                </a:solidFill>
+                <a:latin typeface="Consolas"/>
+                <a:ea typeface="Consolas"/>
+                <a:cs typeface="Consolas"/>
+              </a:rPr>
+              <a:t>jeu_maths.py</a:t>
+            </a:r>
+            <a:endParaRPr/>
+          </a:p>
+        </p:txBody>
+      </p:sp>
+      <p:sp>
+        <p:nvSpPr>
+          <p:cNvPr id="5" name="Text Placeholder 2" hidden="0"/>
+          <p:cNvSpPr>
+            <a:spLocks noGrp="1"/>
+          </p:cNvSpPr>
+          <p:nvPr isPhoto="0" userDrawn="0">
+            <p:ph type="body" idx="1" hasCustomPrompt="0"/>
+          </p:nvPr>
+        </p:nvSpPr>
+        <p:spPr bwMode="auto">
+          <a:xfrm>
+            <a:off x="831849" y="4589462"/>
+            <a:ext cx="10515600" cy="1500186"/>
+          </a:xfrm>
+        </p:spPr>
+        <p:txBody>
+          <a:bodyPr/>
+          <a:lstStyle>
+            <a:lvl1pPr marL="0" indent="0">
+              <a:buNone/>
+              <a:defRPr sz="2400">
+                <a:solidFill>
+                  <a:schemeClr val="tx1">
+                    <a:tint val="75000"/>
+                  </a:schemeClr>
+                </a:solidFill>
+              </a:defRPr>
+            </a:lvl1pPr>
+            <a:lvl2pPr marL="457200" indent="0">
+              <a:buNone/>
+              <a:defRPr sz="2000">
+                <a:solidFill>
+                  <a:schemeClr val="tx1">
+                    <a:tint val="75000"/>
+                  </a:schemeClr>
+                </a:solidFill>
+              </a:defRPr>
+            </a:lvl2pPr>
+            <a:lvl3pPr marL="914400" indent="0">
+              <a:buNone/>
+              <a:defRPr sz="1800">
+                <a:solidFill>
+                  <a:schemeClr val="tx1">
+                    <a:tint val="75000"/>
+                  </a:schemeClr>
+                </a:solidFill>
+              </a:defRPr>
+            </a:lvl3pPr>
+            <a:lvl4pPr marL="1371600" indent="0">
+              <a:buNone/>
+              <a:defRPr sz="1600">
+                <a:solidFill>
+                  <a:schemeClr val="tx1">
+                    <a:tint val="75000"/>
+                  </a:schemeClr>
+                </a:solidFill>
+              </a:defRPr>
+            </a:lvl4pPr>
+            <a:lvl5pPr marL="1828800" indent="0">
+              <a:buNone/>
+              <a:defRPr sz="1600">
+                <a:solidFill>
+                  <a:schemeClr val="tx1">
+                    <a:tint val="75000"/>
+                  </a:schemeClr>
+                </a:solidFill>
+              </a:defRPr>
+            </a:lvl5pPr>
+            <a:lvl6pPr marL="2286000" indent="0">
+              <a:buNone/>
+              <a:defRPr sz="1600">
+                <a:solidFill>
+                  <a:schemeClr val="tx1">
+                    <a:tint val="75000"/>
+                  </a:schemeClr>
+                </a:solidFill>
+              </a:defRPr>
+            </a:lvl6pPr>
+            <a:lvl7pPr marL="2743200" indent="0">
+              <a:buNone/>
+              <a:defRPr sz="1600">
+                <a:solidFill>
+                  <a:schemeClr val="tx1">
+                    <a:tint val="75000"/>
+                  </a:schemeClr>
+                </a:solidFill>
+              </a:defRPr>
+            </a:lvl7pPr>
+            <a:lvl8pPr marL="3200400" indent="0">
+              <a:buNone/>
+              <a:defRPr sz="1600">
+                <a:solidFill>
+                  <a:schemeClr val="tx1">
+                    <a:tint val="75000"/>
+                  </a:schemeClr>
+                </a:solidFill>
+              </a:defRPr>
+            </a:lvl8pPr>
+            <a:lvl9pPr marL="3657600" indent="0">
+              <a:buNone/>
+              <a:defRPr sz="1600">
+                <a:solidFill>
+                  <a:schemeClr val="tx1">
+                    <a:tint val="75000"/>
+                  </a:schemeClr>
+                </a:solidFill>
+              </a:defRPr>
+            </a:lvl9pPr>
+          </a:lstStyle>
+          <a:p>
+            <a:pPr>
+              <a:defRPr/>
+            </a:pPr>
+            <a:endParaRPr/>
+          </a:p>
+          <a:p>
+            <a:pPr>
+              <a:defRPr/>
+            </a:pPr>
+            <a:endParaRPr/>
+          </a:p>
+        </p:txBody>
+      </p:sp>
+    </p:spTree>
+  </p:cSld>
+  <p:clrMapOvr>
+    <a:masterClrMapping/>
+  </p:clrMapOvr>
+  <mc:AlternateContent xmlns:mc="http://schemas.openxmlformats.org/markup-compatibility/2006">
+    <mc:Choice xmlns:p14="http://schemas.microsoft.com/office/powerpoint/2010/main" Requires="p14">
+      <p:transition spd="med" p14:dur="800" advClick="1">
+        <p14:warp dir="in"/>
+      </p:transition>
+    </mc:Choice>
+    <mc:Fallback>
+      <p:transition spd="med" advClick="1">
+        <p:fade/>
+      </p:transition>
+    </mc:Fallback>
+  </mc:AlternateContent>
+</p:sld>
+</file>
+
+<file path=ppt/slides/slide8.xml><?xml version="1.0" encoding="utf-8"?>
 <p:sld xmlns:a="http://schemas.openxmlformats.org/drawingml/2006/main" xmlns:r="http://schemas.openxmlformats.org/officeDocument/2006/relationships" xmlns:p="http://schemas.openxmlformats.org/presentationml/2006/main" xmlns:m="http://schemas.openxmlformats.org/officeDocument/2006/math" xmlns:w="http://schemas.openxmlformats.org/wordprocessingml/2006/main" showMasterPhAnim="0" show="1">
   <p:cSld name="">
     <p:bg>
@@ -7943,7 +9193,7 @@
 </p:sld>
 </file>
 
-<file path=ppt/slides/slide8.xml><?xml version="1.0" encoding="utf-8"?>
+<file path=ppt/slides/slide9.xml><?xml version="1.0" encoding="utf-8"?>
 <p:sld xmlns:a="http://schemas.openxmlformats.org/drawingml/2006/main" xmlns:r="http://schemas.openxmlformats.org/officeDocument/2006/relationships" xmlns:p="http://schemas.openxmlformats.org/presentationml/2006/main" xmlns:m="http://schemas.openxmlformats.org/officeDocument/2006/math" xmlns:w="http://schemas.openxmlformats.org/wordprocessingml/2006/main" showMasterPhAnim="0" show="1">
   <p:cSld name="">
     <p:bg>
@@ -8415,101 +9665,6 @@
           </a:p>
         </p:txBody>
       </p:sp>
-    </p:spTree>
-  </p:cSld>
-  <p:clrMapOvr>
-    <a:masterClrMapping/>
-  </p:clrMapOvr>
-  <mc:AlternateContent xmlns:mc="http://schemas.openxmlformats.org/markup-compatibility/2006">
-    <mc:Choice xmlns:p14="http://schemas.microsoft.com/office/powerpoint/2010/main" Requires="p14">
-      <p:transition spd="med" p14:dur="800" advClick="1">
-        <p14:warp dir="in"/>
-      </p:transition>
-    </mc:Choice>
-    <mc:Fallback>
-      <p:transition spd="med" advClick="1">
-        <p:fade/>
-      </p:transition>
-    </mc:Fallback>
-  </mc:AlternateContent>
-</p:sld>
-</file>
-
-<file path=ppt/slides/slide9.xml><?xml version="1.0" encoding="utf-8"?>
-<p:sld xmlns:a="http://schemas.openxmlformats.org/drawingml/2006/main" xmlns:r="http://schemas.openxmlformats.org/officeDocument/2006/relationships" xmlns:p="http://schemas.openxmlformats.org/presentationml/2006/main" xmlns:m="http://schemas.openxmlformats.org/officeDocument/2006/math" xmlns:w="http://schemas.openxmlformats.org/wordprocessingml/2006/main" showMasterPhAnim="0" show="1">
-  <p:cSld name="">
-    <p:bg>
-      <p:bgPr shadeToTitle="0">
-        <a:blipFill>
-          <a:blip r:embed="rId2"/>
-          <a:stretch/>
-        </a:blipFill>
-      </p:bgPr>
-    </p:bg>
-    <p:spTree>
-      <p:nvGrpSpPr>
-        <p:cNvPr id="1" name="" hidden="0"/>
-        <p:cNvGrpSpPr/>
-        <p:nvPr isPhoto="0" userDrawn="0"/>
-      </p:nvGrpSpPr>
-      <p:grpSpPr bwMode="auto">
-        <a:xfrm>
-          <a:off x="0" y="0"/>
-          <a:ext cx="0" cy="0"/>
-          <a:chOff x="0" y="0"/>
-          <a:chExt cx="0" cy="0"/>
-        </a:xfrm>
-      </p:grpSpPr>
-      <p:sp>
-        <p:nvSpPr>
-          <p:cNvPr id="4" name="Title 1" hidden="0"/>
-          <p:cNvSpPr>
-            <a:spLocks noGrp="1"/>
-          </p:cNvSpPr>
-          <p:nvPr isPhoto="0" userDrawn="0">
-            <p:ph type="title" hasCustomPrompt="0"/>
-          </p:nvPr>
-        </p:nvSpPr>
-        <p:spPr bwMode="auto"/>
-        <p:txBody>
-          <a:bodyPr/>
-          <a:lstStyle/>
-          <a:p>
-            <a:pPr>
-              <a:defRPr/>
-            </a:pPr>
-            <a:r>
-              <a:rPr/>
-              <a:t>        Début du fichier</a:t>
-            </a:r>
-            <a:endParaRPr/>
-          </a:p>
-        </p:txBody>
-      </p:sp>
-      <p:pic>
-        <p:nvPicPr>
-          <p:cNvPr id="5" name="" hidden="0"/>
-          <p:cNvPicPr>
-            <a:picLocks noChangeAspect="1"/>
-          </p:cNvPicPr>
-          <p:nvPr isPhoto="0" userDrawn="0">
-            <p:ph idx="1" hasCustomPrompt="0"/>
-          </p:nvPr>
-        </p:nvPicPr>
-        <p:blipFill>
-          <a:blip r:embed="rId3"/>
-          <a:stretch/>
-        </p:blipFill>
-        <p:spPr bwMode="auto">
-          <a:xfrm rot="0" flipH="0" flipV="0">
-            <a:off x="869856" y="2237912"/>
-            <a:ext cx="10354702" cy="3560315"/>
-          </a:xfrm>
-          <a:prstGeom prst="rect">
-            <a:avLst/>
-          </a:prstGeom>
-        </p:spPr>
-      </p:pic>
     </p:spTree>
   </p:cSld>
   <p:clrMapOvr>

--- a/present_python.pptx
+++ b/present_python.pptx
@@ -5,7 +5,7 @@
     <p:sldMasterId id="2147483648" r:id="rId1"/>
   </p:sldMasterIdLst>
   <p:notesMasterIdLst>
-    <p:notesMasterId r:id="rId20"/>
+    <p:notesMasterId r:id="rId19"/>
   </p:notesMasterIdLst>
   <p:sldIdLst>
     <p:sldId id="256" r:id="rId4"/>
@@ -23,7 +23,6 @@
     <p:sldId id="268" r:id="rId16"/>
     <p:sldId id="269" r:id="rId17"/>
     <p:sldId id="270" r:id="rId18"/>
-    <p:sldId id="271" r:id="rId19"/>
   </p:sldIdLst>
   <p:sldSz cx="12192000" cy="6858000"/>
   <p:notesSz cx="6858000" cy="12192000"/>
@@ -5729,101 +5728,6 @@
     <p:bg>
       <p:bgPr shadeToTitle="0">
         <a:blipFill>
-          <a:blip r:embed="rId2"/>
-          <a:stretch/>
-        </a:blipFill>
-      </p:bgPr>
-    </p:bg>
-    <p:spTree>
-      <p:nvGrpSpPr>
-        <p:cNvPr id="1" name="" hidden="0"/>
-        <p:cNvGrpSpPr/>
-        <p:nvPr isPhoto="0" userDrawn="0"/>
-      </p:nvGrpSpPr>
-      <p:grpSpPr bwMode="auto">
-        <a:xfrm>
-          <a:off x="0" y="0"/>
-          <a:ext cx="0" cy="0"/>
-          <a:chOff x="0" y="0"/>
-          <a:chExt cx="0" cy="0"/>
-        </a:xfrm>
-      </p:grpSpPr>
-      <p:sp>
-        <p:nvSpPr>
-          <p:cNvPr id="4" name="Title 1" hidden="0"/>
-          <p:cNvSpPr>
-            <a:spLocks noGrp="1"/>
-          </p:cNvSpPr>
-          <p:nvPr isPhoto="0" userDrawn="0">
-            <p:ph type="title" hasCustomPrompt="0"/>
-          </p:nvPr>
-        </p:nvSpPr>
-        <p:spPr bwMode="auto"/>
-        <p:txBody>
-          <a:bodyPr/>
-          <a:lstStyle/>
-          <a:p>
-            <a:pPr>
-              <a:defRPr/>
-            </a:pPr>
-            <a:r>
-              <a:rPr/>
-              <a:t>        Exécution du programme</a:t>
-            </a:r>
-            <a:endParaRPr/>
-          </a:p>
-        </p:txBody>
-      </p:sp>
-      <p:pic>
-        <p:nvPicPr>
-          <p:cNvPr id="5" name="" hidden="0"/>
-          <p:cNvPicPr>
-            <a:picLocks noChangeAspect="1"/>
-          </p:cNvPicPr>
-          <p:nvPr isPhoto="0" userDrawn="0">
-            <p:ph idx="1" hasCustomPrompt="0"/>
-          </p:nvPr>
-        </p:nvPicPr>
-        <p:blipFill>
-          <a:blip r:embed="rId3"/>
-          <a:stretch/>
-        </p:blipFill>
-        <p:spPr bwMode="auto">
-          <a:xfrm rot="0" flipH="0" flipV="0">
-            <a:off x="3439036" y="3329125"/>
-            <a:ext cx="5858925" cy="1229927"/>
-          </a:xfrm>
-          <a:prstGeom prst="rect">
-            <a:avLst/>
-          </a:prstGeom>
-        </p:spPr>
-      </p:pic>
-    </p:spTree>
-  </p:cSld>
-  <p:clrMapOvr>
-    <a:masterClrMapping/>
-  </p:clrMapOvr>
-  <mc:AlternateContent xmlns:mc="http://schemas.openxmlformats.org/markup-compatibility/2006">
-    <mc:Choice xmlns:p14="http://schemas.microsoft.com/office/powerpoint/2010/main" Requires="p14">
-      <p:transition spd="med" p14:dur="800" advClick="1">
-        <p14:warp dir="in"/>
-      </p:transition>
-    </mc:Choice>
-    <mc:Fallback>
-      <p:transition spd="med" advClick="1">
-        <p:fade/>
-      </p:transition>
-    </mc:Fallback>
-  </mc:AlternateContent>
-</p:sld>
-</file>
-
-<file path=ppt/slides/slide16.xml><?xml version="1.0" encoding="utf-8"?>
-<p:sld xmlns:a="http://schemas.openxmlformats.org/drawingml/2006/main" xmlns:r="http://schemas.openxmlformats.org/officeDocument/2006/relationships" xmlns:p="http://schemas.openxmlformats.org/presentationml/2006/main" xmlns:m="http://schemas.openxmlformats.org/officeDocument/2006/math" xmlns:w="http://schemas.openxmlformats.org/wordprocessingml/2006/main" showMasterPhAnim="0" show="1">
-  <p:cSld name="">
-    <p:bg>
-      <p:bgPr shadeToTitle="0">
-        <a:blipFill>
           <a:blip r:embed="rId3"/>
           <a:stretch/>
         </a:blipFill>
@@ -7131,7 +7035,7 @@
         </p:nvSpPr>
         <p:spPr bwMode="auto">
           <a:xfrm flipH="0" flipV="0">
-            <a:off x="838199" y="365124"/>
+            <a:off x="838198" y="365124"/>
             <a:ext cx="11166095" cy="1325562"/>
           </a:xfrm>
         </p:spPr>
@@ -7222,7 +7126,7 @@
         </p:nvSpPr>
         <p:spPr bwMode="auto">
           <a:xfrm flipH="0" flipV="0">
-            <a:off x="168014" y="2506092"/>
+            <a:off x="168014" y="2506091"/>
             <a:ext cx="5234126" cy="1463075"/>
           </a:xfrm>
           <a:prstGeom prst="rect">
@@ -7467,7 +7371,7 @@
         </p:nvSpPr>
         <p:spPr bwMode="auto">
           <a:xfrm flipH="0" flipV="0">
-            <a:off x="5550102" y="2506092"/>
+            <a:off x="5550102" y="2506091"/>
             <a:ext cx="6241499" cy="3726771"/>
           </a:xfrm>
           <a:prstGeom prst="rect">
